--- a/Unreal engine 4.pptx
+++ b/Unreal engine 4.pptx
@@ -7,39 +7,43 @@
   <p:sldIdLst>
     <p:sldId id="256" r:id="rId2"/>
     <p:sldId id="257" r:id="rId3"/>
-    <p:sldId id="290" r:id="rId4"/>
-    <p:sldId id="258" r:id="rId5"/>
-    <p:sldId id="259" r:id="rId6"/>
-    <p:sldId id="260" r:id="rId7"/>
-    <p:sldId id="261" r:id="rId8"/>
-    <p:sldId id="262" r:id="rId9"/>
-    <p:sldId id="263" r:id="rId10"/>
-    <p:sldId id="264" r:id="rId11"/>
-    <p:sldId id="265" r:id="rId12"/>
-    <p:sldId id="266" r:id="rId13"/>
-    <p:sldId id="268" r:id="rId14"/>
-    <p:sldId id="267" r:id="rId15"/>
-    <p:sldId id="269" r:id="rId16"/>
-    <p:sldId id="270" r:id="rId17"/>
-    <p:sldId id="271" r:id="rId18"/>
-    <p:sldId id="272" r:id="rId19"/>
-    <p:sldId id="273" r:id="rId20"/>
-    <p:sldId id="274" r:id="rId21"/>
-    <p:sldId id="275" r:id="rId22"/>
-    <p:sldId id="276" r:id="rId23"/>
-    <p:sldId id="277" r:id="rId24"/>
-    <p:sldId id="278" r:id="rId25"/>
-    <p:sldId id="279" r:id="rId26"/>
-    <p:sldId id="280" r:id="rId27"/>
-    <p:sldId id="281" r:id="rId28"/>
-    <p:sldId id="282" r:id="rId29"/>
-    <p:sldId id="283" r:id="rId30"/>
-    <p:sldId id="284" r:id="rId31"/>
-    <p:sldId id="285" r:id="rId32"/>
-    <p:sldId id="286" r:id="rId33"/>
-    <p:sldId id="287" r:id="rId34"/>
-    <p:sldId id="288" r:id="rId35"/>
-    <p:sldId id="289" r:id="rId36"/>
+    <p:sldId id="291" r:id="rId4"/>
+    <p:sldId id="290" r:id="rId5"/>
+    <p:sldId id="260" r:id="rId6"/>
+    <p:sldId id="261" r:id="rId7"/>
+    <p:sldId id="293" r:id="rId8"/>
+    <p:sldId id="258" r:id="rId9"/>
+    <p:sldId id="259" r:id="rId10"/>
+    <p:sldId id="262" r:id="rId11"/>
+    <p:sldId id="263" r:id="rId12"/>
+    <p:sldId id="264" r:id="rId13"/>
+    <p:sldId id="265" r:id="rId14"/>
+    <p:sldId id="266" r:id="rId15"/>
+    <p:sldId id="268" r:id="rId16"/>
+    <p:sldId id="267" r:id="rId17"/>
+    <p:sldId id="269" r:id="rId18"/>
+    <p:sldId id="270" r:id="rId19"/>
+    <p:sldId id="271" r:id="rId20"/>
+    <p:sldId id="272" r:id="rId21"/>
+    <p:sldId id="273" r:id="rId22"/>
+    <p:sldId id="292" r:id="rId23"/>
+    <p:sldId id="294" r:id="rId24"/>
+    <p:sldId id="274" r:id="rId25"/>
+    <p:sldId id="275" r:id="rId26"/>
+    <p:sldId id="276" r:id="rId27"/>
+    <p:sldId id="277" r:id="rId28"/>
+    <p:sldId id="278" r:id="rId29"/>
+    <p:sldId id="279" r:id="rId30"/>
+    <p:sldId id="280" r:id="rId31"/>
+    <p:sldId id="281" r:id="rId32"/>
+    <p:sldId id="282" r:id="rId33"/>
+    <p:sldId id="283" r:id="rId34"/>
+    <p:sldId id="284" r:id="rId35"/>
+    <p:sldId id="285" r:id="rId36"/>
+    <p:sldId id="286" r:id="rId37"/>
+    <p:sldId id="287" r:id="rId38"/>
+    <p:sldId id="288" r:id="rId39"/>
+    <p:sldId id="289" r:id="rId40"/>
   </p:sldIdLst>
   <p:sldSz cx="12192000" cy="6858000"/>
   <p:notesSz cx="6858000" cy="9144000"/>
@@ -138,6 +142,11 @@
       </a:defRPr>
     </a:lvl9pPr>
   </p:defaultTextStyle>
+  <p:extLst>
+    <p:ext uri="{EFAFB233-063F-42B5-8137-9DF3F51BA10A}">
+      <p15:sldGuideLst xmlns:p15="http://schemas.microsoft.com/office/powerpoint/2012/main"/>
+    </p:ext>
+  </p:extLst>
 </p:presentation>
 </file>
 
@@ -5677,8 +5686,8 @@
         <a:lstStyle/>
         <a:p>
           <a:r>
-            <a:rPr lang="zh-CN" b="1" dirty="0" smtClean="0"/>
-            <a:t>地形系统</a:t>
+            <a:rPr lang="zh-CN" altLang="en-US" b="1" dirty="0" smtClean="0"/>
+            <a:t>坐标系</a:t>
           </a:r>
           <a:endParaRPr lang="zh-CN" altLang="en-US" b="1" dirty="0"/>
         </a:p>
@@ -5714,12 +5723,8 @@
         <a:lstStyle/>
         <a:p>
           <a:r>
-            <a:rPr lang="en-US" altLang="zh-CN" b="1" dirty="0" err="1" smtClean="0"/>
-            <a:t>UE4</a:t>
-          </a:r>
-          <a:r>
-            <a:rPr lang="zh-CN" altLang="en-US" b="1" dirty="0" smtClean="0"/>
-            <a:t>编程</a:t>
+            <a:rPr lang="zh-CN" b="1" dirty="0" smtClean="0"/>
+            <a:t>地形系统</a:t>
           </a:r>
           <a:endParaRPr lang="zh-CN" altLang="en-US" b="1" dirty="0"/>
         </a:p>
@@ -5821,6 +5826,47 @@
         </a:p>
       </dgm:t>
     </dgm:pt>
+    <dgm:pt modelId="{3FE44FB8-6742-44A8-A631-E66B7C5F27DD}">
+      <dgm:prSet phldrT="[文本]"/>
+      <dgm:spPr/>
+      <dgm:t>
+        <a:bodyPr/>
+        <a:lstStyle/>
+        <a:p>
+          <a:r>
+            <a:rPr lang="en-US" altLang="zh-CN" b="1" dirty="0" err="1" smtClean="0"/>
+            <a:t>UE4</a:t>
+          </a:r>
+          <a:r>
+            <a:rPr lang="zh-CN" altLang="en-US" b="1" dirty="0" smtClean="0"/>
+            <a:t>编程</a:t>
+          </a:r>
+          <a:endParaRPr lang="zh-CN" altLang="en-US" b="1" dirty="0"/>
+        </a:p>
+      </dgm:t>
+    </dgm:pt>
+    <dgm:pt modelId="{B5FB1D12-7DCE-46B8-9A84-CE02C8E2E8B7}" type="parTrans" cxnId="{A5312DA2-0F60-4B4B-8E74-A9A3DF9890EB}">
+      <dgm:prSet/>
+      <dgm:spPr/>
+      <dgm:t>
+        <a:bodyPr/>
+        <a:lstStyle/>
+        <a:p>
+          <a:endParaRPr lang="zh-CN" altLang="en-US"/>
+        </a:p>
+      </dgm:t>
+    </dgm:pt>
+    <dgm:pt modelId="{AD83D761-5146-4254-83FB-10E0C08FC939}" type="sibTrans" cxnId="{A5312DA2-0F60-4B4B-8E74-A9A3DF9890EB}">
+      <dgm:prSet/>
+      <dgm:spPr/>
+      <dgm:t>
+        <a:bodyPr/>
+        <a:lstStyle/>
+        <a:p>
+          <a:endParaRPr lang="zh-CN" altLang="en-US"/>
+        </a:p>
+      </dgm:t>
+    </dgm:pt>
     <dgm:pt modelId="{69FB003B-57EE-4211-9807-A8B7AB7B07E0}" type="pres">
       <dgm:prSet presAssocID="{E5E4075C-5551-4728-ABD2-B83F4D4F354E}" presName="diagram" presStyleCnt="0">
         <dgm:presLayoutVars>
@@ -5829,9 +5875,16 @@
         </dgm:presLayoutVars>
       </dgm:prSet>
       <dgm:spPr/>
+      <dgm:t>
+        <a:bodyPr/>
+        <a:lstStyle/>
+        <a:p>
+          <a:endParaRPr lang="zh-CN" altLang="en-US"/>
+        </a:p>
+      </dgm:t>
     </dgm:pt>
     <dgm:pt modelId="{1F2F9025-D0DC-46C3-9FAB-FBAAC6D923C8}" type="pres">
-      <dgm:prSet presAssocID="{506A9445-0CC4-41BB-BED8-FA047CC74F3D}" presName="node" presStyleLbl="node1" presStyleIdx="0" presStyleCnt="4" custLinFactNeighborX="41491" custLinFactNeighborY="988">
+      <dgm:prSet presAssocID="{506A9445-0CC4-41BB-BED8-FA047CC74F3D}" presName="node" presStyleLbl="node1" presStyleIdx="0" presStyleCnt="5" custLinFactNeighborX="4150" custLinFactNeighborY="1482">
         <dgm:presLayoutVars>
           <dgm:bulletEnabled val="1"/>
         </dgm:presLayoutVars>
@@ -5850,7 +5903,7 @@
       <dgm:spPr/>
     </dgm:pt>
     <dgm:pt modelId="{074321C5-9573-47B6-BDC6-C905E8DC5C88}" type="pres">
-      <dgm:prSet presAssocID="{FB27F7CA-E712-43B6-BCD8-7A37654D085D}" presName="node" presStyleLbl="node1" presStyleIdx="1" presStyleCnt="4" custLinFactNeighborX="68459" custLinFactNeighborY="988">
+      <dgm:prSet presAssocID="{FB27F7CA-E712-43B6-BCD8-7A37654D085D}" presName="node" presStyleLbl="node1" presStyleIdx="1" presStyleCnt="5" custLinFactNeighborX="5038" custLinFactNeighborY="494">
         <dgm:presLayoutVars>
           <dgm:bulletEnabled val="1"/>
         </dgm:presLayoutVars>
@@ -5868,20 +5921,46 @@
       <dgm:prSet presAssocID="{27AB8339-29D7-4752-8B52-71B5E0B1CC97}" presName="sibTrans" presStyleCnt="0"/>
       <dgm:spPr/>
     </dgm:pt>
-    <dgm:pt modelId="{2F085381-FDA9-496D-A54C-18125C5AE7A7}" type="pres">
-      <dgm:prSet presAssocID="{AA81C890-39CB-41F5-B110-3D9CA9814736}" presName="node" presStyleLbl="node1" presStyleIdx="2" presStyleCnt="4" custLinFactX="-78410" custLinFactY="17556" custLinFactNeighborX="-100000" custLinFactNeighborY="100000">
+    <dgm:pt modelId="{125073EE-010C-4B55-9491-C390E0FD2C60}" type="pres">
+      <dgm:prSet presAssocID="{3FE44FB8-6742-44A8-A631-E66B7C5F27DD}" presName="node" presStyleLbl="node1" presStyleIdx="2" presStyleCnt="5" custLinFactNeighborX="7559" custLinFactNeighborY="988">
         <dgm:presLayoutVars>
           <dgm:bulletEnabled val="1"/>
         </dgm:presLayoutVars>
       </dgm:prSet>
       <dgm:spPr/>
+      <dgm:t>
+        <a:bodyPr/>
+        <a:lstStyle/>
+        <a:p>
+          <a:endParaRPr lang="zh-CN" altLang="en-US"/>
+        </a:p>
+      </dgm:t>
+    </dgm:pt>
+    <dgm:pt modelId="{4FE76354-28E6-4DAE-AA14-CCF4F2227412}" type="pres">
+      <dgm:prSet presAssocID="{AD83D761-5146-4254-83FB-10E0C08FC939}" presName="sibTrans" presStyleCnt="0"/>
+      <dgm:spPr/>
+    </dgm:pt>
+    <dgm:pt modelId="{2F085381-FDA9-496D-A54C-18125C5AE7A7}" type="pres">
+      <dgm:prSet presAssocID="{AA81C890-39CB-41F5-B110-3D9CA9814736}" presName="node" presStyleLbl="node1" presStyleIdx="3" presStyleCnt="5" custLinFactNeighborX="-16624" custLinFactNeighborY="-892">
+        <dgm:presLayoutVars>
+          <dgm:bulletEnabled val="1"/>
+        </dgm:presLayoutVars>
+      </dgm:prSet>
+      <dgm:spPr/>
+      <dgm:t>
+        <a:bodyPr/>
+        <a:lstStyle/>
+        <a:p>
+          <a:endParaRPr lang="zh-CN" altLang="en-US"/>
+        </a:p>
+      </dgm:t>
     </dgm:pt>
     <dgm:pt modelId="{63C8F050-BFC2-4F2D-981A-CD42F36AED3C}" type="pres">
       <dgm:prSet presAssocID="{78D9799A-0BFB-4804-B5BE-F48EFBD4780D}" presName="sibTrans" presStyleCnt="0"/>
       <dgm:spPr/>
     </dgm:pt>
     <dgm:pt modelId="{0D65E8FB-9B9B-464F-AC5A-066F1A996B1E}" type="pres">
-      <dgm:prSet presAssocID="{4574612B-ACD7-4645-BA16-357B915E0A1E}" presName="node" presStyleLbl="node1" presStyleIdx="3" presStyleCnt="4" custLinFactNeighborX="68458" custLinFactNeighborY="-398">
+      <dgm:prSet presAssocID="{4574612B-ACD7-4645-BA16-357B915E0A1E}" presName="node" presStyleLbl="node1" presStyleIdx="4" presStyleCnt="5" custLinFactNeighborX="-13041" custLinFactNeighborY="-892">
         <dgm:presLayoutVars>
           <dgm:bulletEnabled val="1"/>
         </dgm:presLayoutVars>
@@ -5902,17 +5981,21 @@
     <dgm:cxn modelId="{E31FB227-7A42-40FC-BD5C-11E90168D257}" type="presOf" srcId="{506A9445-0CC4-41BB-BED8-FA047CC74F3D}" destId="{1F2F9025-D0DC-46C3-9FAB-FBAAC6D923C8}" srcOrd="0" destOrd="0" presId="urn:microsoft.com/office/officeart/2005/8/layout/default"/>
     <dgm:cxn modelId="{16E53504-BA57-48C9-B2F9-5315348035B5}" srcId="{E5E4075C-5551-4728-ABD2-B83F4D4F354E}" destId="{FB27F7CA-E712-43B6-BCD8-7A37654D085D}" srcOrd="1" destOrd="0" parTransId="{F8253C77-6AF3-4A0C-8654-664FD60B8864}" sibTransId="{27AB8339-29D7-4752-8B52-71B5E0B1CC97}"/>
     <dgm:cxn modelId="{CD7AA11D-C6A3-47A4-A248-409EF497980E}" type="presOf" srcId="{E5E4075C-5551-4728-ABD2-B83F4D4F354E}" destId="{69FB003B-57EE-4211-9807-A8B7AB7B07E0}" srcOrd="0" destOrd="0" presId="urn:microsoft.com/office/officeart/2005/8/layout/default"/>
-    <dgm:cxn modelId="{B8A07039-58F4-41BC-9A33-5DA6832C3074}" srcId="{E5E4075C-5551-4728-ABD2-B83F4D4F354E}" destId="{4574612B-ACD7-4645-BA16-357B915E0A1E}" srcOrd="3" destOrd="0" parTransId="{8F5812A0-A4C6-4675-A827-37FDD80F371A}" sibTransId="{B1E06A27-2CFD-4388-B66D-B728875BFD54}"/>
+    <dgm:cxn modelId="{B8A07039-58F4-41BC-9A33-5DA6832C3074}" srcId="{E5E4075C-5551-4728-ABD2-B83F4D4F354E}" destId="{4574612B-ACD7-4645-BA16-357B915E0A1E}" srcOrd="4" destOrd="0" parTransId="{8F5812A0-A4C6-4675-A827-37FDD80F371A}" sibTransId="{B1E06A27-2CFD-4388-B66D-B728875BFD54}"/>
     <dgm:cxn modelId="{AF35498B-7F37-4ABA-9DF9-D8DD3CBDCD71}" type="presOf" srcId="{AA81C890-39CB-41F5-B110-3D9CA9814736}" destId="{2F085381-FDA9-496D-A54C-18125C5AE7A7}" srcOrd="0" destOrd="0" presId="urn:microsoft.com/office/officeart/2005/8/layout/default"/>
-    <dgm:cxn modelId="{D5D717C8-B065-4514-9C7C-A5F9E8F5407C}" srcId="{E5E4075C-5551-4728-ABD2-B83F4D4F354E}" destId="{AA81C890-39CB-41F5-B110-3D9CA9814736}" srcOrd="2" destOrd="0" parTransId="{6EC0B5D7-1285-4BC5-AE43-9CC54CD65CA5}" sibTransId="{78D9799A-0BFB-4804-B5BE-F48EFBD4780D}"/>
+    <dgm:cxn modelId="{A5312DA2-0F60-4B4B-8E74-A9A3DF9890EB}" srcId="{E5E4075C-5551-4728-ABD2-B83F4D4F354E}" destId="{3FE44FB8-6742-44A8-A631-E66B7C5F27DD}" srcOrd="2" destOrd="0" parTransId="{B5FB1D12-7DCE-46B8-9A84-CE02C8E2E8B7}" sibTransId="{AD83D761-5146-4254-83FB-10E0C08FC939}"/>
+    <dgm:cxn modelId="{D5D717C8-B065-4514-9C7C-A5F9E8F5407C}" srcId="{E5E4075C-5551-4728-ABD2-B83F4D4F354E}" destId="{AA81C890-39CB-41F5-B110-3D9CA9814736}" srcOrd="3" destOrd="0" parTransId="{6EC0B5D7-1285-4BC5-AE43-9CC54CD65CA5}" sibTransId="{78D9799A-0BFB-4804-B5BE-F48EFBD4780D}"/>
+    <dgm:cxn modelId="{005BD9E5-3A63-41DB-B167-BF84AD5147FC}" type="presOf" srcId="{3FE44FB8-6742-44A8-A631-E66B7C5F27DD}" destId="{125073EE-010C-4B55-9491-C390E0FD2C60}" srcOrd="0" destOrd="0" presId="urn:microsoft.com/office/officeart/2005/8/layout/default"/>
     <dgm:cxn modelId="{D8063856-6917-415E-9391-E1AAB0694C34}" srcId="{E5E4075C-5551-4728-ABD2-B83F4D4F354E}" destId="{506A9445-0CC4-41BB-BED8-FA047CC74F3D}" srcOrd="0" destOrd="0" parTransId="{E0F36465-A342-4BCD-BD68-FB7DF3A7E3B9}" sibTransId="{476B8E16-8E1C-44E5-8B61-368D5F1242F0}"/>
     <dgm:cxn modelId="{A0D48E16-246F-48E2-A025-A650303B8A86}" type="presParOf" srcId="{69FB003B-57EE-4211-9807-A8B7AB7B07E0}" destId="{1F2F9025-D0DC-46C3-9FAB-FBAAC6D923C8}" srcOrd="0" destOrd="0" presId="urn:microsoft.com/office/officeart/2005/8/layout/default"/>
     <dgm:cxn modelId="{922FE2F5-7C11-4CCC-B4B4-83AFD043ABE1}" type="presParOf" srcId="{69FB003B-57EE-4211-9807-A8B7AB7B07E0}" destId="{3BBB9D84-24DF-4B6C-AEB9-7E7D0689A6A7}" srcOrd="1" destOrd="0" presId="urn:microsoft.com/office/officeart/2005/8/layout/default"/>
     <dgm:cxn modelId="{097B9757-1572-4AE2-B199-304C8D1B01C4}" type="presParOf" srcId="{69FB003B-57EE-4211-9807-A8B7AB7B07E0}" destId="{074321C5-9573-47B6-BDC6-C905E8DC5C88}" srcOrd="2" destOrd="0" presId="urn:microsoft.com/office/officeart/2005/8/layout/default"/>
     <dgm:cxn modelId="{AA527F5F-8DF2-4A46-80C8-7AB0D84436B9}" type="presParOf" srcId="{69FB003B-57EE-4211-9807-A8B7AB7B07E0}" destId="{C7CB3A2C-B000-4DBA-B886-4D0A7920FA2D}" srcOrd="3" destOrd="0" presId="urn:microsoft.com/office/officeart/2005/8/layout/default"/>
-    <dgm:cxn modelId="{9BCDD944-1C55-4C33-8A1D-883AA6E8C676}" type="presParOf" srcId="{69FB003B-57EE-4211-9807-A8B7AB7B07E0}" destId="{2F085381-FDA9-496D-A54C-18125C5AE7A7}" srcOrd="4" destOrd="0" presId="urn:microsoft.com/office/officeart/2005/8/layout/default"/>
-    <dgm:cxn modelId="{A2C88BA3-3BAA-46FA-B3D7-2AE0A478FDC9}" type="presParOf" srcId="{69FB003B-57EE-4211-9807-A8B7AB7B07E0}" destId="{63C8F050-BFC2-4F2D-981A-CD42F36AED3C}" srcOrd="5" destOrd="0" presId="urn:microsoft.com/office/officeart/2005/8/layout/default"/>
-    <dgm:cxn modelId="{38BF0342-AA98-4C50-9486-0CF2672F7A39}" type="presParOf" srcId="{69FB003B-57EE-4211-9807-A8B7AB7B07E0}" destId="{0D65E8FB-9B9B-464F-AC5A-066F1A996B1E}" srcOrd="6" destOrd="0" presId="urn:microsoft.com/office/officeart/2005/8/layout/default"/>
+    <dgm:cxn modelId="{9701CB4D-F79A-48FD-9C33-7071CD0AEF2F}" type="presParOf" srcId="{69FB003B-57EE-4211-9807-A8B7AB7B07E0}" destId="{125073EE-010C-4B55-9491-C390E0FD2C60}" srcOrd="4" destOrd="0" presId="urn:microsoft.com/office/officeart/2005/8/layout/default"/>
+    <dgm:cxn modelId="{89F1DFB5-6EBF-410D-AB3A-4C48236085D4}" type="presParOf" srcId="{69FB003B-57EE-4211-9807-A8B7AB7B07E0}" destId="{4FE76354-28E6-4DAE-AA14-CCF4F2227412}" srcOrd="5" destOrd="0" presId="urn:microsoft.com/office/officeart/2005/8/layout/default"/>
+    <dgm:cxn modelId="{9BCDD944-1C55-4C33-8A1D-883AA6E8C676}" type="presParOf" srcId="{69FB003B-57EE-4211-9807-A8B7AB7B07E0}" destId="{2F085381-FDA9-496D-A54C-18125C5AE7A7}" srcOrd="6" destOrd="0" presId="urn:microsoft.com/office/officeart/2005/8/layout/default"/>
+    <dgm:cxn modelId="{A2C88BA3-3BAA-46FA-B3D7-2AE0A478FDC9}" type="presParOf" srcId="{69FB003B-57EE-4211-9807-A8B7AB7B07E0}" destId="{63C8F050-BFC2-4F2D-981A-CD42F36AED3C}" srcOrd="7" destOrd="0" presId="urn:microsoft.com/office/officeart/2005/8/layout/default"/>
+    <dgm:cxn modelId="{38BF0342-AA98-4C50-9486-0CF2672F7A39}" type="presParOf" srcId="{69FB003B-57EE-4211-9807-A8B7AB7B07E0}" destId="{0D65E8FB-9B9B-464F-AC5A-066F1A996B1E}" srcOrd="8" destOrd="0" presId="urn:microsoft.com/office/officeart/2005/8/layout/default"/>
   </dgm:cxnLst>
   <dgm:bg/>
   <dgm:whole/>
@@ -6179,6 +6262,13 @@
         </dgm:presLayoutVars>
       </dgm:prSet>
       <dgm:spPr/>
+      <dgm:t>
+        <a:bodyPr/>
+        <a:lstStyle/>
+        <a:p>
+          <a:endParaRPr lang="zh-CN" altLang="en-US"/>
+        </a:p>
+      </dgm:t>
     </dgm:pt>
     <dgm:pt modelId="{B0A9BCF3-6B0A-4960-A7EF-4A3D4C961F45}" type="pres">
       <dgm:prSet presAssocID="{ADACF16E-37D4-42AA-9B0F-22CBF6213C36}" presName="vertOne" presStyleCnt="0"/>
@@ -6349,8 +6439,8 @@
     <dgm:cxn modelId="{5DBF043C-9776-4FC3-A1D3-8CD4C169E5D3}" srcId="{0370E96D-EF35-4CDF-98A4-85976568E671}" destId="{ADACF16E-37D4-42AA-9B0F-22CBF6213C36}" srcOrd="0" destOrd="0" parTransId="{E3D2EBF7-6605-45F1-AFF3-17667D933495}" sibTransId="{BB743EE9-F9DC-4501-AEF2-B500D8D369C3}"/>
     <dgm:cxn modelId="{22451CFD-F6C5-40A9-A3C9-9EE8E7B0A1ED}" type="presOf" srcId="{ADACF16E-37D4-42AA-9B0F-22CBF6213C36}" destId="{DBD7E2F3-5731-4252-B927-24A840CE6F60}" srcOrd="0" destOrd="0" presId="urn:microsoft.com/office/officeart/2005/8/layout/hierarchy4"/>
     <dgm:cxn modelId="{A559EF37-E67B-402A-BB82-0AD49E68AD93}" type="presOf" srcId="{0370E96D-EF35-4CDF-98A4-85976568E671}" destId="{1BF00C57-ADFF-46EE-AF48-A3A968C9BD98}" srcOrd="0" destOrd="0" presId="urn:microsoft.com/office/officeart/2005/8/layout/hierarchy4"/>
+    <dgm:cxn modelId="{6B347132-14EF-4355-9BE6-1444A3AE7890}" type="presOf" srcId="{3840E690-8EE3-4FBA-B359-E9715C011514}" destId="{85208FF0-C300-41F3-9CC1-FCF547D49A55}" srcOrd="0" destOrd="0" presId="urn:microsoft.com/office/officeart/2005/8/layout/hierarchy4"/>
     <dgm:cxn modelId="{23739F02-904D-4E23-A736-F0A58FB03A0D}" type="presOf" srcId="{B28014DF-55D0-43A3-8F49-DF4DF8C281F6}" destId="{56530FB7-DF15-4C7E-AF47-AFD647E1153D}" srcOrd="0" destOrd="0" presId="urn:microsoft.com/office/officeart/2005/8/layout/hierarchy4"/>
-    <dgm:cxn modelId="{6B347132-14EF-4355-9BE6-1444A3AE7890}" type="presOf" srcId="{3840E690-8EE3-4FBA-B359-E9715C011514}" destId="{85208FF0-C300-41F3-9CC1-FCF547D49A55}" srcOrd="0" destOrd="0" presId="urn:microsoft.com/office/officeart/2005/8/layout/hierarchy4"/>
     <dgm:cxn modelId="{C39CA5E4-83FF-4054-BAC2-BA8E3EB57669}" type="presOf" srcId="{1703EA84-11F3-44FD-8C88-6DED38B1E92A}" destId="{84563411-7D21-4842-9F2F-4C1340D17741}" srcOrd="0" destOrd="0" presId="urn:microsoft.com/office/officeart/2005/8/layout/hierarchy4"/>
     <dgm:cxn modelId="{3EAA77B4-C587-4214-99FD-86426E5AE8D8}" type="presOf" srcId="{84070FC3-46FB-407B-8A90-FDB056190C4F}" destId="{A93BB301-F45C-4130-B442-2F5FC1FFE1FF}" srcOrd="0" destOrd="0" presId="urn:microsoft.com/office/officeart/2005/8/layout/hierarchy4"/>
     <dgm:cxn modelId="{EEA71D85-696B-490B-9C5B-3616B209CB72}" type="presParOf" srcId="{1BF00C57-ADFF-46EE-AF48-A3A968C9BD98}" destId="{B0A9BCF3-6B0A-4960-A7EF-4A3D4C961F45}" srcOrd="0" destOrd="0" presId="urn:microsoft.com/office/officeart/2005/8/layout/hierarchy4"/>
@@ -6573,6 +6663,13 @@
         </dgm:presLayoutVars>
       </dgm:prSet>
       <dgm:spPr/>
+      <dgm:t>
+        <a:bodyPr/>
+        <a:lstStyle/>
+        <a:p>
+          <a:endParaRPr lang="zh-CN" altLang="en-US"/>
+        </a:p>
+      </dgm:t>
     </dgm:pt>
     <dgm:pt modelId="{47C3B4A6-34B3-4147-8ED0-56E374A7CBC9}" type="pres">
       <dgm:prSet presAssocID="{C86CD7A0-5C46-40DF-A9BC-51F7E2CF5307}" presName="parentText" presStyleLbl="node1" presStyleIdx="0" presStyleCnt="2" custLinFactNeighborX="-26010" custLinFactNeighborY="-3042">
@@ -6836,6 +6933,13 @@
         </dgm:presLayoutVars>
       </dgm:prSet>
       <dgm:spPr/>
+      <dgm:t>
+        <a:bodyPr/>
+        <a:lstStyle/>
+        <a:p>
+          <a:endParaRPr lang="zh-CN" altLang="en-US"/>
+        </a:p>
+      </dgm:t>
     </dgm:pt>
     <dgm:pt modelId="{8CE5DF53-05AE-47D6-9F1F-B45F54DFFE48}" type="pres">
       <dgm:prSet presAssocID="{913D1130-5F28-4F03-BA23-D60A232E0A24}" presName="node" presStyleLbl="node1" presStyleIdx="0" presStyleCnt="4" custLinFactNeighborX="45047" custLinFactNeighborY="4445">
@@ -6844,6 +6948,13 @@
         </dgm:presLayoutVars>
       </dgm:prSet>
       <dgm:spPr/>
+      <dgm:t>
+        <a:bodyPr/>
+        <a:lstStyle/>
+        <a:p>
+          <a:endParaRPr lang="zh-CN" altLang="en-US"/>
+        </a:p>
+      </dgm:t>
     </dgm:pt>
     <dgm:pt modelId="{9358152E-66B4-431F-928E-DB6EE1FF6AC9}" type="pres">
       <dgm:prSet presAssocID="{3EC5FB17-E6BD-4495-A769-12219C7C33EB}" presName="sibTrans" presStyleCnt="0"/>
@@ -6856,6 +6967,13 @@
         </dgm:presLayoutVars>
       </dgm:prSet>
       <dgm:spPr/>
+      <dgm:t>
+        <a:bodyPr/>
+        <a:lstStyle/>
+        <a:p>
+          <a:endParaRPr lang="zh-CN" altLang="en-US"/>
+        </a:p>
+      </dgm:t>
     </dgm:pt>
     <dgm:pt modelId="{EFD375CD-F8F3-4E70-A1B3-BA824BC6A999}" type="pres">
       <dgm:prSet presAssocID="{65258403-C6CA-4BE4-8C0C-082D0156A034}" presName="sibTrans" presStyleCnt="0"/>
@@ -6887,18 +7005,25 @@
         </dgm:presLayoutVars>
       </dgm:prSet>
       <dgm:spPr/>
+      <dgm:t>
+        <a:bodyPr/>
+        <a:lstStyle/>
+        <a:p>
+          <a:endParaRPr lang="zh-CN" altLang="en-US"/>
+        </a:p>
+      </dgm:t>
     </dgm:pt>
   </dgm:ptLst>
   <dgm:cxnLst>
+    <dgm:cxn modelId="{8C97CF3E-F9F5-4B5C-B70F-801859F96D77}" srcId="{B7BB4D91-DB44-4C28-9B0B-5DB26E3DAC93}" destId="{7EA3FEB7-859F-4690-8211-6240D8ADB563}" srcOrd="1" destOrd="0" parTransId="{90096F81-8ED1-44B3-A29A-B61A38038A06}" sibTransId="{65258403-C6CA-4BE4-8C0C-082D0156A034}"/>
+    <dgm:cxn modelId="{B34CC8DF-AA54-43EA-9651-3BB5174474F4}" type="presOf" srcId="{7EA3FEB7-859F-4690-8211-6240D8ADB563}" destId="{79FB123C-C54E-452E-B6E4-079167B470EB}" srcOrd="0" destOrd="0" presId="urn:microsoft.com/office/officeart/2005/8/layout/default"/>
+    <dgm:cxn modelId="{9C848518-E054-4132-A6A0-AB24372281A4}" srcId="{B7BB4D91-DB44-4C28-9B0B-5DB26E3DAC93}" destId="{1DB3C9C0-9D0D-4885-8217-5BB04CF64A66}" srcOrd="3" destOrd="0" parTransId="{C08BC44E-DACE-42F2-ABCC-3527F48C9D88}" sibTransId="{F3B763F7-9A1B-47E1-9245-0DE4D46F76FE}"/>
+    <dgm:cxn modelId="{0A54AF0B-9D38-4E50-8B91-274B00C88D67}" type="presOf" srcId="{77F9D11D-D41F-4CE4-B66F-CD895EC293A6}" destId="{8905E56E-7703-4F55-A284-A3CAEB4824BB}" srcOrd="0" destOrd="0" presId="urn:microsoft.com/office/officeart/2005/8/layout/default"/>
+    <dgm:cxn modelId="{56F1BA12-C81B-4D33-A32F-B6B14810FFA2}" srcId="{B7BB4D91-DB44-4C28-9B0B-5DB26E3DAC93}" destId="{913D1130-5F28-4F03-BA23-D60A232E0A24}" srcOrd="0" destOrd="0" parTransId="{C0683CC7-C70B-4184-86BE-ACF6F05657C4}" sibTransId="{3EC5FB17-E6BD-4495-A769-12219C7C33EB}"/>
     <dgm:cxn modelId="{7B4244FD-2767-4F18-9AAB-BAE39B90E38F}" srcId="{B7BB4D91-DB44-4C28-9B0B-5DB26E3DAC93}" destId="{77F9D11D-D41F-4CE4-B66F-CD895EC293A6}" srcOrd="2" destOrd="0" parTransId="{930871FF-B5D0-4C1A-90B5-38C79D13DB41}" sibTransId="{71FCFD2D-2B32-4095-A75D-09A297D844CF}"/>
-    <dgm:cxn modelId="{8C97CF3E-F9F5-4B5C-B70F-801859F96D77}" srcId="{B7BB4D91-DB44-4C28-9B0B-5DB26E3DAC93}" destId="{7EA3FEB7-859F-4690-8211-6240D8ADB563}" srcOrd="1" destOrd="0" parTransId="{90096F81-8ED1-44B3-A29A-B61A38038A06}" sibTransId="{65258403-C6CA-4BE4-8C0C-082D0156A034}"/>
-    <dgm:cxn modelId="{9C848518-E054-4132-A6A0-AB24372281A4}" srcId="{B7BB4D91-DB44-4C28-9B0B-5DB26E3DAC93}" destId="{1DB3C9C0-9D0D-4885-8217-5BB04CF64A66}" srcOrd="3" destOrd="0" parTransId="{C08BC44E-DACE-42F2-ABCC-3527F48C9D88}" sibTransId="{F3B763F7-9A1B-47E1-9245-0DE4D46F76FE}"/>
-    <dgm:cxn modelId="{56F1BA12-C81B-4D33-A32F-B6B14810FFA2}" srcId="{B7BB4D91-DB44-4C28-9B0B-5DB26E3DAC93}" destId="{913D1130-5F28-4F03-BA23-D60A232E0A24}" srcOrd="0" destOrd="0" parTransId="{C0683CC7-C70B-4184-86BE-ACF6F05657C4}" sibTransId="{3EC5FB17-E6BD-4495-A769-12219C7C33EB}"/>
+    <dgm:cxn modelId="{1CBB21AB-086A-4894-84B8-D3E7525CCFBD}" type="presOf" srcId="{B7BB4D91-DB44-4C28-9B0B-5DB26E3DAC93}" destId="{263ED570-531A-4C11-A1EC-D1A25AEDDEC7}" srcOrd="0" destOrd="0" presId="urn:microsoft.com/office/officeart/2005/8/layout/default"/>
     <dgm:cxn modelId="{01C05939-B203-4EBC-9EF8-6927A0ED0C5E}" type="presOf" srcId="{913D1130-5F28-4F03-BA23-D60A232E0A24}" destId="{8CE5DF53-05AE-47D6-9F1F-B45F54DFFE48}" srcOrd="0" destOrd="0" presId="urn:microsoft.com/office/officeart/2005/8/layout/default"/>
-    <dgm:cxn modelId="{B34CC8DF-AA54-43EA-9651-3BB5174474F4}" type="presOf" srcId="{7EA3FEB7-859F-4690-8211-6240D8ADB563}" destId="{79FB123C-C54E-452E-B6E4-079167B470EB}" srcOrd="0" destOrd="0" presId="urn:microsoft.com/office/officeart/2005/8/layout/default"/>
-    <dgm:cxn modelId="{1CBB21AB-086A-4894-84B8-D3E7525CCFBD}" type="presOf" srcId="{B7BB4D91-DB44-4C28-9B0B-5DB26E3DAC93}" destId="{263ED570-531A-4C11-A1EC-D1A25AEDDEC7}" srcOrd="0" destOrd="0" presId="urn:microsoft.com/office/officeart/2005/8/layout/default"/>
     <dgm:cxn modelId="{9C63738B-04D8-4114-88B3-34EACA540113}" type="presOf" srcId="{1DB3C9C0-9D0D-4885-8217-5BB04CF64A66}" destId="{DFECDFEF-ED29-40A1-AD56-D7D37D893A0B}" srcOrd="0" destOrd="0" presId="urn:microsoft.com/office/officeart/2005/8/layout/default"/>
-    <dgm:cxn modelId="{0A54AF0B-9D38-4E50-8B91-274B00C88D67}" type="presOf" srcId="{77F9D11D-D41F-4CE4-B66F-CD895EC293A6}" destId="{8905E56E-7703-4F55-A284-A3CAEB4824BB}" srcOrd="0" destOrd="0" presId="urn:microsoft.com/office/officeart/2005/8/layout/default"/>
     <dgm:cxn modelId="{14C5F28D-1CAF-4719-9261-9ABCB600E694}" type="presParOf" srcId="{263ED570-531A-4C11-A1EC-D1A25AEDDEC7}" destId="{8CE5DF53-05AE-47D6-9F1F-B45F54DFFE48}" srcOrd="0" destOrd="0" presId="urn:microsoft.com/office/officeart/2005/8/layout/default"/>
     <dgm:cxn modelId="{AA7A8BD9-6D47-4DFD-8B30-03A4D80BC9CB}" type="presParOf" srcId="{263ED570-531A-4C11-A1EC-D1A25AEDDEC7}" destId="{9358152E-66B4-431F-928E-DB6EE1FF6AC9}" srcOrd="1" destOrd="0" presId="urn:microsoft.com/office/officeart/2005/8/layout/default"/>
     <dgm:cxn modelId="{3D28D034-8348-4431-AA9B-10A6AAB4C0EC}" type="presParOf" srcId="{263ED570-531A-4C11-A1EC-D1A25AEDDEC7}" destId="{79FB123C-C54E-452E-B6E4-079167B470EB}" srcOrd="2" destOrd="0" presId="urn:microsoft.com/office/officeart/2005/8/layout/default"/>
@@ -7132,6 +7257,13 @@
         </dgm:presLayoutVars>
       </dgm:prSet>
       <dgm:spPr/>
+      <dgm:t>
+        <a:bodyPr/>
+        <a:lstStyle/>
+        <a:p>
+          <a:endParaRPr lang="zh-CN" altLang="en-US"/>
+        </a:p>
+      </dgm:t>
     </dgm:pt>
     <dgm:pt modelId="{455441EA-9AC0-4A4A-A84C-8AB04CC90401}" type="pres">
       <dgm:prSet presAssocID="{4D5E3A4D-F608-43FF-AC77-B861213DCA38}" presName="node" presStyleLbl="node1" presStyleIdx="0" presStyleCnt="5" custScaleX="120027">
@@ -7140,6 +7272,13 @@
         </dgm:presLayoutVars>
       </dgm:prSet>
       <dgm:spPr/>
+      <dgm:t>
+        <a:bodyPr/>
+        <a:lstStyle/>
+        <a:p>
+          <a:endParaRPr lang="zh-CN" altLang="en-US"/>
+        </a:p>
+      </dgm:t>
     </dgm:pt>
     <dgm:pt modelId="{2111FC02-7458-4117-9316-EACC7256E4C5}" type="pres">
       <dgm:prSet presAssocID="{DF833E18-64D4-4A21-B2F6-562A61B1A539}" presName="sibTrans" presStyleCnt="0"/>
@@ -7219,17 +7358,17 @@
     </dgm:pt>
   </dgm:ptLst>
   <dgm:cxnLst>
+    <dgm:cxn modelId="{F6F2DBEA-8DF6-437B-945F-8F5427AC9D0C}" srcId="{A8BE993E-5BB2-4F27-B9A8-E27CF569388D}" destId="{9562AD99-7D6B-4830-A5EB-620D61C145E1}" srcOrd="3" destOrd="0" parTransId="{F0241819-3A7D-46D9-998B-1E80333CFBC5}" sibTransId="{993064A3-703B-461C-A125-78C0F307BDF0}"/>
+    <dgm:cxn modelId="{5AB57362-1A4E-45DA-9A4A-7F502CC90AAB}" srcId="{A8BE993E-5BB2-4F27-B9A8-E27CF569388D}" destId="{F489A877-988E-4D67-8038-6C3A552CFB91}" srcOrd="1" destOrd="0" parTransId="{7DDA5B88-FAE2-4462-A15D-BAB8C0940070}" sibTransId="{4B363B46-54BD-46DD-80DC-4ACA64CE20B0}"/>
+    <dgm:cxn modelId="{9CA92DC0-8055-4C2C-9C87-C29915FF76F0}" type="presOf" srcId="{1D31FF37-1FB7-48F6-84D7-B65D5F85F45A}" destId="{2C29E8F6-ED09-4729-A1BE-CBA8A42006A8}" srcOrd="0" destOrd="0" presId="urn:microsoft.com/office/officeart/2005/8/layout/default"/>
+    <dgm:cxn modelId="{A5851ACA-82E0-4688-9B5D-511FA3785521}" type="presOf" srcId="{9562AD99-7D6B-4830-A5EB-620D61C145E1}" destId="{A39844E3-EF27-46B1-9AF1-D812D45966C9}" srcOrd="0" destOrd="0" presId="urn:microsoft.com/office/officeart/2005/8/layout/default"/>
+    <dgm:cxn modelId="{D126B8DA-E015-46BD-9D97-337DE1243F99}" type="presOf" srcId="{F489A877-988E-4D67-8038-6C3A552CFB91}" destId="{587B50CE-75DE-47CB-8B8B-59B4685D2EA6}" srcOrd="0" destOrd="0" presId="urn:microsoft.com/office/officeart/2005/8/layout/default"/>
     <dgm:cxn modelId="{D7857B9A-E9F2-4314-BE50-AAB5EB70459E}" srcId="{A8BE993E-5BB2-4F27-B9A8-E27CF569388D}" destId="{1D31FF37-1FB7-48F6-84D7-B65D5F85F45A}" srcOrd="4" destOrd="0" parTransId="{4EE75E60-F520-4E53-96D8-DFC9E34A809C}" sibTransId="{C70A97AB-A014-4A58-A81C-74B5E30D95B1}"/>
-    <dgm:cxn modelId="{9CA92DC0-8055-4C2C-9C87-C29915FF76F0}" type="presOf" srcId="{1D31FF37-1FB7-48F6-84D7-B65D5F85F45A}" destId="{2C29E8F6-ED09-4729-A1BE-CBA8A42006A8}" srcOrd="0" destOrd="0" presId="urn:microsoft.com/office/officeart/2005/8/layout/default"/>
+    <dgm:cxn modelId="{01CAF17E-E1C0-477D-8ADB-088FA5355397}" type="presOf" srcId="{A8BE993E-5BB2-4F27-B9A8-E27CF569388D}" destId="{7989EE24-4F37-4DEC-9B2D-9BF0A2B8F4FA}" srcOrd="0" destOrd="0" presId="urn:microsoft.com/office/officeart/2005/8/layout/default"/>
+    <dgm:cxn modelId="{E8BB1BE9-162A-4C09-9C3E-97EEC9BB062A}" srcId="{A8BE993E-5BB2-4F27-B9A8-E27CF569388D}" destId="{08B01371-F34D-4035-B06A-3B83DA8A3AFA}" srcOrd="2" destOrd="0" parTransId="{7BE01891-C1D6-4C88-9945-71858DAA6C34}" sibTransId="{DFC861C8-5AFC-4F39-A97D-159F3F3CDCC5}"/>
+    <dgm:cxn modelId="{9BB8B7A3-A8AA-4648-AD34-D7B012BBC83C}" srcId="{A8BE993E-5BB2-4F27-B9A8-E27CF569388D}" destId="{4D5E3A4D-F608-43FF-AC77-B861213DCA38}" srcOrd="0" destOrd="0" parTransId="{F57FB4A2-2D84-4538-BD7B-09168A437A73}" sibTransId="{DF833E18-64D4-4A21-B2F6-562A61B1A539}"/>
+    <dgm:cxn modelId="{D60F04DF-768D-4463-9226-28CD6F0FCE56}" type="presOf" srcId="{4D5E3A4D-F608-43FF-AC77-B861213DCA38}" destId="{455441EA-9AC0-4A4A-A84C-8AB04CC90401}" srcOrd="0" destOrd="0" presId="urn:microsoft.com/office/officeart/2005/8/layout/default"/>
     <dgm:cxn modelId="{A8551B35-95CC-4A57-9729-B8D59A035D20}" type="presOf" srcId="{08B01371-F34D-4035-B06A-3B83DA8A3AFA}" destId="{EFD70DCE-F325-43E0-8E34-4A447461E810}" srcOrd="0" destOrd="0" presId="urn:microsoft.com/office/officeart/2005/8/layout/default"/>
-    <dgm:cxn modelId="{D60F04DF-768D-4463-9226-28CD6F0FCE56}" type="presOf" srcId="{4D5E3A4D-F608-43FF-AC77-B861213DCA38}" destId="{455441EA-9AC0-4A4A-A84C-8AB04CC90401}" srcOrd="0" destOrd="0" presId="urn:microsoft.com/office/officeart/2005/8/layout/default"/>
-    <dgm:cxn modelId="{E8BB1BE9-162A-4C09-9C3E-97EEC9BB062A}" srcId="{A8BE993E-5BB2-4F27-B9A8-E27CF569388D}" destId="{08B01371-F34D-4035-B06A-3B83DA8A3AFA}" srcOrd="2" destOrd="0" parTransId="{7BE01891-C1D6-4C88-9945-71858DAA6C34}" sibTransId="{DFC861C8-5AFC-4F39-A97D-159F3F3CDCC5}"/>
-    <dgm:cxn modelId="{F6F2DBEA-8DF6-437B-945F-8F5427AC9D0C}" srcId="{A8BE993E-5BB2-4F27-B9A8-E27CF569388D}" destId="{9562AD99-7D6B-4830-A5EB-620D61C145E1}" srcOrd="3" destOrd="0" parTransId="{F0241819-3A7D-46D9-998B-1E80333CFBC5}" sibTransId="{993064A3-703B-461C-A125-78C0F307BDF0}"/>
-    <dgm:cxn modelId="{9BB8B7A3-A8AA-4648-AD34-D7B012BBC83C}" srcId="{A8BE993E-5BB2-4F27-B9A8-E27CF569388D}" destId="{4D5E3A4D-F608-43FF-AC77-B861213DCA38}" srcOrd="0" destOrd="0" parTransId="{F57FB4A2-2D84-4538-BD7B-09168A437A73}" sibTransId="{DF833E18-64D4-4A21-B2F6-562A61B1A539}"/>
-    <dgm:cxn modelId="{01CAF17E-E1C0-477D-8ADB-088FA5355397}" type="presOf" srcId="{A8BE993E-5BB2-4F27-B9A8-E27CF569388D}" destId="{7989EE24-4F37-4DEC-9B2D-9BF0A2B8F4FA}" srcOrd="0" destOrd="0" presId="urn:microsoft.com/office/officeart/2005/8/layout/default"/>
-    <dgm:cxn modelId="{5AB57362-1A4E-45DA-9A4A-7F502CC90AAB}" srcId="{A8BE993E-5BB2-4F27-B9A8-E27CF569388D}" destId="{F489A877-988E-4D67-8038-6C3A552CFB91}" srcOrd="1" destOrd="0" parTransId="{7DDA5B88-FAE2-4462-A15D-BAB8C0940070}" sibTransId="{4B363B46-54BD-46DD-80DC-4ACA64CE20B0}"/>
-    <dgm:cxn modelId="{D126B8DA-E015-46BD-9D97-337DE1243F99}" type="presOf" srcId="{F489A877-988E-4D67-8038-6C3A552CFB91}" destId="{587B50CE-75DE-47CB-8B8B-59B4685D2EA6}" srcOrd="0" destOrd="0" presId="urn:microsoft.com/office/officeart/2005/8/layout/default"/>
-    <dgm:cxn modelId="{A5851ACA-82E0-4688-9B5D-511FA3785521}" type="presOf" srcId="{9562AD99-7D6B-4830-A5EB-620D61C145E1}" destId="{A39844E3-EF27-46B1-9AF1-D812D45966C9}" srcOrd="0" destOrd="0" presId="urn:microsoft.com/office/officeart/2005/8/layout/default"/>
     <dgm:cxn modelId="{58816EF3-FAF9-4D0F-A787-4C967A52687F}" type="presParOf" srcId="{7989EE24-4F37-4DEC-9B2D-9BF0A2B8F4FA}" destId="{455441EA-9AC0-4A4A-A84C-8AB04CC90401}" srcOrd="0" destOrd="0" presId="urn:microsoft.com/office/officeart/2005/8/layout/default"/>
     <dgm:cxn modelId="{AF295BFF-494D-4E31-8917-CA6D74ED261E}" type="presParOf" srcId="{7989EE24-4F37-4DEC-9B2D-9BF0A2B8F4FA}" destId="{2111FC02-7458-4117-9316-EACC7256E4C5}" srcOrd="1" destOrd="0" presId="urn:microsoft.com/office/officeart/2005/8/layout/default"/>
     <dgm:cxn modelId="{DA579879-FA2E-4108-94DB-051A151B6745}" type="presParOf" srcId="{7989EE24-4F37-4DEC-9B2D-9BF0A2B8F4FA}" destId="{587B50CE-75DE-47CB-8B8B-59B4685D2EA6}" srcOrd="2" destOrd="0" presId="urn:microsoft.com/office/officeart/2005/8/layout/default"/>
@@ -7497,6 +7636,13 @@
         </dgm:presLayoutVars>
       </dgm:prSet>
       <dgm:spPr/>
+      <dgm:t>
+        <a:bodyPr/>
+        <a:lstStyle/>
+        <a:p>
+          <a:endParaRPr lang="zh-CN" altLang="en-US"/>
+        </a:p>
+      </dgm:t>
     </dgm:pt>
     <dgm:pt modelId="{FC397C06-1C56-4DF7-8403-67D825B7E4CE}" type="pres">
       <dgm:prSet presAssocID="{0B555E10-6D6D-4669-B09D-7079C95F9D57}" presName="vertOne" presStyleCnt="0"/>
@@ -7658,19 +7804,19 @@
     </dgm:pt>
   </dgm:ptLst>
   <dgm:cxnLst>
+    <dgm:cxn modelId="{7A331D42-B77F-4A76-8A57-E9DFDD3734BF}" srcId="{F5959AA6-A77F-4DA1-85C8-5A60806B51CF}" destId="{AC0676C3-4943-42E9-A493-0C3E2E08E5CB}" srcOrd="0" destOrd="0" parTransId="{DAB48857-9870-4BCA-B2D6-6EA597329BD1}" sibTransId="{60C78B78-ACF6-46C4-BBD8-8DBA49496897}"/>
+    <dgm:cxn modelId="{8028D995-EE8F-477E-9009-93A6D25FC455}" srcId="{4BC4B251-968A-44A6-9BDA-C23B52081660}" destId="{289D1440-74A9-4633-AA20-BA1DF7D46C71}" srcOrd="0" destOrd="0" parTransId="{45A3BA72-327A-479F-B9BB-D323D3B72D92}" sibTransId="{675D9707-9129-47D5-96B9-CFC72CF4FFC8}"/>
+    <dgm:cxn modelId="{B11A41D3-8132-40D7-8BF9-AE94F7672BE5}" type="presOf" srcId="{D726E65D-BC5C-4207-9F16-79CBA776E0D6}" destId="{9D392200-3550-4D99-A002-290E1D1B4546}" srcOrd="0" destOrd="0" presId="urn:microsoft.com/office/officeart/2005/8/layout/hierarchy4"/>
     <dgm:cxn modelId="{FA646869-4C2C-4C15-93CB-9B1F9DBE4F20}" type="presOf" srcId="{0B555E10-6D6D-4669-B09D-7079C95F9D57}" destId="{2291DC8A-8FAE-4BE0-8A6E-C67DFE2234B2}" srcOrd="0" destOrd="0" presId="urn:microsoft.com/office/officeart/2005/8/layout/hierarchy4"/>
-    <dgm:cxn modelId="{E09B36C1-2F45-4540-B18A-AE991E2FB16F}" srcId="{0B555E10-6D6D-4669-B09D-7079C95F9D57}" destId="{4BC4B251-968A-44A6-9BDA-C23B52081660}" srcOrd="0" destOrd="0" parTransId="{E2AA216B-F9D5-40FE-97B4-11A49EBD34AE}" sibTransId="{E7D27059-F912-41A1-9DAD-8D8EBFDD4C5B}"/>
-    <dgm:cxn modelId="{8028D995-EE8F-477E-9009-93A6D25FC455}" srcId="{4BC4B251-968A-44A6-9BDA-C23B52081660}" destId="{289D1440-74A9-4633-AA20-BA1DF7D46C71}" srcOrd="0" destOrd="0" parTransId="{45A3BA72-327A-479F-B9BB-D323D3B72D92}" sibTransId="{675D9707-9129-47D5-96B9-CFC72CF4FFC8}"/>
-    <dgm:cxn modelId="{7A331D42-B77F-4A76-8A57-E9DFDD3734BF}" srcId="{F5959AA6-A77F-4DA1-85C8-5A60806B51CF}" destId="{AC0676C3-4943-42E9-A493-0C3E2E08E5CB}" srcOrd="0" destOrd="0" parTransId="{DAB48857-9870-4BCA-B2D6-6EA597329BD1}" sibTransId="{60C78B78-ACF6-46C4-BBD8-8DBA49496897}"/>
     <dgm:cxn modelId="{AD596C65-2B59-40F0-896B-0A66935AF3C7}" srcId="{0B555E10-6D6D-4669-B09D-7079C95F9D57}" destId="{F5959AA6-A77F-4DA1-85C8-5A60806B51CF}" srcOrd="1" destOrd="0" parTransId="{0429369F-A44B-4AA1-9D5F-0D4207D8A5F8}" sibTransId="{2CBED051-A6CB-4588-92F8-64A5B75CC3F4}"/>
-    <dgm:cxn modelId="{BB3ED146-115A-4E53-A6A7-B17A6FA57CA8}" type="presOf" srcId="{289D1440-74A9-4633-AA20-BA1DF7D46C71}" destId="{89AFA72C-CE3F-4B6D-9631-55658B43D4E2}" srcOrd="0" destOrd="0" presId="urn:microsoft.com/office/officeart/2005/8/layout/hierarchy4"/>
-    <dgm:cxn modelId="{3D4F32FE-69D4-4BDE-ACEB-0C7C247C5F74}" type="presOf" srcId="{F5959AA6-A77F-4DA1-85C8-5A60806B51CF}" destId="{BCC1D3D6-6B7A-4324-BE64-63A00C0974E3}" srcOrd="0" destOrd="0" presId="urn:microsoft.com/office/officeart/2005/8/layout/hierarchy4"/>
-    <dgm:cxn modelId="{B11A41D3-8132-40D7-8BF9-AE94F7672BE5}" type="presOf" srcId="{D726E65D-BC5C-4207-9F16-79CBA776E0D6}" destId="{9D392200-3550-4D99-A002-290E1D1B4546}" srcOrd="0" destOrd="0" presId="urn:microsoft.com/office/officeart/2005/8/layout/hierarchy4"/>
     <dgm:cxn modelId="{C8980523-10EC-479E-BF15-B264688570E7}" srcId="{D726E65D-BC5C-4207-9F16-79CBA776E0D6}" destId="{0B555E10-6D6D-4669-B09D-7079C95F9D57}" srcOrd="0" destOrd="0" parTransId="{081F19BD-35FA-4D4D-B151-5D21B1392A3F}" sibTransId="{205F5FC0-D657-494F-B905-099F06258EB6}"/>
     <dgm:cxn modelId="{486CACD2-536F-444C-A680-3150C542B31A}" srcId="{4BC4B251-968A-44A6-9BDA-C23B52081660}" destId="{2CFAABF1-704A-4403-B422-477F0991747F}" srcOrd="1" destOrd="0" parTransId="{D781A181-A07A-467A-AA35-768BC21D1B82}" sibTransId="{79BB19EA-5AE7-4221-939F-4DDE6981ED95}"/>
+    <dgm:cxn modelId="{3D4F32FE-69D4-4BDE-ACEB-0C7C247C5F74}" type="presOf" srcId="{F5959AA6-A77F-4DA1-85C8-5A60806B51CF}" destId="{BCC1D3D6-6B7A-4324-BE64-63A00C0974E3}" srcOrd="0" destOrd="0" presId="urn:microsoft.com/office/officeart/2005/8/layout/hierarchy4"/>
+    <dgm:cxn modelId="{5532D87D-BD51-40A7-A214-E10CD7D7744E}" type="presOf" srcId="{2CFAABF1-704A-4403-B422-477F0991747F}" destId="{88C59CB5-12CA-4C80-97B1-E85675E5C658}" srcOrd="0" destOrd="0" presId="urn:microsoft.com/office/officeart/2005/8/layout/hierarchy4"/>
+    <dgm:cxn modelId="{E09B36C1-2F45-4540-B18A-AE991E2FB16F}" srcId="{0B555E10-6D6D-4669-B09D-7079C95F9D57}" destId="{4BC4B251-968A-44A6-9BDA-C23B52081660}" srcOrd="0" destOrd="0" parTransId="{E2AA216B-F9D5-40FE-97B4-11A49EBD34AE}" sibTransId="{E7D27059-F912-41A1-9DAD-8D8EBFDD4C5B}"/>
+    <dgm:cxn modelId="{BB3ED146-115A-4E53-A6A7-B17A6FA57CA8}" type="presOf" srcId="{289D1440-74A9-4633-AA20-BA1DF7D46C71}" destId="{89AFA72C-CE3F-4B6D-9631-55658B43D4E2}" srcOrd="0" destOrd="0" presId="urn:microsoft.com/office/officeart/2005/8/layout/hierarchy4"/>
+    <dgm:cxn modelId="{B8AA3E35-780C-4A03-A36F-FA84E14B003F}" type="presOf" srcId="{AC0676C3-4943-42E9-A493-0C3E2E08E5CB}" destId="{61647EF3-61B8-477B-846C-DF606B24AB25}" srcOrd="0" destOrd="0" presId="urn:microsoft.com/office/officeart/2005/8/layout/hierarchy4"/>
     <dgm:cxn modelId="{04E66D65-EB3D-483F-95AF-A1DB0FA5F9F2}" type="presOf" srcId="{4BC4B251-968A-44A6-9BDA-C23B52081660}" destId="{17D73CDD-10C7-47F4-9682-DE98CBF3C3BF}" srcOrd="0" destOrd="0" presId="urn:microsoft.com/office/officeart/2005/8/layout/hierarchy4"/>
-    <dgm:cxn modelId="{B8AA3E35-780C-4A03-A36F-FA84E14B003F}" type="presOf" srcId="{AC0676C3-4943-42E9-A493-0C3E2E08E5CB}" destId="{61647EF3-61B8-477B-846C-DF606B24AB25}" srcOrd="0" destOrd="0" presId="urn:microsoft.com/office/officeart/2005/8/layout/hierarchy4"/>
-    <dgm:cxn modelId="{5532D87D-BD51-40A7-A214-E10CD7D7744E}" type="presOf" srcId="{2CFAABF1-704A-4403-B422-477F0991747F}" destId="{88C59CB5-12CA-4C80-97B1-E85675E5C658}" srcOrd="0" destOrd="0" presId="urn:microsoft.com/office/officeart/2005/8/layout/hierarchy4"/>
     <dgm:cxn modelId="{D6575033-F4A6-454C-9F3E-206BE9476D92}" type="presParOf" srcId="{9D392200-3550-4D99-A002-290E1D1B4546}" destId="{FC397C06-1C56-4DF7-8403-67D825B7E4CE}" srcOrd="0" destOrd="0" presId="urn:microsoft.com/office/officeart/2005/8/layout/hierarchy4"/>
     <dgm:cxn modelId="{983CB765-1D4C-46A3-9F29-F7EE478F0C29}" type="presParOf" srcId="{FC397C06-1C56-4DF7-8403-67D825B7E4CE}" destId="{2291DC8A-8FAE-4BE0-8A6E-C67DFE2234B2}" srcOrd="0" destOrd="0" presId="urn:microsoft.com/office/officeart/2005/8/layout/hierarchy4"/>
     <dgm:cxn modelId="{261BA3A4-09C2-4EF3-A5AA-F12BEBE48D73}" type="presParOf" srcId="{FC397C06-1C56-4DF7-8403-67D825B7E4CE}" destId="{1D0D3100-A90D-413E-A533-94EDDC6DAF1C}" srcOrd="1" destOrd="0" presId="urn:microsoft.com/office/officeart/2005/8/layout/hierarchy4"/>
@@ -7720,7 +7866,7 @@
       </dsp:nvSpPr>
       <dsp:spPr>
         <a:xfrm>
-          <a:off x="1741605" y="18247"/>
+          <a:off x="694212" y="26561"/>
           <a:ext cx="2804940" cy="1682964"/>
         </a:xfrm>
         <a:prstGeom prst="rect">
@@ -7778,14 +7924,14 @@
             </a:spcAft>
           </a:pPr>
           <a:r>
-            <a:rPr lang="zh-CN" sz="4700" b="1" kern="1200" dirty="0" smtClean="0"/>
-            <a:t>地形系统</a:t>
+            <a:rPr lang="zh-CN" altLang="en-US" sz="4700" b="1" kern="1200" dirty="0" smtClean="0"/>
+            <a:t>坐标系</a:t>
           </a:r>
           <a:endParaRPr lang="zh-CN" altLang="en-US" sz="4700" b="1" kern="1200" dirty="0"/>
         </a:p>
       </dsp:txBody>
       <dsp:txXfrm>
-        <a:off x="1741605" y="18247"/>
+        <a:off x="694212" y="26561"/>
         <a:ext cx="2804940" cy="1682964"/>
       </dsp:txXfrm>
     </dsp:sp>
@@ -7796,7 +7942,7 @@
       </dsp:nvSpPr>
       <dsp:spPr>
         <a:xfrm>
-          <a:off x="5583476" y="18247"/>
+          <a:off x="3804555" y="9933"/>
           <a:ext cx="2804940" cy="1682964"/>
         </a:xfrm>
         <a:prstGeom prst="rect">
@@ -7804,6 +7950,82 @@
         </a:prstGeom>
         <a:solidFill>
           <a:schemeClr val="accent3">
+            <a:hueOff val="0"/>
+            <a:satOff val="0"/>
+            <a:lumOff val="0"/>
+            <a:alphaOff val="0"/>
+          </a:schemeClr>
+        </a:solidFill>
+        <a:ln>
+          <a:noFill/>
+        </a:ln>
+        <a:effectLst/>
+        <a:scene3d>
+          <a:camera prst="orthographicFront"/>
+          <a:lightRig rig="chilly" dir="t"/>
+        </a:scene3d>
+        <a:sp3d prstMaterial="translucentPowder">
+          <a:bevelT w="127000" h="25400" prst="softRound"/>
+        </a:sp3d>
+      </dsp:spPr>
+      <dsp:style>
+        <a:lnRef idx="0">
+          <a:scrgbClr r="0" g="0" b="0"/>
+        </a:lnRef>
+        <a:fillRef idx="1">
+          <a:scrgbClr r="0" g="0" b="0"/>
+        </a:fillRef>
+        <a:effectRef idx="0">
+          <a:scrgbClr r="0" g="0" b="0"/>
+        </a:effectRef>
+        <a:fontRef idx="minor">
+          <a:schemeClr val="lt1"/>
+        </a:fontRef>
+      </dsp:style>
+      <dsp:txBody>
+        <a:bodyPr spcFirstLastPara="0" vert="horz" wrap="square" lIns="179070" tIns="179070" rIns="179070" bIns="179070" numCol="1" spcCol="1270" anchor="ctr" anchorCtr="0">
+          <a:noAutofit/>
+        </a:bodyPr>
+        <a:lstStyle/>
+        <a:p>
+          <a:pPr lvl="0" algn="ctr" defTabSz="2089150">
+            <a:lnSpc>
+              <a:spcPct val="90000"/>
+            </a:lnSpc>
+            <a:spcBef>
+              <a:spcPct val="0"/>
+            </a:spcBef>
+            <a:spcAft>
+              <a:spcPct val="35000"/>
+            </a:spcAft>
+          </a:pPr>
+          <a:r>
+            <a:rPr lang="zh-CN" sz="4700" b="1" kern="1200" dirty="0" smtClean="0"/>
+            <a:t>地形系统</a:t>
+          </a:r>
+          <a:endParaRPr lang="zh-CN" altLang="en-US" sz="4700" b="1" kern="1200" dirty="0"/>
+        </a:p>
+      </dsp:txBody>
+      <dsp:txXfrm>
+        <a:off x="3804555" y="9933"/>
+        <a:ext cx="2804940" cy="1682964"/>
+      </dsp:txXfrm>
+    </dsp:sp>
+    <dsp:sp modelId="{125073EE-010C-4B55-9491-C390E0FD2C60}">
+      <dsp:nvSpPr>
+        <dsp:cNvPr id="0" name=""/>
+        <dsp:cNvSpPr/>
+      </dsp:nvSpPr>
+      <dsp:spPr>
+        <a:xfrm>
+          <a:off x="6960702" y="18247"/>
+          <a:ext cx="2804940" cy="1682964"/>
+        </a:xfrm>
+        <a:prstGeom prst="rect">
+          <a:avLst/>
+        </a:prstGeom>
+        <a:solidFill>
+          <a:schemeClr val="accent4">
             <a:hueOff val="0"/>
             <a:satOff val="0"/>
             <a:lumOff val="0"/>
@@ -7865,7 +8087,7 @@
         </a:p>
       </dsp:txBody>
       <dsp:txXfrm>
-        <a:off x="5583476" y="18247"/>
+        <a:off x="6960702" y="18247"/>
         <a:ext cx="2804940" cy="1682964"/>
       </dsp:txXfrm>
     </dsp:sp>
@@ -7876,83 +8098,7 @@
       </dsp:nvSpPr>
       <dsp:spPr>
         <a:xfrm>
-          <a:off x="1744382" y="1966697"/>
-          <a:ext cx="2804940" cy="1682964"/>
-        </a:xfrm>
-        <a:prstGeom prst="rect">
-          <a:avLst/>
-        </a:prstGeom>
-        <a:solidFill>
-          <a:schemeClr val="accent4">
-            <a:hueOff val="0"/>
-            <a:satOff val="0"/>
-            <a:lumOff val="0"/>
-            <a:alphaOff val="0"/>
-          </a:schemeClr>
-        </a:solidFill>
-        <a:ln>
-          <a:noFill/>
-        </a:ln>
-        <a:effectLst/>
-        <a:scene3d>
-          <a:camera prst="orthographicFront"/>
-          <a:lightRig rig="chilly" dir="t"/>
-        </a:scene3d>
-        <a:sp3d prstMaterial="translucentPowder">
-          <a:bevelT w="127000" h="25400" prst="softRound"/>
-        </a:sp3d>
-      </dsp:spPr>
-      <dsp:style>
-        <a:lnRef idx="0">
-          <a:scrgbClr r="0" g="0" b="0"/>
-        </a:lnRef>
-        <a:fillRef idx="1">
-          <a:scrgbClr r="0" g="0" b="0"/>
-        </a:fillRef>
-        <a:effectRef idx="0">
-          <a:scrgbClr r="0" g="0" b="0"/>
-        </a:effectRef>
-        <a:fontRef idx="minor">
-          <a:schemeClr val="lt1"/>
-        </a:fontRef>
-      </dsp:style>
-      <dsp:txBody>
-        <a:bodyPr spcFirstLastPara="0" vert="horz" wrap="square" lIns="179070" tIns="179070" rIns="179070" bIns="179070" numCol="1" spcCol="1270" anchor="ctr" anchorCtr="0">
-          <a:noAutofit/>
-        </a:bodyPr>
-        <a:lstStyle/>
-        <a:p>
-          <a:pPr lvl="0" algn="ctr" defTabSz="2089150">
-            <a:lnSpc>
-              <a:spcPct val="90000"/>
-            </a:lnSpc>
-            <a:spcBef>
-              <a:spcPct val="0"/>
-            </a:spcBef>
-            <a:spcAft>
-              <a:spcPct val="35000"/>
-            </a:spcAft>
-          </a:pPr>
-          <a:r>
-            <a:rPr lang="zh-CN" altLang="en-US" sz="4700" b="1" kern="1200" dirty="0" smtClean="0"/>
-            <a:t>性能分析</a:t>
-          </a:r>
-          <a:endParaRPr lang="zh-CN" altLang="en-US" sz="4700" b="1" kern="1200" dirty="0"/>
-        </a:p>
-      </dsp:txBody>
-      <dsp:txXfrm>
-        <a:off x="1744382" y="1966697"/>
-        <a:ext cx="2804940" cy="1682964"/>
-      </dsp:txXfrm>
-    </dsp:sp>
-    <dsp:sp modelId="{0D65E8FB-9B9B-464F-AC5A-066F1A996B1E}">
-      <dsp:nvSpPr>
-        <dsp:cNvPr id="0" name=""/>
-        <dsp:cNvSpPr/>
-      </dsp:nvSpPr>
-      <dsp:spPr>
-        <a:xfrm>
-          <a:off x="5583448" y="1958379"/>
+          <a:off x="1654231" y="1950065"/>
           <a:ext cx="2804940" cy="1682964"/>
         </a:xfrm>
         <a:prstGeom prst="rect">
@@ -8011,13 +8157,89 @@
           </a:pPr>
           <a:r>
             <a:rPr lang="zh-CN" altLang="en-US" sz="4700" b="1" kern="1200" dirty="0" smtClean="0"/>
+            <a:t>性能分析</a:t>
+          </a:r>
+          <a:endParaRPr lang="zh-CN" altLang="en-US" sz="4700" b="1" kern="1200" dirty="0"/>
+        </a:p>
+      </dsp:txBody>
+      <dsp:txXfrm>
+        <a:off x="1654231" y="1950065"/>
+        <a:ext cx="2804940" cy="1682964"/>
+      </dsp:txXfrm>
+    </dsp:sp>
+    <dsp:sp modelId="{0D65E8FB-9B9B-464F-AC5A-066F1A996B1E}">
+      <dsp:nvSpPr>
+        <dsp:cNvPr id="0" name=""/>
+        <dsp:cNvSpPr/>
+      </dsp:nvSpPr>
+      <dsp:spPr>
+        <a:xfrm>
+          <a:off x="4840167" y="1950065"/>
+          <a:ext cx="2804940" cy="1682964"/>
+        </a:xfrm>
+        <a:prstGeom prst="rect">
+          <a:avLst/>
+        </a:prstGeom>
+        <a:solidFill>
+          <a:schemeClr val="accent6">
+            <a:hueOff val="0"/>
+            <a:satOff val="0"/>
+            <a:lumOff val="0"/>
+            <a:alphaOff val="0"/>
+          </a:schemeClr>
+        </a:solidFill>
+        <a:ln>
+          <a:noFill/>
+        </a:ln>
+        <a:effectLst/>
+        <a:scene3d>
+          <a:camera prst="orthographicFront"/>
+          <a:lightRig rig="chilly" dir="t"/>
+        </a:scene3d>
+        <a:sp3d prstMaterial="translucentPowder">
+          <a:bevelT w="127000" h="25400" prst="softRound"/>
+        </a:sp3d>
+      </dsp:spPr>
+      <dsp:style>
+        <a:lnRef idx="0">
+          <a:scrgbClr r="0" g="0" b="0"/>
+        </a:lnRef>
+        <a:fillRef idx="1">
+          <a:scrgbClr r="0" g="0" b="0"/>
+        </a:fillRef>
+        <a:effectRef idx="0">
+          <a:scrgbClr r="0" g="0" b="0"/>
+        </a:effectRef>
+        <a:fontRef idx="minor">
+          <a:schemeClr val="lt1"/>
+        </a:fontRef>
+      </dsp:style>
+      <dsp:txBody>
+        <a:bodyPr spcFirstLastPara="0" vert="horz" wrap="square" lIns="179070" tIns="179070" rIns="179070" bIns="179070" numCol="1" spcCol="1270" anchor="ctr" anchorCtr="0">
+          <a:noAutofit/>
+        </a:bodyPr>
+        <a:lstStyle/>
+        <a:p>
+          <a:pPr lvl="0" algn="ctr" defTabSz="2089150">
+            <a:lnSpc>
+              <a:spcPct val="90000"/>
+            </a:lnSpc>
+            <a:spcBef>
+              <a:spcPct val="0"/>
+            </a:spcBef>
+            <a:spcAft>
+              <a:spcPct val="35000"/>
+            </a:spcAft>
+          </a:pPr>
+          <a:r>
+            <a:rPr lang="zh-CN" altLang="en-US" sz="4700" b="1" kern="1200" dirty="0" smtClean="0"/>
             <a:t>材质</a:t>
           </a:r>
           <a:endParaRPr lang="zh-CN" altLang="en-US" sz="4700" b="1" kern="1200" dirty="0"/>
         </a:p>
       </dsp:txBody>
       <dsp:txXfrm>
-        <a:off x="5583448" y="1958379"/>
+        <a:off x="4840167" y="1950065"/>
         <a:ext cx="2804940" cy="1682964"/>
       </dsp:txXfrm>
     </dsp:sp>
@@ -18859,7 +19081,7 @@
             <a:fld id="{B61BEF0D-F0BB-DE4B-95CE-6DB70DBA9567}" type="datetimeFigureOut">
               <a:rPr lang="en-US" dirty="0"/>
               <a:pPr/>
-              <a:t>10/25/2017</a:t>
+              <a:t>10/26/2017</a:t>
             </a:fld>
             <a:endParaRPr lang="en-US" dirty="0"/>
           </a:p>
@@ -19190,7 +19412,7 @@
             <a:fld id="{B61BEF0D-F0BB-DE4B-95CE-6DB70DBA9567}" type="datetimeFigureOut">
               <a:rPr lang="en-US" dirty="0"/>
               <a:pPr/>
-              <a:t>10/25/2017</a:t>
+              <a:t>10/26/2017</a:t>
             </a:fld>
             <a:endParaRPr lang="en-US" dirty="0"/>
           </a:p>
@@ -19465,7 +19687,7 @@
             <a:fld id="{B61BEF0D-F0BB-DE4B-95CE-6DB70DBA9567}" type="datetimeFigureOut">
               <a:rPr lang="en-US" dirty="0"/>
               <a:pPr/>
-              <a:t>10/25/2017</a:t>
+              <a:t>10/26/2017</a:t>
             </a:fld>
             <a:endParaRPr lang="en-US" dirty="0"/>
           </a:p>
@@ -20030,7 +20252,7 @@
             <a:fld id="{B61BEF0D-F0BB-DE4B-95CE-6DB70DBA9567}" type="datetimeFigureOut">
               <a:rPr lang="en-US" dirty="0"/>
               <a:pPr/>
-              <a:t>10/25/2017</a:t>
+              <a:t>10/26/2017</a:t>
             </a:fld>
             <a:endParaRPr lang="en-US" dirty="0"/>
           </a:p>
@@ -20305,7 +20527,7 @@
             <a:fld id="{B61BEF0D-F0BB-DE4B-95CE-6DB70DBA9567}" type="datetimeFigureOut">
               <a:rPr lang="en-US" dirty="0"/>
               <a:pPr/>
-              <a:t>10/25/2017</a:t>
+              <a:t>10/26/2017</a:t>
             </a:fld>
             <a:endParaRPr lang="en-US" dirty="0"/>
           </a:p>
@@ -20864,7 +21086,7 @@
             <a:fld id="{B61BEF0D-F0BB-DE4B-95CE-6DB70DBA9567}" type="datetimeFigureOut">
               <a:rPr lang="en-US" dirty="0"/>
               <a:pPr/>
-              <a:t>10/25/2017</a:t>
+              <a:t>10/26/2017</a:t>
             </a:fld>
             <a:endParaRPr lang="en-US" dirty="0"/>
           </a:p>
@@ -21188,7 +21410,7 @@
             <a:fld id="{B61BEF0D-F0BB-DE4B-95CE-6DB70DBA9567}" type="datetimeFigureOut">
               <a:rPr lang="en-US" dirty="0"/>
               <a:pPr/>
-              <a:t>10/25/2017</a:t>
+              <a:t>10/26/2017</a:t>
             </a:fld>
             <a:endParaRPr lang="en-US" dirty="0"/>
           </a:p>
@@ -21390,7 +21612,7 @@
             <a:fld id="{B61BEF0D-F0BB-DE4B-95CE-6DB70DBA9567}" type="datetimeFigureOut">
               <a:rPr lang="en-US" dirty="0"/>
               <a:pPr/>
-              <a:t>10/25/2017</a:t>
+              <a:t>10/26/2017</a:t>
             </a:fld>
             <a:endParaRPr lang="en-US" dirty="0"/>
           </a:p>
@@ -21597,7 +21819,7 @@
             <a:fld id="{B61BEF0D-F0BB-DE4B-95CE-6DB70DBA9567}" type="datetimeFigureOut">
               <a:rPr lang="en-US" dirty="0"/>
               <a:pPr/>
-              <a:t>10/25/2017</a:t>
+              <a:t>10/26/2017</a:t>
             </a:fld>
             <a:endParaRPr lang="en-US" dirty="0"/>
           </a:p>
@@ -21794,7 +22016,7 @@
             <a:fld id="{B61BEF0D-F0BB-DE4B-95CE-6DB70DBA9567}" type="datetimeFigureOut">
               <a:rPr lang="en-US" dirty="0"/>
               <a:pPr/>
-              <a:t>10/25/2017</a:t>
+              <a:t>10/26/2017</a:t>
             </a:fld>
             <a:endParaRPr lang="en-US" dirty="0"/>
           </a:p>
@@ -22067,7 +22289,7 @@
             <a:fld id="{B61BEF0D-F0BB-DE4B-95CE-6DB70DBA9567}" type="datetimeFigureOut">
               <a:rPr lang="en-US" dirty="0"/>
               <a:pPr/>
-              <a:t>10/25/2017</a:t>
+              <a:t>10/26/2017</a:t>
             </a:fld>
             <a:endParaRPr lang="en-US" dirty="0"/>
           </a:p>
@@ -22330,7 +22552,7 @@
             <a:fld id="{B61BEF0D-F0BB-DE4B-95CE-6DB70DBA9567}" type="datetimeFigureOut">
               <a:rPr lang="en-US" dirty="0"/>
               <a:pPr/>
-              <a:t>10/25/2017</a:t>
+              <a:t>10/26/2017</a:t>
             </a:fld>
             <a:endParaRPr lang="en-US" dirty="0"/>
           </a:p>
@@ -22701,7 +22923,7 @@
             <a:fld id="{B61BEF0D-F0BB-DE4B-95CE-6DB70DBA9567}" type="datetimeFigureOut">
               <a:rPr lang="en-US" dirty="0"/>
               <a:pPr/>
-              <a:t>10/25/2017</a:t>
+              <a:t>10/26/2017</a:t>
             </a:fld>
             <a:endParaRPr lang="en-US" dirty="0"/>
           </a:p>
@@ -22846,7 +23068,7 @@
             <a:fld id="{B61BEF0D-F0BB-DE4B-95CE-6DB70DBA9567}" type="datetimeFigureOut">
               <a:rPr lang="en-US" dirty="0"/>
               <a:pPr/>
-              <a:t>10/25/2017</a:t>
+              <a:t>10/26/2017</a:t>
             </a:fld>
             <a:endParaRPr lang="en-US" dirty="0"/>
           </a:p>
@@ -22968,7 +23190,7 @@
             <a:fld id="{B61BEF0D-F0BB-DE4B-95CE-6DB70DBA9567}" type="datetimeFigureOut">
               <a:rPr lang="en-US" dirty="0"/>
               <a:pPr/>
-              <a:t>10/25/2017</a:t>
+              <a:t>10/26/2017</a:t>
             </a:fld>
             <a:endParaRPr lang="en-US" dirty="0"/>
           </a:p>
@@ -23250,7 +23472,7 @@
             <a:fld id="{B61BEF0D-F0BB-DE4B-95CE-6DB70DBA9567}" type="datetimeFigureOut">
               <a:rPr lang="en-US" dirty="0"/>
               <a:pPr/>
-              <a:t>10/25/2017</a:t>
+              <a:t>10/26/2017</a:t>
             </a:fld>
             <a:endParaRPr lang="en-US" dirty="0"/>
           </a:p>
@@ -23571,7 +23793,7 @@
             <a:fld id="{B61BEF0D-F0BB-DE4B-95CE-6DB70DBA9567}" type="datetimeFigureOut">
               <a:rPr lang="en-US" dirty="0"/>
               <a:pPr/>
-              <a:t>10/25/2017</a:t>
+              <a:t>10/26/2017</a:t>
             </a:fld>
             <a:endParaRPr lang="en-US" dirty="0"/>
           </a:p>
@@ -23782,7 +24004,7 @@
             <a:fld id="{B61BEF0D-F0BB-DE4B-95CE-6DB70DBA9567}" type="datetimeFigureOut">
               <a:rPr lang="en-US" dirty="0"/>
               <a:pPr/>
-              <a:t>10/25/2017</a:t>
+              <a:t>10/26/2017</a:t>
             </a:fld>
             <a:endParaRPr lang="en-US" dirty="0"/>
           </a:p>
@@ -24403,19 +24625,19 @@
           <a:p>
             <a:r>
               <a:rPr lang="zh-CN" altLang="en-US" dirty="0"/>
-              <a:t>地形系统</a:t>
-            </a:r>
-            <a:r>
-              <a:rPr lang="zh-CN" altLang="en-US" dirty="0" smtClean="0"/>
-              <a:t>：</a:t>
+              <a:t>地形系统：</a:t>
+            </a:r>
+            <a:r>
+              <a:rPr lang="zh-CN" altLang="zh-CN" dirty="0" smtClean="0"/>
+              <a:t>组件</a:t>
             </a:r>
             <a:r>
               <a:rPr lang="zh-CN" altLang="zh-CN" dirty="0"/>
-              <a:t>高度图的分辨率对地形的</a:t>
+              <a:t>尺寸和组件总数量的合理</a:t>
             </a:r>
             <a:r>
               <a:rPr lang="zh-CN" altLang="zh-CN" dirty="0" smtClean="0"/>
-              <a:t>影响</a:t>
+              <a:t>搭配</a:t>
             </a:r>
             <a:endParaRPr lang="zh-CN" altLang="en-US" dirty="0"/>
           </a:p>
@@ -24431,48 +24653,68 @@
             <p:ph idx="1"/>
           </p:nvPr>
         </p:nvSpPr>
-        <p:spPr/>
+        <p:spPr>
+          <a:xfrm>
+            <a:off x="685801" y="2142068"/>
+            <a:ext cx="10378439" cy="1166398"/>
+          </a:xfrm>
+        </p:spPr>
         <p:txBody>
-          <a:bodyPr/>
+          <a:bodyPr>
+            <a:normAutofit lnSpcReduction="10000"/>
+          </a:bodyPr>
           <a:lstStyle/>
           <a:p>
             <a:r>
               <a:rPr lang="zh-CN" altLang="zh-CN" dirty="0"/>
-              <a:t>斜坡与平地的交汇处会因分辨率的过大变得突兀，此处的过大指的是一手获得的卫图与处理后的高度图的分辨率差值</a:t>
+              <a:t>组件尺寸越小，</a:t>
+            </a:r>
+            <a:r>
+              <a:rPr lang="en-US" altLang="zh-CN" dirty="0" err="1"/>
+              <a:t>LOD</a:t>
+            </a:r>
+            <a:r>
+              <a:rPr lang="en-US" altLang="zh-CN" dirty="0"/>
+              <a:t> </a:t>
+            </a:r>
+            <a:r>
+              <a:rPr lang="zh-CN" altLang="zh-CN" dirty="0"/>
+              <a:t>的过渡越快</a:t>
             </a:r>
             <a:r>
               <a:rPr lang="zh-CN" altLang="zh-CN" dirty="0" smtClean="0"/>
-              <a:t>。</a:t>
+              <a:t>，但</a:t>
+            </a:r>
+            <a:r>
+              <a:rPr lang="zh-CN" altLang="zh-CN" dirty="0"/>
+              <a:t>需要的组件</a:t>
+            </a:r>
+            <a:r>
+              <a:rPr lang="zh-CN" altLang="zh-CN" dirty="0" smtClean="0"/>
+              <a:t>数量</a:t>
+            </a:r>
+            <a:r>
+              <a:rPr lang="zh-CN" altLang="en-US" dirty="0"/>
+              <a:t>较</a:t>
+            </a:r>
+            <a:r>
+              <a:rPr lang="zh-CN" altLang="zh-CN" dirty="0" smtClean="0"/>
+              <a:t>多。</a:t>
             </a:r>
             <a:endParaRPr lang="en-US" altLang="zh-CN" dirty="0" smtClean="0"/>
           </a:p>
           <a:p>
             <a:r>
-              <a:rPr lang="zh-CN" altLang="zh-CN" dirty="0" smtClean="0"/>
-              <a:t>当</a:t>
-            </a:r>
-            <a:r>
               <a:rPr lang="zh-CN" altLang="zh-CN" dirty="0"/>
-              <a:t>分辨率差距过大造成过渡不平滑时，可以在处理高度图时进行平滑处理。处理后的高度图最高点和最低点不会</a:t>
-            </a:r>
-            <a:r>
-              <a:rPr lang="zh-CN" altLang="zh-CN" dirty="0" smtClean="0"/>
-              <a:t>改变</a:t>
-            </a:r>
-            <a:r>
-              <a:rPr lang="zh-CN" altLang="en-US" dirty="0" smtClean="0"/>
-              <a:t>。</a:t>
-            </a:r>
-            <a:endParaRPr lang="en-US" altLang="zh-CN" dirty="0"/>
-          </a:p>
-          <a:p>
-            <a:r>
-              <a:rPr lang="zh-CN" altLang="zh-CN" dirty="0" smtClean="0"/>
-              <a:t>如果</a:t>
+              <a:t>每个组件均有渲染线程</a:t>
+            </a:r>
+            <a:r>
+              <a:rPr lang="en-US" altLang="zh-CN" dirty="0"/>
+              <a:t> CPU </a:t>
             </a:r>
             <a:r>
               <a:rPr lang="zh-CN" altLang="zh-CN" dirty="0"/>
-              <a:t>除最高点和最低点外有重要的高山或盆地不建议使用平滑处理，因为会改变它们的海拔</a:t>
+              <a:t>处理消耗，每个分段均为绘制调用，因此需要将它们的数量控制到最低</a:t>
             </a:r>
             <a:r>
               <a:rPr lang="zh-CN" altLang="zh-CN" dirty="0" smtClean="0"/>
@@ -24482,23 +24724,51 @@
           </a:p>
           <a:p>
             <a:r>
+              <a:rPr lang="zh-CN" altLang="zh-CN" dirty="0"/>
+              <a:t>官方推荐地形尺寸如下图所示</a:t>
+            </a:r>
+            <a:r>
               <a:rPr lang="zh-CN" altLang="zh-CN" dirty="0" smtClean="0"/>
-              <a:t>如果</a:t>
-            </a:r>
-            <a:r>
-              <a:rPr lang="zh-CN" altLang="zh-CN" dirty="0"/>
-              <a:t>显得突兀的边缘较少的话，可以用引擎自带的地形修改器进行修改。</a:t>
-            </a:r>
-          </a:p>
-          <a:p>
-            <a:endParaRPr lang="zh-CN" altLang="en-US" dirty="0"/>
+              <a:t>。</a:t>
+            </a:r>
+            <a:endParaRPr lang="zh-CN" altLang="zh-CN" dirty="0"/>
           </a:p>
         </p:txBody>
       </p:sp>
+      <p:pic>
+        <p:nvPicPr>
+          <p:cNvPr id="5" name="图片 4"/>
+          <p:cNvPicPr>
+            <a:picLocks noChangeAspect="1"/>
+          </p:cNvPicPr>
+          <p:nvPr/>
+        </p:nvPicPr>
+        <p:blipFill>
+          <a:blip r:embed="rId2">
+            <a:extLst>
+              <a:ext uri="{28A0092B-C50C-407E-A947-70E740481C1C}">
+                <a14:useLocalDpi xmlns:a14="http://schemas.microsoft.com/office/drawing/2010/main" val="0"/>
+              </a:ext>
+            </a:extLst>
+          </a:blip>
+          <a:stretch>
+            <a:fillRect/>
+          </a:stretch>
+        </p:blipFill>
+        <p:spPr>
+          <a:xfrm>
+            <a:off x="1578077" y="3501045"/>
+            <a:ext cx="8346872" cy="2756403"/>
+          </a:xfrm>
+          <a:prstGeom prst="rect">
+            <a:avLst/>
+          </a:prstGeom>
+        </p:spPr>
+      </p:pic>
     </p:spTree>
     <p:extLst>
       <p:ext uri="{BB962C8B-B14F-4D97-AF65-F5344CB8AC3E}">
-        <p14:creationId xmlns:p14="http://schemas.microsoft.com/office/powerpoint/2010/main" val="2689446851"/>
+        <p14:creationId xmlns:p14="http://schemas.microsoft.com/office/powerpoint/2010/main" val="2867916538"/>
       </p:ext>
     </p:extLst>
   </p:cSld>
@@ -24544,6 +24814,379 @@
         </p:nvSpPr>
         <p:spPr/>
         <p:txBody>
+          <a:bodyPr/>
+          <a:lstStyle/>
+          <a:p>
+            <a:r>
+              <a:rPr lang="zh-CN" altLang="en-US" dirty="0"/>
+              <a:t>地形系统</a:t>
+            </a:r>
+            <a:r>
+              <a:rPr lang="zh-CN" altLang="en-US" dirty="0" smtClean="0"/>
+              <a:t>：</a:t>
+            </a:r>
+            <a:r>
+              <a:rPr lang="zh-CN" altLang="zh-CN" dirty="0"/>
+              <a:t>地形系统创建地形的</a:t>
+            </a:r>
+            <a:r>
+              <a:rPr lang="zh-CN" altLang="zh-CN" dirty="0" smtClean="0"/>
+              <a:t>方式</a:t>
+            </a:r>
+            <a:endParaRPr lang="zh-CN" altLang="en-US" dirty="0"/>
+          </a:p>
+        </p:txBody>
+      </p:sp>
+      <p:sp>
+        <p:nvSpPr>
+          <p:cNvPr id="3" name="内容占位符 2"/>
+          <p:cNvSpPr>
+            <a:spLocks noGrp="1"/>
+          </p:cNvSpPr>
+          <p:nvPr>
+            <p:ph idx="1"/>
+          </p:nvPr>
+        </p:nvSpPr>
+        <p:spPr/>
+        <p:txBody>
+          <a:bodyPr/>
+          <a:lstStyle/>
+          <a:p>
+            <a:r>
+              <a:rPr lang="zh-CN" altLang="zh-CN" dirty="0"/>
+              <a:t>创建地形有两种方式，一种为自定义地形，一种为导入高度图地形</a:t>
+            </a:r>
+            <a:r>
+              <a:rPr lang="zh-CN" altLang="zh-CN" dirty="0" smtClean="0"/>
+              <a:t>。</a:t>
+            </a:r>
+            <a:endParaRPr lang="en-US" altLang="zh-CN" dirty="0" smtClean="0"/>
+          </a:p>
+          <a:p>
+            <a:r>
+              <a:rPr lang="zh-CN" altLang="zh-CN" dirty="0"/>
+              <a:t>自定义地形方便</a:t>
+            </a:r>
+            <a:r>
+              <a:rPr lang="zh-CN" altLang="zh-CN" dirty="0" smtClean="0"/>
+              <a:t>程序</a:t>
+            </a:r>
+            <a:r>
+              <a:rPr lang="zh-CN" altLang="en-US" dirty="0" smtClean="0"/>
+              <a:t>或美术</a:t>
+            </a:r>
+            <a:r>
+              <a:rPr lang="zh-CN" altLang="zh-CN" dirty="0" smtClean="0"/>
+              <a:t>人员</a:t>
+            </a:r>
+            <a:r>
+              <a:rPr lang="zh-CN" altLang="zh-CN" dirty="0"/>
+              <a:t>快速搭建</a:t>
+            </a:r>
+            <a:r>
+              <a:rPr lang="zh-CN" altLang="zh-CN" dirty="0" smtClean="0"/>
+              <a:t>地形</a:t>
+            </a:r>
+            <a:r>
+              <a:rPr lang="zh-CN" altLang="en-US" dirty="0" smtClean="0"/>
+              <a:t>。</a:t>
+            </a:r>
+            <a:endParaRPr lang="en-US" altLang="zh-CN" dirty="0" smtClean="0"/>
+          </a:p>
+          <a:p>
+            <a:r>
+              <a:rPr lang="zh-CN" altLang="zh-CN" dirty="0" smtClean="0"/>
+              <a:t>为了</a:t>
+            </a:r>
+            <a:r>
+              <a:rPr lang="zh-CN" altLang="zh-CN" dirty="0"/>
+              <a:t>使地形更加</a:t>
+            </a:r>
+            <a:r>
+              <a:rPr lang="zh-CN" altLang="zh-CN" dirty="0" smtClean="0"/>
+              <a:t>逼真</a:t>
+            </a:r>
+            <a:r>
+              <a:rPr lang="zh-CN" altLang="en-US" dirty="0" smtClean="0"/>
+              <a:t>，</a:t>
+            </a:r>
+            <a:r>
+              <a:rPr lang="zh-CN" altLang="zh-CN" dirty="0" smtClean="0"/>
+              <a:t>会使用</a:t>
+            </a:r>
+            <a:r>
+              <a:rPr lang="en-US" altLang="zh-CN" dirty="0" err="1"/>
+              <a:t>GlobalMapper</a:t>
+            </a:r>
+            <a:r>
+              <a:rPr lang="zh-CN" altLang="zh-CN" dirty="0"/>
+              <a:t>、</a:t>
+            </a:r>
+            <a:r>
+              <a:rPr lang="en-US" altLang="zh-CN" dirty="0"/>
+              <a:t>World Machine</a:t>
+            </a:r>
+            <a:r>
+              <a:rPr lang="zh-CN" altLang="zh-CN" dirty="0" smtClean="0"/>
+              <a:t>等</a:t>
+            </a:r>
+            <a:r>
+              <a:rPr lang="zh-CN" altLang="en-US" dirty="0" smtClean="0"/>
+              <a:t>专业</a:t>
+            </a:r>
+            <a:r>
+              <a:rPr lang="zh-CN" altLang="zh-CN" dirty="0" smtClean="0"/>
+              <a:t>工具</a:t>
+            </a:r>
+            <a:r>
+              <a:rPr lang="zh-CN" altLang="zh-CN" dirty="0"/>
+              <a:t>制作高度图来作为地形</a:t>
+            </a:r>
+            <a:r>
+              <a:rPr lang="zh-CN" altLang="zh-CN" dirty="0" smtClean="0"/>
+              <a:t>。</a:t>
+            </a:r>
+            <a:endParaRPr lang="en-US" altLang="zh-CN" dirty="0" smtClean="0"/>
+          </a:p>
+          <a:p>
+            <a:r>
+              <a:rPr lang="zh-CN" altLang="zh-CN" dirty="0"/>
+              <a:t>高度图的格式为</a:t>
+            </a:r>
+            <a:r>
+              <a:rPr lang="en-US" altLang="zh-CN" dirty="0" err="1"/>
+              <a:t>16bit</a:t>
+            </a:r>
+            <a:r>
+              <a:rPr lang="zh-CN" altLang="zh-CN" dirty="0"/>
+              <a:t>，灰度，以小字节序排列的</a:t>
+            </a:r>
+            <a:r>
+              <a:rPr lang="en-US" altLang="zh-CN" dirty="0"/>
+              <a:t>RAW</a:t>
+            </a:r>
+            <a:r>
+              <a:rPr lang="zh-CN" altLang="zh-CN" dirty="0"/>
+              <a:t>格式</a:t>
+            </a:r>
+            <a:r>
+              <a:rPr lang="zh-CN" altLang="zh-CN" dirty="0" smtClean="0"/>
+              <a:t>。</a:t>
+            </a:r>
+            <a:endParaRPr lang="en-US" altLang="zh-CN" dirty="0" smtClean="0"/>
+          </a:p>
+          <a:p>
+            <a:r>
+              <a:rPr lang="zh-CN" altLang="zh-CN" dirty="0"/>
+              <a:t>虚幻引擎提供了一套强大的工具集，包括雕刻、平滑、平整、斜坡、腐蚀、水力侵蚀、噪点、重新拓扑、可见性等</a:t>
+            </a:r>
+            <a:r>
+              <a:rPr lang="zh-CN" altLang="zh-CN" dirty="0" smtClean="0"/>
+              <a:t>功能</a:t>
+            </a:r>
+            <a:r>
+              <a:rPr lang="zh-CN" altLang="en-US" dirty="0" smtClean="0"/>
+              <a:t>，用于对地形的微调甚至重构。</a:t>
+            </a:r>
+            <a:endParaRPr lang="en-US" altLang="zh-CN" dirty="0" smtClean="0"/>
+          </a:p>
+        </p:txBody>
+      </p:sp>
+    </p:spTree>
+    <p:extLst>
+      <p:ext uri="{BB962C8B-B14F-4D97-AF65-F5344CB8AC3E}">
+        <p14:creationId xmlns:p14="http://schemas.microsoft.com/office/powerpoint/2010/main" val="3906299939"/>
+      </p:ext>
+    </p:extLst>
+  </p:cSld>
+  <p:clrMapOvr>
+    <a:masterClrMapping/>
+  </p:clrMapOvr>
+  <p:timing>
+    <p:tnLst>
+      <p:par>
+        <p:cTn id="1" dur="indefinite" restart="never" nodeType="tmRoot"/>
+      </p:par>
+    </p:tnLst>
+  </p:timing>
+</p:sld>
+</file>
+
+<file path=ppt/slides/slide12.xml><?xml version="1.0" encoding="utf-8"?>
+<p:sld xmlns:a="http://schemas.openxmlformats.org/drawingml/2006/main" xmlns:r="http://schemas.openxmlformats.org/officeDocument/2006/relationships" xmlns:p="http://schemas.openxmlformats.org/presentationml/2006/main">
+  <p:cSld>
+    <p:spTree>
+      <p:nvGrpSpPr>
+        <p:cNvPr id="1" name=""/>
+        <p:cNvGrpSpPr/>
+        <p:nvPr/>
+      </p:nvGrpSpPr>
+      <p:grpSpPr>
+        <a:xfrm>
+          <a:off x="0" y="0"/>
+          <a:ext cx="0" cy="0"/>
+          <a:chOff x="0" y="0"/>
+          <a:chExt cx="0" cy="0"/>
+        </a:xfrm>
+      </p:grpSpPr>
+      <p:sp>
+        <p:nvSpPr>
+          <p:cNvPr id="2" name="标题 1"/>
+          <p:cNvSpPr>
+            <a:spLocks noGrp="1"/>
+          </p:cNvSpPr>
+          <p:nvPr>
+            <p:ph type="title"/>
+          </p:nvPr>
+        </p:nvSpPr>
+        <p:spPr/>
+        <p:txBody>
+          <a:bodyPr/>
+          <a:lstStyle/>
+          <a:p>
+            <a:r>
+              <a:rPr lang="zh-CN" altLang="en-US" dirty="0"/>
+              <a:t>地形系统</a:t>
+            </a:r>
+            <a:r>
+              <a:rPr lang="zh-CN" altLang="en-US" dirty="0" smtClean="0"/>
+              <a:t>：</a:t>
+            </a:r>
+            <a:r>
+              <a:rPr lang="zh-CN" altLang="zh-CN" dirty="0"/>
+              <a:t>高度图的分辨率对地形的</a:t>
+            </a:r>
+            <a:r>
+              <a:rPr lang="zh-CN" altLang="zh-CN" dirty="0" smtClean="0"/>
+              <a:t>影响</a:t>
+            </a:r>
+            <a:endParaRPr lang="zh-CN" altLang="en-US" dirty="0"/>
+          </a:p>
+        </p:txBody>
+      </p:sp>
+      <p:sp>
+        <p:nvSpPr>
+          <p:cNvPr id="3" name="内容占位符 2"/>
+          <p:cNvSpPr>
+            <a:spLocks noGrp="1"/>
+          </p:cNvSpPr>
+          <p:nvPr>
+            <p:ph idx="1"/>
+          </p:nvPr>
+        </p:nvSpPr>
+        <p:spPr/>
+        <p:txBody>
+          <a:bodyPr/>
+          <a:lstStyle/>
+          <a:p>
+            <a:r>
+              <a:rPr lang="zh-CN" altLang="zh-CN" dirty="0"/>
+              <a:t>斜坡与平地的交汇处会因分辨率的过大变得突兀，此处的过大指的是一手获得的卫图与处理后的高度图的分辨率差值</a:t>
+            </a:r>
+            <a:r>
+              <a:rPr lang="zh-CN" altLang="zh-CN" dirty="0" smtClean="0"/>
+              <a:t>。</a:t>
+            </a:r>
+            <a:endParaRPr lang="en-US" altLang="zh-CN" dirty="0" smtClean="0"/>
+          </a:p>
+          <a:p>
+            <a:r>
+              <a:rPr lang="zh-CN" altLang="zh-CN" dirty="0" smtClean="0"/>
+              <a:t>当</a:t>
+            </a:r>
+            <a:r>
+              <a:rPr lang="zh-CN" altLang="zh-CN" dirty="0"/>
+              <a:t>分辨率差距过大造成过渡不平滑时，可以在处理高度图时进行平滑处理。处理后的高度图最高点和最低点不会</a:t>
+            </a:r>
+            <a:r>
+              <a:rPr lang="zh-CN" altLang="zh-CN" dirty="0" smtClean="0"/>
+              <a:t>改变</a:t>
+            </a:r>
+            <a:r>
+              <a:rPr lang="zh-CN" altLang="en-US" dirty="0" smtClean="0"/>
+              <a:t>。</a:t>
+            </a:r>
+            <a:endParaRPr lang="en-US" altLang="zh-CN" dirty="0"/>
+          </a:p>
+          <a:p>
+            <a:r>
+              <a:rPr lang="zh-CN" altLang="zh-CN" dirty="0" smtClean="0"/>
+              <a:t>如果</a:t>
+            </a:r>
+            <a:r>
+              <a:rPr lang="zh-CN" altLang="zh-CN" dirty="0"/>
+              <a:t>除最高点和最低点外有重要的高山或盆地不建议使用平滑处理，因为会改变它们的海拔</a:t>
+            </a:r>
+            <a:r>
+              <a:rPr lang="zh-CN" altLang="zh-CN" dirty="0" smtClean="0"/>
+              <a:t>。</a:t>
+            </a:r>
+            <a:endParaRPr lang="en-US" altLang="zh-CN" dirty="0" smtClean="0"/>
+          </a:p>
+          <a:p>
+            <a:r>
+              <a:rPr lang="zh-CN" altLang="zh-CN" dirty="0" smtClean="0"/>
+              <a:t>如果</a:t>
+            </a:r>
+            <a:r>
+              <a:rPr lang="zh-CN" altLang="zh-CN" dirty="0"/>
+              <a:t>显得突兀的边缘较少的话，可以用引擎自带的地形修改器进行修改。</a:t>
+            </a:r>
+          </a:p>
+          <a:p>
+            <a:endParaRPr lang="zh-CN" altLang="en-US" dirty="0"/>
+          </a:p>
+        </p:txBody>
+      </p:sp>
+    </p:spTree>
+    <p:extLst>
+      <p:ext uri="{BB962C8B-B14F-4D97-AF65-F5344CB8AC3E}">
+        <p14:creationId xmlns:p14="http://schemas.microsoft.com/office/powerpoint/2010/main" val="2689446851"/>
+      </p:ext>
+    </p:extLst>
+  </p:cSld>
+  <p:clrMapOvr>
+    <a:masterClrMapping/>
+  </p:clrMapOvr>
+  <p:timing>
+    <p:tnLst>
+      <p:par>
+        <p:cTn id="1" dur="indefinite" restart="never" nodeType="tmRoot"/>
+      </p:par>
+    </p:tnLst>
+  </p:timing>
+</p:sld>
+</file>
+
+<file path=ppt/slides/slide13.xml><?xml version="1.0" encoding="utf-8"?>
+<p:sld xmlns:a="http://schemas.openxmlformats.org/drawingml/2006/main" xmlns:r="http://schemas.openxmlformats.org/officeDocument/2006/relationships" xmlns:p="http://schemas.openxmlformats.org/presentationml/2006/main">
+  <p:cSld>
+    <p:spTree>
+      <p:nvGrpSpPr>
+        <p:cNvPr id="1" name=""/>
+        <p:cNvGrpSpPr/>
+        <p:nvPr/>
+      </p:nvGrpSpPr>
+      <p:grpSpPr>
+        <a:xfrm>
+          <a:off x="0" y="0"/>
+          <a:ext cx="0" cy="0"/>
+          <a:chOff x="0" y="0"/>
+          <a:chExt cx="0" cy="0"/>
+        </a:xfrm>
+      </p:grpSpPr>
+      <p:sp>
+        <p:nvSpPr>
+          <p:cNvPr id="2" name="标题 1"/>
+          <p:cNvSpPr>
+            <a:spLocks noGrp="1"/>
+          </p:cNvSpPr>
+          <p:nvPr>
+            <p:ph type="title"/>
+          </p:nvPr>
+        </p:nvSpPr>
+        <p:spPr/>
+        <p:txBody>
           <a:bodyPr>
             <a:normAutofit/>
           </a:bodyPr>
@@ -24677,7 +25320,7 @@
 </p:sld>
 </file>
 
-<file path=ppt/slides/slide12.xml><?xml version="1.0" encoding="utf-8"?>
+<file path=ppt/slides/slide14.xml><?xml version="1.0" encoding="utf-8"?>
 <p:sld xmlns:a="http://schemas.openxmlformats.org/drawingml/2006/main" xmlns:r="http://schemas.openxmlformats.org/officeDocument/2006/relationships" xmlns:p="http://schemas.openxmlformats.org/presentationml/2006/main">
   <p:cSld>
     <p:spTree>
@@ -24774,7 +25417,7 @@
 </p:sld>
 </file>
 
-<file path=ppt/slides/slide13.xml><?xml version="1.0" encoding="utf-8"?>
+<file path=ppt/slides/slide15.xml><?xml version="1.0" encoding="utf-8"?>
 <p:sld xmlns:a="http://schemas.openxmlformats.org/drawingml/2006/main" xmlns:r="http://schemas.openxmlformats.org/officeDocument/2006/relationships" xmlns:p="http://schemas.openxmlformats.org/presentationml/2006/main">
   <p:cSld>
     <p:spTree>
@@ -25004,7 +25647,7 @@
 </p:sld>
 </file>
 
-<file path=ppt/slides/slide14.xml><?xml version="1.0" encoding="utf-8"?>
+<file path=ppt/slides/slide16.xml><?xml version="1.0" encoding="utf-8"?>
 <p:sld xmlns:a="http://schemas.openxmlformats.org/drawingml/2006/main" xmlns:r="http://schemas.openxmlformats.org/officeDocument/2006/relationships" xmlns:p="http://schemas.openxmlformats.org/presentationml/2006/main">
   <p:cSld>
     <p:spTree>
@@ -25664,7 +26307,7 @@
 </p:sld>
 </file>
 
-<file path=ppt/slides/slide15.xml><?xml version="1.0" encoding="utf-8"?>
+<file path=ppt/slides/slide17.xml><?xml version="1.0" encoding="utf-8"?>
 <p:sld xmlns:a="http://schemas.openxmlformats.org/drawingml/2006/main" xmlns:r="http://schemas.openxmlformats.org/officeDocument/2006/relationships" xmlns:p="http://schemas.openxmlformats.org/presentationml/2006/main">
   <p:cSld>
     <p:spTree>
@@ -25857,7 +26500,7 @@
 </p:sld>
 </file>
 
-<file path=ppt/slides/slide16.xml><?xml version="1.0" encoding="utf-8"?>
+<file path=ppt/slides/slide18.xml><?xml version="1.0" encoding="utf-8"?>
 <p:sld xmlns:a="http://schemas.openxmlformats.org/drawingml/2006/main" xmlns:r="http://schemas.openxmlformats.org/officeDocument/2006/relationships" xmlns:p="http://schemas.openxmlformats.org/presentationml/2006/main">
   <p:cSld>
     <p:spTree>
@@ -25949,316 +26592,6 @@
 </p:sld>
 </file>
 
-<file path=ppt/slides/slide17.xml><?xml version="1.0" encoding="utf-8"?>
-<p:sld xmlns:a="http://schemas.openxmlformats.org/drawingml/2006/main" xmlns:r="http://schemas.openxmlformats.org/officeDocument/2006/relationships" xmlns:p="http://schemas.openxmlformats.org/presentationml/2006/main">
-  <p:cSld>
-    <p:spTree>
-      <p:nvGrpSpPr>
-        <p:cNvPr id="1" name=""/>
-        <p:cNvGrpSpPr/>
-        <p:nvPr/>
-      </p:nvGrpSpPr>
-      <p:grpSpPr>
-        <a:xfrm>
-          <a:off x="0" y="0"/>
-          <a:ext cx="0" cy="0"/>
-          <a:chOff x="0" y="0"/>
-          <a:chExt cx="0" cy="0"/>
-        </a:xfrm>
-      </p:grpSpPr>
-      <p:sp>
-        <p:nvSpPr>
-          <p:cNvPr id="2" name="标题 1"/>
-          <p:cNvSpPr>
-            <a:spLocks noGrp="1"/>
-          </p:cNvSpPr>
-          <p:nvPr>
-            <p:ph type="title"/>
-          </p:nvPr>
-        </p:nvSpPr>
-        <p:spPr/>
-        <p:txBody>
-          <a:bodyPr/>
-          <a:lstStyle/>
-          <a:p>
-            <a:r>
-              <a:rPr lang="en-US" altLang="zh-CN" dirty="0" err="1"/>
-              <a:t>UE4</a:t>
-            </a:r>
-            <a:r>
-              <a:rPr lang="zh-CN" altLang="en-US" dirty="0" smtClean="0"/>
-              <a:t>编程：蓝图</a:t>
-            </a:r>
-            <a:endParaRPr lang="zh-CN" altLang="en-US" dirty="0"/>
-          </a:p>
-        </p:txBody>
-      </p:sp>
-      <p:sp>
-        <p:nvSpPr>
-          <p:cNvPr id="3" name="内容占位符 2"/>
-          <p:cNvSpPr>
-            <a:spLocks noGrp="1"/>
-          </p:cNvSpPr>
-          <p:nvPr>
-            <p:ph idx="1"/>
-          </p:nvPr>
-        </p:nvSpPr>
-        <p:spPr/>
-        <p:txBody>
-          <a:bodyPr/>
-          <a:lstStyle/>
-          <a:p>
-            <a:r>
-              <a:rPr lang="zh-CN" altLang="zh-CN" dirty="0" smtClean="0"/>
-              <a:t>虚幻引擎中的蓝图是</a:t>
-            </a:r>
-            <a:r>
-              <a:rPr lang="zh-CN" altLang="zh-CN" dirty="0"/>
-              <a:t>一个完整的游戏脚本</a:t>
-            </a:r>
-            <a:r>
-              <a:rPr lang="zh-CN" altLang="zh-CN" dirty="0" smtClean="0"/>
-              <a:t>系统，</a:t>
-            </a:r>
-            <a:r>
-              <a:rPr lang="zh-CN" altLang="zh-CN" dirty="0"/>
-              <a:t>其理念是在虚幻编辑器</a:t>
-            </a:r>
-            <a:r>
-              <a:rPr lang="zh-CN" altLang="zh-CN" dirty="0" smtClean="0"/>
-              <a:t>中使用</a:t>
-            </a:r>
-            <a:r>
-              <a:rPr lang="zh-CN" altLang="zh-CN" dirty="0"/>
-              <a:t>基于节点的界面创建游戏可玩性</a:t>
-            </a:r>
-            <a:r>
-              <a:rPr lang="zh-CN" altLang="zh-CN" dirty="0" smtClean="0"/>
-              <a:t>元素</a:t>
-            </a:r>
-            <a:r>
-              <a:rPr lang="zh-CN" altLang="en-US" dirty="0" smtClean="0"/>
-              <a:t>，</a:t>
-            </a:r>
-            <a:r>
-              <a:rPr lang="zh-CN" altLang="zh-CN" dirty="0"/>
-              <a:t>使得美工和其他非程序员用户可以创建复杂而精密的游戏系统</a:t>
-            </a:r>
-            <a:r>
-              <a:rPr lang="zh-CN" altLang="en-US" dirty="0" smtClean="0"/>
-              <a:t>。</a:t>
-            </a:r>
-            <a:endParaRPr lang="en-US" altLang="zh-CN" dirty="0"/>
-          </a:p>
-          <a:p>
-            <a:r>
-              <a:rPr lang="zh-CN" altLang="zh-CN" dirty="0"/>
-              <a:t>在虚幻引擎的</a:t>
-            </a:r>
-            <a:r>
-              <a:rPr lang="en-US" altLang="zh-CN" dirty="0"/>
-              <a:t> C++ </a:t>
-            </a:r>
-            <a:r>
-              <a:rPr lang="zh-CN" altLang="zh-CN" dirty="0"/>
-              <a:t>实现上也为程序员提供用于蓝图功能的语法</a:t>
-            </a:r>
-            <a:r>
-              <a:rPr lang="zh-CN" altLang="zh-CN" dirty="0" smtClean="0"/>
-              <a:t>标记</a:t>
-            </a:r>
-            <a:r>
-              <a:rPr lang="zh-CN" altLang="en-US" dirty="0" smtClean="0"/>
-              <a:t>，</a:t>
-            </a:r>
-            <a:r>
-              <a:rPr lang="zh-CN" altLang="zh-CN" dirty="0"/>
-              <a:t>程序员能够很方便的创建一个基础系统</a:t>
-            </a:r>
-            <a:r>
-              <a:rPr lang="zh-CN" altLang="zh-CN" dirty="0" smtClean="0"/>
-              <a:t>，</a:t>
-            </a:r>
-            <a:r>
-              <a:rPr lang="zh-CN" altLang="en-US" dirty="0" smtClean="0"/>
-              <a:t>将需要的数据暴露给蓝图，</a:t>
-            </a:r>
-            <a:r>
-              <a:rPr lang="zh-CN" altLang="en-US" dirty="0"/>
-              <a:t>使</a:t>
-            </a:r>
-            <a:r>
-              <a:rPr lang="zh-CN" altLang="zh-CN" dirty="0" smtClean="0"/>
-              <a:t>策划</a:t>
-            </a:r>
-            <a:r>
-              <a:rPr lang="zh-CN" altLang="zh-CN" dirty="0"/>
-              <a:t>进一步在蓝图中对这样的系统进行扩展。</a:t>
-            </a:r>
-          </a:p>
-          <a:p>
-            <a:endParaRPr lang="zh-CN" altLang="en-US" dirty="0"/>
-          </a:p>
-        </p:txBody>
-      </p:sp>
-    </p:spTree>
-    <p:extLst>
-      <p:ext uri="{BB962C8B-B14F-4D97-AF65-F5344CB8AC3E}">
-        <p14:creationId xmlns:p14="http://schemas.microsoft.com/office/powerpoint/2010/main" val="637406806"/>
-      </p:ext>
-    </p:extLst>
-  </p:cSld>
-  <p:clrMapOvr>
-    <a:masterClrMapping/>
-  </p:clrMapOvr>
-  <p:timing>
-    <p:tnLst>
-      <p:par>
-        <p:cTn id="1" dur="indefinite" restart="never" nodeType="tmRoot"/>
-      </p:par>
-    </p:tnLst>
-  </p:timing>
-</p:sld>
-</file>
-
-<file path=ppt/slides/slide18.xml><?xml version="1.0" encoding="utf-8"?>
-<p:sld xmlns:a="http://schemas.openxmlformats.org/drawingml/2006/main" xmlns:r="http://schemas.openxmlformats.org/officeDocument/2006/relationships" xmlns:p="http://schemas.openxmlformats.org/presentationml/2006/main">
-  <p:cSld>
-    <p:spTree>
-      <p:nvGrpSpPr>
-        <p:cNvPr id="1" name=""/>
-        <p:cNvGrpSpPr/>
-        <p:nvPr/>
-      </p:nvGrpSpPr>
-      <p:grpSpPr>
-        <a:xfrm>
-          <a:off x="0" y="0"/>
-          <a:ext cx="0" cy="0"/>
-          <a:chOff x="0" y="0"/>
-          <a:chExt cx="0" cy="0"/>
-        </a:xfrm>
-      </p:grpSpPr>
-      <p:sp>
-        <p:nvSpPr>
-          <p:cNvPr id="2" name="标题 1"/>
-          <p:cNvSpPr>
-            <a:spLocks noGrp="1"/>
-          </p:cNvSpPr>
-          <p:nvPr>
-            <p:ph type="title"/>
-          </p:nvPr>
-        </p:nvSpPr>
-        <p:spPr/>
-        <p:txBody>
-          <a:bodyPr/>
-          <a:lstStyle/>
-          <a:p>
-            <a:r>
-              <a:rPr lang="en-US" altLang="zh-CN" dirty="0" err="1"/>
-              <a:t>UE4</a:t>
-            </a:r>
-            <a:r>
-              <a:rPr lang="zh-CN" altLang="en-US" dirty="0"/>
-              <a:t>编程</a:t>
-            </a:r>
-            <a:r>
-              <a:rPr lang="zh-CN" altLang="en-US" dirty="0"/>
-              <a:t>：</a:t>
-            </a:r>
-            <a:r>
-              <a:rPr lang="zh-CN" altLang="zh-CN" dirty="0"/>
-              <a:t>基类</a:t>
-            </a:r>
-            <a:r>
-              <a:rPr lang="en-US" altLang="zh-CN" dirty="0"/>
-              <a:t>Object</a:t>
-            </a:r>
-            <a:endParaRPr lang="zh-CN" altLang="en-US" dirty="0"/>
-          </a:p>
-        </p:txBody>
-      </p:sp>
-      <p:sp>
-        <p:nvSpPr>
-          <p:cNvPr id="3" name="内容占位符 2"/>
-          <p:cNvSpPr>
-            <a:spLocks noGrp="1"/>
-          </p:cNvSpPr>
-          <p:nvPr>
-            <p:ph idx="1"/>
-          </p:nvPr>
-        </p:nvSpPr>
-        <p:spPr/>
-        <p:txBody>
-          <a:bodyPr/>
-          <a:lstStyle/>
-          <a:p>
-            <a:r>
-              <a:rPr lang="en-US" altLang="zh-CN" dirty="0"/>
-              <a:t>Object</a:t>
-            </a:r>
-            <a:r>
-              <a:rPr lang="zh-CN" altLang="zh-CN" dirty="0"/>
-              <a:t>是虚幻引擎的其他类的基类</a:t>
-            </a:r>
-            <a:r>
-              <a:rPr lang="zh-CN" altLang="zh-CN" dirty="0" smtClean="0"/>
-              <a:t>。</a:t>
-            </a:r>
-            <a:endParaRPr lang="en-US" altLang="zh-CN" dirty="0" smtClean="0"/>
-          </a:p>
-          <a:p>
-            <a:r>
-              <a:rPr lang="en-US" altLang="zh-CN" dirty="0"/>
-              <a:t>Object</a:t>
-            </a:r>
-            <a:r>
-              <a:rPr lang="zh-CN" altLang="zh-CN" dirty="0" smtClean="0"/>
-              <a:t>不能</a:t>
-            </a:r>
-            <a:r>
-              <a:rPr lang="zh-CN" altLang="zh-CN" dirty="0"/>
-              <a:t>被加入到世界（无法在关卡中生成或放置），但它带有数据和函数，由此可以使每一个对象可追踪，提供通用的属性和接口，统一的内存分配释放，统一的序列化模型，统计功能，调试的便利，为反射提供便利，</a:t>
-            </a:r>
-            <a:r>
-              <a:rPr lang="en-US" altLang="zh-CN" dirty="0"/>
-              <a:t>UI</a:t>
-            </a:r>
-            <a:r>
-              <a:rPr lang="zh-CN" altLang="zh-CN" dirty="0"/>
-              <a:t>编辑的便利，虚幻引擎以此构建了一个</a:t>
-            </a:r>
-            <a:r>
-              <a:rPr lang="en-US" altLang="zh-CN" dirty="0"/>
-              <a:t>Object</a:t>
-            </a:r>
-            <a:r>
-              <a:rPr lang="zh-CN" altLang="zh-CN" dirty="0"/>
-              <a:t>运行的世界。</a:t>
-            </a:r>
-            <a:endParaRPr lang="zh-CN" altLang="en-US" dirty="0"/>
-          </a:p>
-        </p:txBody>
-      </p:sp>
-    </p:spTree>
-    <p:extLst>
-      <p:ext uri="{BB962C8B-B14F-4D97-AF65-F5344CB8AC3E}">
-        <p14:creationId xmlns:p14="http://schemas.microsoft.com/office/powerpoint/2010/main" val="2746289153"/>
-      </p:ext>
-    </p:extLst>
-  </p:cSld>
-  <p:clrMapOvr>
-    <a:masterClrMapping/>
-  </p:clrMapOvr>
-  <p:timing>
-    <p:tnLst>
-      <p:par>
-        <p:cTn id="1" dur="indefinite" restart="never" nodeType="tmRoot"/>
-      </p:par>
-    </p:tnLst>
-  </p:timing>
-</p:sld>
-</file>
-
 <file path=ppt/slides/slide19.xml><?xml version="1.0" encoding="utf-8"?>
 <p:sld xmlns:a="http://schemas.openxmlformats.org/drawingml/2006/main" xmlns:r="http://schemas.openxmlformats.org/officeDocument/2006/relationships" xmlns:p="http://schemas.openxmlformats.org/presentationml/2006/main">
   <p:cSld>
@@ -26296,20 +26629,8 @@
               <a:t>UE4</a:t>
             </a:r>
             <a:r>
-              <a:rPr lang="zh-CN" altLang="en-US" dirty="0"/>
-              <a:t>编程</a:t>
-            </a:r>
-            <a:r>
-              <a:rPr lang="zh-CN" altLang="en-US" dirty="0"/>
-              <a:t>：</a:t>
-            </a:r>
-            <a:r>
-              <a:rPr lang="zh-CN" altLang="zh-CN" dirty="0"/>
-              <a:t>组件化开发的</a:t>
-            </a:r>
-            <a:r>
-              <a:rPr lang="zh-CN" altLang="zh-CN" dirty="0"/>
-              <a:t>思想</a:t>
+              <a:rPr lang="zh-CN" altLang="en-US" dirty="0" smtClean="0"/>
+              <a:t>编程：蓝图</a:t>
             </a:r>
             <a:endParaRPr lang="zh-CN" altLang="en-US" dirty="0"/>
           </a:p>
@@ -26325,196 +26646,143 @@
             <p:ph idx="1"/>
           </p:nvPr>
         </p:nvSpPr>
-        <p:spPr/>
+        <p:spPr>
+          <a:xfrm>
+            <a:off x="685801" y="2142067"/>
+            <a:ext cx="10131425" cy="2172237"/>
+          </a:xfrm>
+        </p:spPr>
         <p:txBody>
           <a:bodyPr/>
           <a:lstStyle/>
           <a:p>
             <a:r>
+              <a:rPr lang="zh-CN" altLang="zh-CN" dirty="0" smtClean="0"/>
+              <a:t>虚幻引擎中的蓝图是</a:t>
+            </a:r>
+            <a:r>
               <a:rPr lang="zh-CN" altLang="zh-CN" dirty="0"/>
-              <a:t>虚幻引擎包含着组件化开发的思想</a:t>
+              <a:t>一个完整的游戏脚本</a:t>
             </a:r>
             <a:r>
               <a:rPr lang="zh-CN" altLang="zh-CN" dirty="0" smtClean="0"/>
-              <a:t>，使得</a:t>
+              <a:t>系统，</a:t>
             </a:r>
             <a:r>
               <a:rPr lang="zh-CN" altLang="zh-CN" dirty="0"/>
-              <a:t>功能划分更佳清晰，可以按组件分配开发任务；更好排查问题，某个组件出现问题，直接对组件进行处理；项目可维护性更强，提高开发效率</a:t>
+              <a:t>其理念是在虚幻编辑器</a:t>
             </a:r>
             <a:r>
               <a:rPr lang="zh-CN" altLang="zh-CN" dirty="0" smtClean="0"/>
+              <a:t>中使用</a:t>
+            </a:r>
+            <a:r>
+              <a:rPr lang="zh-CN" altLang="zh-CN" dirty="0"/>
+              <a:t>基于节点的界面创建游戏可玩性</a:t>
+            </a:r>
+            <a:r>
+              <a:rPr lang="zh-CN" altLang="zh-CN" dirty="0" smtClean="0"/>
+              <a:t>元素</a:t>
+            </a:r>
+            <a:r>
+              <a:rPr lang="zh-CN" altLang="en-US" dirty="0" smtClean="0"/>
+              <a:t>，</a:t>
+            </a:r>
+            <a:r>
+              <a:rPr lang="zh-CN" altLang="zh-CN" dirty="0"/>
+              <a:t>使得美工和其他非程序员用户可以创建复杂而精密的游戏系统</a:t>
+            </a:r>
+            <a:r>
+              <a:rPr lang="zh-CN" altLang="en-US" dirty="0" smtClean="0"/>
               <a:t>。</a:t>
             </a:r>
-            <a:endParaRPr lang="en-US" altLang="zh-CN" dirty="0" smtClean="0"/>
+            <a:endParaRPr lang="en-US" altLang="zh-CN" dirty="0"/>
           </a:p>
           <a:p>
             <a:r>
-              <a:rPr lang="en-US" altLang="zh-CN" dirty="0" err="1" smtClean="0"/>
-              <a:t>UactorCompoent</a:t>
+              <a:rPr lang="zh-CN" altLang="zh-CN" dirty="0"/>
+              <a:t>在虚幻引擎的</a:t>
+            </a:r>
+            <a:r>
+              <a:rPr lang="en-US" altLang="zh-CN" dirty="0"/>
+              <a:t> C++ </a:t>
+            </a:r>
+            <a:r>
+              <a:rPr lang="zh-CN" altLang="zh-CN" dirty="0"/>
+              <a:t>实现上也为程序员提供用于蓝图功能的语法</a:t>
+            </a:r>
+            <a:r>
+              <a:rPr lang="zh-CN" altLang="zh-CN" dirty="0" smtClean="0"/>
+              <a:t>标记</a:t>
             </a:r>
             <a:r>
               <a:rPr lang="zh-CN" altLang="en-US" dirty="0" smtClean="0"/>
-              <a:t>便是常用的组件之一，它</a:t>
+              <a:t>，</a:t>
+            </a:r>
+            <a:r>
+              <a:rPr lang="zh-CN" altLang="zh-CN" dirty="0"/>
+              <a:t>程序员能够很方便的创建一个基础系统</a:t>
             </a:r>
             <a:r>
               <a:rPr lang="zh-CN" altLang="zh-CN" dirty="0" smtClean="0"/>
-              <a:t>作为</a:t>
+              <a:t>，</a:t>
+            </a:r>
+            <a:r>
+              <a:rPr lang="zh-CN" altLang="en-US" dirty="0" smtClean="0"/>
+              <a:t>将需要的数据暴露给蓝图，</a:t>
+            </a:r>
+            <a:r>
+              <a:rPr lang="zh-CN" altLang="en-US" dirty="0"/>
+              <a:t>使</a:t>
+            </a:r>
+            <a:r>
+              <a:rPr lang="zh-CN" altLang="zh-CN" dirty="0" smtClean="0"/>
+              <a:t>策划</a:t>
             </a:r>
             <a:r>
               <a:rPr lang="zh-CN" altLang="zh-CN" dirty="0"/>
-              <a:t>功能的载体，具备一定程度的嵌套组装能力</a:t>
-            </a:r>
-            <a:r>
-              <a:rPr lang="zh-CN" altLang="zh-CN" dirty="0" smtClean="0"/>
-              <a:t>。</a:t>
-            </a:r>
-            <a:endParaRPr lang="en-US" altLang="zh-CN" dirty="0" smtClean="0"/>
+              <a:t>进一步在蓝图中对这样的系统进行扩展。</a:t>
+            </a:r>
           </a:p>
           <a:p>
-            <a:r>
-              <a:rPr lang="zh-CN" altLang="zh-CN" dirty="0"/>
-              <a:t>在虚幻引擎中</a:t>
-            </a:r>
-            <a:r>
-              <a:rPr lang="en-US" altLang="zh-CN" dirty="0" err="1"/>
-              <a:t>AActor</a:t>
-            </a:r>
-            <a:r>
-              <a:rPr lang="zh-CN" altLang="zh-CN" dirty="0"/>
-              <a:t>充当容器，无论是实体还是移动，它的功能都是由</a:t>
-            </a:r>
-            <a:r>
-              <a:rPr lang="en-US" altLang="zh-CN" dirty="0"/>
-              <a:t>Components</a:t>
-            </a:r>
-            <a:r>
-              <a:rPr lang="zh-CN" altLang="zh-CN" dirty="0"/>
-              <a:t>拼装而成</a:t>
-            </a:r>
-            <a:r>
-              <a:rPr lang="zh-CN" altLang="zh-CN" dirty="0" smtClean="0"/>
-              <a:t>。</a:t>
-            </a:r>
-            <a:endParaRPr lang="en-US" altLang="zh-CN" dirty="0" smtClean="0"/>
-          </a:p>
-          <a:p>
-            <a:r>
-              <a:rPr lang="zh-CN" altLang="en-US" dirty="0" smtClean="0"/>
-              <a:t>例如</a:t>
-            </a:r>
-            <a:endParaRPr lang="en-US" altLang="zh-CN" dirty="0" smtClean="0"/>
-          </a:p>
-          <a:p>
-            <a:pPr lvl="1"/>
-            <a:r>
-              <a:rPr lang="zh-CN" altLang="zh-CN" dirty="0" smtClean="0"/>
-              <a:t>在</a:t>
-            </a:r>
-            <a:r>
-              <a:rPr lang="en-US" altLang="zh-CN" dirty="0"/>
-              <a:t>Actor</a:t>
-            </a:r>
-            <a:r>
-              <a:rPr lang="zh-CN" altLang="zh-CN" dirty="0"/>
-              <a:t>的基础上衍生出了</a:t>
-            </a:r>
-            <a:r>
-              <a:rPr lang="en-US" altLang="zh-CN" dirty="0"/>
-              <a:t>Pawn</a:t>
-            </a:r>
-            <a:r>
-              <a:rPr lang="zh-CN" altLang="zh-CN" dirty="0" smtClean="0"/>
-              <a:t>，可以</a:t>
-            </a:r>
-            <a:r>
-              <a:rPr lang="zh-CN" altLang="zh-CN" dirty="0"/>
-              <a:t>使用</a:t>
-            </a:r>
-            <a:r>
-              <a:rPr lang="en-US" altLang="zh-CN" dirty="0" err="1"/>
-              <a:t>PlayerController</a:t>
-            </a:r>
-            <a:r>
-              <a:rPr lang="zh-CN" altLang="zh-CN" dirty="0"/>
-              <a:t>或</a:t>
-            </a:r>
-            <a:r>
-              <a:rPr lang="en-US" altLang="zh-CN" dirty="0" err="1"/>
-              <a:t>AIController</a:t>
-            </a:r>
-            <a:r>
-              <a:rPr lang="zh-CN" altLang="zh-CN" dirty="0"/>
-              <a:t>控制</a:t>
-            </a:r>
-            <a:r>
-              <a:rPr lang="zh-CN" altLang="zh-CN" dirty="0" smtClean="0"/>
-              <a:t>。</a:t>
-            </a:r>
-            <a:endParaRPr lang="en-US" altLang="zh-CN" dirty="0" smtClean="0"/>
-          </a:p>
-          <a:p>
-            <a:pPr lvl="1"/>
-            <a:r>
-              <a:rPr lang="en-US" altLang="zh-CN" dirty="0"/>
-              <a:t>Pawn</a:t>
-            </a:r>
-            <a:r>
-              <a:rPr lang="zh-CN" altLang="zh-CN" dirty="0"/>
-              <a:t>又衍生出</a:t>
-            </a:r>
-            <a:r>
-              <a:rPr lang="en-US" altLang="zh-CN" dirty="0"/>
-              <a:t>Character</a:t>
-            </a:r>
-            <a:r>
-              <a:rPr lang="zh-CN" altLang="zh-CN" dirty="0"/>
-              <a:t>，</a:t>
-            </a:r>
-            <a:r>
-              <a:rPr lang="en-US" altLang="zh-CN" dirty="0"/>
-              <a:t>Character</a:t>
-            </a:r>
-            <a:r>
-              <a:rPr lang="zh-CN" altLang="zh-CN" dirty="0"/>
-              <a:t>在</a:t>
-            </a:r>
-            <a:r>
-              <a:rPr lang="en-US" altLang="zh-CN" dirty="0"/>
-              <a:t>Pawn</a:t>
-            </a:r>
-            <a:r>
-              <a:rPr lang="zh-CN" altLang="zh-CN" dirty="0"/>
-              <a:t>之上增加</a:t>
-            </a:r>
-            <a:r>
-              <a:rPr lang="en-US" altLang="zh-CN" dirty="0" err="1"/>
-              <a:t>MovementComponent</a:t>
-            </a:r>
-            <a:r>
-              <a:rPr lang="zh-CN" altLang="zh-CN" dirty="0"/>
-              <a:t>，使得它可以使用导航和移动，还增加了</a:t>
-            </a:r>
-            <a:r>
-              <a:rPr lang="en-US" altLang="zh-CN" dirty="0" err="1"/>
-              <a:t>SkeletalMeshComponent</a:t>
-            </a:r>
-            <a:r>
-              <a:rPr lang="zh-CN" altLang="zh-CN" dirty="0"/>
-              <a:t>，这使它可以有更复杂更易于管理的表现形式</a:t>
-            </a:r>
-            <a:r>
-              <a:rPr lang="zh-CN" altLang="zh-CN" dirty="0" smtClean="0"/>
-              <a:t>。</a:t>
-            </a:r>
-            <a:endParaRPr lang="zh-CN" altLang="zh-CN" dirty="0"/>
+            <a:endParaRPr lang="zh-CN" altLang="en-US" dirty="0"/>
           </a:p>
         </p:txBody>
       </p:sp>
+      <p:pic>
+        <p:nvPicPr>
+          <p:cNvPr id="4" name="图片 3"/>
+          <p:cNvPicPr>
+            <a:picLocks noChangeAspect="1"/>
+          </p:cNvPicPr>
+          <p:nvPr/>
+        </p:nvPicPr>
+        <p:blipFill>
+          <a:blip r:embed="rId2">
+            <a:extLst>
+              <a:ext uri="{28A0092B-C50C-407E-A947-70E740481C1C}">
+                <a14:useLocalDpi xmlns:a14="http://schemas.microsoft.com/office/drawing/2010/main" val="0"/>
+              </a:ext>
+            </a:extLst>
+          </a:blip>
+          <a:stretch>
+            <a:fillRect/>
+          </a:stretch>
+        </p:blipFill>
+        <p:spPr>
+          <a:xfrm>
+            <a:off x="1205345" y="3676996"/>
+            <a:ext cx="8398016" cy="2815244"/>
+          </a:xfrm>
+          <a:prstGeom prst="rect">
+            <a:avLst/>
+          </a:prstGeom>
+        </p:spPr>
+      </p:pic>
     </p:spTree>
     <p:extLst>
       <p:ext uri="{BB962C8B-B14F-4D97-AF65-F5344CB8AC3E}">
-        <p14:creationId xmlns:p14="http://schemas.microsoft.com/office/powerpoint/2010/main" val="2457074333"/>
+        <p14:creationId xmlns:p14="http://schemas.microsoft.com/office/powerpoint/2010/main" val="637406806"/>
       </p:ext>
     </p:extLst>
   </p:cSld>
@@ -26584,7 +26852,7 @@
             <p:ph idx="1"/>
             <p:extLst>
               <p:ext uri="{D42A27DB-BD31-4B8C-83A1-F6EECF244321}">
-                <p14:modId xmlns:p14="http://schemas.microsoft.com/office/powerpoint/2010/main" val="2762466969"/>
+                <p14:modId xmlns:p14="http://schemas.microsoft.com/office/powerpoint/2010/main" val="825278350"/>
               </p:ext>
             </p:extLst>
           </p:nvPr>
@@ -26652,6 +26920,1058 @@
           <a:lstStyle/>
           <a:p>
             <a:r>
+              <a:rPr lang="en-US" altLang="zh-CN" dirty="0" err="1"/>
+              <a:t>UE4</a:t>
+            </a:r>
+            <a:r>
+              <a:rPr lang="zh-CN" altLang="en-US" dirty="0"/>
+              <a:t>编程：</a:t>
+            </a:r>
+            <a:r>
+              <a:rPr lang="zh-CN" altLang="zh-CN" dirty="0"/>
+              <a:t>基类</a:t>
+            </a:r>
+            <a:r>
+              <a:rPr lang="en-US" altLang="zh-CN" dirty="0"/>
+              <a:t>Object</a:t>
+            </a:r>
+            <a:endParaRPr lang="zh-CN" altLang="en-US" dirty="0"/>
+          </a:p>
+        </p:txBody>
+      </p:sp>
+      <p:sp>
+        <p:nvSpPr>
+          <p:cNvPr id="3" name="内容占位符 2"/>
+          <p:cNvSpPr>
+            <a:spLocks noGrp="1"/>
+          </p:cNvSpPr>
+          <p:nvPr>
+            <p:ph idx="1"/>
+          </p:nvPr>
+        </p:nvSpPr>
+        <p:spPr>
+          <a:xfrm>
+            <a:off x="685802" y="2142067"/>
+            <a:ext cx="4864732" cy="3784908"/>
+          </a:xfrm>
+        </p:spPr>
+        <p:txBody>
+          <a:bodyPr/>
+          <a:lstStyle/>
+          <a:p>
+            <a:r>
+              <a:rPr lang="en-US" altLang="zh-CN" dirty="0"/>
+              <a:t>Object</a:t>
+            </a:r>
+            <a:r>
+              <a:rPr lang="zh-CN" altLang="zh-CN" dirty="0"/>
+              <a:t>是虚幻引擎的其他类的基类</a:t>
+            </a:r>
+            <a:r>
+              <a:rPr lang="zh-CN" altLang="zh-CN" dirty="0" smtClean="0"/>
+              <a:t>。</a:t>
+            </a:r>
+            <a:endParaRPr lang="en-US" altLang="zh-CN" dirty="0" smtClean="0"/>
+          </a:p>
+          <a:p>
+            <a:r>
+              <a:rPr lang="en-US" altLang="zh-CN" dirty="0"/>
+              <a:t>Object</a:t>
+            </a:r>
+            <a:r>
+              <a:rPr lang="zh-CN" altLang="zh-CN" dirty="0" smtClean="0"/>
+              <a:t>不能</a:t>
+            </a:r>
+            <a:r>
+              <a:rPr lang="zh-CN" altLang="zh-CN" dirty="0"/>
+              <a:t>被加入到世界（无法在关卡中生成或放置），但它带有数据和函数，由此可以使每一个对象可追踪，提供通用的属性和接口，统一的内存分配释放，统一的序列化模型，统计功能，调试的便利，为反射提供便利，</a:t>
+            </a:r>
+            <a:r>
+              <a:rPr lang="en-US" altLang="zh-CN" dirty="0"/>
+              <a:t>UI</a:t>
+            </a:r>
+            <a:r>
+              <a:rPr lang="zh-CN" altLang="zh-CN" dirty="0"/>
+              <a:t>编辑的便利，虚幻引擎以此构建了一个</a:t>
+            </a:r>
+            <a:r>
+              <a:rPr lang="en-US" altLang="zh-CN" dirty="0"/>
+              <a:t>Object</a:t>
+            </a:r>
+            <a:r>
+              <a:rPr lang="zh-CN" altLang="zh-CN" dirty="0"/>
+              <a:t>运行的世界。</a:t>
+            </a:r>
+            <a:endParaRPr lang="zh-CN" altLang="en-US" dirty="0"/>
+          </a:p>
+        </p:txBody>
+      </p:sp>
+      <p:pic>
+        <p:nvPicPr>
+          <p:cNvPr id="1028" name="Picture 4" descr="https://pic3.zhimg.com/v2-750c05a282e8784c3af5815a481d549e_b.png"/>
+          <p:cNvPicPr>
+            <a:picLocks noChangeAspect="1" noChangeArrowheads="1"/>
+          </p:cNvPicPr>
+          <p:nvPr/>
+        </p:nvPicPr>
+        <p:blipFill>
+          <a:blip r:embed="rId2">
+            <a:extLst>
+              <a:ext uri="{28A0092B-C50C-407E-A947-70E740481C1C}">
+                <a14:useLocalDpi xmlns:a14="http://schemas.microsoft.com/office/drawing/2010/main" val="0"/>
+              </a:ext>
+            </a:extLst>
+          </a:blip>
+          <a:srcRect/>
+          <a:stretch>
+            <a:fillRect/>
+          </a:stretch>
+        </p:blipFill>
+        <p:spPr bwMode="auto">
+          <a:xfrm>
+            <a:off x="5550534" y="2915578"/>
+            <a:ext cx="6098345" cy="2102110"/>
+          </a:xfrm>
+          <a:prstGeom prst="rect">
+            <a:avLst/>
+          </a:prstGeom>
+          <a:noFill/>
+          <a:extLst>
+            <a:ext uri="{909E8E84-426E-40DD-AFC4-6F175D3DCCD1}">
+              <a14:hiddenFill xmlns:a14="http://schemas.microsoft.com/office/drawing/2010/main">
+                <a:solidFill>
+                  <a:srgbClr val="FFFFFF"/>
+                </a:solidFill>
+              </a14:hiddenFill>
+            </a:ext>
+          </a:extLst>
+        </p:spPr>
+      </p:pic>
+    </p:spTree>
+    <p:extLst>
+      <p:ext uri="{BB962C8B-B14F-4D97-AF65-F5344CB8AC3E}">
+        <p14:creationId xmlns:p14="http://schemas.microsoft.com/office/powerpoint/2010/main" val="2746289153"/>
+      </p:ext>
+    </p:extLst>
+  </p:cSld>
+  <p:clrMapOvr>
+    <a:masterClrMapping/>
+  </p:clrMapOvr>
+  <p:timing>
+    <p:tnLst>
+      <p:par>
+        <p:cTn id="1" dur="indefinite" restart="never" nodeType="tmRoot"/>
+      </p:par>
+    </p:tnLst>
+  </p:timing>
+</p:sld>
+</file>
+
+<file path=ppt/slides/slide21.xml><?xml version="1.0" encoding="utf-8"?>
+<p:sld xmlns:a="http://schemas.openxmlformats.org/drawingml/2006/main" xmlns:r="http://schemas.openxmlformats.org/officeDocument/2006/relationships" xmlns:p="http://schemas.openxmlformats.org/presentationml/2006/main">
+  <p:cSld>
+    <p:spTree>
+      <p:nvGrpSpPr>
+        <p:cNvPr id="1" name=""/>
+        <p:cNvGrpSpPr/>
+        <p:nvPr/>
+      </p:nvGrpSpPr>
+      <p:grpSpPr>
+        <a:xfrm>
+          <a:off x="0" y="0"/>
+          <a:ext cx="0" cy="0"/>
+          <a:chOff x="0" y="0"/>
+          <a:chExt cx="0" cy="0"/>
+        </a:xfrm>
+      </p:grpSpPr>
+      <p:sp>
+        <p:nvSpPr>
+          <p:cNvPr id="2" name="标题 1"/>
+          <p:cNvSpPr>
+            <a:spLocks noGrp="1"/>
+          </p:cNvSpPr>
+          <p:nvPr>
+            <p:ph type="title"/>
+          </p:nvPr>
+        </p:nvSpPr>
+        <p:spPr/>
+        <p:txBody>
+          <a:bodyPr/>
+          <a:lstStyle/>
+          <a:p>
+            <a:r>
+              <a:rPr lang="en-US" altLang="zh-CN" dirty="0" err="1"/>
+              <a:t>UE4</a:t>
+            </a:r>
+            <a:r>
+              <a:rPr lang="zh-CN" altLang="en-US" dirty="0"/>
+              <a:t>编程：</a:t>
+            </a:r>
+            <a:r>
+              <a:rPr lang="zh-CN" altLang="zh-CN" dirty="0"/>
+              <a:t>组件化开发的思想</a:t>
+            </a:r>
+            <a:endParaRPr lang="zh-CN" altLang="en-US" dirty="0"/>
+          </a:p>
+        </p:txBody>
+      </p:sp>
+      <p:sp>
+        <p:nvSpPr>
+          <p:cNvPr id="3" name="内容占位符 2"/>
+          <p:cNvSpPr>
+            <a:spLocks noGrp="1"/>
+          </p:cNvSpPr>
+          <p:nvPr>
+            <p:ph idx="1"/>
+          </p:nvPr>
+        </p:nvSpPr>
+        <p:spPr/>
+        <p:txBody>
+          <a:bodyPr/>
+          <a:lstStyle/>
+          <a:p>
+            <a:r>
+              <a:rPr lang="zh-CN" altLang="zh-CN" dirty="0"/>
+              <a:t>虚幻引擎包含着组件化开发的思想</a:t>
+            </a:r>
+            <a:r>
+              <a:rPr lang="zh-CN" altLang="zh-CN" dirty="0" smtClean="0"/>
+              <a:t>，使得</a:t>
+            </a:r>
+            <a:r>
+              <a:rPr lang="zh-CN" altLang="zh-CN" dirty="0"/>
+              <a:t>功能划分更佳清晰，可以按组件分配开发任务；更好排查问题，某个组件出现问题，直接对组件进行处理；项目可维护性更强，提高开发效率</a:t>
+            </a:r>
+            <a:r>
+              <a:rPr lang="zh-CN" altLang="zh-CN" dirty="0" smtClean="0"/>
+              <a:t>。</a:t>
+            </a:r>
+            <a:endParaRPr lang="en-US" altLang="zh-CN" dirty="0" smtClean="0"/>
+          </a:p>
+          <a:p>
+            <a:endParaRPr lang="en-US" altLang="zh-CN" dirty="0" smtClean="0"/>
+          </a:p>
+          <a:p>
+            <a:r>
+              <a:rPr lang="en-US" altLang="zh-CN" dirty="0" err="1" smtClean="0"/>
+              <a:t>AActor</a:t>
+            </a:r>
+            <a:r>
+              <a:rPr lang="zh-CN" altLang="zh-CN" dirty="0" smtClean="0"/>
+              <a:t>充当</a:t>
+            </a:r>
+            <a:r>
+              <a:rPr lang="zh-CN" altLang="zh-CN" dirty="0"/>
+              <a:t>容器，无论是实体</a:t>
+            </a:r>
+            <a:r>
+              <a:rPr lang="zh-CN" altLang="zh-CN" dirty="0" smtClean="0"/>
+              <a:t>还是</a:t>
+            </a:r>
+            <a:r>
+              <a:rPr lang="zh-CN" altLang="en-US" dirty="0" smtClean="0"/>
+              <a:t>功能</a:t>
+            </a:r>
+            <a:r>
+              <a:rPr lang="zh-CN" altLang="zh-CN" dirty="0" smtClean="0"/>
+              <a:t>，</a:t>
+            </a:r>
+            <a:r>
+              <a:rPr lang="zh-CN" altLang="zh-CN" dirty="0"/>
+              <a:t>它的功能都是由</a:t>
+            </a:r>
+            <a:r>
+              <a:rPr lang="en-US" altLang="zh-CN" dirty="0"/>
+              <a:t>Components</a:t>
+            </a:r>
+            <a:r>
+              <a:rPr lang="zh-CN" altLang="zh-CN" dirty="0"/>
+              <a:t>拼装而成</a:t>
+            </a:r>
+            <a:r>
+              <a:rPr lang="zh-CN" altLang="zh-CN" dirty="0" smtClean="0"/>
+              <a:t>。</a:t>
+            </a:r>
+            <a:endParaRPr lang="en-US" altLang="zh-CN" dirty="0" smtClean="0"/>
+          </a:p>
+        </p:txBody>
+      </p:sp>
+    </p:spTree>
+    <p:extLst>
+      <p:ext uri="{BB962C8B-B14F-4D97-AF65-F5344CB8AC3E}">
+        <p14:creationId xmlns:p14="http://schemas.microsoft.com/office/powerpoint/2010/main" val="2457074333"/>
+      </p:ext>
+    </p:extLst>
+  </p:cSld>
+  <p:clrMapOvr>
+    <a:masterClrMapping/>
+  </p:clrMapOvr>
+  <p:timing>
+    <p:tnLst>
+      <p:par>
+        <p:cTn id="1" dur="indefinite" restart="never" nodeType="tmRoot"/>
+      </p:par>
+    </p:tnLst>
+  </p:timing>
+</p:sld>
+</file>
+
+<file path=ppt/slides/slide22.xml><?xml version="1.0" encoding="utf-8"?>
+<p:sld xmlns:a="http://schemas.openxmlformats.org/drawingml/2006/main" xmlns:r="http://schemas.openxmlformats.org/officeDocument/2006/relationships" xmlns:p="http://schemas.openxmlformats.org/presentationml/2006/main">
+  <p:cSld>
+    <p:spTree>
+      <p:nvGrpSpPr>
+        <p:cNvPr id="1" name=""/>
+        <p:cNvGrpSpPr/>
+        <p:nvPr/>
+      </p:nvGrpSpPr>
+      <p:grpSpPr>
+        <a:xfrm>
+          <a:off x="0" y="0"/>
+          <a:ext cx="0" cy="0"/>
+          <a:chOff x="0" y="0"/>
+          <a:chExt cx="0" cy="0"/>
+        </a:xfrm>
+      </p:grpSpPr>
+      <p:sp>
+        <p:nvSpPr>
+          <p:cNvPr id="2" name="标题 1"/>
+          <p:cNvSpPr>
+            <a:spLocks noGrp="1"/>
+          </p:cNvSpPr>
+          <p:nvPr>
+            <p:ph type="title"/>
+          </p:nvPr>
+        </p:nvSpPr>
+        <p:spPr/>
+        <p:txBody>
+          <a:bodyPr/>
+          <a:lstStyle/>
+          <a:p>
+            <a:r>
+              <a:rPr lang="en-US" altLang="zh-CN" dirty="0" err="1"/>
+              <a:t>UE4</a:t>
+            </a:r>
+            <a:r>
+              <a:rPr lang="zh-CN" altLang="en-US" dirty="0"/>
+              <a:t>编程： </a:t>
+            </a:r>
+            <a:r>
+              <a:rPr lang="en-US" altLang="zh-CN" dirty="0" err="1" smtClean="0"/>
+              <a:t>Aacotor</a:t>
+            </a:r>
+            <a:endParaRPr lang="zh-CN" altLang="en-US" dirty="0"/>
+          </a:p>
+        </p:txBody>
+      </p:sp>
+      <p:sp>
+        <p:nvSpPr>
+          <p:cNvPr id="3" name="内容占位符 2"/>
+          <p:cNvSpPr>
+            <a:spLocks noGrp="1"/>
+          </p:cNvSpPr>
+          <p:nvPr>
+            <p:ph idx="1"/>
+          </p:nvPr>
+        </p:nvSpPr>
+        <p:spPr>
+          <a:xfrm>
+            <a:off x="685800" y="2142067"/>
+            <a:ext cx="7815753" cy="3649133"/>
+          </a:xfrm>
+        </p:spPr>
+        <p:txBody>
+          <a:bodyPr>
+            <a:normAutofit fontScale="92500" lnSpcReduction="10000"/>
+          </a:bodyPr>
+          <a:lstStyle/>
+          <a:p>
+            <a:r>
+              <a:rPr lang="zh-CN" altLang="zh-CN" dirty="0" smtClean="0"/>
+              <a:t>在虚幻引擎中</a:t>
+            </a:r>
+            <a:r>
+              <a:rPr lang="zh-CN" altLang="en-US" dirty="0" smtClean="0"/>
+              <a:t>万物皆</a:t>
+            </a:r>
+            <a:r>
+              <a:rPr lang="en-US" altLang="zh-CN" dirty="0" err="1" smtClean="0"/>
+              <a:t>AActor</a:t>
+            </a:r>
+            <a:r>
+              <a:rPr lang="zh-CN" altLang="en-US" dirty="0" smtClean="0"/>
+              <a:t>，</a:t>
+            </a:r>
+            <a:r>
+              <a:rPr lang="en-US" altLang="zh-CN" dirty="0" smtClean="0"/>
+              <a:t> </a:t>
+            </a:r>
+            <a:r>
+              <a:rPr lang="zh-CN" altLang="en-US" dirty="0" smtClean="0"/>
+              <a:t>静态网格体、</a:t>
+            </a:r>
+            <a:r>
+              <a:rPr lang="en-US" altLang="zh-CN" dirty="0" smtClean="0"/>
+              <a:t>AI</a:t>
+            </a:r>
+            <a:r>
+              <a:rPr lang="zh-CN" altLang="en-US" dirty="0" smtClean="0"/>
+              <a:t>、</a:t>
+            </a:r>
+            <a:r>
+              <a:rPr lang="en-US" altLang="zh-CN" dirty="0" smtClean="0"/>
+              <a:t>Pawn</a:t>
+            </a:r>
+            <a:r>
+              <a:rPr lang="zh-CN" altLang="en-US" dirty="0" smtClean="0"/>
+              <a:t>、</a:t>
+            </a:r>
+            <a:r>
+              <a:rPr lang="en-US" altLang="zh-CN" dirty="0" smtClean="0"/>
+              <a:t>Character</a:t>
+            </a:r>
+            <a:r>
+              <a:rPr lang="zh-CN" altLang="en-US" dirty="0" smtClean="0"/>
+              <a:t>甚至是地形都可以视为</a:t>
+            </a:r>
+            <a:r>
+              <a:rPr lang="en-US" altLang="zh-CN" dirty="0" smtClean="0"/>
+              <a:t>Actor</a:t>
+            </a:r>
+            <a:r>
+              <a:rPr lang="zh-CN" altLang="en-US" dirty="0" smtClean="0"/>
+              <a:t>。</a:t>
+            </a:r>
+            <a:endParaRPr lang="en-US" altLang="zh-CN" dirty="0" smtClean="0"/>
+          </a:p>
+          <a:p>
+            <a:r>
+              <a:rPr lang="zh-CN" altLang="en-US" dirty="0" smtClean="0"/>
+              <a:t>脱胎</a:t>
+            </a:r>
+            <a:r>
+              <a:rPr lang="zh-CN" altLang="en-US" dirty="0"/>
+              <a:t>自</a:t>
+            </a:r>
+            <a:r>
+              <a:rPr lang="en-US" altLang="zh-CN" dirty="0"/>
+              <a:t>Object</a:t>
+            </a:r>
+            <a:r>
+              <a:rPr lang="zh-CN" altLang="en-US" dirty="0"/>
+              <a:t>的</a:t>
+            </a:r>
+            <a:r>
+              <a:rPr lang="en-US" altLang="zh-CN" dirty="0"/>
+              <a:t>Actor</a:t>
+            </a:r>
+            <a:r>
+              <a:rPr lang="zh-CN" altLang="en-US" dirty="0"/>
+              <a:t>也多了一些本事：</a:t>
+            </a:r>
+            <a:r>
+              <a:rPr lang="en-US" altLang="zh-CN" dirty="0"/>
+              <a:t>Replication</a:t>
+            </a:r>
+            <a:r>
+              <a:rPr lang="zh-CN" altLang="en-US" dirty="0"/>
+              <a:t>（网络复制）</a:t>
+            </a:r>
+            <a:r>
+              <a:rPr lang="en-US" altLang="zh-CN" dirty="0"/>
+              <a:t>,Spawn</a:t>
+            </a:r>
+            <a:r>
+              <a:rPr lang="zh-CN" altLang="en-US" dirty="0"/>
+              <a:t>（生生死死），</a:t>
+            </a:r>
+            <a:r>
+              <a:rPr lang="en-US" altLang="zh-CN" dirty="0"/>
+              <a:t>Tick(</a:t>
+            </a:r>
+            <a:r>
+              <a:rPr lang="zh-CN" altLang="en-US" dirty="0"/>
+              <a:t>有了心跳</a:t>
+            </a:r>
+            <a:r>
+              <a:rPr lang="en-US" altLang="zh-CN" dirty="0"/>
+              <a:t>)</a:t>
+            </a:r>
+            <a:r>
+              <a:rPr lang="zh-CN" altLang="en-US" dirty="0" smtClean="0"/>
+              <a:t>。</a:t>
+            </a:r>
+            <a:endParaRPr lang="en-US" altLang="zh-CN" dirty="0" smtClean="0"/>
+          </a:p>
+          <a:p>
+            <a:r>
+              <a:rPr lang="zh-CN" altLang="en-US" dirty="0"/>
+              <a:t> </a:t>
+            </a:r>
+            <a:r>
+              <a:rPr lang="en-US" altLang="zh-CN" dirty="0" smtClean="0"/>
+              <a:t>Actor</a:t>
+            </a:r>
+            <a:r>
+              <a:rPr lang="zh-CN" altLang="en-US" dirty="0"/>
+              <a:t>无疑是</a:t>
+            </a:r>
+            <a:r>
+              <a:rPr lang="en-US" altLang="zh-CN" dirty="0" err="1"/>
+              <a:t>UE</a:t>
+            </a:r>
+            <a:r>
+              <a:rPr lang="zh-CN" altLang="en-US" dirty="0"/>
+              <a:t>中最重要的角色之一，组织庞大，最常见的有</a:t>
+            </a:r>
+            <a:r>
+              <a:rPr lang="en-US" altLang="zh-CN" dirty="0" err="1"/>
+              <a:t>StaticMeshActor</a:t>
+            </a:r>
+            <a:r>
+              <a:rPr lang="en-US" altLang="zh-CN" dirty="0"/>
+              <a:t>, </a:t>
+            </a:r>
+            <a:r>
+              <a:rPr lang="en-US" altLang="zh-CN" dirty="0" err="1"/>
+              <a:t>CameraActor</a:t>
+            </a:r>
+            <a:r>
+              <a:rPr lang="zh-CN" altLang="en-US" dirty="0"/>
+              <a:t>和 </a:t>
+            </a:r>
+            <a:r>
+              <a:rPr lang="en-US" altLang="zh-CN" dirty="0" err="1"/>
+              <a:t>PlayerStartActor</a:t>
+            </a:r>
+            <a:r>
+              <a:rPr lang="zh-CN" altLang="en-US" dirty="0"/>
+              <a:t>等。</a:t>
+            </a:r>
+            <a:r>
+              <a:rPr lang="en-US" altLang="zh-CN" dirty="0"/>
+              <a:t>Actor</a:t>
+            </a:r>
+            <a:r>
+              <a:rPr lang="zh-CN" altLang="en-US" dirty="0"/>
+              <a:t>之间还可以互相“嵌套”，拥有相对的“父子”关系</a:t>
+            </a:r>
+            <a:r>
+              <a:rPr lang="zh-CN" altLang="en-US" dirty="0" smtClean="0"/>
+              <a:t>。</a:t>
+            </a:r>
+            <a:endParaRPr lang="en-US" altLang="zh-CN" dirty="0" smtClean="0"/>
+          </a:p>
+          <a:p>
+            <a:r>
+              <a:rPr lang="zh-CN" altLang="en-US" dirty="0" smtClean="0"/>
+              <a:t>为了方便使用，</a:t>
+            </a:r>
+            <a:r>
+              <a:rPr lang="zh-CN" altLang="zh-CN" dirty="0" smtClean="0"/>
+              <a:t>在</a:t>
+            </a:r>
+            <a:r>
+              <a:rPr lang="en-US" altLang="zh-CN" dirty="0"/>
+              <a:t>Actor</a:t>
+            </a:r>
+            <a:r>
+              <a:rPr lang="zh-CN" altLang="zh-CN" dirty="0"/>
+              <a:t>的基础上衍生出了</a:t>
+            </a:r>
+            <a:r>
+              <a:rPr lang="en-US" altLang="zh-CN" dirty="0"/>
+              <a:t>Pawn</a:t>
+            </a:r>
+            <a:r>
+              <a:rPr lang="zh-CN" altLang="zh-CN" dirty="0"/>
+              <a:t>，可以使用</a:t>
+            </a:r>
+            <a:r>
+              <a:rPr lang="en-US" altLang="zh-CN" dirty="0" err="1"/>
+              <a:t>PlayerController</a:t>
+            </a:r>
+            <a:r>
+              <a:rPr lang="zh-CN" altLang="zh-CN" dirty="0"/>
+              <a:t>或</a:t>
+            </a:r>
+            <a:r>
+              <a:rPr lang="en-US" altLang="zh-CN" dirty="0" err="1"/>
+              <a:t>AIController</a:t>
+            </a:r>
+            <a:r>
+              <a:rPr lang="zh-CN" altLang="zh-CN" dirty="0" smtClean="0"/>
+              <a:t>控制</a:t>
+            </a:r>
+            <a:r>
+              <a:rPr lang="zh-CN" altLang="en-US" dirty="0" smtClean="0"/>
+              <a:t>，也就是说</a:t>
+            </a:r>
+            <a:r>
+              <a:rPr lang="en-US" altLang="zh-CN" dirty="0" smtClean="0"/>
+              <a:t>Pawn</a:t>
+            </a:r>
+            <a:r>
+              <a:rPr lang="zh-CN" altLang="en-US" dirty="0" smtClean="0"/>
+              <a:t>可以扮演飞鸟走兽等非人形角色，使得玩家或</a:t>
+            </a:r>
+            <a:r>
+              <a:rPr lang="en-US" altLang="zh-CN" dirty="0" smtClean="0"/>
+              <a:t>AI</a:t>
+            </a:r>
+            <a:r>
+              <a:rPr lang="zh-CN" altLang="en-US" dirty="0" smtClean="0"/>
+              <a:t>进行控制</a:t>
+            </a:r>
+            <a:r>
+              <a:rPr lang="zh-CN" altLang="zh-CN" dirty="0" smtClean="0"/>
+              <a:t>。</a:t>
+            </a:r>
+            <a:endParaRPr lang="en-US" altLang="zh-CN" dirty="0" smtClean="0"/>
+          </a:p>
+          <a:p>
+            <a:r>
+              <a:rPr lang="zh-CN" altLang="en-US" dirty="0" smtClean="0"/>
+              <a:t>而对于常见且复杂的类人形的角色，</a:t>
+            </a:r>
+            <a:r>
+              <a:rPr lang="en-US" altLang="zh-CN" dirty="0" smtClean="0"/>
+              <a:t>Pawn</a:t>
+            </a:r>
+            <a:r>
+              <a:rPr lang="zh-CN" altLang="en-US" dirty="0" smtClean="0"/>
+              <a:t>又为此</a:t>
+            </a:r>
+            <a:r>
+              <a:rPr lang="zh-CN" altLang="zh-CN" dirty="0" smtClean="0"/>
+              <a:t>衍生</a:t>
+            </a:r>
+            <a:r>
+              <a:rPr lang="zh-CN" altLang="zh-CN" dirty="0"/>
+              <a:t>出</a:t>
+            </a:r>
+            <a:r>
+              <a:rPr lang="en-US" altLang="zh-CN" dirty="0"/>
+              <a:t>Character</a:t>
+            </a:r>
+            <a:r>
+              <a:rPr lang="zh-CN" altLang="zh-CN" dirty="0"/>
+              <a:t>，</a:t>
+            </a:r>
+            <a:r>
+              <a:rPr lang="en-US" altLang="zh-CN" dirty="0"/>
+              <a:t>Character</a:t>
+            </a:r>
+            <a:r>
+              <a:rPr lang="zh-CN" altLang="zh-CN" dirty="0"/>
+              <a:t>在</a:t>
+            </a:r>
+            <a:r>
+              <a:rPr lang="en-US" altLang="zh-CN" dirty="0"/>
+              <a:t>Pawn</a:t>
+            </a:r>
+            <a:r>
+              <a:rPr lang="zh-CN" altLang="zh-CN" dirty="0"/>
+              <a:t>之上增加</a:t>
+            </a:r>
+            <a:r>
+              <a:rPr lang="en-US" altLang="zh-CN" dirty="0" err="1"/>
+              <a:t>MovementComponent</a:t>
+            </a:r>
+            <a:r>
+              <a:rPr lang="zh-CN" altLang="zh-CN" dirty="0"/>
+              <a:t>，使得它可以使用导航和移动，还增加了</a:t>
+            </a:r>
+            <a:r>
+              <a:rPr lang="en-US" altLang="zh-CN" dirty="0" err="1"/>
+              <a:t>SkeletalMeshComponent</a:t>
+            </a:r>
+            <a:r>
+              <a:rPr lang="zh-CN" altLang="zh-CN" dirty="0"/>
+              <a:t>，这使它可以有更复杂更易于管理的表现形式</a:t>
+            </a:r>
+            <a:r>
+              <a:rPr lang="zh-CN" altLang="zh-CN" dirty="0" smtClean="0"/>
+              <a:t>。</a:t>
+            </a:r>
+            <a:endParaRPr lang="en-US" altLang="zh-CN" dirty="0"/>
+          </a:p>
+        </p:txBody>
+      </p:sp>
+      <p:pic>
+        <p:nvPicPr>
+          <p:cNvPr id="2050" name="Picture 2" descr="https://pic3.zhimg.com/v2-9348f6bdadbe382a505aff9be7d5d99e_b.png"/>
+          <p:cNvPicPr>
+            <a:picLocks noChangeAspect="1" noChangeArrowheads="1"/>
+          </p:cNvPicPr>
+          <p:nvPr/>
+        </p:nvPicPr>
+        <p:blipFill>
+          <a:blip r:embed="rId2">
+            <a:extLst>
+              <a:ext uri="{28A0092B-C50C-407E-A947-70E740481C1C}">
+                <a14:useLocalDpi xmlns:a14="http://schemas.microsoft.com/office/drawing/2010/main" val="0"/>
+              </a:ext>
+            </a:extLst>
+          </a:blip>
+          <a:srcRect/>
+          <a:stretch>
+            <a:fillRect/>
+          </a:stretch>
+        </p:blipFill>
+        <p:spPr bwMode="auto">
+          <a:xfrm>
+            <a:off x="8501553" y="1396355"/>
+            <a:ext cx="3438525" cy="4924425"/>
+          </a:xfrm>
+          <a:prstGeom prst="rect">
+            <a:avLst/>
+          </a:prstGeom>
+          <a:noFill/>
+          <a:extLst>
+            <a:ext uri="{909E8E84-426E-40DD-AFC4-6F175D3DCCD1}">
+              <a14:hiddenFill xmlns:a14="http://schemas.microsoft.com/office/drawing/2010/main">
+                <a:solidFill>
+                  <a:srgbClr val="FFFFFF"/>
+                </a:solidFill>
+              </a14:hiddenFill>
+            </a:ext>
+          </a:extLst>
+        </p:spPr>
+      </p:pic>
+    </p:spTree>
+    <p:extLst>
+      <p:ext uri="{BB962C8B-B14F-4D97-AF65-F5344CB8AC3E}">
+        <p14:creationId xmlns:p14="http://schemas.microsoft.com/office/powerpoint/2010/main" val="3644769972"/>
+      </p:ext>
+    </p:extLst>
+  </p:cSld>
+  <p:clrMapOvr>
+    <a:masterClrMapping/>
+  </p:clrMapOvr>
+  <p:timing>
+    <p:tnLst>
+      <p:par>
+        <p:cTn id="1" dur="indefinite" restart="never" nodeType="tmRoot"/>
+      </p:par>
+    </p:tnLst>
+  </p:timing>
+</p:sld>
+</file>
+
+<file path=ppt/slides/slide23.xml><?xml version="1.0" encoding="utf-8"?>
+<p:sld xmlns:a="http://schemas.openxmlformats.org/drawingml/2006/main" xmlns:r="http://schemas.openxmlformats.org/officeDocument/2006/relationships" xmlns:p="http://schemas.openxmlformats.org/presentationml/2006/main">
+  <p:cSld>
+    <p:spTree>
+      <p:nvGrpSpPr>
+        <p:cNvPr id="1" name=""/>
+        <p:cNvGrpSpPr/>
+        <p:nvPr/>
+      </p:nvGrpSpPr>
+      <p:grpSpPr>
+        <a:xfrm>
+          <a:off x="0" y="0"/>
+          <a:ext cx="0" cy="0"/>
+          <a:chOff x="0" y="0"/>
+          <a:chExt cx="0" cy="0"/>
+        </a:xfrm>
+      </p:grpSpPr>
+      <p:sp>
+        <p:nvSpPr>
+          <p:cNvPr id="2" name="标题 1"/>
+          <p:cNvSpPr>
+            <a:spLocks noGrp="1"/>
+          </p:cNvSpPr>
+          <p:nvPr>
+            <p:ph type="title"/>
+          </p:nvPr>
+        </p:nvSpPr>
+        <p:spPr/>
+        <p:txBody>
+          <a:bodyPr/>
+          <a:lstStyle/>
+          <a:p>
+            <a:r>
+              <a:rPr lang="en-US" altLang="zh-CN" dirty="0" err="1"/>
+              <a:t>UE4</a:t>
+            </a:r>
+            <a:r>
+              <a:rPr lang="zh-CN" altLang="en-US" dirty="0"/>
+              <a:t>编程： </a:t>
+            </a:r>
+            <a:r>
+              <a:rPr lang="en-US" altLang="zh-CN" dirty="0" err="1" smtClean="0"/>
+              <a:t>COmpneant</a:t>
+            </a:r>
+            <a:endParaRPr lang="zh-CN" altLang="en-US" dirty="0"/>
+          </a:p>
+        </p:txBody>
+      </p:sp>
+      <p:sp>
+        <p:nvSpPr>
+          <p:cNvPr id="3" name="内容占位符 2"/>
+          <p:cNvSpPr>
+            <a:spLocks noGrp="1"/>
+          </p:cNvSpPr>
+          <p:nvPr>
+            <p:ph idx="1"/>
+          </p:nvPr>
+        </p:nvSpPr>
+        <p:spPr>
+          <a:xfrm>
+            <a:off x="685800" y="2142067"/>
+            <a:ext cx="7036724" cy="3649133"/>
+          </a:xfrm>
+        </p:spPr>
+        <p:txBody>
+          <a:bodyPr/>
+          <a:lstStyle/>
+          <a:p>
+            <a:endParaRPr lang="en-US" altLang="zh-CN" dirty="0" smtClean="0"/>
+          </a:p>
+          <a:p>
+            <a:r>
+              <a:rPr lang="en-US" altLang="zh-CN" dirty="0" err="1" smtClean="0"/>
+              <a:t>UactorCompoent</a:t>
+            </a:r>
+            <a:r>
+              <a:rPr lang="zh-CN" altLang="en-US" dirty="0"/>
+              <a:t>便是常用的组件之一，它</a:t>
+            </a:r>
+            <a:r>
+              <a:rPr lang="zh-CN" altLang="zh-CN" dirty="0"/>
+              <a:t>作为功能的载体，具备一定程度的嵌套组装能力</a:t>
+            </a:r>
+            <a:r>
+              <a:rPr lang="zh-CN" altLang="zh-CN" dirty="0" smtClean="0"/>
+              <a:t>。</a:t>
+            </a:r>
+            <a:endParaRPr lang="en-US" altLang="zh-CN" dirty="0" smtClean="0"/>
+          </a:p>
+          <a:p>
+            <a:r>
+              <a:rPr lang="en-US" altLang="zh-CN" dirty="0" err="1" smtClean="0"/>
+              <a:t>ActorComponent</a:t>
+            </a:r>
+            <a:r>
+              <a:rPr lang="zh-CN" altLang="en-US" dirty="0"/>
+              <a:t>下面最重要的一个</a:t>
+            </a:r>
+            <a:r>
+              <a:rPr lang="en-US" altLang="zh-CN" dirty="0" smtClean="0"/>
+              <a:t>Component</a:t>
+            </a:r>
+            <a:r>
+              <a:rPr lang="zh-CN" altLang="en-US" dirty="0"/>
+              <a:t>是</a:t>
+            </a:r>
+            <a:r>
+              <a:rPr lang="en-US" altLang="zh-CN" dirty="0" err="1" smtClean="0"/>
+              <a:t>SceneComponent</a:t>
+            </a:r>
+            <a:r>
+              <a:rPr lang="zh-CN" altLang="en-US" dirty="0" smtClean="0"/>
+              <a:t>。</a:t>
+            </a:r>
+            <a:endParaRPr lang="en-US" altLang="zh-CN" dirty="0" smtClean="0"/>
+          </a:p>
+          <a:p>
+            <a:r>
+              <a:rPr lang="en-US" altLang="zh-CN" dirty="0" err="1" smtClean="0"/>
+              <a:t>SceneComponent</a:t>
+            </a:r>
+            <a:r>
+              <a:rPr lang="zh-CN" altLang="en-US" dirty="0"/>
+              <a:t>提供了两大能力：一是</a:t>
+            </a:r>
+            <a:r>
+              <a:rPr lang="en-US" altLang="zh-CN" dirty="0"/>
+              <a:t>Transform</a:t>
+            </a:r>
+            <a:r>
+              <a:rPr lang="zh-CN" altLang="en-US" dirty="0"/>
+              <a:t>，二是</a:t>
+            </a:r>
+            <a:r>
+              <a:rPr lang="en-US" altLang="zh-CN" dirty="0" err="1"/>
+              <a:t>SceneComponent</a:t>
+            </a:r>
+            <a:r>
+              <a:rPr lang="zh-CN" altLang="en-US" dirty="0"/>
+              <a:t>的互相嵌套</a:t>
+            </a:r>
+            <a:r>
+              <a:rPr lang="zh-CN" altLang="en-US" dirty="0" smtClean="0"/>
+              <a:t>。</a:t>
+            </a:r>
+            <a:endParaRPr lang="en-US" altLang="zh-CN" dirty="0" smtClean="0"/>
+          </a:p>
+          <a:p>
+            <a:r>
+              <a:rPr lang="zh-CN" altLang="en-US" dirty="0" smtClean="0"/>
+              <a:t>虽然</a:t>
+            </a:r>
+            <a:r>
+              <a:rPr lang="en-US" altLang="zh-CN" dirty="0" err="1"/>
+              <a:t>UActorComponent</a:t>
+            </a:r>
+            <a:r>
+              <a:rPr lang="en-US" altLang="zh-CN" dirty="0"/>
+              <a:t> </a:t>
+            </a:r>
+            <a:r>
+              <a:rPr lang="zh-CN" altLang="en-US" dirty="0" smtClean="0"/>
+              <a:t>常常附属于</a:t>
+            </a:r>
+            <a:r>
+              <a:rPr lang="en-US" altLang="zh-CN" dirty="0" smtClean="0"/>
+              <a:t>Actor</a:t>
+            </a:r>
+            <a:r>
+              <a:rPr lang="zh-CN" altLang="en-US" dirty="0" smtClean="0"/>
+              <a:t>出现，但</a:t>
+            </a:r>
+            <a:r>
+              <a:rPr lang="en-US" altLang="zh-CN" dirty="0" err="1" smtClean="0"/>
+              <a:t>UActorComponent</a:t>
+            </a:r>
+            <a:r>
+              <a:rPr lang="zh-CN" altLang="en-US" dirty="0"/>
+              <a:t>也是</a:t>
+            </a:r>
+            <a:r>
+              <a:rPr lang="zh-CN" altLang="en-US" dirty="0" smtClean="0"/>
+              <a:t>基于</a:t>
+            </a:r>
+            <a:r>
+              <a:rPr lang="en-US" altLang="zh-CN" dirty="0" err="1"/>
+              <a:t>UObject</a:t>
+            </a:r>
+            <a:r>
+              <a:rPr lang="zh-CN" altLang="en-US" dirty="0"/>
+              <a:t>的一个子类，这意味着其实</a:t>
+            </a:r>
+            <a:r>
+              <a:rPr lang="en-US" altLang="zh-CN" dirty="0"/>
+              <a:t>Component</a:t>
+            </a:r>
+            <a:r>
+              <a:rPr lang="zh-CN" altLang="en-US" dirty="0"/>
+              <a:t>也是有</a:t>
+            </a:r>
+            <a:r>
+              <a:rPr lang="en-US" altLang="zh-CN" dirty="0" err="1"/>
+              <a:t>UObject</a:t>
+            </a:r>
+            <a:r>
+              <a:rPr lang="zh-CN" altLang="en-US" dirty="0"/>
+              <a:t>的那些通用功能的</a:t>
+            </a:r>
+            <a:r>
+              <a:rPr lang="zh-CN" altLang="en-US" dirty="0" smtClean="0"/>
+              <a:t>。</a:t>
+            </a:r>
+            <a:endParaRPr lang="en-US" altLang="zh-CN" dirty="0"/>
+          </a:p>
+          <a:p>
+            <a:endParaRPr lang="zh-CN" altLang="en-US" dirty="0"/>
+          </a:p>
+        </p:txBody>
+      </p:sp>
+      <p:pic>
+        <p:nvPicPr>
+          <p:cNvPr id="3074" name="Picture 2" descr="preview"/>
+          <p:cNvPicPr>
+            <a:picLocks noChangeAspect="1" noChangeArrowheads="1"/>
+          </p:cNvPicPr>
+          <p:nvPr/>
+        </p:nvPicPr>
+        <p:blipFill>
+          <a:blip r:embed="rId2">
+            <a:extLst>
+              <a:ext uri="{28A0092B-C50C-407E-A947-70E740481C1C}">
+                <a14:useLocalDpi xmlns:a14="http://schemas.microsoft.com/office/drawing/2010/main" val="0"/>
+              </a:ext>
+            </a:extLst>
+          </a:blip>
+          <a:srcRect/>
+          <a:stretch>
+            <a:fillRect/>
+          </a:stretch>
+        </p:blipFill>
+        <p:spPr bwMode="auto">
+          <a:xfrm>
+            <a:off x="7722524" y="2065867"/>
+            <a:ext cx="3628333" cy="4146666"/>
+          </a:xfrm>
+          <a:prstGeom prst="rect">
+            <a:avLst/>
+          </a:prstGeom>
+          <a:noFill/>
+          <a:extLst>
+            <a:ext uri="{909E8E84-426E-40DD-AFC4-6F175D3DCCD1}">
+              <a14:hiddenFill xmlns:a14="http://schemas.microsoft.com/office/drawing/2010/main">
+                <a:solidFill>
+                  <a:srgbClr val="FFFFFF"/>
+                </a:solidFill>
+              </a14:hiddenFill>
+            </a:ext>
+          </a:extLst>
+        </p:spPr>
+      </p:pic>
+    </p:spTree>
+    <p:extLst>
+      <p:ext uri="{BB962C8B-B14F-4D97-AF65-F5344CB8AC3E}">
+        <p14:creationId xmlns:p14="http://schemas.microsoft.com/office/powerpoint/2010/main" val="2111330261"/>
+      </p:ext>
+    </p:extLst>
+  </p:cSld>
+  <p:clrMapOvr>
+    <a:masterClrMapping/>
+  </p:clrMapOvr>
+  <p:timing>
+    <p:tnLst>
+      <p:par>
+        <p:cTn id="1" dur="indefinite" restart="never" nodeType="tmRoot"/>
+      </p:par>
+    </p:tnLst>
+  </p:timing>
+</p:sld>
+</file>
+
+<file path=ppt/slides/slide24.xml><?xml version="1.0" encoding="utf-8"?>
+<p:sld xmlns:a="http://schemas.openxmlformats.org/drawingml/2006/main" xmlns:r="http://schemas.openxmlformats.org/officeDocument/2006/relationships" xmlns:p="http://schemas.openxmlformats.org/presentationml/2006/main">
+  <p:cSld>
+    <p:spTree>
+      <p:nvGrpSpPr>
+        <p:cNvPr id="1" name=""/>
+        <p:cNvGrpSpPr/>
+        <p:nvPr/>
+      </p:nvGrpSpPr>
+      <p:grpSpPr>
+        <a:xfrm>
+          <a:off x="0" y="0"/>
+          <a:ext cx="0" cy="0"/>
+          <a:chOff x="0" y="0"/>
+          <a:chExt cx="0" cy="0"/>
+        </a:xfrm>
+      </p:grpSpPr>
+      <p:sp>
+        <p:nvSpPr>
+          <p:cNvPr id="2" name="标题 1"/>
+          <p:cNvSpPr>
+            <a:spLocks noGrp="1"/>
+          </p:cNvSpPr>
+          <p:nvPr>
+            <p:ph type="title"/>
+          </p:nvPr>
+        </p:nvSpPr>
+        <p:spPr/>
+        <p:txBody>
+          <a:bodyPr/>
+          <a:lstStyle/>
+          <a:p>
+            <a:r>
               <a:rPr lang="en-US" altLang="zh-CN" dirty="0" err="1" smtClean="0"/>
               <a:t>UE4</a:t>
             </a:r>
@@ -26709,15 +28029,27 @@
             </a:r>
             <a:r>
               <a:rPr lang="zh-CN" altLang="zh-CN" dirty="0"/>
-              <a:t>指的是游戏的</a:t>
-            </a:r>
-            <a:r>
-              <a:rPr lang="en-US" altLang="zh-CN" dirty="0"/>
-              <a:t>UI</a:t>
+              <a:t>指的</a:t>
+            </a:r>
+            <a:r>
+              <a:rPr lang="zh-CN" altLang="zh-CN" dirty="0" smtClean="0"/>
+              <a:t>是</a:t>
+            </a:r>
+            <a:r>
+              <a:rPr lang="zh-CN" altLang="en-US" dirty="0"/>
+              <a:t>屏幕</a:t>
+            </a:r>
+            <a:r>
+              <a:rPr lang="zh-CN" altLang="en-US" dirty="0" smtClean="0"/>
+              <a:t>显示的内容</a:t>
+            </a:r>
+            <a:r>
+              <a:rPr lang="zh-CN" altLang="zh-CN" dirty="0" smtClean="0"/>
+              <a:t>，</a:t>
             </a:r>
             <a:r>
               <a:rPr lang="zh-CN" altLang="zh-CN" dirty="0"/>
-              <a:t>，或是手柄上的输入和震动，是与玩家直接交互的载体；</a:t>
+              <a:t>或是手柄上的输入和震动，是与玩家直接交互的载体；</a:t>
             </a:r>
             <a:r>
               <a:rPr lang="en-US" altLang="zh-CN" dirty="0"/>
@@ -26768,15 +28100,15 @@
               <a:t>等各种元素组织起来的内存数据表示；</a:t>
             </a:r>
             <a:r>
-              <a:rPr lang="en-US" altLang="zh-CN" dirty="0"/>
+              <a:rPr lang="en-US" altLang="zh-CN" dirty="0" smtClean="0"/>
               <a:t>“</a:t>
             </a:r>
             <a:r>
-              <a:rPr lang="zh-CN" altLang="zh-CN" dirty="0"/>
-              <a:t>算法</a:t>
-            </a:r>
-            <a:r>
-              <a:rPr lang="en-US" altLang="zh-CN" dirty="0"/>
+              <a:rPr lang="zh-CN" altLang="en-US" dirty="0" smtClean="0"/>
+              <a:t>逻辑</a:t>
+            </a:r>
+            <a:r>
+              <a:rPr lang="en-US" altLang="zh-CN" dirty="0" smtClean="0"/>
               <a:t>”</a:t>
             </a:r>
             <a:r>
@@ -26866,7 +28198,7 @@
 </p:sld>
 </file>
 
-<file path=ppt/slides/slide21.xml><?xml version="1.0" encoding="utf-8"?>
+<file path=ppt/slides/slide25.xml><?xml version="1.0" encoding="utf-8"?>
 <p:sld xmlns:a="http://schemas.openxmlformats.org/drawingml/2006/main" xmlns:r="http://schemas.openxmlformats.org/officeDocument/2006/relationships" xmlns:p="http://schemas.openxmlformats.org/presentationml/2006/main">
   <p:cSld>
     <p:spTree>
@@ -26954,7 +28286,7 @@
 </p:sld>
 </file>
 
-<file path=ppt/slides/slide22.xml><?xml version="1.0" encoding="utf-8"?>
+<file path=ppt/slides/slide26.xml><?xml version="1.0" encoding="utf-8"?>
 <p:sld xmlns:a="http://schemas.openxmlformats.org/drawingml/2006/main" xmlns:r="http://schemas.openxmlformats.org/officeDocument/2006/relationships" xmlns:p="http://schemas.openxmlformats.org/presentationml/2006/main">
   <p:cSld>
     <p:spTree>
@@ -27096,7 +28428,7 @@
 </p:sld>
 </file>
 
-<file path=ppt/slides/slide23.xml><?xml version="1.0" encoding="utf-8"?>
+<file path=ppt/slides/slide27.xml><?xml version="1.0" encoding="utf-8"?>
 <p:sld xmlns:a="http://schemas.openxmlformats.org/drawingml/2006/main" xmlns:r="http://schemas.openxmlformats.org/officeDocument/2006/relationships" xmlns:p="http://schemas.openxmlformats.org/presentationml/2006/main">
   <p:cSld>
     <p:spTree>
@@ -27327,7 +28659,7 @@
 </p:sld>
 </file>
 
-<file path=ppt/slides/slide24.xml><?xml version="1.0" encoding="utf-8"?>
+<file path=ppt/slides/slide28.xml><?xml version="1.0" encoding="utf-8"?>
 <p:sld xmlns:a="http://schemas.openxmlformats.org/drawingml/2006/main" xmlns:r="http://schemas.openxmlformats.org/officeDocument/2006/relationships" xmlns:p="http://schemas.openxmlformats.org/presentationml/2006/main">
   <p:cSld>
     <p:spTree>
@@ -27580,7 +28912,7 @@
 </p:sld>
 </file>
 
-<file path=ppt/slides/slide25.xml><?xml version="1.0" encoding="utf-8"?>
+<file path=ppt/slides/slide29.xml><?xml version="1.0" encoding="utf-8"?>
 <p:sld xmlns:a="http://schemas.openxmlformats.org/drawingml/2006/main" xmlns:r="http://schemas.openxmlformats.org/officeDocument/2006/relationships" xmlns:p="http://schemas.openxmlformats.org/presentationml/2006/main">
   <p:cSld>
     <p:spTree>
@@ -27674,14 +29006,18 @@
           <a:p>
             <a:r>
               <a:rPr lang="zh-CN" altLang="zh-CN" dirty="0"/>
-              <a:t>在一百平方公里贴上高精度卫片随机地点生成两百个可对打低模坦克时，帧率达到</a:t>
-            </a:r>
-            <a:r>
-              <a:rPr lang="en-US" altLang="zh-CN" dirty="0"/>
-              <a:t>68</a:t>
-            </a:r>
-            <a:r>
-              <a:rPr lang="zh-CN" altLang="zh-CN" dirty="0"/>
+              <a:t>在一百平方公里贴上高精度卫片随机地点生成两百个可对打低模坦克时，帧率</a:t>
+            </a:r>
+            <a:r>
+              <a:rPr lang="zh-CN" altLang="zh-CN" dirty="0" smtClean="0"/>
+              <a:t>达到</a:t>
+            </a:r>
+            <a:r>
+              <a:rPr lang="en-US" altLang="zh-CN" dirty="0" smtClean="0"/>
+              <a:t>40</a:t>
+            </a:r>
+            <a:r>
+              <a:rPr lang="zh-CN" altLang="zh-CN" dirty="0" smtClean="0"/>
               <a:t>左右</a:t>
             </a:r>
             <a:r>
@@ -27706,7 +29042,7 @@
             </a:r>
             <a:r>
               <a:rPr lang="zh-CN" altLang="zh-CN" dirty="0"/>
-              <a:t>毫秒左右。此时的逻辑线程耗时大于渲染线程，最终帧数与逻辑线程耗时相近，根据短板效应可以主要考虑逻辑线程</a:t>
+              <a:t>毫秒左右</a:t>
             </a:r>
             <a:r>
               <a:rPr lang="zh-CN" altLang="zh-CN" dirty="0" smtClean="0"/>
@@ -27771,18 +29107,14 @@
           </a:p>
           <a:p>
             <a:r>
-              <a:rPr lang="zh-CN" altLang="zh-CN" dirty="0" smtClean="0"/>
-              <a:t>由此可见</a:t>
-            </a:r>
-            <a:r>
               <a:rPr lang="zh-CN" altLang="zh-CN" dirty="0"/>
-              <a:t>，两百个低模坦克因网格体、特效和运行逻辑所带来的计算对性能影响还是十分明显的</a:t>
+              <a:t>此时的逻辑线程耗时大于渲染线程，最终帧数与逻辑线程耗时相近，根据短板效应可以主要考虑逻辑线程</a:t>
             </a:r>
             <a:r>
               <a:rPr lang="zh-CN" altLang="zh-CN" dirty="0" smtClean="0"/>
               <a:t>。</a:t>
             </a:r>
-            <a:endParaRPr lang="zh-CN" altLang="zh-CN" dirty="0"/>
+            <a:endParaRPr lang="en-US" altLang="zh-CN" dirty="0"/>
           </a:p>
         </p:txBody>
       </p:sp>
@@ -27806,7 +29138,7 @@
 </p:sld>
 </file>
 
-<file path=ppt/slides/slide26.xml><?xml version="1.0" encoding="utf-8"?>
+<file path=ppt/slides/slide3.xml><?xml version="1.0" encoding="utf-8"?>
 <p:sld xmlns:a="http://schemas.openxmlformats.org/drawingml/2006/main" xmlns:r="http://schemas.openxmlformats.org/officeDocument/2006/relationships" xmlns:p="http://schemas.openxmlformats.org/presentationml/2006/main">
   <p:cSld>
     <p:spTree>
@@ -27838,19 +29170,12 @@
           <a:bodyPr/>
           <a:lstStyle/>
           <a:p>
-            <a:r>
-              <a:rPr lang="zh-CN" altLang="en-US" dirty="0"/>
-              <a:t>性能分析：控制</a:t>
-            </a:r>
-            <a:r>
-              <a:rPr lang="zh-CN" altLang="en-US" dirty="0" smtClean="0"/>
-              <a:t>因素</a:t>
-            </a:r>
-            <a:r>
-              <a:rPr lang="en-US" altLang="zh-CN" dirty="0" smtClean="0"/>
-              <a:t>2</a:t>
-            </a:r>
-            <a:endParaRPr lang="zh-CN" altLang="en-US" dirty="0"/>
+            <a:pPr algn="ctr"/>
+            <a:r>
+              <a:rPr lang="zh-CN" altLang="en-US" sz="6000" dirty="0" smtClean="0"/>
+              <a:t>坐标系</a:t>
+            </a:r>
+            <a:endParaRPr lang="zh-CN" altLang="en-US" sz="6000" dirty="0"/>
           </a:p>
         </p:txBody>
       </p:sp>
@@ -27864,129 +29189,89 @@
             <p:ph idx="1"/>
           </p:nvPr>
         </p:nvSpPr>
-        <p:spPr/>
+        <p:spPr>
+          <a:xfrm>
+            <a:off x="685801" y="2142067"/>
+            <a:ext cx="5049981" cy="3649133"/>
+          </a:xfrm>
+        </p:spPr>
         <p:txBody>
           <a:bodyPr/>
           <a:lstStyle/>
           <a:p>
             <a:r>
-              <a:rPr lang="zh-CN" altLang="zh-CN" b="1" dirty="0"/>
-              <a:t>以“高</a:t>
-            </a:r>
-            <a:r>
-              <a:rPr lang="en-US" altLang="zh-CN" b="1" dirty="0"/>
-              <a:t>/</a:t>
-            </a:r>
-            <a:r>
-              <a:rPr lang="zh-CN" altLang="zh-CN" b="1" dirty="0"/>
-              <a:t>低模坦克”为控制</a:t>
-            </a:r>
-            <a:r>
-              <a:rPr lang="zh-CN" altLang="zh-CN" b="1" dirty="0" smtClean="0"/>
-              <a:t>因素</a:t>
-            </a:r>
-            <a:r>
-              <a:rPr lang="zh-CN" altLang="en-US" b="1" dirty="0" smtClean="0"/>
-              <a:t>。</a:t>
-            </a:r>
-            <a:endParaRPr lang="en-US" altLang="zh-CN" b="1" dirty="0" smtClean="0"/>
+              <a:rPr lang="en-US" altLang="zh-CN" dirty="0" err="1" smtClean="0"/>
+              <a:t>UE4</a:t>
+            </a:r>
+            <a:r>
+              <a:rPr lang="zh-CN" altLang="en-US" dirty="0" smtClean="0"/>
+              <a:t>的坐标系为左手坐标系</a:t>
+            </a:r>
+            <a:endParaRPr lang="en-US" altLang="zh-CN" dirty="0" smtClean="0"/>
           </a:p>
           <a:p>
             <a:r>
-              <a:rPr lang="zh-CN" altLang="zh-CN" dirty="0"/>
-              <a:t>在一百平方公里贴上高精度卫片随机地点生成两百个可对打高模坦克时，帧率达到</a:t>
-            </a:r>
-            <a:r>
-              <a:rPr lang="en-US" altLang="zh-CN" dirty="0"/>
-              <a:t>20</a:t>
-            </a:r>
-            <a:r>
-              <a:rPr lang="zh-CN" altLang="zh-CN" dirty="0"/>
-              <a:t>左右。此时逻辑线程为</a:t>
-            </a:r>
-            <a:r>
-              <a:rPr lang="en-US" altLang="zh-CN" dirty="0"/>
-              <a:t>42</a:t>
-            </a:r>
-            <a:r>
-              <a:rPr lang="zh-CN" altLang="zh-CN" dirty="0"/>
-              <a:t>毫秒左右，渲染线程为</a:t>
-            </a:r>
-            <a:r>
-              <a:rPr lang="en-US" altLang="zh-CN" dirty="0"/>
-              <a:t>14</a:t>
-            </a:r>
-            <a:r>
-              <a:rPr lang="zh-CN" altLang="zh-CN" dirty="0"/>
-              <a:t>毫秒左右。此时的逻辑线程耗时大于渲染线程，最终帧数与逻辑线程耗时相近，根据短板效应可以主要考虑逻辑线程。使用</a:t>
-            </a:r>
-            <a:r>
-              <a:rPr lang="en-US" altLang="zh-CN" dirty="0"/>
-              <a:t>Profiler</a:t>
-            </a:r>
-            <a:r>
-              <a:rPr lang="zh-CN" altLang="zh-CN" dirty="0"/>
-              <a:t>性能分析工具发现此时的计算面为一亿三千面，基准图耗时</a:t>
-            </a:r>
-            <a:r>
-              <a:rPr lang="en-US" altLang="zh-CN" dirty="0"/>
-              <a:t>4.7</a:t>
-            </a:r>
-            <a:r>
-              <a:rPr lang="zh-CN" altLang="zh-CN" dirty="0"/>
-              <a:t>毫秒，动态原始绘图</a:t>
-            </a:r>
-            <a:r>
-              <a:rPr lang="en-US" altLang="zh-CN" dirty="0"/>
-              <a:t>4.7</a:t>
-            </a:r>
-            <a:r>
-              <a:rPr lang="zh-CN" altLang="zh-CN" dirty="0"/>
-              <a:t>毫秒，移动组件消耗了</a:t>
-            </a:r>
-            <a:r>
-              <a:rPr lang="en-US" altLang="zh-CN" dirty="0"/>
-              <a:t>36</a:t>
-            </a:r>
-            <a:r>
-              <a:rPr lang="zh-CN" altLang="zh-CN" dirty="0"/>
-              <a:t>毫秒，数据更新消耗</a:t>
-            </a:r>
-            <a:r>
-              <a:rPr lang="en-US" altLang="zh-CN" dirty="0"/>
-              <a:t>22</a:t>
-            </a:r>
-            <a:r>
-              <a:rPr lang="zh-CN" altLang="zh-CN" dirty="0"/>
-              <a:t>毫秒。</a:t>
-            </a:r>
-          </a:p>
-          <a:p>
-            <a:r>
-              <a:rPr lang="zh-CN" altLang="zh-CN" dirty="0"/>
-              <a:t>经过分析带来此问题的原因是因为一个高模大约一万多面，低模只有十几个面；从结构上比较，高模比低模多出两个履带，十八个轮子；高模有精细的</a:t>
-            </a:r>
-            <a:r>
-              <a:rPr lang="en-US" altLang="zh-CN" dirty="0"/>
-              <a:t>UV</a:t>
-            </a:r>
-            <a:r>
-              <a:rPr lang="zh-CN" altLang="zh-CN" dirty="0"/>
-              <a:t>贴图，低模只有简单的单色贴图。</a:t>
-            </a:r>
-          </a:p>
-          <a:p>
-            <a:endParaRPr lang="zh-CN" altLang="zh-CN" b="1" dirty="0"/>
-          </a:p>
-          <a:p>
-            <a:endParaRPr lang="zh-CN" altLang="en-US" dirty="0"/>
+              <a:rPr lang="en-US" altLang="zh-CN" dirty="0" smtClean="0"/>
+              <a:t>X</a:t>
+            </a:r>
+            <a:r>
+              <a:rPr lang="zh-CN" altLang="en-US" dirty="0" smtClean="0"/>
+              <a:t>轴朝前，</a:t>
+            </a:r>
+            <a:r>
+              <a:rPr lang="en-US" altLang="zh-CN" dirty="0" smtClean="0"/>
+              <a:t>Y</a:t>
+            </a:r>
+            <a:r>
+              <a:rPr lang="zh-CN" altLang="en-US" dirty="0" smtClean="0"/>
+              <a:t>轴朝右，</a:t>
+            </a:r>
+            <a:r>
+              <a:rPr lang="en-US" altLang="zh-CN" dirty="0" smtClean="0"/>
+              <a:t>Z</a:t>
+            </a:r>
+            <a:r>
+              <a:rPr lang="zh-CN" altLang="en-US" dirty="0" smtClean="0"/>
+              <a:t>轴朝上</a:t>
+            </a:r>
+            <a:endParaRPr lang="en-US" altLang="zh-CN" dirty="0" smtClean="0"/>
           </a:p>
         </p:txBody>
       </p:sp>
+      <p:pic>
+        <p:nvPicPr>
+          <p:cNvPr id="6" name="图片 5"/>
+          <p:cNvPicPr>
+            <a:picLocks noChangeAspect="1"/>
+          </p:cNvPicPr>
+          <p:nvPr/>
+        </p:nvPicPr>
+        <p:blipFill>
+          <a:blip r:embed="rId2">
+            <a:extLst>
+              <a:ext uri="{28A0092B-C50C-407E-A947-70E740481C1C}">
+                <a14:useLocalDpi xmlns:a14="http://schemas.microsoft.com/office/drawing/2010/main" val="0"/>
+              </a:ext>
+            </a:extLst>
+          </a:blip>
+          <a:stretch>
+            <a:fillRect/>
+          </a:stretch>
+        </p:blipFill>
+        <p:spPr>
+          <a:xfrm>
+            <a:off x="5751513" y="2306935"/>
+            <a:ext cx="5595916" cy="3319395"/>
+          </a:xfrm>
+          <a:prstGeom prst="rect">
+            <a:avLst/>
+          </a:prstGeom>
+        </p:spPr>
+      </p:pic>
     </p:spTree>
     <p:extLst>
       <p:ext uri="{BB962C8B-B14F-4D97-AF65-F5344CB8AC3E}">
-        <p14:creationId xmlns:p14="http://schemas.microsoft.com/office/powerpoint/2010/main" val="1805601522"/>
+        <p14:creationId xmlns:p14="http://schemas.microsoft.com/office/powerpoint/2010/main" val="3988197203"/>
       </p:ext>
     </p:extLst>
   </p:cSld>
@@ -28003,7 +29288,7 @@
 </p:sld>
 </file>
 
-<file path=ppt/slides/slide27.xml><?xml version="1.0" encoding="utf-8"?>
+<file path=ppt/slides/slide30.xml><?xml version="1.0" encoding="utf-8"?>
 <p:sld xmlns:a="http://schemas.openxmlformats.org/drawingml/2006/main" xmlns:r="http://schemas.openxmlformats.org/officeDocument/2006/relationships" xmlns:p="http://schemas.openxmlformats.org/presentationml/2006/main">
   <p:cSld>
     <p:spTree>
@@ -28037,6 +29322,218 @@
           <a:p>
             <a:r>
               <a:rPr lang="zh-CN" altLang="en-US" dirty="0"/>
+              <a:t>性能分析：控制</a:t>
+            </a:r>
+            <a:r>
+              <a:rPr lang="zh-CN" altLang="en-US" dirty="0" smtClean="0"/>
+              <a:t>因素</a:t>
+            </a:r>
+            <a:r>
+              <a:rPr lang="en-US" altLang="zh-CN" dirty="0" smtClean="0"/>
+              <a:t>2</a:t>
+            </a:r>
+            <a:endParaRPr lang="zh-CN" altLang="en-US" dirty="0"/>
+          </a:p>
+        </p:txBody>
+      </p:sp>
+      <p:sp>
+        <p:nvSpPr>
+          <p:cNvPr id="3" name="内容占位符 2"/>
+          <p:cNvSpPr>
+            <a:spLocks noGrp="1"/>
+          </p:cNvSpPr>
+          <p:nvPr>
+            <p:ph idx="1"/>
+          </p:nvPr>
+        </p:nvSpPr>
+        <p:spPr/>
+        <p:txBody>
+          <a:bodyPr/>
+          <a:lstStyle/>
+          <a:p>
+            <a:r>
+              <a:rPr lang="zh-CN" altLang="zh-CN" b="1" dirty="0"/>
+              <a:t>以“高</a:t>
+            </a:r>
+            <a:r>
+              <a:rPr lang="en-US" altLang="zh-CN" b="1" dirty="0"/>
+              <a:t>/</a:t>
+            </a:r>
+            <a:r>
+              <a:rPr lang="zh-CN" altLang="zh-CN" b="1" dirty="0"/>
+              <a:t>低模坦克”为控制</a:t>
+            </a:r>
+            <a:r>
+              <a:rPr lang="zh-CN" altLang="zh-CN" b="1" dirty="0" smtClean="0"/>
+              <a:t>因素</a:t>
+            </a:r>
+            <a:r>
+              <a:rPr lang="zh-CN" altLang="en-US" b="1" dirty="0" smtClean="0"/>
+              <a:t>。</a:t>
+            </a:r>
+            <a:endParaRPr lang="en-US" altLang="zh-CN" b="1" dirty="0" smtClean="0"/>
+          </a:p>
+          <a:p>
+            <a:r>
+              <a:rPr lang="zh-CN" altLang="zh-CN" dirty="0"/>
+              <a:t>在一百平方公里贴上高精度卫片随机地点生成两百个可对打高模坦克时，帧率达到</a:t>
+            </a:r>
+            <a:r>
+              <a:rPr lang="en-US" altLang="zh-CN" dirty="0"/>
+              <a:t>20</a:t>
+            </a:r>
+            <a:r>
+              <a:rPr lang="zh-CN" altLang="zh-CN" dirty="0"/>
+              <a:t>左右</a:t>
+            </a:r>
+            <a:r>
+              <a:rPr lang="zh-CN" altLang="zh-CN" dirty="0" smtClean="0"/>
+              <a:t>。</a:t>
+            </a:r>
+            <a:endParaRPr lang="en-US" altLang="zh-CN" dirty="0" smtClean="0"/>
+          </a:p>
+          <a:p>
+            <a:r>
+              <a:rPr lang="zh-CN" altLang="zh-CN" dirty="0" smtClean="0"/>
+              <a:t>此时</a:t>
+            </a:r>
+            <a:r>
+              <a:rPr lang="zh-CN" altLang="zh-CN" dirty="0"/>
+              <a:t>逻辑线程为</a:t>
+            </a:r>
+            <a:r>
+              <a:rPr lang="en-US" altLang="zh-CN" dirty="0"/>
+              <a:t>42</a:t>
+            </a:r>
+            <a:r>
+              <a:rPr lang="zh-CN" altLang="zh-CN" dirty="0"/>
+              <a:t>毫秒左右，渲染线程为</a:t>
+            </a:r>
+            <a:r>
+              <a:rPr lang="en-US" altLang="zh-CN" dirty="0"/>
+              <a:t>14</a:t>
+            </a:r>
+            <a:r>
+              <a:rPr lang="zh-CN" altLang="zh-CN" dirty="0"/>
+              <a:t>毫秒左右。此时的逻辑线程耗时大于渲染线程，最终帧数与逻辑线程耗时相近，根据短板效应可以主要考虑逻辑线程。使用</a:t>
+            </a:r>
+            <a:r>
+              <a:rPr lang="en-US" altLang="zh-CN" dirty="0"/>
+              <a:t>Profiler</a:t>
+            </a:r>
+            <a:r>
+              <a:rPr lang="zh-CN" altLang="zh-CN" dirty="0"/>
+              <a:t>性能分析工具发现此时的计算面为一亿三千面，基准图耗时</a:t>
+            </a:r>
+            <a:r>
+              <a:rPr lang="en-US" altLang="zh-CN" dirty="0"/>
+              <a:t>4.7</a:t>
+            </a:r>
+            <a:r>
+              <a:rPr lang="zh-CN" altLang="zh-CN" dirty="0"/>
+              <a:t>毫秒，动态原始绘图</a:t>
+            </a:r>
+            <a:r>
+              <a:rPr lang="en-US" altLang="zh-CN" dirty="0"/>
+              <a:t>4.7</a:t>
+            </a:r>
+            <a:r>
+              <a:rPr lang="zh-CN" altLang="zh-CN" dirty="0"/>
+              <a:t>毫秒，移动组件消耗了</a:t>
+            </a:r>
+            <a:r>
+              <a:rPr lang="en-US" altLang="zh-CN" dirty="0"/>
+              <a:t>36</a:t>
+            </a:r>
+            <a:r>
+              <a:rPr lang="zh-CN" altLang="zh-CN" dirty="0"/>
+              <a:t>毫秒，数据更新消耗</a:t>
+            </a:r>
+            <a:r>
+              <a:rPr lang="en-US" altLang="zh-CN" dirty="0"/>
+              <a:t>22</a:t>
+            </a:r>
+            <a:r>
+              <a:rPr lang="zh-CN" altLang="zh-CN" dirty="0"/>
+              <a:t>毫秒。</a:t>
+            </a:r>
+          </a:p>
+          <a:p>
+            <a:r>
+              <a:rPr lang="zh-CN" altLang="zh-CN" dirty="0"/>
+              <a:t>经过分析带来此问题的原因是因为一个高模大约一万多面，低模只有十几个面；从结构上比较，高模比低模多出两个履带，十八个轮子；高模有精细的</a:t>
+            </a:r>
+            <a:r>
+              <a:rPr lang="en-US" altLang="zh-CN" dirty="0"/>
+              <a:t>UV</a:t>
+            </a:r>
+            <a:r>
+              <a:rPr lang="zh-CN" altLang="zh-CN" dirty="0"/>
+              <a:t>贴图，低模只有简单的单色贴图。</a:t>
+            </a:r>
+          </a:p>
+          <a:p>
+            <a:endParaRPr lang="zh-CN" altLang="zh-CN" b="1" dirty="0"/>
+          </a:p>
+          <a:p>
+            <a:endParaRPr lang="zh-CN" altLang="en-US" dirty="0"/>
+          </a:p>
+        </p:txBody>
+      </p:sp>
+    </p:spTree>
+    <p:extLst>
+      <p:ext uri="{BB962C8B-B14F-4D97-AF65-F5344CB8AC3E}">
+        <p14:creationId xmlns:p14="http://schemas.microsoft.com/office/powerpoint/2010/main" val="1805601522"/>
+      </p:ext>
+    </p:extLst>
+  </p:cSld>
+  <p:clrMapOvr>
+    <a:masterClrMapping/>
+  </p:clrMapOvr>
+  <p:timing>
+    <p:tnLst>
+      <p:par>
+        <p:cTn id="1" dur="indefinite" restart="never" nodeType="tmRoot"/>
+      </p:par>
+    </p:tnLst>
+  </p:timing>
+</p:sld>
+</file>
+
+<file path=ppt/slides/slide31.xml><?xml version="1.0" encoding="utf-8"?>
+<p:sld xmlns:a="http://schemas.openxmlformats.org/drawingml/2006/main" xmlns:r="http://schemas.openxmlformats.org/officeDocument/2006/relationships" xmlns:p="http://schemas.openxmlformats.org/presentationml/2006/main">
+  <p:cSld>
+    <p:spTree>
+      <p:nvGrpSpPr>
+        <p:cNvPr id="1" name=""/>
+        <p:cNvGrpSpPr/>
+        <p:nvPr/>
+      </p:nvGrpSpPr>
+      <p:grpSpPr>
+        <a:xfrm>
+          <a:off x="0" y="0"/>
+          <a:ext cx="0" cy="0"/>
+          <a:chOff x="0" y="0"/>
+          <a:chExt cx="0" cy="0"/>
+        </a:xfrm>
+      </p:grpSpPr>
+      <p:sp>
+        <p:nvSpPr>
+          <p:cNvPr id="2" name="标题 1"/>
+          <p:cNvSpPr>
+            <a:spLocks noGrp="1"/>
+          </p:cNvSpPr>
+          <p:nvPr>
+            <p:ph type="title"/>
+          </p:nvPr>
+        </p:nvSpPr>
+        <p:spPr/>
+        <p:txBody>
+          <a:bodyPr/>
+          <a:lstStyle/>
+          <a:p>
+            <a:r>
+              <a:rPr lang="zh-CN" altLang="en-US" dirty="0"/>
               <a:t>性能分析</a:t>
             </a:r>
             <a:r>
@@ -28145,12 +29642,12 @@
           </a:p>
           <a:p>
             <a:r>
-              <a:rPr lang="en-US" altLang="zh-CN" dirty="0"/>
-              <a:t>	</a:t>
+              <a:rPr lang="zh-CN" altLang="zh-CN" dirty="0" smtClean="0"/>
+              <a:t>总的来说</a:t>
             </a:r>
             <a:r>
               <a:rPr lang="zh-CN" altLang="zh-CN" dirty="0"/>
-              <a:t>总的来说，我认为对于程序的优化应从以下几个方面入手：减少不必要的静态</a:t>
+              <a:t>，我认为对于程序的优化应从以下几个方面入手：减少不必要的静态</a:t>
             </a:r>
             <a:r>
               <a:rPr lang="en-US" altLang="zh-CN" dirty="0"/>
@@ -28186,7 +29683,7 @@
 </p:sld>
 </file>
 
-<file path=ppt/slides/slide28.xml><?xml version="1.0" encoding="utf-8"?>
+<file path=ppt/slides/slide32.xml><?xml version="1.0" encoding="utf-8"?>
 <p:sld xmlns:a="http://schemas.openxmlformats.org/drawingml/2006/main" xmlns:r="http://schemas.openxmlformats.org/officeDocument/2006/relationships" xmlns:p="http://schemas.openxmlformats.org/presentationml/2006/main">
   <p:cSld>
     <p:spTree>
@@ -28273,7 +29770,7 @@
 </p:sld>
 </file>
 
-<file path=ppt/slides/slide29.xml><?xml version="1.0" encoding="utf-8"?>
+<file path=ppt/slides/slide33.xml><?xml version="1.0" encoding="utf-8"?>
 <p:sld xmlns:a="http://schemas.openxmlformats.org/drawingml/2006/main" xmlns:r="http://schemas.openxmlformats.org/officeDocument/2006/relationships" xmlns:p="http://schemas.openxmlformats.org/presentationml/2006/main">
   <p:cSld>
     <p:spTree>
@@ -28596,95 +30093,7 @@
 </p:sld>
 </file>
 
-<file path=ppt/slides/slide3.xml><?xml version="1.0" encoding="utf-8"?>
-<p:sld xmlns:a="http://schemas.openxmlformats.org/drawingml/2006/main" xmlns:r="http://schemas.openxmlformats.org/officeDocument/2006/relationships" xmlns:p="http://schemas.openxmlformats.org/presentationml/2006/main">
-  <p:cSld>
-    <p:spTree>
-      <p:nvGrpSpPr>
-        <p:cNvPr id="1" name=""/>
-        <p:cNvGrpSpPr/>
-        <p:nvPr/>
-      </p:nvGrpSpPr>
-      <p:grpSpPr>
-        <a:xfrm>
-          <a:off x="0" y="0"/>
-          <a:ext cx="0" cy="0"/>
-          <a:chOff x="0" y="0"/>
-          <a:chExt cx="0" cy="0"/>
-        </a:xfrm>
-      </p:grpSpPr>
-      <p:sp>
-        <p:nvSpPr>
-          <p:cNvPr id="2" name="标题 1"/>
-          <p:cNvSpPr>
-            <a:spLocks noGrp="1"/>
-          </p:cNvSpPr>
-          <p:nvPr>
-            <p:ph type="title"/>
-          </p:nvPr>
-        </p:nvSpPr>
-        <p:spPr/>
-        <p:txBody>
-          <a:bodyPr>
-            <a:normAutofit/>
-          </a:bodyPr>
-          <a:lstStyle/>
-          <a:p>
-            <a:pPr algn="ctr"/>
-            <a:r>
-              <a:rPr lang="zh-CN" altLang="en-US" sz="6000" b="1" dirty="0" smtClean="0"/>
-              <a:t>地形系统</a:t>
-            </a:r>
-            <a:endParaRPr lang="zh-CN" altLang="en-US" sz="6000" b="1" dirty="0"/>
-          </a:p>
-        </p:txBody>
-      </p:sp>
-      <p:graphicFrame>
-        <p:nvGraphicFramePr>
-          <p:cNvPr id="4" name="内容占位符 3"/>
-          <p:cNvGraphicFramePr>
-            <a:graphicFrameLocks noGrp="1"/>
-          </p:cNvGraphicFramePr>
-          <p:nvPr>
-            <p:ph idx="1"/>
-            <p:extLst>
-              <p:ext uri="{D42A27DB-BD31-4B8C-83A1-F6EECF244321}">
-                <p14:modId xmlns:p14="http://schemas.microsoft.com/office/powerpoint/2010/main" val="1790721647"/>
-              </p:ext>
-            </p:extLst>
-          </p:nvPr>
-        </p:nvGraphicFramePr>
-        <p:xfrm>
-          <a:off x="685800" y="2141538"/>
-          <a:ext cx="10131425" cy="3649662"/>
-        </p:xfrm>
-        <a:graphic>
-          <a:graphicData uri="http://schemas.openxmlformats.org/drawingml/2006/diagram">
-            <dgm:relIds xmlns:dgm="http://schemas.openxmlformats.org/drawingml/2006/diagram" xmlns:r="http://schemas.openxmlformats.org/officeDocument/2006/relationships" r:dm="rId2" r:lo="rId3" r:qs="rId4" r:cs="rId5"/>
-          </a:graphicData>
-        </a:graphic>
-      </p:graphicFrame>
-    </p:spTree>
-    <p:extLst>
-      <p:ext uri="{BB962C8B-B14F-4D97-AF65-F5344CB8AC3E}">
-        <p14:creationId xmlns:p14="http://schemas.microsoft.com/office/powerpoint/2010/main" val="2974482937"/>
-      </p:ext>
-    </p:extLst>
-  </p:cSld>
-  <p:clrMapOvr>
-    <a:masterClrMapping/>
-  </p:clrMapOvr>
-  <p:timing>
-    <p:tnLst>
-      <p:par>
-        <p:cTn id="1" dur="indefinite" restart="never" nodeType="tmRoot"/>
-      </p:par>
-    </p:tnLst>
-  </p:timing>
-</p:sld>
-</file>
-
-<file path=ppt/slides/slide30.xml><?xml version="1.0" encoding="utf-8"?>
+<file path=ppt/slides/slide34.xml><?xml version="1.0" encoding="utf-8"?>
 <p:sld xmlns:a="http://schemas.openxmlformats.org/drawingml/2006/main" xmlns:r="http://schemas.openxmlformats.org/officeDocument/2006/relationships" xmlns:p="http://schemas.openxmlformats.org/presentationml/2006/main">
   <p:cSld>
     <p:spTree>
@@ -28934,7 +30343,7 @@
 </p:sld>
 </file>
 
-<file path=ppt/slides/slide31.xml><?xml version="1.0" encoding="utf-8"?>
+<file path=ppt/slides/slide35.xml><?xml version="1.0" encoding="utf-8"?>
 <p:sld xmlns:a="http://schemas.openxmlformats.org/drawingml/2006/main" xmlns:r="http://schemas.openxmlformats.org/officeDocument/2006/relationships" xmlns:p="http://schemas.openxmlformats.org/presentationml/2006/main">
   <p:cSld>
     <p:spTree>
@@ -29086,7 +30495,7 @@
 </p:sld>
 </file>
 
-<file path=ppt/slides/slide32.xml><?xml version="1.0" encoding="utf-8"?>
+<file path=ppt/slides/slide36.xml><?xml version="1.0" encoding="utf-8"?>
 <p:sld xmlns:a="http://schemas.openxmlformats.org/drawingml/2006/main" xmlns:r="http://schemas.openxmlformats.org/officeDocument/2006/relationships" xmlns:p="http://schemas.openxmlformats.org/presentationml/2006/main">
   <p:cSld>
     <p:spTree>
@@ -29262,7 +30671,7 @@
 </p:sld>
 </file>
 
-<file path=ppt/slides/slide33.xml><?xml version="1.0" encoding="utf-8"?>
+<file path=ppt/slides/slide37.xml><?xml version="1.0" encoding="utf-8"?>
 <p:sld xmlns:a="http://schemas.openxmlformats.org/drawingml/2006/main" xmlns:r="http://schemas.openxmlformats.org/officeDocument/2006/relationships" xmlns:p="http://schemas.openxmlformats.org/presentationml/2006/main">
   <p:cSld>
     <p:spTree>
@@ -29558,7 +30967,7 @@
 </p:sld>
 </file>
 
-<file path=ppt/slides/slide34.xml><?xml version="1.0" encoding="utf-8"?>
+<file path=ppt/slides/slide38.xml><?xml version="1.0" encoding="utf-8"?>
 <p:sld xmlns:a="http://schemas.openxmlformats.org/drawingml/2006/main" xmlns:r="http://schemas.openxmlformats.org/officeDocument/2006/relationships" xmlns:p="http://schemas.openxmlformats.org/presentationml/2006/main">
   <p:cSld>
     <p:spTree>
@@ -29782,7 +31191,7 @@
 </p:sld>
 </file>
 
-<file path=ppt/slides/slide35.xml><?xml version="1.0" encoding="utf-8"?>
+<file path=ppt/slides/slide39.xml><?xml version="1.0" encoding="utf-8"?>
 <p:sld xmlns:a="http://schemas.openxmlformats.org/drawingml/2006/main" xmlns:r="http://schemas.openxmlformats.org/officeDocument/2006/relationships" xmlns:p="http://schemas.openxmlformats.org/presentationml/2006/main">
   <p:cSld>
     <p:spTree>
@@ -29879,247 +31288,49 @@
         </p:nvSpPr>
         <p:spPr/>
         <p:txBody>
-          <a:bodyPr/>
+          <a:bodyPr>
+            <a:normAutofit/>
+          </a:bodyPr>
           <a:lstStyle/>
           <a:p>
-            <a:r>
-              <a:rPr lang="zh-CN" altLang="en-US" dirty="0" smtClean="0"/>
+            <a:pPr algn="ctr"/>
+            <a:r>
+              <a:rPr lang="zh-CN" altLang="en-US" sz="6000" b="1" dirty="0" smtClean="0"/>
               <a:t>地形系统</a:t>
             </a:r>
-            <a:r>
-              <a:rPr lang="zh-CN" altLang="en-US" dirty="0"/>
-              <a:t>：</a:t>
-            </a:r>
-            <a:r>
-              <a:rPr lang="zh-CN" altLang="zh-CN" dirty="0" smtClean="0"/>
-              <a:t>比</a:t>
-            </a:r>
-            <a:r>
-              <a:rPr lang="zh-CN" altLang="zh-CN" dirty="0"/>
-              <a:t>静态网格体更适合创建巨大</a:t>
-            </a:r>
-            <a:r>
-              <a:rPr lang="zh-CN" altLang="zh-CN" dirty="0" smtClean="0"/>
-              <a:t>地形</a:t>
-            </a:r>
-            <a:endParaRPr lang="zh-CN" altLang="en-US" dirty="0"/>
+            <a:endParaRPr lang="zh-CN" altLang="en-US" sz="6000" b="1" dirty="0"/>
           </a:p>
         </p:txBody>
       </p:sp>
-      <p:sp>
-        <p:nvSpPr>
-          <p:cNvPr id="3" name="内容占位符 2"/>
-          <p:cNvSpPr>
-            <a:spLocks noGrp="1"/>
-          </p:cNvSpPr>
+      <p:graphicFrame>
+        <p:nvGraphicFramePr>
+          <p:cNvPr id="4" name="内容占位符 3"/>
+          <p:cNvGraphicFramePr>
+            <a:graphicFrameLocks noGrp="1"/>
+          </p:cNvGraphicFramePr>
           <p:nvPr>
             <p:ph idx="1"/>
+            <p:extLst>
+              <p:ext uri="{D42A27DB-BD31-4B8C-83A1-F6EECF244321}">
+                <p14:modId xmlns:p14="http://schemas.microsoft.com/office/powerpoint/2010/main" val="1790721647"/>
+              </p:ext>
+            </p:extLst>
           </p:nvPr>
-        </p:nvSpPr>
-        <p:spPr/>
-        <p:txBody>
-          <a:bodyPr/>
-          <a:lstStyle/>
-          <a:p>
-            <a:r>
-              <a:rPr lang="zh-CN" altLang="zh-CN" dirty="0"/>
-              <a:t>地形的顶点数据为每个顶点</a:t>
-            </a:r>
-            <a:r>
-              <a:rPr lang="en-US" altLang="zh-CN" dirty="0"/>
-              <a:t> 4 </a:t>
-            </a:r>
-            <a:r>
-              <a:rPr lang="zh-CN" altLang="zh-CN" dirty="0" smtClean="0"/>
-              <a:t>字节</a:t>
-            </a:r>
-            <a:r>
-              <a:rPr lang="zh-CN" altLang="en-US" dirty="0" smtClean="0"/>
-              <a:t>。</a:t>
-            </a:r>
-            <a:endParaRPr lang="en-US" altLang="zh-CN" dirty="0" smtClean="0"/>
-          </a:p>
-          <a:p>
-            <a:r>
-              <a:rPr lang="zh-CN" altLang="zh-CN" dirty="0" smtClean="0"/>
-              <a:t>静态</a:t>
-            </a:r>
-            <a:r>
-              <a:rPr lang="zh-CN" altLang="zh-CN" dirty="0"/>
-              <a:t>网格体以</a:t>
-            </a:r>
-            <a:r>
-              <a:rPr lang="en-US" altLang="zh-CN" dirty="0"/>
-              <a:t> 12 </a:t>
-            </a:r>
-            <a:r>
-              <a:rPr lang="zh-CN" altLang="zh-CN" dirty="0"/>
-              <a:t>字节矢量储存</a:t>
-            </a:r>
-            <a:r>
-              <a:rPr lang="zh-CN" altLang="zh-CN" dirty="0" smtClean="0"/>
-              <a:t>位置</a:t>
-            </a:r>
-            <a:r>
-              <a:rPr lang="zh-CN" altLang="en-US" dirty="0"/>
-              <a:t>，</a:t>
-            </a:r>
-            <a:r>
-              <a:rPr lang="zh-CN" altLang="zh-CN" dirty="0" smtClean="0"/>
-              <a:t>切线</a:t>
-            </a:r>
-            <a:r>
-              <a:rPr lang="en-US" altLang="zh-CN" dirty="0" smtClean="0"/>
-              <a:t> </a:t>
-            </a:r>
-            <a:r>
-              <a:rPr lang="en-US" altLang="zh-CN" dirty="0"/>
-              <a:t>X </a:t>
-            </a:r>
-            <a:r>
-              <a:rPr lang="zh-CN" altLang="zh-CN" dirty="0"/>
-              <a:t>和</a:t>
-            </a:r>
-            <a:r>
-              <a:rPr lang="en-US" altLang="zh-CN" dirty="0"/>
-              <a:t> Z </a:t>
-            </a:r>
-            <a:r>
-              <a:rPr lang="zh-CN" altLang="zh-CN" dirty="0"/>
-              <a:t>矢量每个均装入</a:t>
-            </a:r>
-            <a:r>
-              <a:rPr lang="en-US" altLang="zh-CN" dirty="0"/>
-              <a:t> 4 </a:t>
-            </a:r>
-            <a:r>
-              <a:rPr lang="zh-CN" altLang="zh-CN" dirty="0"/>
-              <a:t>字节</a:t>
-            </a:r>
-            <a:r>
-              <a:rPr lang="zh-CN" altLang="zh-CN" dirty="0" smtClean="0"/>
-              <a:t>，</a:t>
-            </a:r>
-            <a:endParaRPr lang="en-US" altLang="zh-CN" dirty="0" smtClean="0"/>
-          </a:p>
-          <a:p>
-            <a:pPr marL="0" indent="0">
-              <a:buNone/>
-            </a:pPr>
-            <a:r>
-              <a:rPr lang="en-US" altLang="zh-CN" dirty="0"/>
-              <a:t>	</a:t>
-            </a:r>
-            <a:r>
-              <a:rPr lang="en-US" altLang="zh-CN" dirty="0" smtClean="0"/>
-              <a:t>16 </a:t>
-            </a:r>
-            <a:r>
-              <a:rPr lang="zh-CN" altLang="zh-CN" dirty="0"/>
-              <a:t>位或</a:t>
-            </a:r>
-            <a:r>
-              <a:rPr lang="en-US" altLang="zh-CN" dirty="0"/>
-              <a:t> 32 </a:t>
-            </a:r>
-            <a:r>
-              <a:rPr lang="zh-CN" altLang="zh-CN" dirty="0"/>
-              <a:t>位</a:t>
-            </a:r>
-            <a:r>
-              <a:rPr lang="zh-CN" altLang="zh-CN" dirty="0" smtClean="0"/>
-              <a:t>浮点</a:t>
-            </a:r>
-            <a:r>
-              <a:rPr lang="zh-CN" altLang="en-US" dirty="0" smtClean="0"/>
-              <a:t>的</a:t>
-            </a:r>
-            <a:r>
-              <a:rPr lang="en-US" altLang="zh-CN" dirty="0" smtClean="0"/>
-              <a:t> </a:t>
-            </a:r>
-            <a:r>
-              <a:rPr lang="en-US" altLang="zh-CN" dirty="0"/>
-              <a:t>UV </a:t>
-            </a:r>
-            <a:r>
-              <a:rPr lang="zh-CN" altLang="zh-CN" dirty="0"/>
-              <a:t>每个顶点为</a:t>
-            </a:r>
-            <a:r>
-              <a:rPr lang="en-US" altLang="zh-CN" dirty="0"/>
-              <a:t> 24 </a:t>
-            </a:r>
-            <a:r>
-              <a:rPr lang="zh-CN" altLang="zh-CN" dirty="0"/>
-              <a:t>或</a:t>
-            </a:r>
-            <a:r>
-              <a:rPr lang="en-US" altLang="zh-CN" dirty="0"/>
-              <a:t> 28 </a:t>
-            </a:r>
-            <a:r>
-              <a:rPr lang="zh-CN" altLang="zh-CN" dirty="0" smtClean="0"/>
-              <a:t>字节</a:t>
-            </a:r>
-            <a:r>
-              <a:rPr lang="zh-CN" altLang="en-US" dirty="0" smtClean="0"/>
-              <a:t>。</a:t>
-            </a:r>
-            <a:endParaRPr lang="en-US" altLang="zh-CN" dirty="0" smtClean="0"/>
-          </a:p>
-          <a:p>
-            <a:pPr marL="0" indent="0">
-              <a:buNone/>
-            </a:pPr>
-            <a:endParaRPr lang="en-US" altLang="zh-CN" dirty="0" smtClean="0"/>
-          </a:p>
-          <a:p>
-            <a:r>
-              <a:rPr lang="zh-CN" altLang="zh-CN" dirty="0"/>
-              <a:t>这意味着在相同的顶点密度下，静态网格体占用的内存是地形的</a:t>
-            </a:r>
-            <a:r>
-              <a:rPr lang="en-US" altLang="zh-CN" sz="3200" dirty="0">
-                <a:solidFill>
-                  <a:srgbClr val="FF0000"/>
-                </a:solidFill>
-              </a:rPr>
-              <a:t>6</a:t>
-            </a:r>
-            <a:r>
-              <a:rPr lang="zh-CN" altLang="zh-CN" dirty="0"/>
-              <a:t>或</a:t>
-            </a:r>
-            <a:r>
-              <a:rPr lang="en-US" altLang="zh-CN" sz="3200" dirty="0">
-                <a:solidFill>
-                  <a:srgbClr val="FF0000"/>
-                </a:solidFill>
-              </a:rPr>
-              <a:t>7</a:t>
-            </a:r>
-            <a:r>
-              <a:rPr lang="zh-CN" altLang="zh-CN" dirty="0"/>
-              <a:t>倍。</a:t>
-            </a:r>
-            <a:endParaRPr lang="en-US" altLang="zh-CN" dirty="0" smtClean="0"/>
-          </a:p>
-          <a:p>
-            <a:pPr marL="0" indent="0">
-              <a:buNone/>
-            </a:pPr>
-            <a:endParaRPr lang="en-US" altLang="zh-CN" dirty="0" smtClean="0"/>
-          </a:p>
-          <a:p>
-            <a:endParaRPr lang="zh-CN" altLang="en-US" dirty="0"/>
-          </a:p>
-        </p:txBody>
-      </p:sp>
+        </p:nvGraphicFramePr>
+        <p:xfrm>
+          <a:off x="685800" y="2141538"/>
+          <a:ext cx="10131425" cy="3649662"/>
+        </p:xfrm>
+        <a:graphic>
+          <a:graphicData uri="http://schemas.openxmlformats.org/drawingml/2006/diagram">
+            <dgm:relIds xmlns:dgm="http://schemas.openxmlformats.org/drawingml/2006/diagram" xmlns:r="http://schemas.openxmlformats.org/officeDocument/2006/relationships" r:dm="rId2" r:lo="rId3" r:qs="rId4" r:cs="rId5"/>
+          </a:graphicData>
+        </a:graphic>
+      </p:graphicFrame>
     </p:spTree>
     <p:extLst>
       <p:ext uri="{BB962C8B-B14F-4D97-AF65-F5344CB8AC3E}">
-        <p14:creationId xmlns:p14="http://schemas.microsoft.com/office/powerpoint/2010/main" val="4037741596"/>
+        <p14:creationId xmlns:p14="http://schemas.microsoft.com/office/powerpoint/2010/main" val="2974482937"/>
       </p:ext>
     </p:extLst>
   </p:cSld>
@@ -30169,24 +31380,8 @@
           <a:lstStyle/>
           <a:p>
             <a:r>
-              <a:rPr lang="zh-CN" altLang="en-US" dirty="0"/>
-              <a:t>地形系统</a:t>
-            </a:r>
-            <a:r>
               <a:rPr lang="zh-CN" altLang="en-US" dirty="0" smtClean="0"/>
-              <a:t>：</a:t>
-            </a:r>
-            <a:r>
-              <a:rPr lang="en-US" altLang="zh-CN" b="1" dirty="0"/>
-              <a:t> GPU</a:t>
-            </a:r>
-            <a:r>
-              <a:rPr lang="zh-CN" altLang="zh-CN" b="1" dirty="0"/>
-              <a:t>中的存储</a:t>
-            </a:r>
-            <a:r>
-              <a:rPr lang="zh-CN" altLang="zh-CN" b="1" dirty="0" smtClean="0"/>
-              <a:t>方式</a:t>
+              <a:t>地形系统：地形的组成</a:t>
             </a:r>
             <a:endParaRPr lang="zh-CN" altLang="en-US" dirty="0"/>
           </a:p>
@@ -30202,46 +31397,39 @@
             <p:ph idx="1"/>
           </p:nvPr>
         </p:nvSpPr>
-        <p:spPr/>
+        <p:spPr>
+          <a:xfrm>
+            <a:off x="685801" y="2142067"/>
+            <a:ext cx="7427421" cy="3649133"/>
+          </a:xfrm>
+        </p:spPr>
         <p:txBody>
           <a:bodyPr/>
           <a:lstStyle/>
           <a:p>
             <a:r>
+              <a:rPr lang="zh-CN" altLang="zh-CN" sz="2000" b="1" dirty="0">
+                <a:solidFill>
+                  <a:srgbClr val="FF0000"/>
+                </a:solidFill>
+              </a:rPr>
+              <a:t>地形由组件组成</a:t>
+            </a:r>
+            <a:r>
+              <a:rPr lang="zh-CN" altLang="zh-CN" dirty="0"/>
+              <a:t>，最大支持规格为</a:t>
+            </a:r>
+            <a:r>
               <a:rPr lang="en-US" altLang="zh-CN" dirty="0"/>
-              <a:t>GPU </a:t>
+              <a:t>32 x 32</a:t>
             </a:r>
             <a:r>
               <a:rPr lang="zh-CN" altLang="zh-CN" dirty="0"/>
-              <a:t>内存中将把地形渲染数据存储</a:t>
+              <a:t>，组件的比例可以任意</a:t>
             </a:r>
             <a:r>
               <a:rPr lang="zh-CN" altLang="zh-CN" dirty="0" smtClean="0"/>
-              <a:t>为</a:t>
-            </a:r>
-            <a:r>
-              <a:rPr lang="en-US" altLang="zh-CN" dirty="0"/>
-              <a:t>32 </a:t>
-            </a:r>
-            <a:r>
-              <a:rPr lang="zh-CN" altLang="zh-CN" dirty="0"/>
-              <a:t>位</a:t>
-            </a:r>
-            <a:r>
-              <a:rPr lang="zh-CN" altLang="zh-CN" dirty="0" smtClean="0"/>
-              <a:t>纹理</a:t>
-            </a:r>
-            <a:r>
-              <a:rPr lang="zh-CN" altLang="en-US" dirty="0" smtClean="0"/>
-              <a:t>，</a:t>
-            </a:r>
-            <a:r>
-              <a:rPr lang="zh-CN" altLang="zh-CN" dirty="0"/>
-              <a:t>数据可在顶点着色器中进行</a:t>
-            </a:r>
-            <a:r>
-              <a:rPr lang="zh-CN" altLang="zh-CN" dirty="0" smtClean="0"/>
-              <a:t>查找</a:t>
+              <a:t>搭配</a:t>
             </a:r>
             <a:r>
               <a:rPr lang="zh-CN" altLang="en-US" dirty="0" smtClean="0"/>
@@ -30251,93 +31439,198 @@
           </a:p>
           <a:p>
             <a:r>
+              <a:rPr lang="zh-CN" altLang="zh-CN" dirty="0"/>
+              <a:t>组件由分段组成，分段的规格为</a:t>
+            </a:r>
+            <a:r>
+              <a:rPr lang="en-US" altLang="zh-CN" dirty="0"/>
+              <a:t>1 x 1</a:t>
+            </a:r>
+            <a:r>
+              <a:rPr lang="zh-CN" altLang="zh-CN" dirty="0"/>
+              <a:t>或</a:t>
+            </a:r>
+            <a:r>
+              <a:rPr lang="en-US" altLang="zh-CN" dirty="0"/>
+              <a:t>2 x </a:t>
+            </a:r>
+            <a:r>
+              <a:rPr lang="en-US" altLang="zh-CN" dirty="0" smtClean="0"/>
+              <a:t>2</a:t>
+            </a:r>
+            <a:r>
+              <a:rPr lang="zh-CN" altLang="en-US" dirty="0" smtClean="0"/>
+              <a:t>。</a:t>
+            </a:r>
+            <a:endParaRPr lang="en-US" altLang="zh-CN" dirty="0" smtClean="0"/>
+          </a:p>
+          <a:p>
+            <a:r>
+              <a:rPr lang="zh-CN" altLang="zh-CN" dirty="0"/>
+              <a:t>分段</a:t>
+            </a:r>
+            <a:r>
               <a:rPr lang="zh-CN" altLang="zh-CN" dirty="0" smtClean="0"/>
-              <a:t>高度</a:t>
+              <a:t>由</a:t>
             </a:r>
             <a:r>
               <a:rPr lang="zh-CN" altLang="zh-CN" dirty="0"/>
-              <a:t>以</a:t>
-            </a:r>
-            <a:r>
-              <a:rPr lang="en-US" altLang="zh-CN" dirty="0"/>
-              <a:t> R </a:t>
-            </a:r>
+              <a:t>四边形</a:t>
+            </a:r>
+            <a:r>
+              <a:rPr lang="zh-CN" altLang="zh-CN" dirty="0" smtClean="0"/>
+              <a:t>组成</a:t>
+            </a:r>
+            <a:r>
+              <a:rPr lang="zh-CN" altLang="en-US" dirty="0" smtClean="0"/>
+              <a:t>。</a:t>
+            </a:r>
+            <a:endParaRPr lang="en-US" altLang="zh-CN" dirty="0" smtClean="0"/>
+          </a:p>
+          <a:p>
+            <a:r>
+              <a:rPr lang="zh-CN" altLang="en-US" dirty="0"/>
+              <a:t>两个相邻组件边缘上</a:t>
+            </a:r>
+            <a:r>
+              <a:rPr lang="zh-CN" altLang="en-US" dirty="0" smtClean="0"/>
+              <a:t>的顶点</a:t>
+            </a:r>
+            <a:r>
+              <a:rPr lang="zh-CN" altLang="en-US" dirty="0"/>
+              <a:t>被复制并存储在每个组件</a:t>
+            </a:r>
+            <a:r>
+              <a:rPr lang="zh-CN" altLang="en-US" dirty="0" smtClean="0"/>
+              <a:t>中。</a:t>
+            </a:r>
+            <a:endParaRPr lang="en-US" altLang="zh-CN" dirty="0" smtClean="0"/>
+          </a:p>
+          <a:p>
             <a:r>
               <a:rPr lang="zh-CN" altLang="zh-CN" dirty="0"/>
-              <a:t>和</a:t>
-            </a:r>
-            <a:r>
-              <a:rPr lang="en-US" altLang="zh-CN" dirty="0"/>
-              <a:t> G </a:t>
+              <a:t>简单的地形</a:t>
+            </a:r>
+            <a:r>
+              <a:rPr lang="zh-CN" altLang="zh-CN" dirty="0" smtClean="0"/>
+              <a:t>如</a:t>
+            </a:r>
+            <a:r>
+              <a:rPr lang="zh-CN" altLang="en-US" dirty="0" smtClean="0"/>
+              <a:t>右</a:t>
+            </a:r>
+            <a:r>
+              <a:rPr lang="zh-CN" altLang="zh-CN" dirty="0" smtClean="0"/>
+              <a:t>图</a:t>
             </a:r>
             <a:r>
               <a:rPr lang="zh-CN" altLang="zh-CN" dirty="0"/>
-              <a:t>通道的形式占据</a:t>
-            </a:r>
-            <a:r>
-              <a:rPr lang="en-US" altLang="zh-CN" dirty="0"/>
-              <a:t> 16 </a:t>
+              <a:t>所示（轮廓为绿色），它包含四个</a:t>
+            </a:r>
+            <a:r>
+              <a:rPr lang="zh-CN" altLang="zh-CN" dirty="0" smtClean="0"/>
+              <a:t>组件</a:t>
+            </a:r>
+            <a:r>
+              <a:rPr lang="zh-CN" altLang="en-US" dirty="0" smtClean="0"/>
+              <a:t>，</a:t>
+            </a:r>
+            <a:r>
+              <a:rPr lang="zh-CN" altLang="zh-CN" dirty="0" smtClean="0"/>
+              <a:t>每个</a:t>
             </a:r>
             <a:r>
               <a:rPr lang="zh-CN" altLang="zh-CN" dirty="0"/>
-              <a:t>位，</a:t>
-            </a:r>
-            <a:r>
-              <a:rPr lang="en-US" altLang="zh-CN" dirty="0"/>
-              <a:t>X </a:t>
+              <a:t>组件</a:t>
+            </a:r>
+            <a:r>
+              <a:rPr lang="zh-CN" altLang="zh-CN" dirty="0" smtClean="0"/>
+              <a:t>由</a:t>
+            </a:r>
+            <a:r>
+              <a:rPr lang="zh-CN" altLang="en-US" dirty="0" smtClean="0"/>
+              <a:t>一个分段组成，每个分段由</a:t>
+            </a:r>
+            <a:r>
+              <a:rPr lang="zh-CN" altLang="zh-CN" dirty="0" smtClean="0"/>
+              <a:t>单个</a:t>
             </a:r>
             <a:r>
               <a:rPr lang="zh-CN" altLang="zh-CN" dirty="0"/>
-              <a:t>和</a:t>
-            </a:r>
-            <a:r>
-              <a:rPr lang="en-US" altLang="zh-CN" dirty="0"/>
-              <a:t> Y </a:t>
-            </a:r>
-            <a:r>
-              <a:rPr lang="zh-CN" altLang="zh-CN" dirty="0"/>
-              <a:t>偏移在</a:t>
-            </a:r>
-            <a:r>
-              <a:rPr lang="en-US" altLang="zh-CN" dirty="0"/>
-              <a:t> B </a:t>
-            </a:r>
-            <a:r>
-              <a:rPr lang="zh-CN" altLang="zh-CN" dirty="0"/>
-              <a:t>和</a:t>
-            </a:r>
-            <a:r>
-              <a:rPr lang="en-US" altLang="zh-CN" dirty="0"/>
-              <a:t> A </a:t>
-            </a:r>
-            <a:r>
-              <a:rPr lang="zh-CN" altLang="zh-CN" dirty="0"/>
-              <a:t>通道中存储为</a:t>
-            </a:r>
-            <a:r>
-              <a:rPr lang="en-US" altLang="zh-CN" dirty="0"/>
-              <a:t> 8 </a:t>
-            </a:r>
-            <a:r>
-              <a:rPr lang="zh-CN" altLang="zh-CN" dirty="0"/>
-              <a:t>位</a:t>
+              <a:t>四边形组成</a:t>
             </a:r>
             <a:r>
               <a:rPr lang="zh-CN" altLang="zh-CN" dirty="0" smtClean="0"/>
-              <a:t>数值</a:t>
-            </a:r>
-            <a:r>
-              <a:rPr lang="zh-CN" altLang="en-US" dirty="0" smtClean="0"/>
               <a:t>。</a:t>
             </a:r>
             <a:endParaRPr lang="zh-CN" altLang="en-US" dirty="0"/>
           </a:p>
         </p:txBody>
       </p:sp>
+      <p:pic>
+        <p:nvPicPr>
+          <p:cNvPr id="6" name="图片 5"/>
+          <p:cNvPicPr>
+            <a:picLocks noChangeAspect="1"/>
+          </p:cNvPicPr>
+          <p:nvPr/>
+        </p:nvPicPr>
+        <p:blipFill>
+          <a:blip r:embed="rId2">
+            <a:extLst>
+              <a:ext uri="{28A0092B-C50C-407E-A947-70E740481C1C}">
+                <a14:useLocalDpi xmlns:a14="http://schemas.microsoft.com/office/drawing/2010/main" val="0"/>
+              </a:ext>
+            </a:extLst>
+          </a:blip>
+          <a:stretch>
+            <a:fillRect/>
+          </a:stretch>
+        </p:blipFill>
+        <p:spPr>
+          <a:xfrm>
+            <a:off x="8481049" y="3754256"/>
+            <a:ext cx="2851265" cy="2851265"/>
+          </a:xfrm>
+          <a:prstGeom prst="rect">
+            <a:avLst/>
+          </a:prstGeom>
+        </p:spPr>
+      </p:pic>
+      <p:pic>
+        <p:nvPicPr>
+          <p:cNvPr id="7" name="图片 6"/>
+          <p:cNvPicPr>
+            <a:picLocks noChangeAspect="1"/>
+          </p:cNvPicPr>
+          <p:nvPr/>
+        </p:nvPicPr>
+        <p:blipFill>
+          <a:blip r:embed="rId3">
+            <a:extLst>
+              <a:ext uri="{28A0092B-C50C-407E-A947-70E740481C1C}">
+                <a14:useLocalDpi xmlns:a14="http://schemas.microsoft.com/office/drawing/2010/main" val="0"/>
+              </a:ext>
+            </a:extLst>
+          </a:blip>
+          <a:stretch>
+            <a:fillRect/>
+          </a:stretch>
+        </p:blipFill>
+        <p:spPr>
+          <a:xfrm>
+            <a:off x="8138711" y="493351"/>
+            <a:ext cx="3535939" cy="3145031"/>
+          </a:xfrm>
+          <a:prstGeom prst="rect">
+            <a:avLst/>
+          </a:prstGeom>
+        </p:spPr>
+      </p:pic>
     </p:spTree>
     <p:extLst>
       <p:ext uri="{BB962C8B-B14F-4D97-AF65-F5344CB8AC3E}">
-        <p14:creationId xmlns:p14="http://schemas.microsoft.com/office/powerpoint/2010/main" val="3914974619"/>
+        <p14:creationId xmlns:p14="http://schemas.microsoft.com/office/powerpoint/2010/main" val="1189346762"/>
       </p:ext>
     </p:extLst>
   </p:cSld>
@@ -30387,8 +31680,12 @@
           <a:lstStyle/>
           <a:p>
             <a:r>
+              <a:rPr lang="zh-CN" altLang="en-US" dirty="0"/>
+              <a:t>地形系统</a:t>
+            </a:r>
+            <a:r>
               <a:rPr lang="zh-CN" altLang="en-US" dirty="0" smtClean="0"/>
-              <a:t>地形系统：地形的组成</a:t>
+              <a:t>：组件分段</a:t>
             </a:r>
             <a:endParaRPr lang="zh-CN" altLang="en-US" dirty="0"/>
           </a:p>
@@ -30407,36 +31704,153 @@
         <p:spPr>
           <a:xfrm>
             <a:off x="685801" y="2142067"/>
-            <a:ext cx="7427421" cy="3649133"/>
+            <a:ext cx="7942811" cy="3649133"/>
           </a:xfrm>
         </p:spPr>
         <p:txBody>
-          <a:bodyPr/>
+          <a:bodyPr>
+            <a:normAutofit/>
+          </a:bodyPr>
           <a:lstStyle/>
           <a:p>
             <a:r>
-              <a:rPr lang="zh-CN" altLang="zh-CN" sz="2000" b="1" dirty="0">
+              <a:rPr lang="zh-CN" altLang="zh-CN" dirty="0"/>
+              <a:t>组件可被划分为</a:t>
+            </a:r>
+            <a:r>
+              <a:rPr lang="en-US" altLang="zh-CN" dirty="0"/>
+              <a:t> 1 </a:t>
+            </a:r>
+            <a:r>
+              <a:rPr lang="zh-CN" altLang="zh-CN" dirty="0"/>
+              <a:t>个或</a:t>
+            </a:r>
+            <a:r>
+              <a:rPr lang="en-US" altLang="zh-CN" dirty="0"/>
+              <a:t> 4 </a:t>
+            </a:r>
+            <a:r>
+              <a:rPr lang="zh-CN" altLang="zh-CN" dirty="0"/>
+              <a:t>个（</a:t>
+            </a:r>
+            <a:r>
+              <a:rPr lang="en-US" altLang="zh-CN" dirty="0" err="1"/>
+              <a:t>2x2</a:t>
+            </a:r>
+            <a:r>
+              <a:rPr lang="zh-CN" altLang="zh-CN" dirty="0"/>
+              <a:t>）子分段。这些分段是地形</a:t>
+            </a:r>
+            <a:r>
+              <a:rPr lang="en-US" altLang="zh-CN" dirty="0"/>
+              <a:t> </a:t>
+            </a:r>
+            <a:r>
+              <a:rPr lang="en-US" altLang="zh-CN" dirty="0" err="1"/>
+              <a:t>LOD</a:t>
+            </a:r>
+            <a:r>
+              <a:rPr lang="en-US" altLang="zh-CN" dirty="0"/>
+              <a:t> </a:t>
+            </a:r>
+            <a:r>
+              <a:rPr lang="zh-CN" altLang="zh-CN" dirty="0"/>
+              <a:t>计算的基础单元</a:t>
+            </a:r>
+            <a:r>
+              <a:rPr lang="zh-CN" altLang="zh-CN" dirty="0" smtClean="0"/>
+              <a:t>。</a:t>
+            </a:r>
+            <a:endParaRPr lang="en-US" altLang="zh-CN" dirty="0" smtClean="0"/>
+          </a:p>
+          <a:p>
+            <a:r>
+              <a:rPr lang="zh-CN" altLang="zh-CN" dirty="0"/>
+              <a:t>使用</a:t>
+            </a:r>
+            <a:r>
+              <a:rPr lang="en-US" altLang="zh-CN" dirty="0"/>
+              <a:t> 4 </a:t>
+            </a:r>
+            <a:r>
+              <a:rPr lang="zh-CN" altLang="zh-CN" dirty="0"/>
+              <a:t>个（</a:t>
+            </a:r>
+            <a:r>
+              <a:rPr lang="en-US" altLang="zh-CN" dirty="0" err="1"/>
+              <a:t>2x2</a:t>
+            </a:r>
+            <a:r>
+              <a:rPr lang="zh-CN" altLang="zh-CN" dirty="0" smtClean="0"/>
+              <a:t>）分段</a:t>
+            </a:r>
+            <a:r>
+              <a:rPr lang="zh-CN" altLang="zh-CN" dirty="0" smtClean="0"/>
+              <a:t>获得</a:t>
+            </a:r>
+            <a:r>
+              <a:rPr lang="zh-CN" altLang="zh-CN" dirty="0"/>
+              <a:t>的高度图</a:t>
+            </a:r>
+            <a:r>
+              <a:rPr lang="zh-CN" altLang="zh-CN" dirty="0" smtClean="0"/>
+              <a:t>与使用</a:t>
+            </a:r>
+            <a:r>
+              <a:rPr lang="en-US" altLang="zh-CN" dirty="0" smtClean="0"/>
+              <a:t> </a:t>
+            </a:r>
+            <a:r>
+              <a:rPr lang="en-US" altLang="zh-CN" dirty="0"/>
+              <a:t>4 </a:t>
+            </a:r>
+            <a:r>
+              <a:rPr lang="zh-CN" altLang="en-US" dirty="0" smtClean="0"/>
+              <a:t>个</a:t>
+            </a:r>
+            <a:r>
+              <a:rPr lang="en-US" altLang="zh-CN" dirty="0" smtClean="0"/>
+              <a:t>1</a:t>
+            </a:r>
+            <a:r>
+              <a:rPr lang="zh-CN" altLang="en-US" dirty="0" smtClean="0"/>
+              <a:t>分段的</a:t>
+            </a:r>
+            <a:r>
+              <a:rPr lang="zh-CN" altLang="zh-CN" dirty="0" smtClean="0"/>
+              <a:t>组件</a:t>
+            </a:r>
+            <a:r>
+              <a:rPr lang="zh-CN" altLang="zh-CN" dirty="0"/>
+              <a:t>所获得的高度图</a:t>
+            </a:r>
+            <a:r>
+              <a:rPr lang="zh-CN" altLang="zh-CN" dirty="0" smtClean="0"/>
+              <a:t>相同</a:t>
+            </a:r>
+            <a:r>
+              <a:rPr lang="zh-CN" altLang="en-US" dirty="0" smtClean="0"/>
+              <a:t>，</a:t>
+            </a:r>
+            <a:r>
+              <a:rPr lang="zh-CN" altLang="zh-CN" dirty="0" smtClean="0"/>
+              <a:t>但</a:t>
+            </a:r>
+            <a:r>
+              <a:rPr lang="zh-CN" altLang="zh-CN" dirty="0">
                 <a:solidFill>
                   <a:srgbClr val="FF0000"/>
                 </a:solidFill>
               </a:rPr>
-              <a:t>地形由组件组成</a:t>
-            </a:r>
-            <a:r>
-              <a:rPr lang="zh-CN" altLang="zh-CN" dirty="0"/>
-              <a:t>，最大支持规格为</a:t>
-            </a:r>
-            <a:r>
-              <a:rPr lang="en-US" altLang="zh-CN" dirty="0"/>
-              <a:t>32 x 32</a:t>
-            </a:r>
-            <a:r>
-              <a:rPr lang="zh-CN" altLang="zh-CN" dirty="0"/>
-              <a:t>，组件的比例可以任意</a:t>
-            </a:r>
-            <a:r>
-              <a:rPr lang="zh-CN" altLang="zh-CN" dirty="0" smtClean="0"/>
-              <a:t>搭配</a:t>
+              <a:t>使用的组件次数越少，运行性能越</a:t>
+            </a:r>
+            <a:r>
+              <a:rPr lang="zh-CN" altLang="zh-CN" dirty="0" smtClean="0">
+                <a:solidFill>
+                  <a:srgbClr val="FF0000"/>
+                </a:solidFill>
+              </a:rPr>
+              <a:t>好</a:t>
             </a:r>
             <a:r>
               <a:rPr lang="zh-CN" altLang="en-US" dirty="0" smtClean="0"/>
@@ -30446,24 +31860,60 @@
           </a:p>
           <a:p>
             <a:r>
+              <a:rPr lang="zh-CN" altLang="en-US" dirty="0"/>
+              <a:t>因为需要将不同的</a:t>
+            </a:r>
+            <a:r>
+              <a:rPr lang="en-US" altLang="zh-CN" dirty="0" err="1" smtClean="0"/>
+              <a:t>LOD</a:t>
+            </a:r>
+            <a:r>
+              <a:rPr lang="zh-CN" altLang="en-US" dirty="0" smtClean="0"/>
+              <a:t>存储</a:t>
+            </a:r>
+            <a:r>
+              <a:rPr lang="zh-CN" altLang="en-US" dirty="0"/>
+              <a:t>在纹理的</a:t>
+            </a:r>
+            <a:r>
+              <a:rPr lang="en-US" altLang="zh-CN" dirty="0" err="1"/>
+              <a:t>mipmap</a:t>
+            </a:r>
+            <a:r>
+              <a:rPr lang="zh-CN" altLang="en-US" dirty="0" smtClean="0"/>
+              <a:t>中</a:t>
+            </a:r>
+            <a:r>
+              <a:rPr lang="zh-CN" altLang="en-US" dirty="0"/>
+              <a:t>，</a:t>
+            </a:r>
+            <a:r>
+              <a:rPr lang="zh-CN" altLang="zh-CN" dirty="0" smtClean="0"/>
+              <a:t>每个</a:t>
+            </a:r>
+            <a:r>
               <a:rPr lang="zh-CN" altLang="zh-CN" dirty="0"/>
-              <a:t>组件由分段组成，分段的规格为</a:t>
+              <a:t>分段的尺寸（以顶点数为单位）必须为</a:t>
             </a:r>
             <a:r>
               <a:rPr lang="en-US" altLang="zh-CN" dirty="0"/>
-              <a:t>1 x 1</a:t>
+              <a:t> 2 </a:t>
             </a:r>
             <a:r>
               <a:rPr lang="zh-CN" altLang="zh-CN" dirty="0"/>
-              <a:t>或</a:t>
+              <a:t>的幂次方（最大为</a:t>
             </a:r>
             <a:r>
               <a:rPr lang="en-US" altLang="zh-CN" dirty="0"/>
-              <a:t>2 x </a:t>
-            </a:r>
-            <a:r>
-              <a:rPr lang="en-US" altLang="zh-CN" dirty="0" smtClean="0"/>
-              <a:t>2</a:t>
+              <a:t> </a:t>
+            </a:r>
+            <a:r>
+              <a:rPr lang="en-US" altLang="zh-CN" dirty="0" err="1"/>
+              <a:t>256x256</a:t>
+            </a:r>
+            <a:r>
+              <a:rPr lang="zh-CN" altLang="zh-CN" dirty="0" smtClean="0"/>
+              <a:t>）</a:t>
             </a:r>
             <a:r>
               <a:rPr lang="zh-CN" altLang="en-US" dirty="0" smtClean="0"/>
@@ -30473,42 +31923,63 @@
           </a:p>
           <a:p>
             <a:r>
+              <a:rPr lang="zh-CN" altLang="zh-CN" dirty="0" smtClean="0"/>
+              <a:t>一</a:t>
+            </a:r>
+            <a:r>
               <a:rPr lang="zh-CN" altLang="zh-CN" dirty="0"/>
-              <a:t>分段</a:t>
+              <a:t>个组件中四边形的数量为</a:t>
+            </a:r>
+            <a:r>
+              <a:rPr lang="en-US" altLang="zh-CN" dirty="0"/>
+              <a:t> 2 </a:t>
+            </a:r>
+            <a:r>
+              <a:rPr lang="zh-CN" altLang="zh-CN" dirty="0"/>
+              <a:t>的幂次方减</a:t>
+            </a:r>
+            <a:r>
+              <a:rPr lang="en-US" altLang="zh-CN" dirty="0"/>
+              <a:t> 1</a:t>
+            </a:r>
+            <a:r>
+              <a:rPr lang="zh-CN" altLang="zh-CN" dirty="0"/>
+              <a:t>（如每个组件有一个分段）或</a:t>
+            </a:r>
+            <a:r>
+              <a:rPr lang="en-US" altLang="zh-CN" dirty="0"/>
+              <a:t> 2 </a:t>
+            </a:r>
+            <a:r>
+              <a:rPr lang="zh-CN" altLang="zh-CN" dirty="0"/>
+              <a:t>的幂次方减</a:t>
+            </a:r>
+            <a:r>
+              <a:rPr lang="en-US" altLang="zh-CN" dirty="0"/>
+              <a:t> 2</a:t>
+            </a:r>
+            <a:r>
+              <a:rPr lang="zh-CN" altLang="zh-CN" dirty="0"/>
+              <a:t>（如每个组件有四个分段</a:t>
             </a:r>
             <a:r>
               <a:rPr lang="zh-CN" altLang="zh-CN" dirty="0" smtClean="0"/>
-              <a:t>由</a:t>
-            </a:r>
-            <a:r>
-              <a:rPr lang="zh-CN" altLang="zh-CN" dirty="0"/>
-              <a:t>四边形</a:t>
+              <a:t>）</a:t>
+            </a:r>
+            <a:r>
+              <a:rPr lang="zh-CN" altLang="en-US" dirty="0" smtClean="0"/>
+              <a:t>，因为分段之间的点不共用</a:t>
             </a:r>
             <a:r>
               <a:rPr lang="zh-CN" altLang="zh-CN" dirty="0" smtClean="0"/>
-              <a:t>组成</a:t>
-            </a:r>
-            <a:r>
-              <a:rPr lang="zh-CN" altLang="en-US" dirty="0" smtClean="0"/>
               <a:t>。</a:t>
             </a:r>
             <a:endParaRPr lang="en-US" altLang="zh-CN" dirty="0" smtClean="0"/>
           </a:p>
           <a:p>
             <a:r>
-              <a:rPr lang="zh-CN" altLang="en-US" dirty="0"/>
-              <a:t>两个相邻组件边缘上的共享顶点被复制并存储在每个组件</a:t>
-            </a:r>
-            <a:r>
-              <a:rPr lang="zh-CN" altLang="en-US" dirty="0" smtClean="0"/>
-              <a:t>中。</a:t>
-            </a:r>
-            <a:endParaRPr lang="en-US" altLang="zh-CN" dirty="0" smtClean="0"/>
-          </a:p>
-          <a:p>
-            <a:r>
               <a:rPr lang="zh-CN" altLang="zh-CN" dirty="0"/>
-              <a:t>简单的地形</a:t>
+              <a:t>一个单独组件</a:t>
             </a:r>
             <a:r>
               <a:rPr lang="zh-CN" altLang="zh-CN" dirty="0" smtClean="0"/>
@@ -30524,11 +31995,27 @@
             </a:r>
             <a:r>
               <a:rPr lang="zh-CN" altLang="zh-CN" dirty="0"/>
-              <a:t>所示（轮廓为绿色），它包含四个</a:t>
+              <a:t>所示（轮廓为绿色），它包含四个分段。每个分段由</a:t>
+            </a:r>
+            <a:r>
+              <a:rPr lang="en-US" altLang="zh-CN" dirty="0"/>
+              <a:t> 9 </a:t>
+            </a:r>
+            <a:r>
+              <a:rPr lang="zh-CN" altLang="zh-CN" dirty="0"/>
+              <a:t>个（</a:t>
+            </a:r>
+            <a:r>
+              <a:rPr lang="en-US" altLang="zh-CN" dirty="0" err="1"/>
+              <a:t>3x3</a:t>
+            </a:r>
+            <a:r>
+              <a:rPr lang="zh-CN" altLang="zh-CN" dirty="0"/>
+              <a:t>）四边形</a:t>
             </a:r>
             <a:r>
               <a:rPr lang="zh-CN" altLang="zh-CN" dirty="0" smtClean="0"/>
-              <a:t>组件</a:t>
+              <a:t>组成</a:t>
             </a:r>
             <a:r>
               <a:rPr lang="zh-CN" altLang="en-US" dirty="0" smtClean="0"/>
@@ -30536,23 +32023,23 @@
             </a:r>
             <a:r>
               <a:rPr lang="zh-CN" altLang="zh-CN" dirty="0" smtClean="0"/>
-              <a:t>每个</a:t>
+              <a:t>可看到</a:t>
             </a:r>
             <a:r>
               <a:rPr lang="zh-CN" altLang="zh-CN" dirty="0"/>
-              <a:t>组件由单个四边形组成</a:t>
+              <a:t>分段相交处复制的顶点</a:t>
             </a:r>
             <a:r>
               <a:rPr lang="zh-CN" altLang="zh-CN" dirty="0" smtClean="0"/>
               <a:t>。</a:t>
             </a:r>
-            <a:endParaRPr lang="zh-CN" altLang="en-US" dirty="0"/>
+            <a:endParaRPr lang="zh-CN" altLang="zh-CN" dirty="0"/>
           </a:p>
         </p:txBody>
       </p:sp>
       <p:pic>
         <p:nvPicPr>
-          <p:cNvPr id="6" name="图片 5"/>
+          <p:cNvPr id="4" name="图片 3"/>
           <p:cNvPicPr>
             <a:picLocks noChangeAspect="1"/>
           </p:cNvPicPr>
@@ -30572,8 +32059,8 @@
         </p:blipFill>
         <p:spPr>
           <a:xfrm>
-            <a:off x="8727961" y="2747433"/>
-            <a:ext cx="2438400" cy="2438400"/>
+            <a:off x="8628612" y="2318711"/>
+            <a:ext cx="3295843" cy="3295843"/>
           </a:xfrm>
           <a:prstGeom prst="rect">
             <a:avLst/>
@@ -30583,7 +32070,7 @@
     </p:spTree>
     <p:extLst>
       <p:ext uri="{BB962C8B-B14F-4D97-AF65-F5344CB8AC3E}">
-        <p14:creationId xmlns:p14="http://schemas.microsoft.com/office/powerpoint/2010/main" val="1189346762"/>
+        <p14:creationId xmlns:p14="http://schemas.microsoft.com/office/powerpoint/2010/main" val="2576521482"/>
       </p:ext>
     </p:extLst>
   </p:cSld>
@@ -30634,301 +32121,20 @@
           <a:p>
             <a:r>
               <a:rPr lang="zh-CN" altLang="en-US" dirty="0"/>
-              <a:t>地形系统</a:t>
-            </a:r>
-            <a:r>
-              <a:rPr lang="zh-CN" altLang="en-US" dirty="0" smtClean="0"/>
-              <a:t>：组件分段</a:t>
-            </a:r>
-            <a:endParaRPr lang="zh-CN" altLang="en-US" dirty="0"/>
-          </a:p>
-        </p:txBody>
-      </p:sp>
-      <p:sp>
-        <p:nvSpPr>
-          <p:cNvPr id="3" name="内容占位符 2"/>
-          <p:cNvSpPr>
-            <a:spLocks noGrp="1"/>
-          </p:cNvSpPr>
-          <p:nvPr>
-            <p:ph idx="1"/>
-          </p:nvPr>
-        </p:nvSpPr>
-        <p:spPr>
-          <a:xfrm>
-            <a:off x="685801" y="2142067"/>
-            <a:ext cx="8591203" cy="3649133"/>
-          </a:xfrm>
-        </p:spPr>
-        <p:txBody>
-          <a:bodyPr/>
-          <a:lstStyle/>
-          <a:p>
-            <a:r>
-              <a:rPr lang="zh-CN" altLang="zh-CN" dirty="0"/>
-              <a:t>组件可被划分为</a:t>
-            </a:r>
-            <a:r>
-              <a:rPr lang="en-US" altLang="zh-CN" dirty="0"/>
-              <a:t> 1 </a:t>
-            </a:r>
-            <a:r>
-              <a:rPr lang="zh-CN" altLang="zh-CN" dirty="0"/>
-              <a:t>个或</a:t>
-            </a:r>
-            <a:r>
-              <a:rPr lang="en-US" altLang="zh-CN" dirty="0"/>
-              <a:t> 4 </a:t>
-            </a:r>
-            <a:r>
-              <a:rPr lang="zh-CN" altLang="zh-CN" dirty="0"/>
-              <a:t>个（</a:t>
-            </a:r>
-            <a:r>
-              <a:rPr lang="en-US" altLang="zh-CN" dirty="0" err="1"/>
-              <a:t>2x2</a:t>
-            </a:r>
-            <a:r>
-              <a:rPr lang="zh-CN" altLang="zh-CN" dirty="0"/>
-              <a:t>）子分段。这些分段是地形</a:t>
-            </a:r>
-            <a:r>
-              <a:rPr lang="en-US" altLang="zh-CN" dirty="0"/>
-              <a:t> </a:t>
-            </a:r>
-            <a:r>
-              <a:rPr lang="en-US" altLang="zh-CN" dirty="0" err="1"/>
-              <a:t>LOD</a:t>
-            </a:r>
-            <a:r>
-              <a:rPr lang="en-US" altLang="zh-CN" dirty="0"/>
-              <a:t> </a:t>
-            </a:r>
-            <a:r>
-              <a:rPr lang="zh-CN" altLang="zh-CN" dirty="0"/>
-              <a:t>计算的基础单元</a:t>
-            </a:r>
-            <a:r>
-              <a:rPr lang="zh-CN" altLang="zh-CN" dirty="0" smtClean="0"/>
-              <a:t>。</a:t>
-            </a:r>
-            <a:endParaRPr lang="en-US" altLang="zh-CN" dirty="0" smtClean="0"/>
-          </a:p>
-          <a:p>
-            <a:r>
-              <a:rPr lang="zh-CN" altLang="zh-CN" dirty="0"/>
-              <a:t>使用</a:t>
-            </a:r>
-            <a:r>
-              <a:rPr lang="en-US" altLang="zh-CN" dirty="0"/>
-              <a:t> 4 </a:t>
-            </a:r>
-            <a:r>
-              <a:rPr lang="zh-CN" altLang="zh-CN" dirty="0"/>
-              <a:t>个（</a:t>
-            </a:r>
-            <a:r>
-              <a:rPr lang="en-US" altLang="zh-CN" dirty="0" err="1"/>
-              <a:t>2x2</a:t>
-            </a:r>
-            <a:r>
-              <a:rPr lang="zh-CN" altLang="zh-CN" dirty="0"/>
-              <a:t>）子</a:t>
-            </a:r>
-            <a:r>
-              <a:rPr lang="zh-CN" altLang="zh-CN" dirty="0" smtClean="0"/>
-              <a:t>分段获得</a:t>
-            </a:r>
-            <a:r>
-              <a:rPr lang="zh-CN" altLang="zh-CN" dirty="0"/>
-              <a:t>的高度图</a:t>
-            </a:r>
-            <a:r>
-              <a:rPr lang="zh-CN" altLang="zh-CN" dirty="0" smtClean="0"/>
-              <a:t>与使用</a:t>
-            </a:r>
-            <a:r>
-              <a:rPr lang="en-US" altLang="zh-CN" dirty="0" smtClean="0"/>
-              <a:t> </a:t>
-            </a:r>
-            <a:r>
-              <a:rPr lang="en-US" altLang="zh-CN" dirty="0"/>
-              <a:t>4 </a:t>
-            </a:r>
-            <a:r>
-              <a:rPr lang="zh-CN" altLang="zh-CN" dirty="0"/>
-              <a:t>次组件所获得的高度图</a:t>
-            </a:r>
-            <a:r>
-              <a:rPr lang="zh-CN" altLang="zh-CN" dirty="0" smtClean="0"/>
-              <a:t>相同</a:t>
-            </a:r>
-            <a:r>
-              <a:rPr lang="zh-CN" altLang="en-US" dirty="0" smtClean="0"/>
-              <a:t>，</a:t>
-            </a:r>
-            <a:endParaRPr lang="en-US" altLang="zh-CN" dirty="0" smtClean="0"/>
-          </a:p>
-          <a:p>
-            <a:pPr marL="0" indent="0">
-              <a:buNone/>
-            </a:pPr>
-            <a:r>
-              <a:rPr lang="en-US" altLang="zh-CN" dirty="0"/>
-              <a:t>	</a:t>
-            </a:r>
-            <a:r>
-              <a:rPr lang="zh-CN" altLang="zh-CN" dirty="0" smtClean="0"/>
-              <a:t>但</a:t>
-            </a:r>
-            <a:r>
-              <a:rPr lang="zh-CN" altLang="zh-CN" dirty="0">
-                <a:solidFill>
-                  <a:srgbClr val="FF0000"/>
-                </a:solidFill>
-              </a:rPr>
-              <a:t>使用的组件次数越少，运行性能越</a:t>
-            </a:r>
-            <a:r>
-              <a:rPr lang="zh-CN" altLang="zh-CN" dirty="0" smtClean="0">
-                <a:solidFill>
-                  <a:srgbClr val="FF0000"/>
-                </a:solidFill>
-              </a:rPr>
-              <a:t>好</a:t>
-            </a:r>
-            <a:r>
-              <a:rPr lang="zh-CN" altLang="en-US" dirty="0" smtClean="0"/>
-              <a:t>。</a:t>
-            </a:r>
-            <a:endParaRPr lang="en-US" altLang="zh-CN" dirty="0" smtClean="0"/>
-          </a:p>
-          <a:p>
-            <a:r>
-              <a:rPr lang="zh-CN" altLang="zh-CN" dirty="0"/>
-              <a:t>每个分段的尺寸（以顶点数为单位）必须为</a:t>
-            </a:r>
-            <a:r>
-              <a:rPr lang="en-US" altLang="zh-CN" dirty="0"/>
-              <a:t> 2 </a:t>
-            </a:r>
-            <a:r>
-              <a:rPr lang="zh-CN" altLang="zh-CN" dirty="0"/>
-              <a:t>的幂次方（最大为</a:t>
-            </a:r>
-            <a:r>
-              <a:rPr lang="en-US" altLang="zh-CN" dirty="0"/>
-              <a:t> </a:t>
-            </a:r>
-            <a:r>
-              <a:rPr lang="en-US" altLang="zh-CN" dirty="0" err="1"/>
-              <a:t>256x256</a:t>
-            </a:r>
-            <a:r>
-              <a:rPr lang="zh-CN" altLang="zh-CN" dirty="0" smtClean="0"/>
-              <a:t>）</a:t>
-            </a:r>
-            <a:r>
-              <a:rPr lang="zh-CN" altLang="en-US" dirty="0" smtClean="0"/>
-              <a:t>。</a:t>
-            </a:r>
-            <a:endParaRPr lang="en-US" altLang="zh-CN" dirty="0" smtClean="0"/>
-          </a:p>
-          <a:p>
-            <a:r>
-              <a:rPr lang="zh-CN" altLang="zh-CN" dirty="0"/>
-              <a:t>一个组件中四边形的数量为</a:t>
-            </a:r>
-            <a:r>
-              <a:rPr lang="en-US" altLang="zh-CN" dirty="0"/>
-              <a:t> 2 </a:t>
-            </a:r>
-            <a:r>
-              <a:rPr lang="zh-CN" altLang="zh-CN" dirty="0"/>
-              <a:t>的幂次方减</a:t>
-            </a:r>
-            <a:r>
-              <a:rPr lang="en-US" altLang="zh-CN" dirty="0"/>
-              <a:t> 1</a:t>
-            </a:r>
-            <a:r>
-              <a:rPr lang="zh-CN" altLang="zh-CN" dirty="0"/>
-              <a:t>（如每个组件有一个分段）或</a:t>
-            </a:r>
-            <a:r>
-              <a:rPr lang="en-US" altLang="zh-CN" dirty="0"/>
-              <a:t> 2 </a:t>
-            </a:r>
-            <a:r>
-              <a:rPr lang="zh-CN" altLang="zh-CN" dirty="0"/>
-              <a:t>的幂次方减</a:t>
-            </a:r>
-            <a:r>
-              <a:rPr lang="en-US" altLang="zh-CN" dirty="0"/>
-              <a:t> 2</a:t>
-            </a:r>
-            <a:r>
-              <a:rPr lang="zh-CN" altLang="zh-CN" dirty="0"/>
-              <a:t>（如每个组件有四个分段）</a:t>
-            </a:r>
-            <a:r>
-              <a:rPr lang="zh-CN" altLang="zh-CN" dirty="0" smtClean="0"/>
-              <a:t>。</a:t>
-            </a:r>
-            <a:endParaRPr lang="en-US" altLang="zh-CN" dirty="0" smtClean="0"/>
-          </a:p>
-          <a:p>
-            <a:r>
-              <a:rPr lang="zh-CN" altLang="zh-CN" dirty="0"/>
-              <a:t>一个单独组件</a:t>
-            </a:r>
-            <a:r>
-              <a:rPr lang="zh-CN" altLang="zh-CN" dirty="0" smtClean="0"/>
-              <a:t>如</a:t>
-            </a:r>
-            <a:r>
-              <a:rPr lang="zh-CN" altLang="en-US" dirty="0" smtClean="0"/>
-              <a:t>右</a:t>
-            </a:r>
-            <a:r>
-              <a:rPr lang="zh-CN" altLang="zh-CN" dirty="0" smtClean="0"/>
-              <a:t>图</a:t>
-            </a:r>
-            <a:r>
-              <a:rPr lang="zh-CN" altLang="zh-CN" dirty="0"/>
-              <a:t>所示（轮廓为绿色），它包含四个分段。每个分段由</a:t>
-            </a:r>
-            <a:r>
-              <a:rPr lang="en-US" altLang="zh-CN" dirty="0"/>
-              <a:t> 9 </a:t>
-            </a:r>
-            <a:r>
-              <a:rPr lang="zh-CN" altLang="zh-CN" dirty="0"/>
-              <a:t>个（</a:t>
-            </a:r>
-            <a:r>
-              <a:rPr lang="en-US" altLang="zh-CN" dirty="0" err="1"/>
-              <a:t>3x3</a:t>
-            </a:r>
-            <a:r>
-              <a:rPr lang="zh-CN" altLang="zh-CN" dirty="0"/>
-              <a:t>）四边形组成。可再次看到分段相交处复制的顶点</a:t>
-            </a:r>
-            <a:r>
-              <a:rPr lang="zh-CN" altLang="zh-CN" dirty="0" smtClean="0"/>
-              <a:t>。</a:t>
-            </a:r>
-            <a:endParaRPr lang="zh-CN" altLang="zh-CN" dirty="0"/>
+              <a:t>地形系统：组件分段</a:t>
+            </a:r>
           </a:p>
         </p:txBody>
       </p:sp>
       <p:pic>
         <p:nvPicPr>
-          <p:cNvPr id="4" name="图片 3"/>
+          <p:cNvPr id="4" name="内容占位符 3"/>
           <p:cNvPicPr>
-            <a:picLocks noChangeAspect="1"/>
+            <a:picLocks noGrp="1" noChangeAspect="1"/>
           </p:cNvPicPr>
-          <p:nvPr/>
+          <p:nvPr>
+            <p:ph idx="1"/>
+          </p:nvPr>
         </p:nvPicPr>
         <p:blipFill>
           <a:blip r:embed="rId2">
@@ -30944,18 +32150,844 @@
         </p:blipFill>
         <p:spPr>
           <a:xfrm>
-            <a:off x="9398924" y="2747433"/>
-            <a:ext cx="2438400" cy="2438400"/>
+            <a:off x="865533" y="2405394"/>
+            <a:ext cx="2190750" cy="2257425"/>
           </a:xfrm>
           <a:prstGeom prst="rect">
             <a:avLst/>
           </a:prstGeom>
         </p:spPr>
       </p:pic>
+      <p:pic>
+        <p:nvPicPr>
+          <p:cNvPr id="5" name="图片 4"/>
+          <p:cNvPicPr>
+            <a:picLocks noChangeAspect="1"/>
+          </p:cNvPicPr>
+          <p:nvPr/>
+        </p:nvPicPr>
+        <p:blipFill>
+          <a:blip r:embed="rId3">
+            <a:extLst>
+              <a:ext uri="{28A0092B-C50C-407E-A947-70E740481C1C}">
+                <a14:useLocalDpi xmlns:a14="http://schemas.microsoft.com/office/drawing/2010/main" val="0"/>
+              </a:ext>
+            </a:extLst>
+          </a:blip>
+          <a:stretch>
+            <a:fillRect/>
+          </a:stretch>
+        </p:blipFill>
+        <p:spPr>
+          <a:xfrm>
+            <a:off x="3215466" y="2405392"/>
+            <a:ext cx="4248150" cy="2257425"/>
+          </a:xfrm>
+          <a:prstGeom prst="rect">
+            <a:avLst/>
+          </a:prstGeom>
+        </p:spPr>
+      </p:pic>
+      <p:pic>
+        <p:nvPicPr>
+          <p:cNvPr id="6" name="图片 5"/>
+          <p:cNvPicPr>
+            <a:picLocks noChangeAspect="1"/>
+          </p:cNvPicPr>
+          <p:nvPr/>
+        </p:nvPicPr>
+        <p:blipFill>
+          <a:blip r:embed="rId4">
+            <a:extLst>
+              <a:ext uri="{28A0092B-C50C-407E-A947-70E740481C1C}">
+                <a14:useLocalDpi xmlns:a14="http://schemas.microsoft.com/office/drawing/2010/main" val="0"/>
+              </a:ext>
+            </a:extLst>
+          </a:blip>
+          <a:stretch>
+            <a:fillRect/>
+          </a:stretch>
+        </p:blipFill>
+        <p:spPr>
+          <a:xfrm>
+            <a:off x="7622799" y="2405392"/>
+            <a:ext cx="2190750" cy="2257425"/>
+          </a:xfrm>
+          <a:prstGeom prst="rect">
+            <a:avLst/>
+          </a:prstGeom>
+        </p:spPr>
+      </p:pic>
+      <p:sp>
+        <p:nvSpPr>
+          <p:cNvPr id="7" name="内容占位符 2"/>
+          <p:cNvSpPr txBox="1">
+            <a:spLocks/>
+          </p:cNvSpPr>
+          <p:nvPr/>
+        </p:nvSpPr>
+        <p:spPr>
+          <a:xfrm>
+            <a:off x="4005148" y="5040281"/>
+            <a:ext cx="3010794" cy="490452"/>
+          </a:xfrm>
+          <a:prstGeom prst="rect">
+            <a:avLst/>
+          </a:prstGeom>
+        </p:spPr>
+        <p:txBody>
+          <a:bodyPr vert="horz" lIns="91440" tIns="45720" rIns="91440" bIns="45720" rtlCol="0" anchor="ctr">
+            <a:normAutofit/>
+          </a:bodyPr>
+          <a:lstStyle>
+            <a:lvl1pPr marL="285750" indent="-285750" algn="l" defTabSz="457200" rtl="0" eaLnBrk="1" latinLnBrk="0" hangingPunct="1">
+              <a:spcBef>
+                <a:spcPts val="0"/>
+              </a:spcBef>
+              <a:spcAft>
+                <a:spcPts val="1000"/>
+              </a:spcAft>
+              <a:buClr>
+                <a:schemeClr val="tx1"/>
+              </a:buClr>
+              <a:buSzPct val="100000"/>
+              <a:buFont typeface="Arial"/>
+              <a:buChar char="•"/>
+              <a:defRPr sz="1800" kern="1200" cap="none">
+                <a:solidFill>
+                  <a:schemeClr val="tx1"/>
+                </a:solidFill>
+                <a:effectLst/>
+                <a:latin typeface="+mn-lt"/>
+                <a:ea typeface="+mn-ea"/>
+                <a:cs typeface="+mn-cs"/>
+              </a:defRPr>
+            </a:lvl1pPr>
+            <a:lvl2pPr marL="742950" indent="-285750" algn="l" defTabSz="457200" rtl="0" eaLnBrk="1" latinLnBrk="0" hangingPunct="1">
+              <a:spcBef>
+                <a:spcPts val="0"/>
+              </a:spcBef>
+              <a:spcAft>
+                <a:spcPts val="1000"/>
+              </a:spcAft>
+              <a:buClr>
+                <a:schemeClr val="tx1"/>
+              </a:buClr>
+              <a:buSzPct val="100000"/>
+              <a:buFont typeface="Arial"/>
+              <a:buChar char="•"/>
+              <a:defRPr sz="1600" kern="1200" cap="none">
+                <a:solidFill>
+                  <a:schemeClr val="tx1"/>
+                </a:solidFill>
+                <a:effectLst/>
+                <a:latin typeface="+mn-lt"/>
+                <a:ea typeface="+mn-ea"/>
+                <a:cs typeface="+mn-cs"/>
+              </a:defRPr>
+            </a:lvl2pPr>
+            <a:lvl3pPr marL="1200150" indent="-285750" algn="l" defTabSz="457200" rtl="0" eaLnBrk="1" latinLnBrk="0" hangingPunct="1">
+              <a:spcBef>
+                <a:spcPts val="0"/>
+              </a:spcBef>
+              <a:spcAft>
+                <a:spcPts val="1000"/>
+              </a:spcAft>
+              <a:buClr>
+                <a:schemeClr val="tx1"/>
+              </a:buClr>
+              <a:buSzPct val="100000"/>
+              <a:buFont typeface="Arial"/>
+              <a:buChar char="•"/>
+              <a:defRPr sz="1400" kern="1200" cap="none">
+                <a:solidFill>
+                  <a:schemeClr val="tx1"/>
+                </a:solidFill>
+                <a:effectLst/>
+                <a:latin typeface="+mn-lt"/>
+                <a:ea typeface="+mn-ea"/>
+                <a:cs typeface="+mn-cs"/>
+              </a:defRPr>
+            </a:lvl3pPr>
+            <a:lvl4pPr marL="1543050" indent="-171450" algn="l" defTabSz="457200" rtl="0" eaLnBrk="1" latinLnBrk="0" hangingPunct="1">
+              <a:spcBef>
+                <a:spcPts val="0"/>
+              </a:spcBef>
+              <a:spcAft>
+                <a:spcPts val="1000"/>
+              </a:spcAft>
+              <a:buClr>
+                <a:schemeClr val="tx1"/>
+              </a:buClr>
+              <a:buSzPct val="100000"/>
+              <a:buFont typeface="Arial"/>
+              <a:buChar char="•"/>
+              <a:defRPr sz="1200" kern="1200" cap="none">
+                <a:solidFill>
+                  <a:schemeClr val="tx1"/>
+                </a:solidFill>
+                <a:effectLst/>
+                <a:latin typeface="+mn-lt"/>
+                <a:ea typeface="+mn-ea"/>
+                <a:cs typeface="+mn-cs"/>
+              </a:defRPr>
+            </a:lvl4pPr>
+            <a:lvl5pPr marL="2000250" indent="-171450" algn="l" defTabSz="457200" rtl="0" eaLnBrk="1" latinLnBrk="0" hangingPunct="1">
+              <a:spcBef>
+                <a:spcPts val="0"/>
+              </a:spcBef>
+              <a:spcAft>
+                <a:spcPts val="1000"/>
+              </a:spcAft>
+              <a:buClr>
+                <a:schemeClr val="tx1"/>
+              </a:buClr>
+              <a:buSzPct val="100000"/>
+              <a:buFont typeface="Arial"/>
+              <a:buChar char="•"/>
+              <a:defRPr sz="1200" kern="1200" cap="none">
+                <a:solidFill>
+                  <a:schemeClr val="tx1"/>
+                </a:solidFill>
+                <a:effectLst/>
+                <a:latin typeface="+mn-lt"/>
+                <a:ea typeface="+mn-ea"/>
+                <a:cs typeface="+mn-cs"/>
+              </a:defRPr>
+            </a:lvl5pPr>
+            <a:lvl6pPr marL="2514600" indent="-228600" algn="l" defTabSz="457200" rtl="0" eaLnBrk="1" latinLnBrk="0" hangingPunct="1">
+              <a:spcBef>
+                <a:spcPts val="0"/>
+              </a:spcBef>
+              <a:spcAft>
+                <a:spcPts val="1000"/>
+              </a:spcAft>
+              <a:buClr>
+                <a:schemeClr val="tx1"/>
+              </a:buClr>
+              <a:buSzPct val="100000"/>
+              <a:buFont typeface="Arial"/>
+              <a:buChar char="•"/>
+              <a:defRPr sz="1200" kern="1200" cap="none">
+                <a:solidFill>
+                  <a:schemeClr val="tx1"/>
+                </a:solidFill>
+                <a:effectLst/>
+                <a:latin typeface="+mn-lt"/>
+                <a:ea typeface="+mn-ea"/>
+                <a:cs typeface="+mn-cs"/>
+              </a:defRPr>
+            </a:lvl6pPr>
+            <a:lvl7pPr marL="2971800" indent="-228600" algn="l" defTabSz="457200" rtl="0" eaLnBrk="1" latinLnBrk="0" hangingPunct="1">
+              <a:spcBef>
+                <a:spcPts val="0"/>
+              </a:spcBef>
+              <a:spcAft>
+                <a:spcPts val="1000"/>
+              </a:spcAft>
+              <a:buClr>
+                <a:schemeClr val="tx1"/>
+              </a:buClr>
+              <a:buSzPct val="100000"/>
+              <a:buFont typeface="Arial"/>
+              <a:buChar char="•"/>
+              <a:defRPr sz="1200" kern="1200" cap="none">
+                <a:solidFill>
+                  <a:schemeClr val="tx1"/>
+                </a:solidFill>
+                <a:effectLst/>
+                <a:latin typeface="+mn-lt"/>
+                <a:ea typeface="+mn-ea"/>
+                <a:cs typeface="+mn-cs"/>
+              </a:defRPr>
+            </a:lvl7pPr>
+            <a:lvl8pPr marL="3429000" indent="-228600" algn="l" defTabSz="457200" rtl="0" eaLnBrk="1" latinLnBrk="0" hangingPunct="1">
+              <a:spcBef>
+                <a:spcPts val="0"/>
+              </a:spcBef>
+              <a:spcAft>
+                <a:spcPts val="1000"/>
+              </a:spcAft>
+              <a:buClr>
+                <a:schemeClr val="tx1"/>
+              </a:buClr>
+              <a:buSzPct val="100000"/>
+              <a:buFont typeface="Arial"/>
+              <a:buChar char="•"/>
+              <a:defRPr sz="1200" kern="1200" cap="none">
+                <a:solidFill>
+                  <a:schemeClr val="tx1"/>
+                </a:solidFill>
+                <a:effectLst/>
+                <a:latin typeface="+mn-lt"/>
+                <a:ea typeface="+mn-ea"/>
+                <a:cs typeface="+mn-cs"/>
+              </a:defRPr>
+            </a:lvl8pPr>
+            <a:lvl9pPr marL="3886200" indent="-228600" algn="l" defTabSz="457200" rtl="0" eaLnBrk="1" latinLnBrk="0" hangingPunct="1">
+              <a:spcBef>
+                <a:spcPts val="0"/>
+              </a:spcBef>
+              <a:spcAft>
+                <a:spcPts val="1000"/>
+              </a:spcAft>
+              <a:buClr>
+                <a:schemeClr val="tx1"/>
+              </a:buClr>
+              <a:buSzPct val="100000"/>
+              <a:buFont typeface="Arial"/>
+              <a:buChar char="•"/>
+              <a:defRPr sz="1200" kern="1200" cap="none">
+                <a:solidFill>
+                  <a:schemeClr val="tx1"/>
+                </a:solidFill>
+                <a:effectLst/>
+                <a:latin typeface="+mn-lt"/>
+                <a:ea typeface="+mn-ea"/>
+                <a:cs typeface="+mn-cs"/>
+              </a:defRPr>
+            </a:lvl9pPr>
+          </a:lstStyle>
+          <a:p>
+            <a:pPr marL="0" indent="0" algn="ctr">
+              <a:buNone/>
+            </a:pPr>
+            <a:r>
+              <a:rPr lang="zh-CN" altLang="en-US" dirty="0"/>
+              <a:t>从 </a:t>
+            </a:r>
+            <a:r>
+              <a:rPr lang="en-US" altLang="zh-CN" dirty="0" err="1"/>
+              <a:t>LOD</a:t>
+            </a:r>
+            <a:r>
+              <a:rPr lang="en-US" altLang="zh-CN" dirty="0"/>
+              <a:t> 1 </a:t>
+            </a:r>
+            <a:r>
+              <a:rPr lang="zh-CN" altLang="en-US" dirty="0"/>
+              <a:t>变形到 </a:t>
+            </a:r>
+            <a:r>
+              <a:rPr lang="en-US" altLang="zh-CN" dirty="0" err="1"/>
+              <a:t>LOD</a:t>
+            </a:r>
+            <a:r>
+              <a:rPr lang="en-US" altLang="zh-CN" dirty="0"/>
+              <a:t> 2</a:t>
+            </a:r>
+            <a:endParaRPr lang="zh-CN" altLang="zh-CN" dirty="0"/>
+          </a:p>
+        </p:txBody>
+      </p:sp>
+      <p:sp>
+        <p:nvSpPr>
+          <p:cNvPr id="8" name="内容占位符 2"/>
+          <p:cNvSpPr txBox="1">
+            <a:spLocks/>
+          </p:cNvSpPr>
+          <p:nvPr/>
+        </p:nvSpPr>
+        <p:spPr>
+          <a:xfrm>
+            <a:off x="1480849" y="5040281"/>
+            <a:ext cx="1264918" cy="490452"/>
+          </a:xfrm>
+          <a:prstGeom prst="rect">
+            <a:avLst/>
+          </a:prstGeom>
+        </p:spPr>
+        <p:txBody>
+          <a:bodyPr vert="horz" lIns="91440" tIns="45720" rIns="91440" bIns="45720" rtlCol="0" anchor="ctr">
+            <a:normAutofit/>
+          </a:bodyPr>
+          <a:lstStyle>
+            <a:lvl1pPr marL="285750" indent="-285750" algn="l" defTabSz="457200" rtl="0" eaLnBrk="1" latinLnBrk="0" hangingPunct="1">
+              <a:spcBef>
+                <a:spcPts val="0"/>
+              </a:spcBef>
+              <a:spcAft>
+                <a:spcPts val="1000"/>
+              </a:spcAft>
+              <a:buClr>
+                <a:schemeClr val="tx1"/>
+              </a:buClr>
+              <a:buSzPct val="100000"/>
+              <a:buFont typeface="Arial"/>
+              <a:buChar char="•"/>
+              <a:defRPr sz="1800" kern="1200" cap="none">
+                <a:solidFill>
+                  <a:schemeClr val="tx1"/>
+                </a:solidFill>
+                <a:effectLst/>
+                <a:latin typeface="+mn-lt"/>
+                <a:ea typeface="+mn-ea"/>
+                <a:cs typeface="+mn-cs"/>
+              </a:defRPr>
+            </a:lvl1pPr>
+            <a:lvl2pPr marL="742950" indent="-285750" algn="l" defTabSz="457200" rtl="0" eaLnBrk="1" latinLnBrk="0" hangingPunct="1">
+              <a:spcBef>
+                <a:spcPts val="0"/>
+              </a:spcBef>
+              <a:spcAft>
+                <a:spcPts val="1000"/>
+              </a:spcAft>
+              <a:buClr>
+                <a:schemeClr val="tx1"/>
+              </a:buClr>
+              <a:buSzPct val="100000"/>
+              <a:buFont typeface="Arial"/>
+              <a:buChar char="•"/>
+              <a:defRPr sz="1600" kern="1200" cap="none">
+                <a:solidFill>
+                  <a:schemeClr val="tx1"/>
+                </a:solidFill>
+                <a:effectLst/>
+                <a:latin typeface="+mn-lt"/>
+                <a:ea typeface="+mn-ea"/>
+                <a:cs typeface="+mn-cs"/>
+              </a:defRPr>
+            </a:lvl2pPr>
+            <a:lvl3pPr marL="1200150" indent="-285750" algn="l" defTabSz="457200" rtl="0" eaLnBrk="1" latinLnBrk="0" hangingPunct="1">
+              <a:spcBef>
+                <a:spcPts val="0"/>
+              </a:spcBef>
+              <a:spcAft>
+                <a:spcPts val="1000"/>
+              </a:spcAft>
+              <a:buClr>
+                <a:schemeClr val="tx1"/>
+              </a:buClr>
+              <a:buSzPct val="100000"/>
+              <a:buFont typeface="Arial"/>
+              <a:buChar char="•"/>
+              <a:defRPr sz="1400" kern="1200" cap="none">
+                <a:solidFill>
+                  <a:schemeClr val="tx1"/>
+                </a:solidFill>
+                <a:effectLst/>
+                <a:latin typeface="+mn-lt"/>
+                <a:ea typeface="+mn-ea"/>
+                <a:cs typeface="+mn-cs"/>
+              </a:defRPr>
+            </a:lvl3pPr>
+            <a:lvl4pPr marL="1543050" indent="-171450" algn="l" defTabSz="457200" rtl="0" eaLnBrk="1" latinLnBrk="0" hangingPunct="1">
+              <a:spcBef>
+                <a:spcPts val="0"/>
+              </a:spcBef>
+              <a:spcAft>
+                <a:spcPts val="1000"/>
+              </a:spcAft>
+              <a:buClr>
+                <a:schemeClr val="tx1"/>
+              </a:buClr>
+              <a:buSzPct val="100000"/>
+              <a:buFont typeface="Arial"/>
+              <a:buChar char="•"/>
+              <a:defRPr sz="1200" kern="1200" cap="none">
+                <a:solidFill>
+                  <a:schemeClr val="tx1"/>
+                </a:solidFill>
+                <a:effectLst/>
+                <a:latin typeface="+mn-lt"/>
+                <a:ea typeface="+mn-ea"/>
+                <a:cs typeface="+mn-cs"/>
+              </a:defRPr>
+            </a:lvl4pPr>
+            <a:lvl5pPr marL="2000250" indent="-171450" algn="l" defTabSz="457200" rtl="0" eaLnBrk="1" latinLnBrk="0" hangingPunct="1">
+              <a:spcBef>
+                <a:spcPts val="0"/>
+              </a:spcBef>
+              <a:spcAft>
+                <a:spcPts val="1000"/>
+              </a:spcAft>
+              <a:buClr>
+                <a:schemeClr val="tx1"/>
+              </a:buClr>
+              <a:buSzPct val="100000"/>
+              <a:buFont typeface="Arial"/>
+              <a:buChar char="•"/>
+              <a:defRPr sz="1200" kern="1200" cap="none">
+                <a:solidFill>
+                  <a:schemeClr val="tx1"/>
+                </a:solidFill>
+                <a:effectLst/>
+                <a:latin typeface="+mn-lt"/>
+                <a:ea typeface="+mn-ea"/>
+                <a:cs typeface="+mn-cs"/>
+              </a:defRPr>
+            </a:lvl5pPr>
+            <a:lvl6pPr marL="2514600" indent="-228600" algn="l" defTabSz="457200" rtl="0" eaLnBrk="1" latinLnBrk="0" hangingPunct="1">
+              <a:spcBef>
+                <a:spcPts val="0"/>
+              </a:spcBef>
+              <a:spcAft>
+                <a:spcPts val="1000"/>
+              </a:spcAft>
+              <a:buClr>
+                <a:schemeClr val="tx1"/>
+              </a:buClr>
+              <a:buSzPct val="100000"/>
+              <a:buFont typeface="Arial"/>
+              <a:buChar char="•"/>
+              <a:defRPr sz="1200" kern="1200" cap="none">
+                <a:solidFill>
+                  <a:schemeClr val="tx1"/>
+                </a:solidFill>
+                <a:effectLst/>
+                <a:latin typeface="+mn-lt"/>
+                <a:ea typeface="+mn-ea"/>
+                <a:cs typeface="+mn-cs"/>
+              </a:defRPr>
+            </a:lvl6pPr>
+            <a:lvl7pPr marL="2971800" indent="-228600" algn="l" defTabSz="457200" rtl="0" eaLnBrk="1" latinLnBrk="0" hangingPunct="1">
+              <a:spcBef>
+                <a:spcPts val="0"/>
+              </a:spcBef>
+              <a:spcAft>
+                <a:spcPts val="1000"/>
+              </a:spcAft>
+              <a:buClr>
+                <a:schemeClr val="tx1"/>
+              </a:buClr>
+              <a:buSzPct val="100000"/>
+              <a:buFont typeface="Arial"/>
+              <a:buChar char="•"/>
+              <a:defRPr sz="1200" kern="1200" cap="none">
+                <a:solidFill>
+                  <a:schemeClr val="tx1"/>
+                </a:solidFill>
+                <a:effectLst/>
+                <a:latin typeface="+mn-lt"/>
+                <a:ea typeface="+mn-ea"/>
+                <a:cs typeface="+mn-cs"/>
+              </a:defRPr>
+            </a:lvl7pPr>
+            <a:lvl8pPr marL="3429000" indent="-228600" algn="l" defTabSz="457200" rtl="0" eaLnBrk="1" latinLnBrk="0" hangingPunct="1">
+              <a:spcBef>
+                <a:spcPts val="0"/>
+              </a:spcBef>
+              <a:spcAft>
+                <a:spcPts val="1000"/>
+              </a:spcAft>
+              <a:buClr>
+                <a:schemeClr val="tx1"/>
+              </a:buClr>
+              <a:buSzPct val="100000"/>
+              <a:buFont typeface="Arial"/>
+              <a:buChar char="•"/>
+              <a:defRPr sz="1200" kern="1200" cap="none">
+                <a:solidFill>
+                  <a:schemeClr val="tx1"/>
+                </a:solidFill>
+                <a:effectLst/>
+                <a:latin typeface="+mn-lt"/>
+                <a:ea typeface="+mn-ea"/>
+                <a:cs typeface="+mn-cs"/>
+              </a:defRPr>
+            </a:lvl8pPr>
+            <a:lvl9pPr marL="3886200" indent="-228600" algn="l" defTabSz="457200" rtl="0" eaLnBrk="1" latinLnBrk="0" hangingPunct="1">
+              <a:spcBef>
+                <a:spcPts val="0"/>
+              </a:spcBef>
+              <a:spcAft>
+                <a:spcPts val="1000"/>
+              </a:spcAft>
+              <a:buClr>
+                <a:schemeClr val="tx1"/>
+              </a:buClr>
+              <a:buSzPct val="100000"/>
+              <a:buFont typeface="Arial"/>
+              <a:buChar char="•"/>
+              <a:defRPr sz="1200" kern="1200" cap="none">
+                <a:solidFill>
+                  <a:schemeClr val="tx1"/>
+                </a:solidFill>
+                <a:effectLst/>
+                <a:latin typeface="+mn-lt"/>
+                <a:ea typeface="+mn-ea"/>
+                <a:cs typeface="+mn-cs"/>
+              </a:defRPr>
+            </a:lvl9pPr>
+          </a:lstStyle>
+          <a:p>
+            <a:pPr marL="0" indent="0" algn="ctr">
+              <a:buNone/>
+            </a:pPr>
+            <a:r>
+              <a:rPr lang="zh-CN" altLang="en-US" dirty="0"/>
+              <a:t>完整 </a:t>
+            </a:r>
+            <a:r>
+              <a:rPr lang="en-US" altLang="zh-CN" dirty="0" err="1"/>
+              <a:t>LOD</a:t>
+            </a:r>
+            <a:r>
+              <a:rPr lang="en-US" altLang="zh-CN" dirty="0"/>
+              <a:t> 1</a:t>
+            </a:r>
+            <a:endParaRPr lang="zh-CN" altLang="zh-CN" dirty="0"/>
+          </a:p>
+        </p:txBody>
+      </p:sp>
+      <p:sp>
+        <p:nvSpPr>
+          <p:cNvPr id="9" name="内容占位符 2"/>
+          <p:cNvSpPr txBox="1">
+            <a:spLocks/>
+          </p:cNvSpPr>
+          <p:nvPr/>
+        </p:nvSpPr>
+        <p:spPr>
+          <a:xfrm>
+            <a:off x="8687002" y="5040281"/>
+            <a:ext cx="1264918" cy="490452"/>
+          </a:xfrm>
+          <a:prstGeom prst="rect">
+            <a:avLst/>
+          </a:prstGeom>
+        </p:spPr>
+        <p:txBody>
+          <a:bodyPr vert="horz" lIns="91440" tIns="45720" rIns="91440" bIns="45720" rtlCol="0" anchor="ctr">
+            <a:normAutofit/>
+          </a:bodyPr>
+          <a:lstStyle>
+            <a:lvl1pPr marL="285750" indent="-285750" algn="l" defTabSz="457200" rtl="0" eaLnBrk="1" latinLnBrk="0" hangingPunct="1">
+              <a:spcBef>
+                <a:spcPts val="0"/>
+              </a:spcBef>
+              <a:spcAft>
+                <a:spcPts val="1000"/>
+              </a:spcAft>
+              <a:buClr>
+                <a:schemeClr val="tx1"/>
+              </a:buClr>
+              <a:buSzPct val="100000"/>
+              <a:buFont typeface="Arial"/>
+              <a:buChar char="•"/>
+              <a:defRPr sz="1800" kern="1200" cap="none">
+                <a:solidFill>
+                  <a:schemeClr val="tx1"/>
+                </a:solidFill>
+                <a:effectLst/>
+                <a:latin typeface="+mn-lt"/>
+                <a:ea typeface="+mn-ea"/>
+                <a:cs typeface="+mn-cs"/>
+              </a:defRPr>
+            </a:lvl1pPr>
+            <a:lvl2pPr marL="742950" indent="-285750" algn="l" defTabSz="457200" rtl="0" eaLnBrk="1" latinLnBrk="0" hangingPunct="1">
+              <a:spcBef>
+                <a:spcPts val="0"/>
+              </a:spcBef>
+              <a:spcAft>
+                <a:spcPts val="1000"/>
+              </a:spcAft>
+              <a:buClr>
+                <a:schemeClr val="tx1"/>
+              </a:buClr>
+              <a:buSzPct val="100000"/>
+              <a:buFont typeface="Arial"/>
+              <a:buChar char="•"/>
+              <a:defRPr sz="1600" kern="1200" cap="none">
+                <a:solidFill>
+                  <a:schemeClr val="tx1"/>
+                </a:solidFill>
+                <a:effectLst/>
+                <a:latin typeface="+mn-lt"/>
+                <a:ea typeface="+mn-ea"/>
+                <a:cs typeface="+mn-cs"/>
+              </a:defRPr>
+            </a:lvl2pPr>
+            <a:lvl3pPr marL="1200150" indent="-285750" algn="l" defTabSz="457200" rtl="0" eaLnBrk="1" latinLnBrk="0" hangingPunct="1">
+              <a:spcBef>
+                <a:spcPts val="0"/>
+              </a:spcBef>
+              <a:spcAft>
+                <a:spcPts val="1000"/>
+              </a:spcAft>
+              <a:buClr>
+                <a:schemeClr val="tx1"/>
+              </a:buClr>
+              <a:buSzPct val="100000"/>
+              <a:buFont typeface="Arial"/>
+              <a:buChar char="•"/>
+              <a:defRPr sz="1400" kern="1200" cap="none">
+                <a:solidFill>
+                  <a:schemeClr val="tx1"/>
+                </a:solidFill>
+                <a:effectLst/>
+                <a:latin typeface="+mn-lt"/>
+                <a:ea typeface="+mn-ea"/>
+                <a:cs typeface="+mn-cs"/>
+              </a:defRPr>
+            </a:lvl3pPr>
+            <a:lvl4pPr marL="1543050" indent="-171450" algn="l" defTabSz="457200" rtl="0" eaLnBrk="1" latinLnBrk="0" hangingPunct="1">
+              <a:spcBef>
+                <a:spcPts val="0"/>
+              </a:spcBef>
+              <a:spcAft>
+                <a:spcPts val="1000"/>
+              </a:spcAft>
+              <a:buClr>
+                <a:schemeClr val="tx1"/>
+              </a:buClr>
+              <a:buSzPct val="100000"/>
+              <a:buFont typeface="Arial"/>
+              <a:buChar char="•"/>
+              <a:defRPr sz="1200" kern="1200" cap="none">
+                <a:solidFill>
+                  <a:schemeClr val="tx1"/>
+                </a:solidFill>
+                <a:effectLst/>
+                <a:latin typeface="+mn-lt"/>
+                <a:ea typeface="+mn-ea"/>
+                <a:cs typeface="+mn-cs"/>
+              </a:defRPr>
+            </a:lvl4pPr>
+            <a:lvl5pPr marL="2000250" indent="-171450" algn="l" defTabSz="457200" rtl="0" eaLnBrk="1" latinLnBrk="0" hangingPunct="1">
+              <a:spcBef>
+                <a:spcPts val="0"/>
+              </a:spcBef>
+              <a:spcAft>
+                <a:spcPts val="1000"/>
+              </a:spcAft>
+              <a:buClr>
+                <a:schemeClr val="tx1"/>
+              </a:buClr>
+              <a:buSzPct val="100000"/>
+              <a:buFont typeface="Arial"/>
+              <a:buChar char="•"/>
+              <a:defRPr sz="1200" kern="1200" cap="none">
+                <a:solidFill>
+                  <a:schemeClr val="tx1"/>
+                </a:solidFill>
+                <a:effectLst/>
+                <a:latin typeface="+mn-lt"/>
+                <a:ea typeface="+mn-ea"/>
+                <a:cs typeface="+mn-cs"/>
+              </a:defRPr>
+            </a:lvl5pPr>
+            <a:lvl6pPr marL="2514600" indent="-228600" algn="l" defTabSz="457200" rtl="0" eaLnBrk="1" latinLnBrk="0" hangingPunct="1">
+              <a:spcBef>
+                <a:spcPts val="0"/>
+              </a:spcBef>
+              <a:spcAft>
+                <a:spcPts val="1000"/>
+              </a:spcAft>
+              <a:buClr>
+                <a:schemeClr val="tx1"/>
+              </a:buClr>
+              <a:buSzPct val="100000"/>
+              <a:buFont typeface="Arial"/>
+              <a:buChar char="•"/>
+              <a:defRPr sz="1200" kern="1200" cap="none">
+                <a:solidFill>
+                  <a:schemeClr val="tx1"/>
+                </a:solidFill>
+                <a:effectLst/>
+                <a:latin typeface="+mn-lt"/>
+                <a:ea typeface="+mn-ea"/>
+                <a:cs typeface="+mn-cs"/>
+              </a:defRPr>
+            </a:lvl6pPr>
+            <a:lvl7pPr marL="2971800" indent="-228600" algn="l" defTabSz="457200" rtl="0" eaLnBrk="1" latinLnBrk="0" hangingPunct="1">
+              <a:spcBef>
+                <a:spcPts val="0"/>
+              </a:spcBef>
+              <a:spcAft>
+                <a:spcPts val="1000"/>
+              </a:spcAft>
+              <a:buClr>
+                <a:schemeClr val="tx1"/>
+              </a:buClr>
+              <a:buSzPct val="100000"/>
+              <a:buFont typeface="Arial"/>
+              <a:buChar char="•"/>
+              <a:defRPr sz="1200" kern="1200" cap="none">
+                <a:solidFill>
+                  <a:schemeClr val="tx1"/>
+                </a:solidFill>
+                <a:effectLst/>
+                <a:latin typeface="+mn-lt"/>
+                <a:ea typeface="+mn-ea"/>
+                <a:cs typeface="+mn-cs"/>
+              </a:defRPr>
+            </a:lvl7pPr>
+            <a:lvl8pPr marL="3429000" indent="-228600" algn="l" defTabSz="457200" rtl="0" eaLnBrk="1" latinLnBrk="0" hangingPunct="1">
+              <a:spcBef>
+                <a:spcPts val="0"/>
+              </a:spcBef>
+              <a:spcAft>
+                <a:spcPts val="1000"/>
+              </a:spcAft>
+              <a:buClr>
+                <a:schemeClr val="tx1"/>
+              </a:buClr>
+              <a:buSzPct val="100000"/>
+              <a:buFont typeface="Arial"/>
+              <a:buChar char="•"/>
+              <a:defRPr sz="1200" kern="1200" cap="none">
+                <a:solidFill>
+                  <a:schemeClr val="tx1"/>
+                </a:solidFill>
+                <a:effectLst/>
+                <a:latin typeface="+mn-lt"/>
+                <a:ea typeface="+mn-ea"/>
+                <a:cs typeface="+mn-cs"/>
+              </a:defRPr>
+            </a:lvl8pPr>
+            <a:lvl9pPr marL="3886200" indent="-228600" algn="l" defTabSz="457200" rtl="0" eaLnBrk="1" latinLnBrk="0" hangingPunct="1">
+              <a:spcBef>
+                <a:spcPts val="0"/>
+              </a:spcBef>
+              <a:spcAft>
+                <a:spcPts val="1000"/>
+              </a:spcAft>
+              <a:buClr>
+                <a:schemeClr val="tx1"/>
+              </a:buClr>
+              <a:buSzPct val="100000"/>
+              <a:buFont typeface="Arial"/>
+              <a:buChar char="•"/>
+              <a:defRPr sz="1200" kern="1200" cap="none">
+                <a:solidFill>
+                  <a:schemeClr val="tx1"/>
+                </a:solidFill>
+                <a:effectLst/>
+                <a:latin typeface="+mn-lt"/>
+                <a:ea typeface="+mn-ea"/>
+                <a:cs typeface="+mn-cs"/>
+              </a:defRPr>
+            </a:lvl9pPr>
+          </a:lstStyle>
+          <a:p>
+            <a:pPr marL="0" indent="0" algn="ctr">
+              <a:buNone/>
+            </a:pPr>
+            <a:r>
+              <a:rPr lang="zh-CN" altLang="en-US" dirty="0"/>
+              <a:t>完整 </a:t>
+            </a:r>
+            <a:r>
+              <a:rPr lang="en-US" altLang="zh-CN" dirty="0" err="1"/>
+              <a:t>LOD</a:t>
+            </a:r>
+            <a:r>
+              <a:rPr lang="en-US" altLang="zh-CN" dirty="0"/>
+              <a:t> </a:t>
+            </a:r>
+            <a:r>
+              <a:rPr lang="en-US" altLang="zh-CN" dirty="0" smtClean="0"/>
+              <a:t>2</a:t>
+            </a:r>
+            <a:endParaRPr lang="zh-CN" altLang="zh-CN" dirty="0"/>
+          </a:p>
+        </p:txBody>
+      </p:sp>
     </p:spTree>
     <p:extLst>
       <p:ext uri="{BB962C8B-B14F-4D97-AF65-F5344CB8AC3E}">
-        <p14:creationId xmlns:p14="http://schemas.microsoft.com/office/powerpoint/2010/main" val="2576521482"/>
+        <p14:creationId xmlns:p14="http://schemas.microsoft.com/office/powerpoint/2010/main" val="2591616953"/>
       </p:ext>
     </p:extLst>
   </p:cSld>
@@ -31005,20 +33037,32 @@
           <a:lstStyle/>
           <a:p>
             <a:r>
+              <a:rPr lang="zh-CN" altLang="en-US" dirty="0" smtClean="0"/>
+              <a:t>地形系统</a:t>
+            </a:r>
+            <a:r>
               <a:rPr lang="zh-CN" altLang="en-US" dirty="0"/>
-              <a:t>地形系统：</a:t>
+              <a:t>：</a:t>
             </a:r>
             <a:r>
               <a:rPr lang="zh-CN" altLang="zh-CN" dirty="0" smtClean="0"/>
-              <a:t>组件</a:t>
+              <a:t>比</a:t>
+            </a:r>
+            <a:r>
+              <a:rPr lang="en-US" altLang="zh-CN" dirty="0"/>
+              <a:t>Static Meshes</a:t>
+            </a:r>
+            <a:r>
+              <a:rPr lang="zh-CN" altLang="zh-CN" dirty="0" smtClean="0"/>
+              <a:t>更</a:t>
             </a:r>
             <a:r>
               <a:rPr lang="zh-CN" altLang="zh-CN" dirty="0"/>
-              <a:t>尺寸和组件总数量的合理</a:t>
+              <a:t>适合创建巨大</a:t>
             </a:r>
             <a:r>
               <a:rPr lang="zh-CN" altLang="zh-CN" dirty="0" smtClean="0"/>
-              <a:t>搭配</a:t>
+              <a:t>地形</a:t>
             </a:r>
             <a:endParaRPr lang="zh-CN" altLang="en-US" dirty="0"/>
           </a:p>
@@ -31036,81 +33080,308 @@
         </p:nvSpPr>
         <p:spPr>
           <a:xfrm>
-            <a:off x="685801" y="2142068"/>
-            <a:ext cx="10378439" cy="1166398"/>
+            <a:off x="685801" y="2142067"/>
+            <a:ext cx="6172199" cy="3649133"/>
           </a:xfrm>
         </p:spPr>
         <p:txBody>
           <a:bodyPr>
-            <a:normAutofit lnSpcReduction="10000"/>
+            <a:normAutofit/>
           </a:bodyPr>
           <a:lstStyle/>
           <a:p>
             <a:r>
+              <a:rPr lang="en-US" altLang="zh-CN" dirty="0" smtClean="0"/>
+              <a:t>Landscape</a:t>
+            </a:r>
+            <a:r>
+              <a:rPr lang="en-US" altLang="zh-CN" dirty="0"/>
+              <a:t> </a:t>
+            </a:r>
+            <a:r>
+              <a:rPr lang="zh-CN" altLang="zh-CN" dirty="0" smtClean="0"/>
+              <a:t>的</a:t>
+            </a:r>
+            <a:r>
               <a:rPr lang="zh-CN" altLang="zh-CN" dirty="0"/>
-              <a:t>组件尺寸越小，</a:t>
-            </a:r>
-            <a:r>
-              <a:rPr lang="en-US" altLang="zh-CN" dirty="0" err="1"/>
-              <a:t>LOD</a:t>
+              <a:t>顶点数据为每个顶点</a:t>
             </a:r>
             <a:r>
               <a:rPr lang="en-US" altLang="zh-CN" dirty="0"/>
-              <a:t> </a:t>
-            </a:r>
-            <a:r>
-              <a:rPr lang="zh-CN" altLang="zh-CN" dirty="0"/>
-              <a:t>的过渡越快，并对更多地形构成遮挡，但需要的组件</a:t>
+              <a:t> 4 </a:t>
             </a:r>
             <a:r>
               <a:rPr lang="zh-CN" altLang="zh-CN" dirty="0" smtClean="0"/>
-              <a:t>数量</a:t>
-            </a:r>
-            <a:r>
-              <a:rPr lang="zh-CN" altLang="en-US" dirty="0"/>
-              <a:t>较</a:t>
-            </a:r>
-            <a:r>
-              <a:rPr lang="zh-CN" altLang="zh-CN" dirty="0" smtClean="0"/>
-              <a:t>多。</a:t>
+              <a:t>字节</a:t>
+            </a:r>
+            <a:r>
+              <a:rPr lang="zh-CN" altLang="en-US" dirty="0" smtClean="0"/>
+              <a:t>。</a:t>
             </a:r>
             <a:endParaRPr lang="en-US" altLang="zh-CN" dirty="0" smtClean="0"/>
           </a:p>
           <a:p>
             <a:r>
+              <a:rPr lang="en-US" altLang="zh-CN" dirty="0"/>
+              <a:t>Static Meshes</a:t>
+            </a:r>
+            <a:r>
+              <a:rPr lang="zh-CN" altLang="zh-CN" dirty="0" smtClean="0"/>
+              <a:t>以</a:t>
+            </a:r>
+            <a:r>
+              <a:rPr lang="en-US" altLang="zh-CN" dirty="0" smtClean="0"/>
+              <a:t> </a:t>
+            </a:r>
+            <a:r>
+              <a:rPr lang="en-US" altLang="zh-CN" dirty="0"/>
+              <a:t>12 </a:t>
+            </a:r>
+            <a:r>
               <a:rPr lang="zh-CN" altLang="zh-CN" dirty="0"/>
-              <a:t>每个组件均有渲染线程</a:t>
+              <a:t>字节矢量储存</a:t>
+            </a:r>
+            <a:r>
+              <a:rPr lang="zh-CN" altLang="zh-CN" dirty="0" smtClean="0"/>
+              <a:t>位置</a:t>
+            </a:r>
+            <a:r>
+              <a:rPr lang="zh-CN" altLang="en-US" dirty="0" smtClean="0"/>
+              <a:t>数据（</a:t>
+            </a:r>
+            <a:r>
+              <a:rPr lang="en-US" altLang="zh-CN" dirty="0" smtClean="0"/>
+              <a:t>XYZ</a:t>
+            </a:r>
+            <a:r>
+              <a:rPr lang="zh-CN" altLang="en-US" dirty="0" smtClean="0"/>
+              <a:t>），</a:t>
+            </a:r>
+            <a:r>
+              <a:rPr lang="en-US" altLang="zh-CN" dirty="0" smtClean="0"/>
+              <a:t> </a:t>
+            </a:r>
+            <a:r>
+              <a:rPr lang="zh-CN" altLang="en-US" dirty="0" smtClean="0"/>
+              <a:t>法线和切线</a:t>
+            </a:r>
+            <a:r>
+              <a:rPr lang="zh-CN" altLang="zh-CN" dirty="0" smtClean="0"/>
+              <a:t>矢量</a:t>
+            </a:r>
+            <a:r>
+              <a:rPr lang="zh-CN" altLang="zh-CN" dirty="0" smtClean="0"/>
+              <a:t>每个</a:t>
+            </a:r>
+            <a:r>
+              <a:rPr lang="zh-CN" altLang="en-US" dirty="0" smtClean="0"/>
+              <a:t>打包</a:t>
+            </a:r>
+            <a:r>
+              <a:rPr lang="zh-CN" altLang="zh-CN" dirty="0" smtClean="0"/>
+              <a:t>装入</a:t>
+            </a:r>
+            <a:r>
+              <a:rPr lang="en-US" altLang="zh-CN" dirty="0" smtClean="0"/>
+              <a:t> </a:t>
             </a:r>
             <a:r>
               <a:rPr lang="en-US" altLang="zh-CN" dirty="0"/>
-              <a:t> CPU </a:t>
+              <a:t>4 </a:t>
             </a:r>
             <a:r>
               <a:rPr lang="zh-CN" altLang="zh-CN" dirty="0"/>
-              <a:t>处理消耗，每个分段均为绘制调用，因此需要将它们的数量控制到最低</a:t>
+              <a:t>字节</a:t>
             </a:r>
             <a:r>
               <a:rPr lang="zh-CN" altLang="zh-CN" dirty="0" smtClean="0"/>
+              <a:t>，</a:t>
+            </a:r>
+            <a:r>
+              <a:rPr lang="zh-CN" altLang="zh-CN" dirty="0" smtClean="0"/>
+              <a:t>每个</a:t>
+            </a:r>
+            <a:r>
+              <a:rPr lang="zh-CN" altLang="zh-CN" dirty="0"/>
+              <a:t>顶点</a:t>
+            </a:r>
+            <a:r>
+              <a:rPr lang="en-US" altLang="zh-CN" dirty="0" smtClean="0"/>
+              <a:t>16 </a:t>
+            </a:r>
+            <a:r>
+              <a:rPr lang="zh-CN" altLang="zh-CN" dirty="0" smtClean="0"/>
+              <a:t>位</a:t>
+            </a:r>
+            <a:r>
+              <a:rPr lang="zh-CN" altLang="en-US" dirty="0" smtClean="0"/>
+              <a:t>（</a:t>
+            </a:r>
+            <a:r>
+              <a:rPr lang="zh-CN" altLang="en-US" dirty="0"/>
+              <a:t>半精度</a:t>
+            </a:r>
+            <a:r>
+              <a:rPr lang="zh-CN" altLang="en-US" dirty="0" smtClean="0"/>
+              <a:t>）</a:t>
+            </a:r>
+            <a:r>
+              <a:rPr lang="zh-CN" altLang="zh-CN" dirty="0" smtClean="0"/>
+              <a:t>或</a:t>
+            </a:r>
+            <a:r>
+              <a:rPr lang="en-US" altLang="zh-CN" dirty="0" smtClean="0"/>
+              <a:t> </a:t>
+            </a:r>
+            <a:r>
+              <a:rPr lang="en-US" altLang="zh-CN" dirty="0"/>
+              <a:t>32 </a:t>
+            </a:r>
+            <a:r>
+              <a:rPr lang="zh-CN" altLang="zh-CN" dirty="0" smtClean="0"/>
+              <a:t>位</a:t>
+            </a:r>
+            <a:r>
+              <a:rPr lang="zh-CN" altLang="en-US" dirty="0" smtClean="0"/>
+              <a:t>（</a:t>
+            </a:r>
+            <a:r>
+              <a:rPr lang="zh-CN" altLang="en-US" dirty="0"/>
+              <a:t>全精度</a:t>
+            </a:r>
+            <a:r>
+              <a:rPr lang="zh-CN" altLang="en-US" dirty="0" smtClean="0"/>
+              <a:t>）</a:t>
+            </a:r>
+            <a:r>
+              <a:rPr lang="zh-CN" altLang="zh-CN" dirty="0" smtClean="0"/>
+              <a:t>浮点</a:t>
+            </a:r>
+            <a:r>
+              <a:rPr lang="zh-CN" altLang="en-US" dirty="0" smtClean="0"/>
+              <a:t>的</a:t>
+            </a:r>
+            <a:r>
+              <a:rPr lang="en-US" altLang="zh-CN" dirty="0" smtClean="0"/>
+              <a:t> </a:t>
+            </a:r>
+            <a:r>
+              <a:rPr lang="en-US" altLang="zh-CN" dirty="0" smtClean="0"/>
+              <a:t>UV</a:t>
+            </a:r>
+            <a:r>
+              <a:rPr lang="zh-CN" altLang="en-US" dirty="0" smtClean="0"/>
+              <a:t>，顶点颜色</a:t>
+            </a:r>
+            <a:r>
+              <a:rPr lang="en-US" altLang="zh-CN" dirty="0" err="1" smtClean="0"/>
+              <a:t>RGB</a:t>
+            </a:r>
+            <a:r>
+              <a:rPr lang="zh-CN" altLang="en-US" dirty="0" smtClean="0"/>
+              <a:t>为</a:t>
+            </a:r>
+            <a:r>
+              <a:rPr lang="en-US" altLang="zh-CN" dirty="0" smtClean="0"/>
+              <a:t>32</a:t>
+            </a:r>
+            <a:r>
+              <a:rPr lang="zh-CN" altLang="en-US" dirty="0" smtClean="0"/>
+              <a:t>位（含</a:t>
+            </a:r>
+            <a:r>
+              <a:rPr lang="en-US" altLang="zh-CN" dirty="0" smtClean="0"/>
+              <a:t>Alpha</a:t>
+            </a:r>
+            <a:r>
+              <a:rPr lang="zh-CN" altLang="en-US" dirty="0" smtClean="0"/>
+              <a:t>通道），总计</a:t>
+            </a:r>
+            <a:r>
+              <a:rPr lang="zh-CN" altLang="zh-CN" dirty="0" smtClean="0"/>
+              <a:t>为</a:t>
+            </a:r>
+            <a:r>
+              <a:rPr lang="en-US" altLang="zh-CN" dirty="0" smtClean="0"/>
+              <a:t>24 </a:t>
+            </a:r>
+            <a:r>
+              <a:rPr lang="zh-CN" altLang="zh-CN" dirty="0"/>
+              <a:t>或</a:t>
+            </a:r>
+            <a:r>
+              <a:rPr lang="en-US" altLang="zh-CN" dirty="0"/>
+              <a:t> 28 </a:t>
+            </a:r>
+            <a:r>
+              <a:rPr lang="zh-CN" altLang="zh-CN" dirty="0" smtClean="0"/>
+              <a:t>字节</a:t>
+            </a:r>
+            <a:r>
+              <a:rPr lang="zh-CN" altLang="en-US" dirty="0" smtClean="0"/>
               <a:t>。</a:t>
             </a:r>
             <a:endParaRPr lang="en-US" altLang="zh-CN" dirty="0" smtClean="0"/>
           </a:p>
           <a:p>
+            <a:endParaRPr lang="en-US" altLang="zh-CN" dirty="0" smtClean="0"/>
+          </a:p>
+          <a:p>
             <a:r>
               <a:rPr lang="zh-CN" altLang="zh-CN" dirty="0"/>
-              <a:t>官方推荐地形尺寸如下图所示</a:t>
+              <a:t>这意味着在相同的顶点密度下</a:t>
+            </a:r>
+            <a:r>
+              <a:rPr lang="zh-CN" altLang="zh-CN" dirty="0" smtClean="0"/>
+              <a:t>，</a:t>
+            </a:r>
+            <a:r>
+              <a:rPr lang="en-US" altLang="zh-CN" dirty="0"/>
+              <a:t> Static Meshes</a:t>
+            </a:r>
+            <a:r>
+              <a:rPr lang="zh-CN" altLang="zh-CN" dirty="0" smtClean="0"/>
+              <a:t>占用</a:t>
+            </a:r>
+            <a:r>
+              <a:rPr lang="zh-CN" altLang="zh-CN" dirty="0"/>
+              <a:t>的内存是地形的</a:t>
+            </a:r>
+            <a:r>
+              <a:rPr lang="en-US" altLang="zh-CN" sz="3200" dirty="0">
+                <a:solidFill>
+                  <a:srgbClr val="FF0000"/>
+                </a:solidFill>
+              </a:rPr>
+              <a:t>6</a:t>
+            </a:r>
+            <a:r>
+              <a:rPr lang="zh-CN" altLang="zh-CN" dirty="0"/>
+              <a:t>或</a:t>
+            </a:r>
+            <a:r>
+              <a:rPr lang="en-US" altLang="zh-CN" sz="3200" dirty="0">
+                <a:solidFill>
+                  <a:srgbClr val="FF0000"/>
+                </a:solidFill>
+              </a:rPr>
+              <a:t>7</a:t>
+            </a:r>
+            <a:r>
+              <a:rPr lang="zh-CN" altLang="zh-CN" dirty="0"/>
+              <a:t>倍</a:t>
             </a:r>
             <a:r>
               <a:rPr lang="zh-CN" altLang="zh-CN" dirty="0" smtClean="0"/>
               <a:t>。</a:t>
             </a:r>
-            <a:endParaRPr lang="zh-CN" altLang="zh-CN" dirty="0"/>
+            <a:endParaRPr lang="en-US" altLang="zh-CN" dirty="0" smtClean="0"/>
           </a:p>
         </p:txBody>
       </p:sp>
       <p:pic>
         <p:nvPicPr>
-          <p:cNvPr id="5" name="图片 4"/>
+          <p:cNvPr id="4" name="图片 3"/>
           <p:cNvPicPr>
             <a:picLocks noChangeAspect="1"/>
           </p:cNvPicPr>
@@ -31130,8 +33401,8 @@
         </p:blipFill>
         <p:spPr>
           <a:xfrm>
-            <a:off x="1578077" y="3501045"/>
-            <a:ext cx="8346872" cy="2756403"/>
+            <a:off x="6991839" y="2460029"/>
+            <a:ext cx="4509178" cy="3013208"/>
           </a:xfrm>
           <a:prstGeom prst="rect">
             <a:avLst/>
@@ -31141,7 +33412,7 @@
     </p:spTree>
     <p:extLst>
       <p:ext uri="{BB962C8B-B14F-4D97-AF65-F5344CB8AC3E}">
-        <p14:creationId xmlns:p14="http://schemas.microsoft.com/office/powerpoint/2010/main" val="2867916538"/>
+        <p14:creationId xmlns:p14="http://schemas.microsoft.com/office/powerpoint/2010/main" val="4037741596"/>
       </p:ext>
     </p:extLst>
   </p:cSld>
@@ -31199,11 +33470,15 @@
               <a:t>：</a:t>
             </a:r>
             <a:r>
-              <a:rPr lang="zh-CN" altLang="zh-CN" dirty="0"/>
-              <a:t>地形系统创建地形的</a:t>
-            </a:r>
-            <a:r>
-              <a:rPr lang="zh-CN" altLang="zh-CN" dirty="0" smtClean="0"/>
+              <a:rPr lang="en-US" altLang="zh-CN" b="1" dirty="0"/>
+              <a:t> GPU</a:t>
+            </a:r>
+            <a:r>
+              <a:rPr lang="zh-CN" altLang="zh-CN" b="1" dirty="0"/>
+              <a:t>中的存储</a:t>
+            </a:r>
+            <a:r>
+              <a:rPr lang="zh-CN" altLang="zh-CN" b="1" dirty="0" smtClean="0"/>
               <a:t>方式</a:t>
             </a:r>
             <a:endParaRPr lang="zh-CN" altLang="en-US" dirty="0"/>
@@ -31226,42 +33501,110 @@
           <a:lstStyle/>
           <a:p>
             <a:r>
+              <a:rPr lang="en-US" altLang="zh-CN" dirty="0"/>
+              <a:t>GPU </a:t>
+            </a:r>
+            <a:r>
               <a:rPr lang="zh-CN" altLang="zh-CN" dirty="0"/>
-              <a:t>创建地形有两种方式，一种为自定义地形，一种为导入高度图地形</a:t>
+              <a:t>内存中将把地形渲染数据存储</a:t>
             </a:r>
             <a:r>
               <a:rPr lang="zh-CN" altLang="zh-CN" dirty="0" smtClean="0"/>
+              <a:t>为</a:t>
+            </a:r>
+            <a:r>
+              <a:rPr lang="en-US" altLang="zh-CN" dirty="0"/>
+              <a:t>32 </a:t>
+            </a:r>
+            <a:r>
+              <a:rPr lang="zh-CN" altLang="zh-CN" dirty="0" smtClean="0"/>
+              <a:t>位</a:t>
+            </a:r>
+            <a:r>
+              <a:rPr lang="en-US" altLang="zh-CN" dirty="0" err="1" smtClean="0"/>
+              <a:t>RGBA</a:t>
+            </a:r>
+            <a:r>
+              <a:rPr lang="zh-CN" altLang="en-US" dirty="0" smtClean="0"/>
+              <a:t>，</a:t>
+            </a:r>
+            <a:r>
+              <a:rPr lang="zh-CN" altLang="zh-CN" dirty="0"/>
+              <a:t>数据可在顶点着色器中进行</a:t>
+            </a:r>
+            <a:r>
+              <a:rPr lang="zh-CN" altLang="zh-CN" dirty="0" smtClean="0"/>
+              <a:t>查找</a:t>
+            </a:r>
+            <a:r>
+              <a:rPr lang="zh-CN" altLang="en-US" dirty="0" smtClean="0"/>
               <a:t>。</a:t>
             </a:r>
             <a:endParaRPr lang="en-US" altLang="zh-CN" dirty="0" smtClean="0"/>
           </a:p>
           <a:p>
-            <a:r>
-              <a:rPr lang="zh-CN" altLang="zh-CN" dirty="0"/>
-              <a:t>自定义地形方便程序人员快速搭建地形进行</a:t>
-            </a:r>
-            <a:r>
-              <a:rPr lang="zh-CN" altLang="zh-CN" dirty="0" smtClean="0"/>
-              <a:t>测试</a:t>
-            </a:r>
-            <a:r>
-              <a:rPr lang="zh-CN" altLang="en-US" dirty="0" smtClean="0"/>
-              <a:t>。</a:t>
-            </a:r>
             <a:endParaRPr lang="en-US" altLang="zh-CN" dirty="0" smtClean="0"/>
           </a:p>
           <a:p>
             <a:r>
               <a:rPr lang="zh-CN" altLang="zh-CN" dirty="0" smtClean="0"/>
-              <a:t>为了</a:t>
+              <a:t>高度</a:t>
+            </a:r>
+            <a:r>
+              <a:rPr lang="zh-CN" altLang="en-US" dirty="0" smtClean="0"/>
+              <a:t>存储在</a:t>
+            </a:r>
+            <a:r>
+              <a:rPr lang="en-US" altLang="zh-CN" dirty="0" smtClean="0"/>
+              <a:t> </a:t>
+            </a:r>
+            <a:r>
+              <a:rPr lang="en-US" altLang="zh-CN" dirty="0"/>
+              <a:t>R </a:t>
             </a:r>
             <a:r>
               <a:rPr lang="zh-CN" altLang="zh-CN" dirty="0"/>
-              <a:t>使地形更加</a:t>
+              <a:t>和</a:t>
+            </a:r>
+            <a:r>
+              <a:rPr lang="en-US" altLang="zh-CN" dirty="0"/>
+              <a:t> G </a:t>
             </a:r>
             <a:r>
               <a:rPr lang="zh-CN" altLang="zh-CN" dirty="0" smtClean="0"/>
-              <a:t>逼真</a:t>
+              <a:t>通道占</a:t>
+            </a:r>
+            <a:r>
+              <a:rPr lang="en-US" altLang="zh-CN" dirty="0" smtClean="0"/>
+              <a:t>16 </a:t>
+            </a:r>
+            <a:r>
+              <a:rPr lang="zh-CN" altLang="zh-CN" dirty="0" smtClean="0"/>
+              <a:t>位，</a:t>
+            </a:r>
+            <a:r>
+              <a:rPr lang="en-US" altLang="zh-CN" dirty="0"/>
+              <a:t>X </a:t>
+            </a:r>
+            <a:r>
+              <a:rPr lang="zh-CN" altLang="zh-CN" dirty="0"/>
+              <a:t>和</a:t>
+            </a:r>
+            <a:r>
+              <a:rPr lang="en-US" altLang="zh-CN" dirty="0"/>
+              <a:t> Y </a:t>
+            </a:r>
+            <a:r>
+              <a:rPr lang="zh-CN" altLang="en-US" dirty="0" smtClean="0"/>
+              <a:t>位移分别占</a:t>
+            </a:r>
+            <a:r>
+              <a:rPr lang="en-US" altLang="zh-CN" dirty="0" smtClean="0"/>
+              <a:t>8 </a:t>
+            </a:r>
+            <a:r>
+              <a:rPr lang="zh-CN" altLang="zh-CN" dirty="0" smtClean="0"/>
+              <a:t>位</a:t>
             </a:r>
             <a:r>
               <a:rPr lang="zh-CN" altLang="en-US" dirty="0" smtClean="0"/>
@@ -31269,94 +33612,48 @@
             </a:r>
             <a:r>
               <a:rPr lang="zh-CN" altLang="zh-CN" dirty="0" smtClean="0"/>
-              <a:t>会使用</a:t>
-            </a:r>
-            <a:r>
-              <a:rPr lang="en-US" altLang="zh-CN" dirty="0" err="1"/>
-              <a:t>GlobalMapper</a:t>
+              <a:t>存储</a:t>
             </a:r>
             <a:r>
               <a:rPr lang="zh-CN" altLang="zh-CN" dirty="0"/>
-              <a:t>、</a:t>
+              <a:t>在</a:t>
+            </a:r>
+            <a:r>
+              <a:rPr lang="en-US" altLang="zh-CN" dirty="0" smtClean="0"/>
+              <a:t> B</a:t>
+            </a:r>
+            <a:r>
+              <a:rPr lang="zh-CN" altLang="zh-CN" dirty="0"/>
+              <a:t>通道和</a:t>
+            </a:r>
+            <a:r>
+              <a:rPr lang="en-US" altLang="zh-CN" dirty="0" smtClean="0"/>
+              <a:t> </a:t>
             </a:r>
             <a:r>
               <a:rPr lang="en-US" altLang="zh-CN" dirty="0"/>
-              <a:t>World Machine</a:t>
+              <a:t>A </a:t>
+            </a:r>
+            <a:r>
+              <a:rPr lang="zh-CN" altLang="zh-CN" dirty="0"/>
+              <a:t>通道</a:t>
             </a:r>
             <a:r>
               <a:rPr lang="zh-CN" altLang="zh-CN" dirty="0" smtClean="0"/>
-              <a:t>等</a:t>
+              <a:t>中</a:t>
             </a:r>
             <a:r>
               <a:rPr lang="zh-CN" altLang="en-US" dirty="0" smtClean="0"/>
-              <a:t>专业</a:t>
-            </a:r>
-            <a:r>
-              <a:rPr lang="zh-CN" altLang="zh-CN" dirty="0" smtClean="0"/>
-              <a:t>工具</a:t>
-            </a:r>
-            <a:r>
-              <a:rPr lang="zh-CN" altLang="zh-CN" dirty="0"/>
-              <a:t>制作高度图来作为地形</a:t>
-            </a:r>
-            <a:r>
-              <a:rPr lang="zh-CN" altLang="zh-CN" dirty="0" smtClean="0"/>
               <a:t>。</a:t>
             </a:r>
-            <a:endParaRPr lang="en-US" altLang="zh-CN" dirty="0" smtClean="0"/>
-          </a:p>
-          <a:p>
-            <a:r>
-              <a:rPr lang="zh-CN" altLang="zh-CN" dirty="0"/>
-              <a:t>高度图的格式为</a:t>
-            </a:r>
-            <a:r>
-              <a:rPr lang="en-US" altLang="zh-CN" dirty="0" err="1"/>
-              <a:t>16bit</a:t>
-            </a:r>
-            <a:r>
-              <a:rPr lang="zh-CN" altLang="zh-CN" dirty="0"/>
-              <a:t>，灰度，以小字节序排列的</a:t>
-            </a:r>
-            <a:r>
-              <a:rPr lang="en-US" altLang="zh-CN" dirty="0"/>
-              <a:t>RAW</a:t>
-            </a:r>
-            <a:r>
-              <a:rPr lang="zh-CN" altLang="zh-CN" dirty="0"/>
-              <a:t>格式</a:t>
-            </a:r>
-            <a:r>
-              <a:rPr lang="zh-CN" altLang="zh-CN" dirty="0" smtClean="0"/>
-              <a:t>。</a:t>
-            </a:r>
-            <a:endParaRPr lang="en-US" altLang="zh-CN" dirty="0" smtClean="0"/>
-          </a:p>
-          <a:p>
-            <a:r>
-              <a:rPr lang="zh-CN" altLang="zh-CN" dirty="0"/>
-              <a:t>虚幻引擎提供了一套强大的工具集，包括雕刻、平滑、平整、斜坡、腐蚀、水力侵蚀、噪点、重新拓扑、可见性</a:t>
-            </a:r>
-            <a:r>
-              <a:rPr lang="zh-CN" altLang="zh-CN"/>
-              <a:t>等</a:t>
-            </a:r>
-            <a:r>
-              <a:rPr lang="zh-CN" altLang="zh-CN" smtClean="0"/>
-              <a:t>功能</a:t>
-            </a:r>
-            <a:r>
-              <a:rPr lang="zh-CN" altLang="en-US" smtClean="0"/>
-              <a:t>，用于对地形的微调甚至重构。</a:t>
-            </a:r>
-            <a:endParaRPr lang="en-US" altLang="zh-CN" dirty="0" smtClean="0"/>
+            <a:endParaRPr lang="zh-CN" altLang="en-US" dirty="0"/>
           </a:p>
         </p:txBody>
       </p:sp>
     </p:spTree>
     <p:extLst>
       <p:ext uri="{BB962C8B-B14F-4D97-AF65-F5344CB8AC3E}">
-        <p14:creationId xmlns:p14="http://schemas.microsoft.com/office/powerpoint/2010/main" val="3906299939"/>
+        <p14:creationId xmlns:p14="http://schemas.microsoft.com/office/powerpoint/2010/main" val="3914974619"/>
       </p:ext>
     </p:extLst>
   </p:cSld>

--- a/Unreal engine 4.pptx
+++ b/Unreal engine 4.pptx
@@ -5976,17 +5976,17 @@
     </dgm:pt>
   </dgm:ptLst>
   <dgm:cxnLst>
+    <dgm:cxn modelId="{D5D717C8-B065-4514-9C7C-A5F9E8F5407C}" srcId="{E5E4075C-5551-4728-ABD2-B83F4D4F354E}" destId="{AA81C890-39CB-41F5-B110-3D9CA9814736}" srcOrd="3" destOrd="0" parTransId="{6EC0B5D7-1285-4BC5-AE43-9CC54CD65CA5}" sibTransId="{78D9799A-0BFB-4804-B5BE-F48EFBD4780D}"/>
+    <dgm:cxn modelId="{229D888D-AFF9-49D4-B3E9-878647522445}" type="presOf" srcId="{4574612B-ACD7-4645-BA16-357B915E0A1E}" destId="{0D65E8FB-9B9B-464F-AC5A-066F1A996B1E}" srcOrd="0" destOrd="0" presId="urn:microsoft.com/office/officeart/2005/8/layout/default"/>
+    <dgm:cxn modelId="{D8063856-6917-415E-9391-E1AAB0694C34}" srcId="{E5E4075C-5551-4728-ABD2-B83F4D4F354E}" destId="{506A9445-0CC4-41BB-BED8-FA047CC74F3D}" srcOrd="0" destOrd="0" parTransId="{E0F36465-A342-4BCD-BD68-FB7DF3A7E3B9}" sibTransId="{476B8E16-8E1C-44E5-8B61-368D5F1242F0}"/>
+    <dgm:cxn modelId="{B8A07039-58F4-41BC-9A33-5DA6832C3074}" srcId="{E5E4075C-5551-4728-ABD2-B83F4D4F354E}" destId="{4574612B-ACD7-4645-BA16-357B915E0A1E}" srcOrd="4" destOrd="0" parTransId="{8F5812A0-A4C6-4675-A827-37FDD80F371A}" sibTransId="{B1E06A27-2CFD-4388-B66D-B728875BFD54}"/>
+    <dgm:cxn modelId="{16E53504-BA57-48C9-B2F9-5315348035B5}" srcId="{E5E4075C-5551-4728-ABD2-B83F4D4F354E}" destId="{FB27F7CA-E712-43B6-BCD8-7A37654D085D}" srcOrd="1" destOrd="0" parTransId="{F8253C77-6AF3-4A0C-8654-664FD60B8864}" sibTransId="{27AB8339-29D7-4752-8B52-71B5E0B1CC97}"/>
+    <dgm:cxn modelId="{AF35498B-7F37-4ABA-9DF9-D8DD3CBDCD71}" type="presOf" srcId="{AA81C890-39CB-41F5-B110-3D9CA9814736}" destId="{2F085381-FDA9-496D-A54C-18125C5AE7A7}" srcOrd="0" destOrd="0" presId="urn:microsoft.com/office/officeart/2005/8/layout/default"/>
+    <dgm:cxn modelId="{CD7AA11D-C6A3-47A4-A248-409EF497980E}" type="presOf" srcId="{E5E4075C-5551-4728-ABD2-B83F4D4F354E}" destId="{69FB003B-57EE-4211-9807-A8B7AB7B07E0}" srcOrd="0" destOrd="0" presId="urn:microsoft.com/office/officeart/2005/8/layout/default"/>
+    <dgm:cxn modelId="{A5312DA2-0F60-4B4B-8E74-A9A3DF9890EB}" srcId="{E5E4075C-5551-4728-ABD2-B83F4D4F354E}" destId="{3FE44FB8-6742-44A8-A631-E66B7C5F27DD}" srcOrd="2" destOrd="0" parTransId="{B5FB1D12-7DCE-46B8-9A84-CE02C8E2E8B7}" sibTransId="{AD83D761-5146-4254-83FB-10E0C08FC939}"/>
     <dgm:cxn modelId="{6E4A9B55-DD44-4D92-90FC-757F38AF6250}" type="presOf" srcId="{FB27F7CA-E712-43B6-BCD8-7A37654D085D}" destId="{074321C5-9573-47B6-BDC6-C905E8DC5C88}" srcOrd="0" destOrd="0" presId="urn:microsoft.com/office/officeart/2005/8/layout/default"/>
-    <dgm:cxn modelId="{229D888D-AFF9-49D4-B3E9-878647522445}" type="presOf" srcId="{4574612B-ACD7-4645-BA16-357B915E0A1E}" destId="{0D65E8FB-9B9B-464F-AC5A-066F1A996B1E}" srcOrd="0" destOrd="0" presId="urn:microsoft.com/office/officeart/2005/8/layout/default"/>
     <dgm:cxn modelId="{E31FB227-7A42-40FC-BD5C-11E90168D257}" type="presOf" srcId="{506A9445-0CC4-41BB-BED8-FA047CC74F3D}" destId="{1F2F9025-D0DC-46C3-9FAB-FBAAC6D923C8}" srcOrd="0" destOrd="0" presId="urn:microsoft.com/office/officeart/2005/8/layout/default"/>
-    <dgm:cxn modelId="{16E53504-BA57-48C9-B2F9-5315348035B5}" srcId="{E5E4075C-5551-4728-ABD2-B83F4D4F354E}" destId="{FB27F7CA-E712-43B6-BCD8-7A37654D085D}" srcOrd="1" destOrd="0" parTransId="{F8253C77-6AF3-4A0C-8654-664FD60B8864}" sibTransId="{27AB8339-29D7-4752-8B52-71B5E0B1CC97}"/>
-    <dgm:cxn modelId="{CD7AA11D-C6A3-47A4-A248-409EF497980E}" type="presOf" srcId="{E5E4075C-5551-4728-ABD2-B83F4D4F354E}" destId="{69FB003B-57EE-4211-9807-A8B7AB7B07E0}" srcOrd="0" destOrd="0" presId="urn:microsoft.com/office/officeart/2005/8/layout/default"/>
-    <dgm:cxn modelId="{B8A07039-58F4-41BC-9A33-5DA6832C3074}" srcId="{E5E4075C-5551-4728-ABD2-B83F4D4F354E}" destId="{4574612B-ACD7-4645-BA16-357B915E0A1E}" srcOrd="4" destOrd="0" parTransId="{8F5812A0-A4C6-4675-A827-37FDD80F371A}" sibTransId="{B1E06A27-2CFD-4388-B66D-B728875BFD54}"/>
-    <dgm:cxn modelId="{AF35498B-7F37-4ABA-9DF9-D8DD3CBDCD71}" type="presOf" srcId="{AA81C890-39CB-41F5-B110-3D9CA9814736}" destId="{2F085381-FDA9-496D-A54C-18125C5AE7A7}" srcOrd="0" destOrd="0" presId="urn:microsoft.com/office/officeart/2005/8/layout/default"/>
-    <dgm:cxn modelId="{A5312DA2-0F60-4B4B-8E74-A9A3DF9890EB}" srcId="{E5E4075C-5551-4728-ABD2-B83F4D4F354E}" destId="{3FE44FB8-6742-44A8-A631-E66B7C5F27DD}" srcOrd="2" destOrd="0" parTransId="{B5FB1D12-7DCE-46B8-9A84-CE02C8E2E8B7}" sibTransId="{AD83D761-5146-4254-83FB-10E0C08FC939}"/>
-    <dgm:cxn modelId="{D5D717C8-B065-4514-9C7C-A5F9E8F5407C}" srcId="{E5E4075C-5551-4728-ABD2-B83F4D4F354E}" destId="{AA81C890-39CB-41F5-B110-3D9CA9814736}" srcOrd="3" destOrd="0" parTransId="{6EC0B5D7-1285-4BC5-AE43-9CC54CD65CA5}" sibTransId="{78D9799A-0BFB-4804-B5BE-F48EFBD4780D}"/>
     <dgm:cxn modelId="{005BD9E5-3A63-41DB-B167-BF84AD5147FC}" type="presOf" srcId="{3FE44FB8-6742-44A8-A631-E66B7C5F27DD}" destId="{125073EE-010C-4B55-9491-C390E0FD2C60}" srcOrd="0" destOrd="0" presId="urn:microsoft.com/office/officeart/2005/8/layout/default"/>
-    <dgm:cxn modelId="{D8063856-6917-415E-9391-E1AAB0694C34}" srcId="{E5E4075C-5551-4728-ABD2-B83F4D4F354E}" destId="{506A9445-0CC4-41BB-BED8-FA047CC74F3D}" srcOrd="0" destOrd="0" parTransId="{E0F36465-A342-4BCD-BD68-FB7DF3A7E3B9}" sibTransId="{476B8E16-8E1C-44E5-8B61-368D5F1242F0}"/>
     <dgm:cxn modelId="{A0D48E16-246F-48E2-A025-A650303B8A86}" type="presParOf" srcId="{69FB003B-57EE-4211-9807-A8B7AB7B07E0}" destId="{1F2F9025-D0DC-46C3-9FAB-FBAAC6D923C8}" srcOrd="0" destOrd="0" presId="urn:microsoft.com/office/officeart/2005/8/layout/default"/>
     <dgm:cxn modelId="{922FE2F5-7C11-4CCC-B4B4-83AFD043ABE1}" type="presParOf" srcId="{69FB003B-57EE-4211-9807-A8B7AB7B07E0}" destId="{3BBB9D84-24DF-4B6C-AEB9-7E7D0689A6A7}" srcOrd="1" destOrd="0" presId="urn:microsoft.com/office/officeart/2005/8/layout/default"/>
     <dgm:cxn modelId="{097B9757-1572-4AE2-B199-304C8D1B01C4}" type="presParOf" srcId="{69FB003B-57EE-4211-9807-A8B7AB7B07E0}" destId="{074321C5-9573-47B6-BDC6-C905E8DC5C88}" srcOrd="2" destOrd="0" presId="urn:microsoft.com/office/officeart/2005/8/layout/default"/>
@@ -8000,7 +8000,7 @@
             </a:spcAft>
           </a:pPr>
           <a:r>
-            <a:rPr lang="zh-CN" sz="4700" b="1" kern="1200" dirty="0" smtClean="0"/>
+            <a:rPr lang="zh-CN" altLang="en-US" sz="4700" b="1" kern="1200" dirty="0" smtClean="0"/>
             <a:t>地形系统</a:t>
           </a:r>
           <a:endParaRPr lang="zh-CN" altLang="en-US" sz="4700" b="1" kern="1200" dirty="0"/>
@@ -8323,7 +8323,7 @@
             </a:spcAft>
           </a:pPr>
           <a:r>
-            <a:rPr lang="zh-CN" altLang="zh-CN" sz="4600" b="1" kern="1200" dirty="0" smtClean="0"/>
+            <a:rPr lang="zh-CN" altLang="en-US" sz="4600" b="1" kern="1200" dirty="0" smtClean="0"/>
             <a:t>更适合创建巨大地形</a:t>
           </a:r>
           <a:endParaRPr lang="zh-CN" altLang="en-US" sz="4600" b="1" kern="1200" dirty="0"/>
@@ -8481,12 +8481,8 @@
             </a:spcAft>
           </a:pPr>
           <a:r>
-            <a:rPr lang="zh-CN" altLang="zh-CN" sz="4600" b="1" kern="1200" dirty="0" smtClean="0"/>
-            <a:t>合理</a:t>
-          </a:r>
-          <a:r>
             <a:rPr lang="zh-CN" altLang="en-US" sz="4600" b="1" kern="1200" dirty="0" smtClean="0"/>
-            <a:t>配置</a:t>
+            <a:t>合理配置</a:t>
           </a:r>
           <a:endParaRPr lang="zh-CN" altLang="en-US" sz="4600" b="1" kern="1200" dirty="0"/>
         </a:p>
@@ -8565,11 +8561,7 @@
           </a:pPr>
           <a:r>
             <a:rPr lang="zh-CN" altLang="en-US" sz="4600" b="1" kern="1200" dirty="0" smtClean="0"/>
-            <a:t>如何</a:t>
-          </a:r>
-          <a:r>
-            <a:rPr lang="zh-CN" altLang="zh-CN" sz="4600" b="1" kern="1200" dirty="0" smtClean="0"/>
-            <a:t>创建</a:t>
+            <a:t>如何创建</a:t>
           </a:r>
           <a:endParaRPr lang="zh-CN" altLang="en-US" sz="4600" b="1" kern="1200" dirty="0"/>
         </a:p>
@@ -8726,7 +8718,7 @@
             </a:spcAft>
           </a:pPr>
           <a:r>
-            <a:rPr lang="zh-CN" altLang="zh-CN" sz="4600" b="1" kern="1200" dirty="0" smtClean="0"/>
+            <a:rPr lang="zh-CN" altLang="en-US" sz="4600" b="1" kern="1200" dirty="0" smtClean="0"/>
             <a:t>存储方式</a:t>
           </a:r>
           <a:endParaRPr lang="zh-CN" altLang="en-US" sz="4600" kern="1200" dirty="0"/>
@@ -19081,7 +19073,7 @@
             <a:fld id="{B61BEF0D-F0BB-DE4B-95CE-6DB70DBA9567}" type="datetimeFigureOut">
               <a:rPr lang="en-US" dirty="0"/>
               <a:pPr/>
-              <a:t>10/26/2017</a:t>
+              <a:t>10/27/2017</a:t>
             </a:fld>
             <a:endParaRPr lang="en-US" dirty="0"/>
           </a:p>
@@ -19412,7 +19404,7 @@
             <a:fld id="{B61BEF0D-F0BB-DE4B-95CE-6DB70DBA9567}" type="datetimeFigureOut">
               <a:rPr lang="en-US" dirty="0"/>
               <a:pPr/>
-              <a:t>10/26/2017</a:t>
+              <a:t>10/27/2017</a:t>
             </a:fld>
             <a:endParaRPr lang="en-US" dirty="0"/>
           </a:p>
@@ -19687,7 +19679,7 @@
             <a:fld id="{B61BEF0D-F0BB-DE4B-95CE-6DB70DBA9567}" type="datetimeFigureOut">
               <a:rPr lang="en-US" dirty="0"/>
               <a:pPr/>
-              <a:t>10/26/2017</a:t>
+              <a:t>10/27/2017</a:t>
             </a:fld>
             <a:endParaRPr lang="en-US" dirty="0"/>
           </a:p>
@@ -20252,7 +20244,7 @@
             <a:fld id="{B61BEF0D-F0BB-DE4B-95CE-6DB70DBA9567}" type="datetimeFigureOut">
               <a:rPr lang="en-US" dirty="0"/>
               <a:pPr/>
-              <a:t>10/26/2017</a:t>
+              <a:t>10/27/2017</a:t>
             </a:fld>
             <a:endParaRPr lang="en-US" dirty="0"/>
           </a:p>
@@ -20527,7 +20519,7 @@
             <a:fld id="{B61BEF0D-F0BB-DE4B-95CE-6DB70DBA9567}" type="datetimeFigureOut">
               <a:rPr lang="en-US" dirty="0"/>
               <a:pPr/>
-              <a:t>10/26/2017</a:t>
+              <a:t>10/27/2017</a:t>
             </a:fld>
             <a:endParaRPr lang="en-US" dirty="0"/>
           </a:p>
@@ -21086,7 +21078,7 @@
             <a:fld id="{B61BEF0D-F0BB-DE4B-95CE-6DB70DBA9567}" type="datetimeFigureOut">
               <a:rPr lang="en-US" dirty="0"/>
               <a:pPr/>
-              <a:t>10/26/2017</a:t>
+              <a:t>10/27/2017</a:t>
             </a:fld>
             <a:endParaRPr lang="en-US" dirty="0"/>
           </a:p>
@@ -21410,7 +21402,7 @@
             <a:fld id="{B61BEF0D-F0BB-DE4B-95CE-6DB70DBA9567}" type="datetimeFigureOut">
               <a:rPr lang="en-US" dirty="0"/>
               <a:pPr/>
-              <a:t>10/26/2017</a:t>
+              <a:t>10/27/2017</a:t>
             </a:fld>
             <a:endParaRPr lang="en-US" dirty="0"/>
           </a:p>
@@ -21612,7 +21604,7 @@
             <a:fld id="{B61BEF0D-F0BB-DE4B-95CE-6DB70DBA9567}" type="datetimeFigureOut">
               <a:rPr lang="en-US" dirty="0"/>
               <a:pPr/>
-              <a:t>10/26/2017</a:t>
+              <a:t>10/27/2017</a:t>
             </a:fld>
             <a:endParaRPr lang="en-US" dirty="0"/>
           </a:p>
@@ -21819,7 +21811,7 @@
             <a:fld id="{B61BEF0D-F0BB-DE4B-95CE-6DB70DBA9567}" type="datetimeFigureOut">
               <a:rPr lang="en-US" dirty="0"/>
               <a:pPr/>
-              <a:t>10/26/2017</a:t>
+              <a:t>10/27/2017</a:t>
             </a:fld>
             <a:endParaRPr lang="en-US" dirty="0"/>
           </a:p>
@@ -22016,7 +22008,7 @@
             <a:fld id="{B61BEF0D-F0BB-DE4B-95CE-6DB70DBA9567}" type="datetimeFigureOut">
               <a:rPr lang="en-US" dirty="0"/>
               <a:pPr/>
-              <a:t>10/26/2017</a:t>
+              <a:t>10/27/2017</a:t>
             </a:fld>
             <a:endParaRPr lang="en-US" dirty="0"/>
           </a:p>
@@ -22289,7 +22281,7 @@
             <a:fld id="{B61BEF0D-F0BB-DE4B-95CE-6DB70DBA9567}" type="datetimeFigureOut">
               <a:rPr lang="en-US" dirty="0"/>
               <a:pPr/>
-              <a:t>10/26/2017</a:t>
+              <a:t>10/27/2017</a:t>
             </a:fld>
             <a:endParaRPr lang="en-US" dirty="0"/>
           </a:p>
@@ -22552,7 +22544,7 @@
             <a:fld id="{B61BEF0D-F0BB-DE4B-95CE-6DB70DBA9567}" type="datetimeFigureOut">
               <a:rPr lang="en-US" dirty="0"/>
               <a:pPr/>
-              <a:t>10/26/2017</a:t>
+              <a:t>10/27/2017</a:t>
             </a:fld>
             <a:endParaRPr lang="en-US" dirty="0"/>
           </a:p>
@@ -22923,7 +22915,7 @@
             <a:fld id="{B61BEF0D-F0BB-DE4B-95CE-6DB70DBA9567}" type="datetimeFigureOut">
               <a:rPr lang="en-US" dirty="0"/>
               <a:pPr/>
-              <a:t>10/26/2017</a:t>
+              <a:t>10/27/2017</a:t>
             </a:fld>
             <a:endParaRPr lang="en-US" dirty="0"/>
           </a:p>
@@ -23068,7 +23060,7 @@
             <a:fld id="{B61BEF0D-F0BB-DE4B-95CE-6DB70DBA9567}" type="datetimeFigureOut">
               <a:rPr lang="en-US" dirty="0"/>
               <a:pPr/>
-              <a:t>10/26/2017</a:t>
+              <a:t>10/27/2017</a:t>
             </a:fld>
             <a:endParaRPr lang="en-US" dirty="0"/>
           </a:p>
@@ -23190,7 +23182,7 @@
             <a:fld id="{B61BEF0D-F0BB-DE4B-95CE-6DB70DBA9567}" type="datetimeFigureOut">
               <a:rPr lang="en-US" dirty="0"/>
               <a:pPr/>
-              <a:t>10/26/2017</a:t>
+              <a:t>10/27/2017</a:t>
             </a:fld>
             <a:endParaRPr lang="en-US" dirty="0"/>
           </a:p>
@@ -23472,7 +23464,7 @@
             <a:fld id="{B61BEF0D-F0BB-DE4B-95CE-6DB70DBA9567}" type="datetimeFigureOut">
               <a:rPr lang="en-US" dirty="0"/>
               <a:pPr/>
-              <a:t>10/26/2017</a:t>
+              <a:t>10/27/2017</a:t>
             </a:fld>
             <a:endParaRPr lang="en-US" dirty="0"/>
           </a:p>
@@ -23793,7 +23785,7 @@
             <a:fld id="{B61BEF0D-F0BB-DE4B-95CE-6DB70DBA9567}" type="datetimeFigureOut">
               <a:rPr lang="en-US" dirty="0"/>
               <a:pPr/>
-              <a:t>10/26/2017</a:t>
+              <a:t>10/27/2017</a:t>
             </a:fld>
             <a:endParaRPr lang="en-US" dirty="0"/>
           </a:p>
@@ -24004,7 +23996,7 @@
             <a:fld id="{B61BEF0D-F0BB-DE4B-95CE-6DB70DBA9567}" type="datetimeFigureOut">
               <a:rPr lang="en-US" dirty="0"/>
               <a:pPr/>
-              <a:t>10/26/2017</a:t>
+              <a:t>10/27/2017</a:t>
             </a:fld>
             <a:endParaRPr lang="en-US" dirty="0"/>
           </a:p>
@@ -29018,11 +29010,7 @@
             </a:r>
             <a:r>
               <a:rPr lang="zh-CN" altLang="zh-CN" dirty="0" smtClean="0"/>
-              <a:t>左右</a:t>
-            </a:r>
-            <a:r>
-              <a:rPr lang="zh-CN" altLang="zh-CN" dirty="0" smtClean="0"/>
-              <a:t>。此时</a:t>
+              <a:t>左右。此时</a:t>
             </a:r>
             <a:r>
               <a:rPr lang="zh-CN" altLang="zh-CN" dirty="0"/>
@@ -31782,11 +31770,7 @@
             </a:r>
             <a:r>
               <a:rPr lang="zh-CN" altLang="zh-CN" dirty="0" smtClean="0"/>
-              <a:t>）分段</a:t>
-            </a:r>
-            <a:r>
-              <a:rPr lang="zh-CN" altLang="zh-CN" dirty="0" smtClean="0"/>
-              <a:t>获得</a:t>
+              <a:t>）分段获得</a:t>
             </a:r>
             <a:r>
               <a:rPr lang="zh-CN" altLang="zh-CN" dirty="0"/>
@@ -33167,11 +33151,7 @@
             </a:r>
             <a:r>
               <a:rPr lang="zh-CN" altLang="zh-CN" dirty="0" smtClean="0"/>
-              <a:t>矢量</a:t>
-            </a:r>
-            <a:r>
-              <a:rPr lang="zh-CN" altLang="zh-CN" dirty="0" smtClean="0"/>
-              <a:t>每个</a:t>
+              <a:t>矢量每个</a:t>
             </a:r>
             <a:r>
               <a:rPr lang="zh-CN" altLang="en-US" dirty="0" smtClean="0"/>
@@ -33195,11 +33175,7 @@
             </a:r>
             <a:r>
               <a:rPr lang="zh-CN" altLang="zh-CN" dirty="0" smtClean="0"/>
-              <a:t>，</a:t>
-            </a:r>
-            <a:r>
-              <a:rPr lang="zh-CN" altLang="zh-CN" dirty="0" smtClean="0"/>
-              <a:t>每个</a:t>
+              <a:t>，每个</a:t>
             </a:r>
             <a:r>
               <a:rPr lang="zh-CN" altLang="zh-CN" dirty="0"/>
@@ -33263,11 +33239,7 @@
             </a:r>
             <a:r>
               <a:rPr lang="en-US" altLang="zh-CN" dirty="0" smtClean="0"/>
-              <a:t> </a:t>
-            </a:r>
-            <a:r>
-              <a:rPr lang="en-US" altLang="zh-CN" dirty="0" smtClean="0"/>
-              <a:t>UV</a:t>
+              <a:t> UV</a:t>
             </a:r>
             <a:r>
               <a:rPr lang="zh-CN" altLang="en-US" dirty="0" smtClean="0"/>
@@ -33275,7 +33247,7 @@
             </a:r>
             <a:r>
               <a:rPr lang="en-US" altLang="zh-CN" dirty="0" err="1" smtClean="0"/>
-              <a:t>RGB</a:t>
+              <a:t>RGBA</a:t>
             </a:r>
             <a:r>
               <a:rPr lang="zh-CN" altLang="en-US" dirty="0" smtClean="0"/>
@@ -33501,12 +33473,20 @@
           <a:lstStyle/>
           <a:p>
             <a:r>
-              <a:rPr lang="en-US" altLang="zh-CN" dirty="0"/>
+              <a:rPr lang="en-US" altLang="zh-CN" dirty="0" smtClean="0"/>
               <a:t>GPU </a:t>
             </a:r>
             <a:r>
+              <a:rPr lang="zh-CN" altLang="en-US" dirty="0"/>
+              <a:t>显存</a:t>
+            </a:r>
+            <a:r>
+              <a:rPr lang="zh-CN" altLang="zh-CN" dirty="0" smtClean="0"/>
+              <a:t>中把</a:t>
+            </a:r>
+            <a:r>
               <a:rPr lang="zh-CN" altLang="zh-CN" dirty="0"/>
-              <a:t>内存中将把地形渲染数据存储</a:t>
+              <a:t>地形渲染数据存储</a:t>
             </a:r>
             <a:r>
               <a:rPr lang="zh-CN" altLang="zh-CN" dirty="0" smtClean="0"/>

--- a/Unreal engine 4.pptx
+++ b/Unreal engine 4.pptx
@@ -7804,19 +7804,19 @@
     </dgm:pt>
   </dgm:ptLst>
   <dgm:cxnLst>
+    <dgm:cxn modelId="{FA646869-4C2C-4C15-93CB-9B1F9DBE4F20}" type="presOf" srcId="{0B555E10-6D6D-4669-B09D-7079C95F9D57}" destId="{2291DC8A-8FAE-4BE0-8A6E-C67DFE2234B2}" srcOrd="0" destOrd="0" presId="urn:microsoft.com/office/officeart/2005/8/layout/hierarchy4"/>
+    <dgm:cxn modelId="{E09B36C1-2F45-4540-B18A-AE991E2FB16F}" srcId="{0B555E10-6D6D-4669-B09D-7079C95F9D57}" destId="{4BC4B251-968A-44A6-9BDA-C23B52081660}" srcOrd="0" destOrd="0" parTransId="{E2AA216B-F9D5-40FE-97B4-11A49EBD34AE}" sibTransId="{E7D27059-F912-41A1-9DAD-8D8EBFDD4C5B}"/>
+    <dgm:cxn modelId="{8028D995-EE8F-477E-9009-93A6D25FC455}" srcId="{4BC4B251-968A-44A6-9BDA-C23B52081660}" destId="{289D1440-74A9-4633-AA20-BA1DF7D46C71}" srcOrd="0" destOrd="0" parTransId="{45A3BA72-327A-479F-B9BB-D323D3B72D92}" sibTransId="{675D9707-9129-47D5-96B9-CFC72CF4FFC8}"/>
     <dgm:cxn modelId="{7A331D42-B77F-4A76-8A57-E9DFDD3734BF}" srcId="{F5959AA6-A77F-4DA1-85C8-5A60806B51CF}" destId="{AC0676C3-4943-42E9-A493-0C3E2E08E5CB}" srcOrd="0" destOrd="0" parTransId="{DAB48857-9870-4BCA-B2D6-6EA597329BD1}" sibTransId="{60C78B78-ACF6-46C4-BBD8-8DBA49496897}"/>
-    <dgm:cxn modelId="{8028D995-EE8F-477E-9009-93A6D25FC455}" srcId="{4BC4B251-968A-44A6-9BDA-C23B52081660}" destId="{289D1440-74A9-4633-AA20-BA1DF7D46C71}" srcOrd="0" destOrd="0" parTransId="{45A3BA72-327A-479F-B9BB-D323D3B72D92}" sibTransId="{675D9707-9129-47D5-96B9-CFC72CF4FFC8}"/>
+    <dgm:cxn modelId="{AD596C65-2B59-40F0-896B-0A66935AF3C7}" srcId="{0B555E10-6D6D-4669-B09D-7079C95F9D57}" destId="{F5959AA6-A77F-4DA1-85C8-5A60806B51CF}" srcOrd="1" destOrd="0" parTransId="{0429369F-A44B-4AA1-9D5F-0D4207D8A5F8}" sibTransId="{2CBED051-A6CB-4588-92F8-64A5B75CC3F4}"/>
+    <dgm:cxn modelId="{BB3ED146-115A-4E53-A6A7-B17A6FA57CA8}" type="presOf" srcId="{289D1440-74A9-4633-AA20-BA1DF7D46C71}" destId="{89AFA72C-CE3F-4B6D-9631-55658B43D4E2}" srcOrd="0" destOrd="0" presId="urn:microsoft.com/office/officeart/2005/8/layout/hierarchy4"/>
+    <dgm:cxn modelId="{3D4F32FE-69D4-4BDE-ACEB-0C7C247C5F74}" type="presOf" srcId="{F5959AA6-A77F-4DA1-85C8-5A60806B51CF}" destId="{BCC1D3D6-6B7A-4324-BE64-63A00C0974E3}" srcOrd="0" destOrd="0" presId="urn:microsoft.com/office/officeart/2005/8/layout/hierarchy4"/>
     <dgm:cxn modelId="{B11A41D3-8132-40D7-8BF9-AE94F7672BE5}" type="presOf" srcId="{D726E65D-BC5C-4207-9F16-79CBA776E0D6}" destId="{9D392200-3550-4D99-A002-290E1D1B4546}" srcOrd="0" destOrd="0" presId="urn:microsoft.com/office/officeart/2005/8/layout/hierarchy4"/>
-    <dgm:cxn modelId="{FA646869-4C2C-4C15-93CB-9B1F9DBE4F20}" type="presOf" srcId="{0B555E10-6D6D-4669-B09D-7079C95F9D57}" destId="{2291DC8A-8FAE-4BE0-8A6E-C67DFE2234B2}" srcOrd="0" destOrd="0" presId="urn:microsoft.com/office/officeart/2005/8/layout/hierarchy4"/>
-    <dgm:cxn modelId="{AD596C65-2B59-40F0-896B-0A66935AF3C7}" srcId="{0B555E10-6D6D-4669-B09D-7079C95F9D57}" destId="{F5959AA6-A77F-4DA1-85C8-5A60806B51CF}" srcOrd="1" destOrd="0" parTransId="{0429369F-A44B-4AA1-9D5F-0D4207D8A5F8}" sibTransId="{2CBED051-A6CB-4588-92F8-64A5B75CC3F4}"/>
     <dgm:cxn modelId="{C8980523-10EC-479E-BF15-B264688570E7}" srcId="{D726E65D-BC5C-4207-9F16-79CBA776E0D6}" destId="{0B555E10-6D6D-4669-B09D-7079C95F9D57}" srcOrd="0" destOrd="0" parTransId="{081F19BD-35FA-4D4D-B151-5D21B1392A3F}" sibTransId="{205F5FC0-D657-494F-B905-099F06258EB6}"/>
     <dgm:cxn modelId="{486CACD2-536F-444C-A680-3150C542B31A}" srcId="{4BC4B251-968A-44A6-9BDA-C23B52081660}" destId="{2CFAABF1-704A-4403-B422-477F0991747F}" srcOrd="1" destOrd="0" parTransId="{D781A181-A07A-467A-AA35-768BC21D1B82}" sibTransId="{79BB19EA-5AE7-4221-939F-4DDE6981ED95}"/>
-    <dgm:cxn modelId="{3D4F32FE-69D4-4BDE-ACEB-0C7C247C5F74}" type="presOf" srcId="{F5959AA6-A77F-4DA1-85C8-5A60806B51CF}" destId="{BCC1D3D6-6B7A-4324-BE64-63A00C0974E3}" srcOrd="0" destOrd="0" presId="urn:microsoft.com/office/officeart/2005/8/layout/hierarchy4"/>
+    <dgm:cxn modelId="{04E66D65-EB3D-483F-95AF-A1DB0FA5F9F2}" type="presOf" srcId="{4BC4B251-968A-44A6-9BDA-C23B52081660}" destId="{17D73CDD-10C7-47F4-9682-DE98CBF3C3BF}" srcOrd="0" destOrd="0" presId="urn:microsoft.com/office/officeart/2005/8/layout/hierarchy4"/>
+    <dgm:cxn modelId="{B8AA3E35-780C-4A03-A36F-FA84E14B003F}" type="presOf" srcId="{AC0676C3-4943-42E9-A493-0C3E2E08E5CB}" destId="{61647EF3-61B8-477B-846C-DF606B24AB25}" srcOrd="0" destOrd="0" presId="urn:microsoft.com/office/officeart/2005/8/layout/hierarchy4"/>
     <dgm:cxn modelId="{5532D87D-BD51-40A7-A214-E10CD7D7744E}" type="presOf" srcId="{2CFAABF1-704A-4403-B422-477F0991747F}" destId="{88C59CB5-12CA-4C80-97B1-E85675E5C658}" srcOrd="0" destOrd="0" presId="urn:microsoft.com/office/officeart/2005/8/layout/hierarchy4"/>
-    <dgm:cxn modelId="{E09B36C1-2F45-4540-B18A-AE991E2FB16F}" srcId="{0B555E10-6D6D-4669-B09D-7079C95F9D57}" destId="{4BC4B251-968A-44A6-9BDA-C23B52081660}" srcOrd="0" destOrd="0" parTransId="{E2AA216B-F9D5-40FE-97B4-11A49EBD34AE}" sibTransId="{E7D27059-F912-41A1-9DAD-8D8EBFDD4C5B}"/>
-    <dgm:cxn modelId="{BB3ED146-115A-4E53-A6A7-B17A6FA57CA8}" type="presOf" srcId="{289D1440-74A9-4633-AA20-BA1DF7D46C71}" destId="{89AFA72C-CE3F-4B6D-9631-55658B43D4E2}" srcOrd="0" destOrd="0" presId="urn:microsoft.com/office/officeart/2005/8/layout/hierarchy4"/>
-    <dgm:cxn modelId="{B8AA3E35-780C-4A03-A36F-FA84E14B003F}" type="presOf" srcId="{AC0676C3-4943-42E9-A493-0C3E2E08E5CB}" destId="{61647EF3-61B8-477B-846C-DF606B24AB25}" srcOrd="0" destOrd="0" presId="urn:microsoft.com/office/officeart/2005/8/layout/hierarchy4"/>
-    <dgm:cxn modelId="{04E66D65-EB3D-483F-95AF-A1DB0FA5F9F2}" type="presOf" srcId="{4BC4B251-968A-44A6-9BDA-C23B52081660}" destId="{17D73CDD-10C7-47F4-9682-DE98CBF3C3BF}" srcOrd="0" destOrd="0" presId="urn:microsoft.com/office/officeart/2005/8/layout/hierarchy4"/>
     <dgm:cxn modelId="{D6575033-F4A6-454C-9F3E-206BE9476D92}" type="presParOf" srcId="{9D392200-3550-4D99-A002-290E1D1B4546}" destId="{FC397C06-1C56-4DF7-8403-67D825B7E4CE}" srcOrd="0" destOrd="0" presId="urn:microsoft.com/office/officeart/2005/8/layout/hierarchy4"/>
     <dgm:cxn modelId="{983CB765-1D4C-46A3-9F29-F7EE478F0C29}" type="presParOf" srcId="{FC397C06-1C56-4DF7-8403-67D825B7E4CE}" destId="{2291DC8A-8FAE-4BE0-8A6E-C67DFE2234B2}" srcOrd="0" destOrd="0" presId="urn:microsoft.com/office/officeart/2005/8/layout/hierarchy4"/>
     <dgm:cxn modelId="{261BA3A4-09C2-4EF3-A5AA-F12BEBE48D73}" type="presParOf" srcId="{FC397C06-1C56-4DF7-8403-67D825B7E4CE}" destId="{1D0D3100-A90D-413E-A533-94EDDC6DAF1C}" srcOrd="1" destOrd="0" presId="urn:microsoft.com/office/officeart/2005/8/layout/hierarchy4"/>
@@ -8000,7 +8000,7 @@
             </a:spcAft>
           </a:pPr>
           <a:r>
-            <a:rPr lang="zh-CN" altLang="en-US" sz="4700" b="1" kern="1200" dirty="0" smtClean="0"/>
+            <a:rPr lang="zh-CN" sz="4700" b="1" kern="1200" dirty="0" smtClean="0"/>
             <a:t>地形系统</a:t>
           </a:r>
           <a:endParaRPr lang="zh-CN" altLang="en-US" sz="4700" b="1" kern="1200" dirty="0"/>
@@ -8323,7 +8323,7 @@
             </a:spcAft>
           </a:pPr>
           <a:r>
-            <a:rPr lang="zh-CN" altLang="en-US" sz="4600" b="1" kern="1200" dirty="0" smtClean="0"/>
+            <a:rPr lang="zh-CN" altLang="zh-CN" sz="4600" b="1" kern="1200" dirty="0" smtClean="0"/>
             <a:t>更适合创建巨大地形</a:t>
           </a:r>
           <a:endParaRPr lang="zh-CN" altLang="en-US" sz="4600" b="1" kern="1200" dirty="0"/>
@@ -8481,8 +8481,12 @@
             </a:spcAft>
           </a:pPr>
           <a:r>
+            <a:rPr lang="zh-CN" altLang="zh-CN" sz="4600" b="1" kern="1200" dirty="0" smtClean="0"/>
+            <a:t>合理</a:t>
+          </a:r>
+          <a:r>
             <a:rPr lang="zh-CN" altLang="en-US" sz="4600" b="1" kern="1200" dirty="0" smtClean="0"/>
-            <a:t>合理配置</a:t>
+            <a:t>配置</a:t>
           </a:r>
           <a:endParaRPr lang="zh-CN" altLang="en-US" sz="4600" b="1" kern="1200" dirty="0"/>
         </a:p>
@@ -8561,7 +8565,11 @@
           </a:pPr>
           <a:r>
             <a:rPr lang="zh-CN" altLang="en-US" sz="4600" b="1" kern="1200" dirty="0" smtClean="0"/>
-            <a:t>如何创建</a:t>
+            <a:t>如何</a:t>
+          </a:r>
+          <a:r>
+            <a:rPr lang="zh-CN" altLang="zh-CN" sz="4600" b="1" kern="1200" dirty="0" smtClean="0"/>
+            <a:t>创建</a:t>
           </a:r>
           <a:endParaRPr lang="zh-CN" altLang="en-US" sz="4600" b="1" kern="1200" dirty="0"/>
         </a:p>
@@ -8718,7 +8726,7 @@
             </a:spcAft>
           </a:pPr>
           <a:r>
-            <a:rPr lang="zh-CN" altLang="en-US" sz="4600" b="1" kern="1200" dirty="0" smtClean="0"/>
+            <a:rPr lang="zh-CN" altLang="zh-CN" sz="4600" b="1" kern="1200" dirty="0" smtClean="0"/>
             <a:t>存储方式</a:t>
           </a:r>
           <a:endParaRPr lang="zh-CN" altLang="en-US" sz="4600" kern="1200" dirty="0"/>
@@ -9646,7 +9654,7 @@
             </a:spcAft>
           </a:pPr>
           <a:r>
-            <a:rPr lang="zh-CN" sz="4500" b="1" kern="1200" dirty="0" smtClean="0"/>
+            <a:rPr lang="zh-CN" altLang="en-US" sz="4500" b="1" kern="1200" dirty="0" smtClean="0"/>
             <a:t>性能测试工具</a:t>
           </a:r>
           <a:endParaRPr lang="zh-CN" altLang="en-US" sz="4500" kern="1200" dirty="0"/>
@@ -9885,7 +9893,7 @@
             </a:spcAft>
           </a:pPr>
           <a:r>
-            <a:rPr lang="zh-CN" sz="4500" kern="1200" dirty="0" smtClean="0"/>
+            <a:rPr lang="zh-CN" altLang="en-US" sz="4500" kern="1200" dirty="0" smtClean="0"/>
             <a:t>提升性能</a:t>
           </a:r>
           <a:endParaRPr lang="zh-CN" altLang="en-US" sz="4500" kern="1200" dirty="0"/>
@@ -10213,7 +10221,7 @@
             </a:spcAft>
           </a:pPr>
           <a:r>
-            <a:rPr lang="zh-CN" sz="3700" b="1" kern="1200" dirty="0" smtClean="0"/>
+            <a:rPr lang="zh-CN" altLang="en-US" sz="3700" b="1" kern="1200" dirty="0" smtClean="0"/>
             <a:t>线性插值</a:t>
           </a:r>
           <a:endParaRPr lang="zh-CN" altLang="en-US" sz="3700" kern="1200" dirty="0"/>
@@ -10371,7 +10379,7 @@
             </a:spcAft>
           </a:pPr>
           <a:r>
-            <a:rPr lang="zh-CN" sz="3700" b="1" kern="1200" dirty="0" smtClean="0"/>
+            <a:rPr lang="zh-CN" altLang="en-US" sz="3700" b="1" kern="1200" dirty="0" smtClean="0"/>
             <a:t>动态材质实例</a:t>
           </a:r>
           <a:endParaRPr lang="zh-CN" altLang="en-US" sz="3700" kern="1200" dirty="0"/>
@@ -19073,7 +19081,7 @@
             <a:fld id="{B61BEF0D-F0BB-DE4B-95CE-6DB70DBA9567}" type="datetimeFigureOut">
               <a:rPr lang="en-US" dirty="0"/>
               <a:pPr/>
-              <a:t>10/27/2017</a:t>
+              <a:t>10/30/2017</a:t>
             </a:fld>
             <a:endParaRPr lang="en-US" dirty="0"/>
           </a:p>
@@ -19404,7 +19412,7 @@
             <a:fld id="{B61BEF0D-F0BB-DE4B-95CE-6DB70DBA9567}" type="datetimeFigureOut">
               <a:rPr lang="en-US" dirty="0"/>
               <a:pPr/>
-              <a:t>10/27/2017</a:t>
+              <a:t>10/30/2017</a:t>
             </a:fld>
             <a:endParaRPr lang="en-US" dirty="0"/>
           </a:p>
@@ -19679,7 +19687,7 @@
             <a:fld id="{B61BEF0D-F0BB-DE4B-95CE-6DB70DBA9567}" type="datetimeFigureOut">
               <a:rPr lang="en-US" dirty="0"/>
               <a:pPr/>
-              <a:t>10/27/2017</a:t>
+              <a:t>10/30/2017</a:t>
             </a:fld>
             <a:endParaRPr lang="en-US" dirty="0"/>
           </a:p>
@@ -20244,7 +20252,7 @@
             <a:fld id="{B61BEF0D-F0BB-DE4B-95CE-6DB70DBA9567}" type="datetimeFigureOut">
               <a:rPr lang="en-US" dirty="0"/>
               <a:pPr/>
-              <a:t>10/27/2017</a:t>
+              <a:t>10/30/2017</a:t>
             </a:fld>
             <a:endParaRPr lang="en-US" dirty="0"/>
           </a:p>
@@ -20519,7 +20527,7 @@
             <a:fld id="{B61BEF0D-F0BB-DE4B-95CE-6DB70DBA9567}" type="datetimeFigureOut">
               <a:rPr lang="en-US" dirty="0"/>
               <a:pPr/>
-              <a:t>10/27/2017</a:t>
+              <a:t>10/30/2017</a:t>
             </a:fld>
             <a:endParaRPr lang="en-US" dirty="0"/>
           </a:p>
@@ -21078,7 +21086,7 @@
             <a:fld id="{B61BEF0D-F0BB-DE4B-95CE-6DB70DBA9567}" type="datetimeFigureOut">
               <a:rPr lang="en-US" dirty="0"/>
               <a:pPr/>
-              <a:t>10/27/2017</a:t>
+              <a:t>10/30/2017</a:t>
             </a:fld>
             <a:endParaRPr lang="en-US" dirty="0"/>
           </a:p>
@@ -21402,7 +21410,7 @@
             <a:fld id="{B61BEF0D-F0BB-DE4B-95CE-6DB70DBA9567}" type="datetimeFigureOut">
               <a:rPr lang="en-US" dirty="0"/>
               <a:pPr/>
-              <a:t>10/27/2017</a:t>
+              <a:t>10/30/2017</a:t>
             </a:fld>
             <a:endParaRPr lang="en-US" dirty="0"/>
           </a:p>
@@ -21604,7 +21612,7 @@
             <a:fld id="{B61BEF0D-F0BB-DE4B-95CE-6DB70DBA9567}" type="datetimeFigureOut">
               <a:rPr lang="en-US" dirty="0"/>
               <a:pPr/>
-              <a:t>10/27/2017</a:t>
+              <a:t>10/30/2017</a:t>
             </a:fld>
             <a:endParaRPr lang="en-US" dirty="0"/>
           </a:p>
@@ -21811,7 +21819,7 @@
             <a:fld id="{B61BEF0D-F0BB-DE4B-95CE-6DB70DBA9567}" type="datetimeFigureOut">
               <a:rPr lang="en-US" dirty="0"/>
               <a:pPr/>
-              <a:t>10/27/2017</a:t>
+              <a:t>10/30/2017</a:t>
             </a:fld>
             <a:endParaRPr lang="en-US" dirty="0"/>
           </a:p>
@@ -22008,7 +22016,7 @@
             <a:fld id="{B61BEF0D-F0BB-DE4B-95CE-6DB70DBA9567}" type="datetimeFigureOut">
               <a:rPr lang="en-US" dirty="0"/>
               <a:pPr/>
-              <a:t>10/27/2017</a:t>
+              <a:t>10/30/2017</a:t>
             </a:fld>
             <a:endParaRPr lang="en-US" dirty="0"/>
           </a:p>
@@ -22281,7 +22289,7 @@
             <a:fld id="{B61BEF0D-F0BB-DE4B-95CE-6DB70DBA9567}" type="datetimeFigureOut">
               <a:rPr lang="en-US" dirty="0"/>
               <a:pPr/>
-              <a:t>10/27/2017</a:t>
+              <a:t>10/30/2017</a:t>
             </a:fld>
             <a:endParaRPr lang="en-US" dirty="0"/>
           </a:p>
@@ -22544,7 +22552,7 @@
             <a:fld id="{B61BEF0D-F0BB-DE4B-95CE-6DB70DBA9567}" type="datetimeFigureOut">
               <a:rPr lang="en-US" dirty="0"/>
               <a:pPr/>
-              <a:t>10/27/2017</a:t>
+              <a:t>10/30/2017</a:t>
             </a:fld>
             <a:endParaRPr lang="en-US" dirty="0"/>
           </a:p>
@@ -22915,7 +22923,7 @@
             <a:fld id="{B61BEF0D-F0BB-DE4B-95CE-6DB70DBA9567}" type="datetimeFigureOut">
               <a:rPr lang="en-US" dirty="0"/>
               <a:pPr/>
-              <a:t>10/27/2017</a:t>
+              <a:t>10/30/2017</a:t>
             </a:fld>
             <a:endParaRPr lang="en-US" dirty="0"/>
           </a:p>
@@ -23060,7 +23068,7 @@
             <a:fld id="{B61BEF0D-F0BB-DE4B-95CE-6DB70DBA9567}" type="datetimeFigureOut">
               <a:rPr lang="en-US" dirty="0"/>
               <a:pPr/>
-              <a:t>10/27/2017</a:t>
+              <a:t>10/30/2017</a:t>
             </a:fld>
             <a:endParaRPr lang="en-US" dirty="0"/>
           </a:p>
@@ -23182,7 +23190,7 @@
             <a:fld id="{B61BEF0D-F0BB-DE4B-95CE-6DB70DBA9567}" type="datetimeFigureOut">
               <a:rPr lang="en-US" dirty="0"/>
               <a:pPr/>
-              <a:t>10/27/2017</a:t>
+              <a:t>10/30/2017</a:t>
             </a:fld>
             <a:endParaRPr lang="en-US" dirty="0"/>
           </a:p>
@@ -23464,7 +23472,7 @@
             <a:fld id="{B61BEF0D-F0BB-DE4B-95CE-6DB70DBA9567}" type="datetimeFigureOut">
               <a:rPr lang="en-US" dirty="0"/>
               <a:pPr/>
-              <a:t>10/27/2017</a:t>
+              <a:t>10/30/2017</a:t>
             </a:fld>
             <a:endParaRPr lang="en-US" dirty="0"/>
           </a:p>
@@ -23785,7 +23793,7 @@
             <a:fld id="{B61BEF0D-F0BB-DE4B-95CE-6DB70DBA9567}" type="datetimeFigureOut">
               <a:rPr lang="en-US" dirty="0"/>
               <a:pPr/>
-              <a:t>10/27/2017</a:t>
+              <a:t>10/30/2017</a:t>
             </a:fld>
             <a:endParaRPr lang="en-US" dirty="0"/>
           </a:p>
@@ -23996,7 +24004,7 @@
             <a:fld id="{B61BEF0D-F0BB-DE4B-95CE-6DB70DBA9567}" type="datetimeFigureOut">
               <a:rPr lang="en-US" dirty="0"/>
               <a:pPr/>
-              <a:t>10/27/2017</a:t>
+              <a:t>10/30/2017</a:t>
             </a:fld>
             <a:endParaRPr lang="en-US" dirty="0"/>
           </a:p>
@@ -25484,7 +25492,23 @@
           <a:p>
             <a:r>
               <a:rPr lang="zh-CN" altLang="zh-CN" dirty="0"/>
-              <a:t>基于体积域的关卡流送易于使用，不要求脚本编写，是控制关卡流送的理想方式</a:t>
+              <a:t>基于体积域的关卡流送易于使用，不</a:t>
+            </a:r>
+            <a:r>
+              <a:rPr lang="zh-CN" altLang="zh-CN" dirty="0" smtClean="0"/>
+              <a:t>要求</a:t>
+            </a:r>
+            <a:r>
+              <a:rPr lang="zh-CN" altLang="en-US" dirty="0" smtClean="0"/>
+              <a:t>复杂的</a:t>
+            </a:r>
+            <a:r>
+              <a:rPr lang="zh-CN" altLang="zh-CN" dirty="0" smtClean="0"/>
+              <a:t>脚本</a:t>
+            </a:r>
+            <a:r>
+              <a:rPr lang="zh-CN" altLang="zh-CN" dirty="0"/>
+              <a:t>编写，是控制关卡流送的理想方式</a:t>
             </a:r>
             <a:r>
               <a:rPr lang="zh-CN" altLang="zh-CN" dirty="0" smtClean="0"/>
@@ -25545,16 +25569,8 @@
               <a:t>，</a:t>
             </a:r>
             <a:r>
-              <a:rPr lang="zh-CN" altLang="zh-CN" dirty="0"/>
-              <a:t>不要求脚本</a:t>
-            </a:r>
-            <a:r>
-              <a:rPr lang="zh-CN" altLang="zh-CN" dirty="0" smtClean="0"/>
-              <a:t>编写</a:t>
-            </a:r>
-            <a:r>
               <a:rPr lang="zh-CN" altLang="en-US" dirty="0" smtClean="0"/>
-              <a:t>，</a:t>
+              <a:t>脚本简单，</a:t>
             </a:r>
             <a:r>
               <a:rPr lang="zh-CN" altLang="zh-CN" dirty="0" smtClean="0"/>
@@ -27169,8 +27185,16 @@
               <a:t>，</a:t>
             </a:r>
             <a:r>
+              <a:rPr lang="zh-CN" altLang="en-US" dirty="0" smtClean="0"/>
+              <a:t>它们</a:t>
+            </a:r>
+            <a:r>
+              <a:rPr lang="zh-CN" altLang="zh-CN" dirty="0" smtClean="0"/>
+              <a:t>都是</a:t>
+            </a:r>
+            <a:r>
               <a:rPr lang="zh-CN" altLang="zh-CN" dirty="0"/>
-              <a:t>它的功能都是由</a:t>
+              <a:t>由</a:t>
             </a:r>
             <a:r>
               <a:rPr lang="en-US" altLang="zh-CN" dirty="0"/>
@@ -27496,8 +27520,8 @@
               <a:t>控制</a:t>
             </a:r>
             <a:r>
-              <a:rPr lang="zh-CN" altLang="en-US" dirty="0" smtClean="0"/>
-              <a:t>，也就是说</a:t>
+              <a:rPr lang="zh-CN" altLang="en-US" dirty="0"/>
+              <a:t>。</a:t>
             </a:r>
             <a:r>
               <a:rPr lang="en-US" altLang="zh-CN" dirty="0" smtClean="0"/>
@@ -27505,7 +27529,11 @@
             </a:r>
             <a:r>
               <a:rPr lang="zh-CN" altLang="en-US" dirty="0" smtClean="0"/>
-              <a:t>可以扮演飞鸟走兽等非人形角色，使得玩家或</a:t>
+              <a:t>可以用来扮演</a:t>
+            </a:r>
+            <a:r>
+              <a:rPr lang="zh-CN" altLang="en-US" dirty="0" smtClean="0"/>
+              <a:t>飞鸟走兽等非人形角色，使得玩家或</a:t>
             </a:r>
             <a:r>
               <a:rPr lang="en-US" altLang="zh-CN" dirty="0" smtClean="0"/>
@@ -27996,27 +28024,92 @@
         <p:spPr>
           <a:xfrm>
             <a:off x="685802" y="2142067"/>
-            <a:ext cx="4509653" cy="3649133"/>
+            <a:ext cx="5065711" cy="3649133"/>
           </a:xfrm>
         </p:spPr>
         <p:txBody>
-          <a:bodyPr/>
+          <a:bodyPr>
+            <a:normAutofit lnSpcReduction="10000"/>
+          </a:bodyPr>
           <a:lstStyle/>
           <a:p>
             <a:r>
+              <a:rPr lang="zh-CN" altLang="en-US" dirty="0" smtClean="0"/>
+              <a:t>控制器：负责</a:t>
+            </a:r>
+            <a:r>
+              <a:rPr lang="zh-CN" altLang="en-US" dirty="0"/>
+              <a:t>转发请求，对请求进行处理。</a:t>
+            </a:r>
+          </a:p>
+          <a:p>
+            <a:r>
+              <a:rPr lang="zh-CN" altLang="en-US" dirty="0" smtClean="0"/>
+              <a:t>视图</a:t>
+            </a:r>
+            <a:r>
+              <a:rPr lang="zh-CN" altLang="en-US" dirty="0"/>
+              <a:t>：</a:t>
+            </a:r>
+            <a:r>
+              <a:rPr lang="en-US" altLang="zh-CN" dirty="0" smtClean="0"/>
+              <a:t> </a:t>
+            </a:r>
+            <a:r>
+              <a:rPr lang="zh-CN" altLang="en-US" dirty="0"/>
+              <a:t>界面设计人员进行图形界面设计。</a:t>
+            </a:r>
+          </a:p>
+          <a:p>
+            <a:r>
+              <a:rPr lang="zh-CN" altLang="en-US" dirty="0" smtClean="0"/>
+              <a:t>模型：程序员</a:t>
+            </a:r>
+            <a:r>
+              <a:rPr lang="zh-CN" altLang="en-US" dirty="0"/>
+              <a:t>编写程序应有的功能（实现算法等等）、数据库专家进行数据管理和数据库设计</a:t>
+            </a:r>
+            <a:r>
+              <a:rPr lang="en-US" altLang="zh-CN" dirty="0"/>
+              <a:t>(</a:t>
+            </a:r>
+            <a:r>
+              <a:rPr lang="zh-CN" altLang="en-US" dirty="0"/>
+              <a:t>可以实现具体的功能</a:t>
+            </a:r>
+            <a:r>
+              <a:rPr lang="en-US" altLang="zh-CN" dirty="0"/>
+              <a:t>)</a:t>
+            </a:r>
+            <a:r>
+              <a:rPr lang="zh-CN" altLang="en-US" dirty="0" smtClean="0"/>
+              <a:t>。</a:t>
+            </a:r>
+            <a:endParaRPr lang="en-US" altLang="zh-CN" dirty="0" smtClean="0"/>
+          </a:p>
+          <a:p>
+            <a:r>
+              <a:rPr lang="zh-CN" altLang="en-US" dirty="0" smtClean="0"/>
+              <a:t>对</a:t>
+            </a:r>
+            <a:r>
+              <a:rPr lang="zh-CN" altLang="zh-CN" dirty="0" smtClean="0"/>
+              <a:t>于</a:t>
+            </a:r>
+            <a:r>
               <a:rPr lang="zh-CN" altLang="zh-CN" dirty="0"/>
-              <a:t>对于游戏引擎而言，</a:t>
-            </a:r>
-            <a:r>
-              <a:rPr lang="en-US" altLang="zh-CN" dirty="0"/>
+              <a:t>游戏引擎而言，</a:t>
+            </a:r>
+            <a:r>
+              <a:rPr lang="en-US" altLang="zh-CN" dirty="0" smtClean="0"/>
               <a:t>“</a:t>
             </a:r>
             <a:r>
-              <a:rPr lang="zh-CN" altLang="zh-CN" dirty="0"/>
-              <a:t>显示</a:t>
-            </a:r>
-            <a:r>
-              <a:rPr lang="en-US" altLang="zh-CN" dirty="0"/>
+              <a:rPr lang="zh-CN" altLang="en-US" dirty="0"/>
+              <a:t>视图</a:t>
+            </a:r>
+            <a:r>
+              <a:rPr lang="en-US" altLang="zh-CN" dirty="0" smtClean="0"/>
               <a:t>”</a:t>
             </a:r>
             <a:r>
@@ -28044,15 +28137,15 @@
               <a:t>或是手柄上的输入和震动，是与玩家直接交互的载体；</a:t>
             </a:r>
             <a:r>
-              <a:rPr lang="en-US" altLang="zh-CN" dirty="0"/>
+              <a:rPr lang="en-US" altLang="zh-CN" dirty="0" smtClean="0"/>
               <a:t>“</a:t>
             </a:r>
             <a:r>
-              <a:rPr lang="zh-CN" altLang="zh-CN" dirty="0"/>
-              <a:t>数据</a:t>
-            </a:r>
-            <a:r>
-              <a:rPr lang="en-US" altLang="zh-CN" dirty="0"/>
+              <a:rPr lang="zh-CN" altLang="en-US" dirty="0"/>
+              <a:t>模型</a:t>
+            </a:r>
+            <a:r>
+              <a:rPr lang="en-US" altLang="zh-CN" dirty="0" smtClean="0"/>
               <a:t>”</a:t>
             </a:r>
             <a:r>
@@ -28089,15 +28182,19 @@
             </a:r>
             <a:r>
               <a:rPr lang="zh-CN" altLang="zh-CN" dirty="0"/>
-              <a:t>等各种元素组织起来的内存数据表示；</a:t>
+              <a:t>等各种元素组织起来</a:t>
+            </a:r>
+            <a:r>
+              <a:rPr lang="zh-CN" altLang="zh-CN" dirty="0" smtClean="0"/>
+              <a:t>的数据；</a:t>
             </a:r>
             <a:r>
               <a:rPr lang="en-US" altLang="zh-CN" dirty="0" smtClean="0"/>
               <a:t>“</a:t>
             </a:r>
             <a:r>
-              <a:rPr lang="zh-CN" altLang="en-US" dirty="0" smtClean="0"/>
-              <a:t>逻辑</a:t>
+              <a:rPr lang="zh-CN" altLang="en-US" dirty="0"/>
+              <a:t>控制器</a:t>
             </a:r>
             <a:r>
               <a:rPr lang="en-US" altLang="zh-CN" dirty="0" smtClean="0"/>
@@ -28162,7 +28259,7 @@
         </p:blipFill>
         <p:spPr>
           <a:xfrm>
-            <a:off x="5453149" y="1653302"/>
+            <a:off x="5751513" y="1653302"/>
             <a:ext cx="5864974" cy="4626661"/>
           </a:xfrm>
           <a:prstGeom prst="rect">
@@ -29193,18 +29290,26 @@
             </a:r>
             <a:r>
               <a:rPr lang="zh-CN" altLang="en-US" dirty="0" smtClean="0"/>
-              <a:t>的坐标系为左手坐标系</a:t>
+              <a:t>的坐标系为左手</a:t>
+            </a:r>
+            <a:r>
+              <a:rPr lang="zh-CN" altLang="en-US" dirty="0" smtClean="0"/>
+              <a:t>坐标系</a:t>
             </a:r>
             <a:endParaRPr lang="en-US" altLang="zh-CN" dirty="0" smtClean="0"/>
           </a:p>
           <a:p>
             <a:r>
+              <a:rPr lang="zh-CN" altLang="en-US" dirty="0" smtClean="0"/>
+              <a:t>拇指代表</a:t>
+            </a:r>
+            <a:r>
               <a:rPr lang="en-US" altLang="zh-CN" dirty="0" smtClean="0"/>
               <a:t>X</a:t>
             </a:r>
             <a:r>
               <a:rPr lang="zh-CN" altLang="en-US" dirty="0" smtClean="0"/>
-              <a:t>轴朝前，</a:t>
+              <a:t>轴，食指代表</a:t>
             </a:r>
             <a:r>
               <a:rPr lang="en-US" altLang="zh-CN" dirty="0" smtClean="0"/>
@@ -29212,7 +29317,7 @@
             </a:r>
             <a:r>
               <a:rPr lang="zh-CN" altLang="en-US" dirty="0" smtClean="0"/>
-              <a:t>轴朝右，</a:t>
+              <a:t>轴，中指代表</a:t>
             </a:r>
             <a:r>
               <a:rPr lang="en-US" altLang="zh-CN" dirty="0" smtClean="0"/>
@@ -29220,7 +29325,49 @@
             </a:r>
             <a:r>
               <a:rPr lang="zh-CN" altLang="en-US" dirty="0" smtClean="0"/>
-              <a:t>轴朝上</a:t>
+              <a:t>轴</a:t>
+            </a:r>
+            <a:endParaRPr lang="en-US" altLang="zh-CN" dirty="0" smtClean="0"/>
+          </a:p>
+          <a:p>
+            <a:r>
+              <a:rPr lang="en-US" altLang="zh-CN" dirty="0" smtClean="0"/>
+              <a:t>X</a:t>
+            </a:r>
+            <a:r>
+              <a:rPr lang="zh-CN" altLang="en-US" dirty="0" smtClean="0"/>
+              <a:t>轴朝前，</a:t>
+            </a:r>
+            <a:r>
+              <a:rPr lang="en-US" altLang="zh-CN" dirty="0" smtClean="0"/>
+              <a:t>Y</a:t>
+            </a:r>
+            <a:r>
+              <a:rPr lang="zh-CN" altLang="en-US" dirty="0" smtClean="0"/>
+              <a:t>轴朝右，</a:t>
+            </a:r>
+            <a:r>
+              <a:rPr lang="en-US" altLang="zh-CN" dirty="0" smtClean="0"/>
+              <a:t>Z</a:t>
+            </a:r>
+            <a:r>
+              <a:rPr lang="zh-CN" altLang="en-US" dirty="0" smtClean="0"/>
+              <a:t>轴朝</a:t>
+            </a:r>
+            <a:r>
+              <a:rPr lang="zh-CN" altLang="en-US" dirty="0" smtClean="0"/>
+              <a:t>上</a:t>
+            </a:r>
+            <a:endParaRPr lang="en-US" altLang="zh-CN" dirty="0" smtClean="0"/>
+          </a:p>
+          <a:p>
+            <a:r>
+              <a:rPr lang="zh-CN" altLang="en-US" dirty="0"/>
+              <a:t>左手</a:t>
+            </a:r>
+            <a:r>
+              <a:rPr lang="zh-CN" altLang="en-US" dirty="0" smtClean="0"/>
+              <a:t>坐标系与右手坐标系的互相转换：只需将任意一条轴的方向取反。</a:t>
             </a:r>
             <a:endParaRPr lang="en-US" altLang="zh-CN" dirty="0" smtClean="0"/>
           </a:p>
@@ -31404,8 +31551,20 @@
               <a:t>地形由组件组成</a:t>
             </a:r>
             <a:r>
+              <a:rPr lang="zh-CN" altLang="zh-CN" dirty="0" smtClean="0"/>
+              <a:t>，</a:t>
+            </a:r>
+            <a:r>
+              <a:rPr lang="zh-CN" altLang="en-US" dirty="0" smtClean="0"/>
+              <a:t>组件</a:t>
+            </a:r>
+            <a:r>
+              <a:rPr lang="zh-CN" altLang="zh-CN" dirty="0" smtClean="0"/>
+              <a:t>最大</a:t>
+            </a:r>
+            <a:r>
               <a:rPr lang="zh-CN" altLang="zh-CN" dirty="0"/>
-              <a:t>，最大支持规格为</a:t>
+              <a:t>支持规格为</a:t>
             </a:r>
             <a:r>
               <a:rPr lang="en-US" altLang="zh-CN" dirty="0"/>
@@ -31697,7 +31856,7 @@
         </p:spPr>
         <p:txBody>
           <a:bodyPr>
-            <a:normAutofit/>
+            <a:normAutofit fontScale="85000" lnSpcReduction="10000"/>
           </a:bodyPr>
           <a:lstStyle/>
           <a:p>
@@ -31758,7 +31917,19 @@
             </a:r>
             <a:r>
               <a:rPr lang="en-US" altLang="zh-CN" dirty="0"/>
-              <a:t> 4 </a:t>
+              <a:t> </a:t>
+            </a:r>
+            <a:r>
+              <a:rPr lang="en-US" altLang="zh-CN" dirty="0" smtClean="0"/>
+              <a:t>1</a:t>
+            </a:r>
+            <a:r>
+              <a:rPr lang="zh-CN" altLang="en-US" dirty="0" smtClean="0"/>
+              <a:t>个组件</a:t>
+            </a:r>
+            <a:r>
+              <a:rPr lang="en-US" altLang="zh-CN" dirty="0" smtClean="0"/>
+              <a:t>4 </a:t>
             </a:r>
             <a:r>
               <a:rPr lang="zh-CN" altLang="zh-CN" dirty="0"/>
@@ -31902,6 +32073,65 @@
             <a:r>
               <a:rPr lang="zh-CN" altLang="en-US" dirty="0" smtClean="0"/>
               <a:t>。</a:t>
+            </a:r>
+            <a:endParaRPr lang="en-US" altLang="zh-CN" dirty="0" smtClean="0"/>
+          </a:p>
+          <a:p>
+            <a:r>
+              <a:rPr lang="en-US" altLang="zh-CN" dirty="0" err="1" smtClean="0"/>
+              <a:t>LOD</a:t>
+            </a:r>
+            <a:r>
+              <a:rPr lang="zh-CN" altLang="en-US" dirty="0" smtClean="0"/>
+              <a:t>即细节层次，随着</a:t>
+            </a:r>
+            <a:r>
+              <a:rPr lang="zh-CN" altLang="en-US" dirty="0"/>
+              <a:t>物体或者模型远离观察者而逐步降低。由于它能够通过</a:t>
+            </a:r>
+            <a:r>
+              <a:rPr lang="zh-CN" altLang="en-US" dirty="0" smtClean="0"/>
+              <a:t>减少多边形的</a:t>
+            </a:r>
+            <a:r>
+              <a:rPr lang="zh-CN" altLang="en-US" dirty="0"/>
+              <a:t>数目从而提升渲染效率，所以</a:t>
+            </a:r>
+            <a:r>
+              <a:rPr lang="zh-CN" altLang="en-US" dirty="0" smtClean="0"/>
+              <a:t>在计算机的视频与游戏中大量使用</a:t>
+            </a:r>
+            <a:r>
+              <a:rPr lang="zh-CN" altLang="en-US" dirty="0"/>
+              <a:t>了这项技术。由于物体距离很远，所以理论上并不会察觉到模型或者物体的视觉质量会有所下降</a:t>
+            </a:r>
+            <a:r>
+              <a:rPr lang="zh-CN" altLang="en-US" dirty="0" smtClean="0"/>
+              <a:t>。具体技术包含</a:t>
+            </a:r>
+            <a:r>
+              <a:rPr lang="zh-CN" altLang="en-US" dirty="0"/>
+              <a:t>分级细节层次</a:t>
+            </a:r>
+            <a:r>
+              <a:rPr lang="zh-CN" altLang="en-US" dirty="0" smtClean="0"/>
+              <a:t>算法，</a:t>
+            </a:r>
+            <a:r>
+              <a:rPr lang="zh-CN" altLang="en-US" dirty="0"/>
+              <a:t>渐进</a:t>
+            </a:r>
+            <a:r>
+              <a:rPr lang="zh-CN" altLang="en-US" dirty="0" smtClean="0"/>
+              <a:t>网格，</a:t>
+            </a:r>
+            <a:r>
+              <a:rPr lang="zh-CN" altLang="en-US" dirty="0"/>
+              <a:t>边缘折叠</a:t>
+            </a:r>
+            <a:r>
+              <a:rPr lang="zh-CN" altLang="en-US" dirty="0" smtClean="0"/>
+              <a:t>变换。</a:t>
             </a:r>
             <a:endParaRPr lang="en-US" altLang="zh-CN" dirty="0" smtClean="0"/>
           </a:p>

--- a/Unreal engine 4.pptx
+++ b/Unreal engine 4.pptx
@@ -7804,19 +7804,19 @@
     </dgm:pt>
   </dgm:ptLst>
   <dgm:cxnLst>
+    <dgm:cxn modelId="{7A331D42-B77F-4A76-8A57-E9DFDD3734BF}" srcId="{F5959AA6-A77F-4DA1-85C8-5A60806B51CF}" destId="{AC0676C3-4943-42E9-A493-0C3E2E08E5CB}" srcOrd="0" destOrd="0" parTransId="{DAB48857-9870-4BCA-B2D6-6EA597329BD1}" sibTransId="{60C78B78-ACF6-46C4-BBD8-8DBA49496897}"/>
+    <dgm:cxn modelId="{8028D995-EE8F-477E-9009-93A6D25FC455}" srcId="{4BC4B251-968A-44A6-9BDA-C23B52081660}" destId="{289D1440-74A9-4633-AA20-BA1DF7D46C71}" srcOrd="0" destOrd="0" parTransId="{45A3BA72-327A-479F-B9BB-D323D3B72D92}" sibTransId="{675D9707-9129-47D5-96B9-CFC72CF4FFC8}"/>
+    <dgm:cxn modelId="{B11A41D3-8132-40D7-8BF9-AE94F7672BE5}" type="presOf" srcId="{D726E65D-BC5C-4207-9F16-79CBA776E0D6}" destId="{9D392200-3550-4D99-A002-290E1D1B4546}" srcOrd="0" destOrd="0" presId="urn:microsoft.com/office/officeart/2005/8/layout/hierarchy4"/>
     <dgm:cxn modelId="{FA646869-4C2C-4C15-93CB-9B1F9DBE4F20}" type="presOf" srcId="{0B555E10-6D6D-4669-B09D-7079C95F9D57}" destId="{2291DC8A-8FAE-4BE0-8A6E-C67DFE2234B2}" srcOrd="0" destOrd="0" presId="urn:microsoft.com/office/officeart/2005/8/layout/hierarchy4"/>
-    <dgm:cxn modelId="{E09B36C1-2F45-4540-B18A-AE991E2FB16F}" srcId="{0B555E10-6D6D-4669-B09D-7079C95F9D57}" destId="{4BC4B251-968A-44A6-9BDA-C23B52081660}" srcOrd="0" destOrd="0" parTransId="{E2AA216B-F9D5-40FE-97B4-11A49EBD34AE}" sibTransId="{E7D27059-F912-41A1-9DAD-8D8EBFDD4C5B}"/>
-    <dgm:cxn modelId="{8028D995-EE8F-477E-9009-93A6D25FC455}" srcId="{4BC4B251-968A-44A6-9BDA-C23B52081660}" destId="{289D1440-74A9-4633-AA20-BA1DF7D46C71}" srcOrd="0" destOrd="0" parTransId="{45A3BA72-327A-479F-B9BB-D323D3B72D92}" sibTransId="{675D9707-9129-47D5-96B9-CFC72CF4FFC8}"/>
-    <dgm:cxn modelId="{7A331D42-B77F-4A76-8A57-E9DFDD3734BF}" srcId="{F5959AA6-A77F-4DA1-85C8-5A60806B51CF}" destId="{AC0676C3-4943-42E9-A493-0C3E2E08E5CB}" srcOrd="0" destOrd="0" parTransId="{DAB48857-9870-4BCA-B2D6-6EA597329BD1}" sibTransId="{60C78B78-ACF6-46C4-BBD8-8DBA49496897}"/>
     <dgm:cxn modelId="{AD596C65-2B59-40F0-896B-0A66935AF3C7}" srcId="{0B555E10-6D6D-4669-B09D-7079C95F9D57}" destId="{F5959AA6-A77F-4DA1-85C8-5A60806B51CF}" srcOrd="1" destOrd="0" parTransId="{0429369F-A44B-4AA1-9D5F-0D4207D8A5F8}" sibTransId="{2CBED051-A6CB-4588-92F8-64A5B75CC3F4}"/>
-    <dgm:cxn modelId="{BB3ED146-115A-4E53-A6A7-B17A6FA57CA8}" type="presOf" srcId="{289D1440-74A9-4633-AA20-BA1DF7D46C71}" destId="{89AFA72C-CE3F-4B6D-9631-55658B43D4E2}" srcOrd="0" destOrd="0" presId="urn:microsoft.com/office/officeart/2005/8/layout/hierarchy4"/>
-    <dgm:cxn modelId="{3D4F32FE-69D4-4BDE-ACEB-0C7C247C5F74}" type="presOf" srcId="{F5959AA6-A77F-4DA1-85C8-5A60806B51CF}" destId="{BCC1D3D6-6B7A-4324-BE64-63A00C0974E3}" srcOrd="0" destOrd="0" presId="urn:microsoft.com/office/officeart/2005/8/layout/hierarchy4"/>
-    <dgm:cxn modelId="{B11A41D3-8132-40D7-8BF9-AE94F7672BE5}" type="presOf" srcId="{D726E65D-BC5C-4207-9F16-79CBA776E0D6}" destId="{9D392200-3550-4D99-A002-290E1D1B4546}" srcOrd="0" destOrd="0" presId="urn:microsoft.com/office/officeart/2005/8/layout/hierarchy4"/>
     <dgm:cxn modelId="{C8980523-10EC-479E-BF15-B264688570E7}" srcId="{D726E65D-BC5C-4207-9F16-79CBA776E0D6}" destId="{0B555E10-6D6D-4669-B09D-7079C95F9D57}" srcOrd="0" destOrd="0" parTransId="{081F19BD-35FA-4D4D-B151-5D21B1392A3F}" sibTransId="{205F5FC0-D657-494F-B905-099F06258EB6}"/>
     <dgm:cxn modelId="{486CACD2-536F-444C-A680-3150C542B31A}" srcId="{4BC4B251-968A-44A6-9BDA-C23B52081660}" destId="{2CFAABF1-704A-4403-B422-477F0991747F}" srcOrd="1" destOrd="0" parTransId="{D781A181-A07A-467A-AA35-768BC21D1B82}" sibTransId="{79BB19EA-5AE7-4221-939F-4DDE6981ED95}"/>
+    <dgm:cxn modelId="{3D4F32FE-69D4-4BDE-ACEB-0C7C247C5F74}" type="presOf" srcId="{F5959AA6-A77F-4DA1-85C8-5A60806B51CF}" destId="{BCC1D3D6-6B7A-4324-BE64-63A00C0974E3}" srcOrd="0" destOrd="0" presId="urn:microsoft.com/office/officeart/2005/8/layout/hierarchy4"/>
+    <dgm:cxn modelId="{5532D87D-BD51-40A7-A214-E10CD7D7744E}" type="presOf" srcId="{2CFAABF1-704A-4403-B422-477F0991747F}" destId="{88C59CB5-12CA-4C80-97B1-E85675E5C658}" srcOrd="0" destOrd="0" presId="urn:microsoft.com/office/officeart/2005/8/layout/hierarchy4"/>
+    <dgm:cxn modelId="{E09B36C1-2F45-4540-B18A-AE991E2FB16F}" srcId="{0B555E10-6D6D-4669-B09D-7079C95F9D57}" destId="{4BC4B251-968A-44A6-9BDA-C23B52081660}" srcOrd="0" destOrd="0" parTransId="{E2AA216B-F9D5-40FE-97B4-11A49EBD34AE}" sibTransId="{E7D27059-F912-41A1-9DAD-8D8EBFDD4C5B}"/>
+    <dgm:cxn modelId="{BB3ED146-115A-4E53-A6A7-B17A6FA57CA8}" type="presOf" srcId="{289D1440-74A9-4633-AA20-BA1DF7D46C71}" destId="{89AFA72C-CE3F-4B6D-9631-55658B43D4E2}" srcOrd="0" destOrd="0" presId="urn:microsoft.com/office/officeart/2005/8/layout/hierarchy4"/>
+    <dgm:cxn modelId="{B8AA3E35-780C-4A03-A36F-FA84E14B003F}" type="presOf" srcId="{AC0676C3-4943-42E9-A493-0C3E2E08E5CB}" destId="{61647EF3-61B8-477B-846C-DF606B24AB25}" srcOrd="0" destOrd="0" presId="urn:microsoft.com/office/officeart/2005/8/layout/hierarchy4"/>
     <dgm:cxn modelId="{04E66D65-EB3D-483F-95AF-A1DB0FA5F9F2}" type="presOf" srcId="{4BC4B251-968A-44A6-9BDA-C23B52081660}" destId="{17D73CDD-10C7-47F4-9682-DE98CBF3C3BF}" srcOrd="0" destOrd="0" presId="urn:microsoft.com/office/officeart/2005/8/layout/hierarchy4"/>
-    <dgm:cxn modelId="{B8AA3E35-780C-4A03-A36F-FA84E14B003F}" type="presOf" srcId="{AC0676C3-4943-42E9-A493-0C3E2E08E5CB}" destId="{61647EF3-61B8-477B-846C-DF606B24AB25}" srcOrd="0" destOrd="0" presId="urn:microsoft.com/office/officeart/2005/8/layout/hierarchy4"/>
-    <dgm:cxn modelId="{5532D87D-BD51-40A7-A214-E10CD7D7744E}" type="presOf" srcId="{2CFAABF1-704A-4403-B422-477F0991747F}" destId="{88C59CB5-12CA-4C80-97B1-E85675E5C658}" srcOrd="0" destOrd="0" presId="urn:microsoft.com/office/officeart/2005/8/layout/hierarchy4"/>
     <dgm:cxn modelId="{D6575033-F4A6-454C-9F3E-206BE9476D92}" type="presParOf" srcId="{9D392200-3550-4D99-A002-290E1D1B4546}" destId="{FC397C06-1C56-4DF7-8403-67D825B7E4CE}" srcOrd="0" destOrd="0" presId="urn:microsoft.com/office/officeart/2005/8/layout/hierarchy4"/>
     <dgm:cxn modelId="{983CB765-1D4C-46A3-9F29-F7EE478F0C29}" type="presParOf" srcId="{FC397C06-1C56-4DF7-8403-67D825B7E4CE}" destId="{2291DC8A-8FAE-4BE0-8A6E-C67DFE2234B2}" srcOrd="0" destOrd="0" presId="urn:microsoft.com/office/officeart/2005/8/layout/hierarchy4"/>
     <dgm:cxn modelId="{261BA3A4-09C2-4EF3-A5AA-F12BEBE48D73}" type="presParOf" srcId="{FC397C06-1C56-4DF7-8403-67D825B7E4CE}" destId="{1D0D3100-A90D-413E-A533-94EDDC6DAF1C}" srcOrd="1" destOrd="0" presId="urn:microsoft.com/office/officeart/2005/8/layout/hierarchy4"/>
@@ -8895,16 +8895,8 @@
             <a:buChar char="••"/>
           </a:pPr>
           <a:r>
-            <a:rPr lang="zh-CN" sz="2600" kern="1200" dirty="0" smtClean="0"/>
-            <a:t>使得在游戏过程中</a:t>
-          </a:r>
-          <a:r>
             <a:rPr lang="zh-CN" altLang="en-US" sz="2600" kern="1200" dirty="0" smtClean="0"/>
-            <a:t>可以</a:t>
-          </a:r>
-          <a:r>
-            <a:rPr lang="zh-CN" sz="2600" kern="1200" dirty="0" smtClean="0"/>
-            <a:t>加载或卸载关卡，并能控制关卡是否可见。</a:t>
+            <a:t>使得在游戏过程中可以加载或卸载关卡，并能控制关卡是否可见。</a:t>
           </a:r>
           <a:endParaRPr lang="zh-CN" altLang="en-US" sz="2600" kern="1200" dirty="0"/>
         </a:p>
@@ -19081,7 +19073,7 @@
             <a:fld id="{B61BEF0D-F0BB-DE4B-95CE-6DB70DBA9567}" type="datetimeFigureOut">
               <a:rPr lang="en-US" dirty="0"/>
               <a:pPr/>
-              <a:t>10/30/2017</a:t>
+              <a:t>10/31/2017</a:t>
             </a:fld>
             <a:endParaRPr lang="en-US" dirty="0"/>
           </a:p>
@@ -19412,7 +19404,7 @@
             <a:fld id="{B61BEF0D-F0BB-DE4B-95CE-6DB70DBA9567}" type="datetimeFigureOut">
               <a:rPr lang="en-US" dirty="0"/>
               <a:pPr/>
-              <a:t>10/30/2017</a:t>
+              <a:t>10/31/2017</a:t>
             </a:fld>
             <a:endParaRPr lang="en-US" dirty="0"/>
           </a:p>
@@ -19687,7 +19679,7 @@
             <a:fld id="{B61BEF0D-F0BB-DE4B-95CE-6DB70DBA9567}" type="datetimeFigureOut">
               <a:rPr lang="en-US" dirty="0"/>
               <a:pPr/>
-              <a:t>10/30/2017</a:t>
+              <a:t>10/31/2017</a:t>
             </a:fld>
             <a:endParaRPr lang="en-US" dirty="0"/>
           </a:p>
@@ -20252,7 +20244,7 @@
             <a:fld id="{B61BEF0D-F0BB-DE4B-95CE-6DB70DBA9567}" type="datetimeFigureOut">
               <a:rPr lang="en-US" dirty="0"/>
               <a:pPr/>
-              <a:t>10/30/2017</a:t>
+              <a:t>10/31/2017</a:t>
             </a:fld>
             <a:endParaRPr lang="en-US" dirty="0"/>
           </a:p>
@@ -20527,7 +20519,7 @@
             <a:fld id="{B61BEF0D-F0BB-DE4B-95CE-6DB70DBA9567}" type="datetimeFigureOut">
               <a:rPr lang="en-US" dirty="0"/>
               <a:pPr/>
-              <a:t>10/30/2017</a:t>
+              <a:t>10/31/2017</a:t>
             </a:fld>
             <a:endParaRPr lang="en-US" dirty="0"/>
           </a:p>
@@ -21086,7 +21078,7 @@
             <a:fld id="{B61BEF0D-F0BB-DE4B-95CE-6DB70DBA9567}" type="datetimeFigureOut">
               <a:rPr lang="en-US" dirty="0"/>
               <a:pPr/>
-              <a:t>10/30/2017</a:t>
+              <a:t>10/31/2017</a:t>
             </a:fld>
             <a:endParaRPr lang="en-US" dirty="0"/>
           </a:p>
@@ -21410,7 +21402,7 @@
             <a:fld id="{B61BEF0D-F0BB-DE4B-95CE-6DB70DBA9567}" type="datetimeFigureOut">
               <a:rPr lang="en-US" dirty="0"/>
               <a:pPr/>
-              <a:t>10/30/2017</a:t>
+              <a:t>10/31/2017</a:t>
             </a:fld>
             <a:endParaRPr lang="en-US" dirty="0"/>
           </a:p>
@@ -21612,7 +21604,7 @@
             <a:fld id="{B61BEF0D-F0BB-DE4B-95CE-6DB70DBA9567}" type="datetimeFigureOut">
               <a:rPr lang="en-US" dirty="0"/>
               <a:pPr/>
-              <a:t>10/30/2017</a:t>
+              <a:t>10/31/2017</a:t>
             </a:fld>
             <a:endParaRPr lang="en-US" dirty="0"/>
           </a:p>
@@ -21819,7 +21811,7 @@
             <a:fld id="{B61BEF0D-F0BB-DE4B-95CE-6DB70DBA9567}" type="datetimeFigureOut">
               <a:rPr lang="en-US" dirty="0"/>
               <a:pPr/>
-              <a:t>10/30/2017</a:t>
+              <a:t>10/31/2017</a:t>
             </a:fld>
             <a:endParaRPr lang="en-US" dirty="0"/>
           </a:p>
@@ -22016,7 +22008,7 @@
             <a:fld id="{B61BEF0D-F0BB-DE4B-95CE-6DB70DBA9567}" type="datetimeFigureOut">
               <a:rPr lang="en-US" dirty="0"/>
               <a:pPr/>
-              <a:t>10/30/2017</a:t>
+              <a:t>10/31/2017</a:t>
             </a:fld>
             <a:endParaRPr lang="en-US" dirty="0"/>
           </a:p>
@@ -22289,7 +22281,7 @@
             <a:fld id="{B61BEF0D-F0BB-DE4B-95CE-6DB70DBA9567}" type="datetimeFigureOut">
               <a:rPr lang="en-US" dirty="0"/>
               <a:pPr/>
-              <a:t>10/30/2017</a:t>
+              <a:t>10/31/2017</a:t>
             </a:fld>
             <a:endParaRPr lang="en-US" dirty="0"/>
           </a:p>
@@ -22552,7 +22544,7 @@
             <a:fld id="{B61BEF0D-F0BB-DE4B-95CE-6DB70DBA9567}" type="datetimeFigureOut">
               <a:rPr lang="en-US" dirty="0"/>
               <a:pPr/>
-              <a:t>10/30/2017</a:t>
+              <a:t>10/31/2017</a:t>
             </a:fld>
             <a:endParaRPr lang="en-US" dirty="0"/>
           </a:p>
@@ -22923,7 +22915,7 @@
             <a:fld id="{B61BEF0D-F0BB-DE4B-95CE-6DB70DBA9567}" type="datetimeFigureOut">
               <a:rPr lang="en-US" dirty="0"/>
               <a:pPr/>
-              <a:t>10/30/2017</a:t>
+              <a:t>10/31/2017</a:t>
             </a:fld>
             <a:endParaRPr lang="en-US" dirty="0"/>
           </a:p>
@@ -23068,7 +23060,7 @@
             <a:fld id="{B61BEF0D-F0BB-DE4B-95CE-6DB70DBA9567}" type="datetimeFigureOut">
               <a:rPr lang="en-US" dirty="0"/>
               <a:pPr/>
-              <a:t>10/30/2017</a:t>
+              <a:t>10/31/2017</a:t>
             </a:fld>
             <a:endParaRPr lang="en-US" dirty="0"/>
           </a:p>
@@ -23190,7 +23182,7 @@
             <a:fld id="{B61BEF0D-F0BB-DE4B-95CE-6DB70DBA9567}" type="datetimeFigureOut">
               <a:rPr lang="en-US" dirty="0"/>
               <a:pPr/>
-              <a:t>10/30/2017</a:t>
+              <a:t>10/31/2017</a:t>
             </a:fld>
             <a:endParaRPr lang="en-US" dirty="0"/>
           </a:p>
@@ -23472,7 +23464,7 @@
             <a:fld id="{B61BEF0D-F0BB-DE4B-95CE-6DB70DBA9567}" type="datetimeFigureOut">
               <a:rPr lang="en-US" dirty="0"/>
               <a:pPr/>
-              <a:t>10/30/2017</a:t>
+              <a:t>10/31/2017</a:t>
             </a:fld>
             <a:endParaRPr lang="en-US" dirty="0"/>
           </a:p>
@@ -23793,7 +23785,7 @@
             <a:fld id="{B61BEF0D-F0BB-DE4B-95CE-6DB70DBA9567}" type="datetimeFigureOut">
               <a:rPr lang="en-US" dirty="0"/>
               <a:pPr/>
-              <a:t>10/30/2017</a:t>
+              <a:t>10/31/2017</a:t>
             </a:fld>
             <a:endParaRPr lang="en-US" dirty="0"/>
           </a:p>
@@ -24004,7 +23996,7 @@
             <a:fld id="{B61BEF0D-F0BB-DE4B-95CE-6DB70DBA9567}" type="datetimeFigureOut">
               <a:rPr lang="en-US" dirty="0"/>
               <a:pPr/>
-              <a:t>10/30/2017</a:t>
+              <a:t>10/31/2017</a:t>
             </a:fld>
             <a:endParaRPr lang="en-US" dirty="0"/>
           </a:p>
@@ -27529,11 +27521,7 @@
             </a:r>
             <a:r>
               <a:rPr lang="zh-CN" altLang="en-US" dirty="0" smtClean="0"/>
-              <a:t>可以用来扮演</a:t>
-            </a:r>
-            <a:r>
-              <a:rPr lang="zh-CN" altLang="en-US" dirty="0" smtClean="0"/>
-              <a:t>飞鸟走兽等非人形角色，使得玩家或</a:t>
+              <a:t>可以用来扮演飞鸟走兽等非人形角色，使得玩家或</a:t>
             </a:r>
             <a:r>
               <a:rPr lang="en-US" altLang="zh-CN" dirty="0" smtClean="0"/>
@@ -27720,8 +27708,8 @@
               <a:t>编程： </a:t>
             </a:r>
             <a:r>
-              <a:rPr lang="en-US" altLang="zh-CN" dirty="0" err="1" smtClean="0"/>
-              <a:t>COmpneant</a:t>
+              <a:rPr lang="en-US" altLang="zh-CN" smtClean="0"/>
+              <a:t>COmponent</a:t>
             </a:r>
             <a:endParaRPr lang="zh-CN" altLang="en-US" dirty="0"/>
           </a:p>
@@ -29290,11 +29278,7 @@
             </a:r>
             <a:r>
               <a:rPr lang="zh-CN" altLang="en-US" dirty="0" smtClean="0"/>
-              <a:t>的坐标系为左手</a:t>
-            </a:r>
-            <a:r>
-              <a:rPr lang="zh-CN" altLang="en-US" dirty="0" smtClean="0"/>
-              <a:t>坐标系</a:t>
+              <a:t>的坐标系为左手坐标系</a:t>
             </a:r>
             <a:endParaRPr lang="en-US" altLang="zh-CN" dirty="0" smtClean="0"/>
           </a:p>
@@ -29352,11 +29336,7 @@
             </a:r>
             <a:r>
               <a:rPr lang="zh-CN" altLang="en-US" dirty="0" smtClean="0"/>
-              <a:t>轴朝</a:t>
-            </a:r>
-            <a:r>
-              <a:rPr lang="zh-CN" altLang="en-US" dirty="0" smtClean="0"/>
-              <a:t>上</a:t>
+              <a:t>轴朝上</a:t>
             </a:r>
             <a:endParaRPr lang="en-US" altLang="zh-CN" dirty="0" smtClean="0"/>
           </a:p>
